--- a/Docs/Workshop 03 Selenium - C#.pptx
+++ b/Docs/Workshop 03 Selenium - C#.pptx
@@ -1,48 +1,48 @@
 
 <file path=ppt/presentation.xml><?xml version="1.0" encoding="utf-8"?>
-<p:presentation xmlns:a="http://schemas.openxmlformats.org/drawingml/2006/main" xmlns:r="http://schemas.openxmlformats.org/officeDocument/2006/relationships" xmlns:mc="http://schemas.openxmlformats.org/markup-compatibility/2006" xmlns:mv="urn:schemas-microsoft-com:mac:vml" xmlns:p="http://schemas.openxmlformats.org/presentationml/2006/main" xmlns:c="http://schemas.openxmlformats.org/drawingml/2006/chart" xmlns:dgm="http://schemas.openxmlformats.org/drawingml/2006/diagram" xmlns:o="urn:schemas-microsoft-com:office:office" xmlns:v="urn:schemas-microsoft-com:vml" xmlns:pvml="urn:schemas-microsoft-com:office:powerpoint" xmlns:com="http://schemas.openxmlformats.org/drawingml/2006/compatibility" xmlns:p14="http://schemas.microsoft.com/office/powerpoint/2010/main" xmlns:p15="http://schemas.microsoft.com/office/powerpoint/2012/main" autoCompressPictures="0" embedTrueTypeFonts="1" strictFirstAndLastChars="0" saveSubsetFonts="1">
+<p:presentation xmlns:a="http://schemas.openxmlformats.org/drawingml/2006/main" xmlns:r="http://schemas.openxmlformats.org/officeDocument/2006/relationships" xmlns:p="http://schemas.openxmlformats.org/presentationml/2006/main" strictFirstAndLastChars="0" embedTrueTypeFonts="1" saveSubsetFonts="1" autoCompressPictures="0">
   <p:sldMasterIdLst>
-    <p:sldMasterId id="2147483659" r:id="rId3"/>
+    <p:sldMasterId id="2147483659" r:id="rId1"/>
   </p:sldMasterIdLst>
   <p:notesMasterIdLst>
-    <p:notesMasterId r:id="rId4"/>
+    <p:notesMasterId r:id="rId23"/>
   </p:notesMasterIdLst>
   <p:sldIdLst>
-    <p:sldId id="256" r:id="rId5"/>
-    <p:sldId id="257" r:id="rId6"/>
-    <p:sldId id="258" r:id="rId7"/>
-    <p:sldId id="259" r:id="rId8"/>
-    <p:sldId id="260" r:id="rId9"/>
-    <p:sldId id="261" r:id="rId10"/>
-    <p:sldId id="262" r:id="rId11"/>
-    <p:sldId id="263" r:id="rId12"/>
-    <p:sldId id="264" r:id="rId13"/>
-    <p:sldId id="265" r:id="rId14"/>
-    <p:sldId id="266" r:id="rId15"/>
-    <p:sldId id="267" r:id="rId16"/>
-    <p:sldId id="268" r:id="rId17"/>
-    <p:sldId id="269" r:id="rId18"/>
-    <p:sldId id="270" r:id="rId19"/>
-    <p:sldId id="271" r:id="rId20"/>
-    <p:sldId id="272" r:id="rId21"/>
-    <p:sldId id="273" r:id="rId22"/>
-    <p:sldId id="274" r:id="rId23"/>
-    <p:sldId id="275" r:id="rId24"/>
-    <p:sldId id="276" r:id="rId25"/>
+    <p:sldId id="256" r:id="rId2"/>
+    <p:sldId id="257" r:id="rId3"/>
+    <p:sldId id="258" r:id="rId4"/>
+    <p:sldId id="259" r:id="rId5"/>
+    <p:sldId id="260" r:id="rId6"/>
+    <p:sldId id="261" r:id="rId7"/>
+    <p:sldId id="262" r:id="rId8"/>
+    <p:sldId id="263" r:id="rId9"/>
+    <p:sldId id="264" r:id="rId10"/>
+    <p:sldId id="265" r:id="rId11"/>
+    <p:sldId id="266" r:id="rId12"/>
+    <p:sldId id="267" r:id="rId13"/>
+    <p:sldId id="268" r:id="rId14"/>
+    <p:sldId id="269" r:id="rId15"/>
+    <p:sldId id="270" r:id="rId16"/>
+    <p:sldId id="271" r:id="rId17"/>
+    <p:sldId id="272" r:id="rId18"/>
+    <p:sldId id="273" r:id="rId19"/>
+    <p:sldId id="274" r:id="rId20"/>
+    <p:sldId id="275" r:id="rId21"/>
+    <p:sldId id="276" r:id="rId22"/>
   </p:sldIdLst>
-  <p:sldSz cy="5143500" cx="9144000"/>
+  <p:sldSz cx="9144000" cy="5143500" type="screen16x9"/>
   <p:notesSz cx="6858000" cy="9144000"/>
   <p:embeddedFontLst>
     <p:embeddedFont>
-      <p:font typeface="Proxima Nova"/>
-      <p:regular r:id="rId26"/>
-      <p:bold r:id="rId27"/>
-      <p:italic r:id="rId28"/>
-      <p:boldItalic r:id="rId29"/>
+      <p:font typeface="Proxima Nova" panose="020B0604020202020204" charset="0"/>
+      <p:regular r:id="rId24"/>
+      <p:bold r:id="rId25"/>
+      <p:italic r:id="rId26"/>
+      <p:boldItalic r:id="rId27"/>
     </p:embeddedFont>
   </p:embeddedFontLst>
   <p:defaultTextStyle>
-    <a:defPPr lvl="0" marR="0" rtl="0" algn="l">
+    <a:defPPr marR="0" lvl="0" algn="l" rtl="0">
       <a:lnSpc>
         <a:spcPct val="100000"/>
       </a:lnSpc>
@@ -53,7 +53,7 @@
         <a:spcPts val="0"/>
       </a:spcAft>
     </a:defPPr>
-    <a:lvl1pPr lvl="0" marR="0" rtl="0" algn="l">
+    <a:lvl1pPr marR="0" lvl="0" algn="l" rtl="0">
       <a:lnSpc>
         <a:spcPct val="100000"/>
       </a:lnSpc>
@@ -67,7 +67,7 @@
         <a:srgbClr val="000000"/>
       </a:buClr>
       <a:buFont typeface="Arial"/>
-      <a:defRPr b="0" i="0" sz="1400" u="none" cap="none" strike="noStrike">
+      <a:defRPr sz="1400" b="0" i="0" u="none" strike="noStrike" cap="none">
         <a:solidFill>
           <a:srgbClr val="000000"/>
         </a:solidFill>
@@ -77,7 +77,7 @@
         <a:sym typeface="Arial"/>
       </a:defRPr>
     </a:lvl1pPr>
-    <a:lvl2pPr lvl="1" marR="0" rtl="0" algn="l">
+    <a:lvl2pPr marR="0" lvl="1" algn="l" rtl="0">
       <a:lnSpc>
         <a:spcPct val="100000"/>
       </a:lnSpc>
@@ -91,7 +91,7 @@
         <a:srgbClr val="000000"/>
       </a:buClr>
       <a:buFont typeface="Arial"/>
-      <a:defRPr b="0" i="0" sz="1400" u="none" cap="none" strike="noStrike">
+      <a:defRPr sz="1400" b="0" i="0" u="none" strike="noStrike" cap="none">
         <a:solidFill>
           <a:srgbClr val="000000"/>
         </a:solidFill>
@@ -101,7 +101,7 @@
         <a:sym typeface="Arial"/>
       </a:defRPr>
     </a:lvl2pPr>
-    <a:lvl3pPr lvl="2" marR="0" rtl="0" algn="l">
+    <a:lvl3pPr marR="0" lvl="2" algn="l" rtl="0">
       <a:lnSpc>
         <a:spcPct val="100000"/>
       </a:lnSpc>
@@ -115,7 +115,7 @@
         <a:srgbClr val="000000"/>
       </a:buClr>
       <a:buFont typeface="Arial"/>
-      <a:defRPr b="0" i="0" sz="1400" u="none" cap="none" strike="noStrike">
+      <a:defRPr sz="1400" b="0" i="0" u="none" strike="noStrike" cap="none">
         <a:solidFill>
           <a:srgbClr val="000000"/>
         </a:solidFill>
@@ -125,7 +125,7 @@
         <a:sym typeface="Arial"/>
       </a:defRPr>
     </a:lvl3pPr>
-    <a:lvl4pPr lvl="3" marR="0" rtl="0" algn="l">
+    <a:lvl4pPr marR="0" lvl="3" algn="l" rtl="0">
       <a:lnSpc>
         <a:spcPct val="100000"/>
       </a:lnSpc>
@@ -139,7 +139,7 @@
         <a:srgbClr val="000000"/>
       </a:buClr>
       <a:buFont typeface="Arial"/>
-      <a:defRPr b="0" i="0" sz="1400" u="none" cap="none" strike="noStrike">
+      <a:defRPr sz="1400" b="0" i="0" u="none" strike="noStrike" cap="none">
         <a:solidFill>
           <a:srgbClr val="000000"/>
         </a:solidFill>
@@ -149,7 +149,7 @@
         <a:sym typeface="Arial"/>
       </a:defRPr>
     </a:lvl4pPr>
-    <a:lvl5pPr lvl="4" marR="0" rtl="0" algn="l">
+    <a:lvl5pPr marR="0" lvl="4" algn="l" rtl="0">
       <a:lnSpc>
         <a:spcPct val="100000"/>
       </a:lnSpc>
@@ -163,7 +163,7 @@
         <a:srgbClr val="000000"/>
       </a:buClr>
       <a:buFont typeface="Arial"/>
-      <a:defRPr b="0" i="0" sz="1400" u="none" cap="none" strike="noStrike">
+      <a:defRPr sz="1400" b="0" i="0" u="none" strike="noStrike" cap="none">
         <a:solidFill>
           <a:srgbClr val="000000"/>
         </a:solidFill>
@@ -173,7 +173,7 @@
         <a:sym typeface="Arial"/>
       </a:defRPr>
     </a:lvl5pPr>
-    <a:lvl6pPr lvl="5" marR="0" rtl="0" algn="l">
+    <a:lvl6pPr marR="0" lvl="5" algn="l" rtl="0">
       <a:lnSpc>
         <a:spcPct val="100000"/>
       </a:lnSpc>
@@ -187,7 +187,7 @@
         <a:srgbClr val="000000"/>
       </a:buClr>
       <a:buFont typeface="Arial"/>
-      <a:defRPr b="0" i="0" sz="1400" u="none" cap="none" strike="noStrike">
+      <a:defRPr sz="1400" b="0" i="0" u="none" strike="noStrike" cap="none">
         <a:solidFill>
           <a:srgbClr val="000000"/>
         </a:solidFill>
@@ -197,7 +197,7 @@
         <a:sym typeface="Arial"/>
       </a:defRPr>
     </a:lvl6pPr>
-    <a:lvl7pPr lvl="6" marR="0" rtl="0" algn="l">
+    <a:lvl7pPr marR="0" lvl="6" algn="l" rtl="0">
       <a:lnSpc>
         <a:spcPct val="100000"/>
       </a:lnSpc>
@@ -211,7 +211,7 @@
         <a:srgbClr val="000000"/>
       </a:buClr>
       <a:buFont typeface="Arial"/>
-      <a:defRPr b="0" i="0" sz="1400" u="none" cap="none" strike="noStrike">
+      <a:defRPr sz="1400" b="0" i="0" u="none" strike="noStrike" cap="none">
         <a:solidFill>
           <a:srgbClr val="000000"/>
         </a:solidFill>
@@ -221,7 +221,7 @@
         <a:sym typeface="Arial"/>
       </a:defRPr>
     </a:lvl7pPr>
-    <a:lvl8pPr lvl="7" marR="0" rtl="0" algn="l">
+    <a:lvl8pPr marR="0" lvl="7" algn="l" rtl="0">
       <a:lnSpc>
         <a:spcPct val="100000"/>
       </a:lnSpc>
@@ -235,7 +235,7 @@
         <a:srgbClr val="000000"/>
       </a:buClr>
       <a:buFont typeface="Arial"/>
-      <a:defRPr b="0" i="0" sz="1400" u="none" cap="none" strike="noStrike">
+      <a:defRPr sz="1400" b="0" i="0" u="none" strike="noStrike" cap="none">
         <a:solidFill>
           <a:srgbClr val="000000"/>
         </a:solidFill>
@@ -245,7 +245,7 @@
         <a:sym typeface="Arial"/>
       </a:defRPr>
     </a:lvl8pPr>
-    <a:lvl9pPr lvl="8" marR="0" rtl="0" algn="l">
+    <a:lvl9pPr marR="0" lvl="8" algn="l" rtl="0">
       <a:lnSpc>
         <a:spcPct val="100000"/>
       </a:lnSpc>
@@ -259,7 +259,7 @@
         <a:srgbClr val="000000"/>
       </a:buClr>
       <a:buFont typeface="Arial"/>
-      <a:defRPr b="0" i="0" sz="1400" u="none" cap="none" strike="noStrike">
+      <a:defRPr sz="1400" b="0" i="0" u="none" strike="noStrike" cap="none">
         <a:solidFill>
           <a:srgbClr val="000000"/>
         </a:solidFill>
@@ -274,11 +274,16 @@
 </file>
 
 <file path=ppt/notesMasters/notesMaster1.xml><?xml version="1.0" encoding="utf-8"?>
-<p:notesMaster xmlns:a="http://schemas.openxmlformats.org/drawingml/2006/main" xmlns:r="http://schemas.openxmlformats.org/officeDocument/2006/relationships" xmlns:mc="http://schemas.openxmlformats.org/markup-compatibility/2006" xmlns:mv="urn:schemas-microsoft-com:mac:vml" xmlns:p="http://schemas.openxmlformats.org/presentationml/2006/main" xmlns:c="http://schemas.openxmlformats.org/drawingml/2006/chart" xmlns:dgm="http://schemas.openxmlformats.org/drawingml/2006/diagram" xmlns:o="urn:schemas-microsoft-com:office:office" xmlns:v="urn:schemas-microsoft-com:vml" xmlns:pvml="urn:schemas-microsoft-com:office:powerpoint" xmlns:com="http://schemas.openxmlformats.org/drawingml/2006/compatibility" xmlns:p14="http://schemas.microsoft.com/office/powerpoint/2010/main" xmlns:p15="http://schemas.microsoft.com/office/powerpoint/2012/main">
+<p:notesMaster xmlns:a="http://schemas.openxmlformats.org/drawingml/2006/main" xmlns:r="http://schemas.openxmlformats.org/officeDocument/2006/relationships" xmlns:p="http://schemas.openxmlformats.org/presentationml/2006/main">
   <p:cSld>
+    <p:bg>
+      <p:bgRef idx="1001">
+        <a:schemeClr val="bg1"/>
+      </p:bgRef>
+    </p:bg>
     <p:spTree>
       <p:nvGrpSpPr>
-        <p:cNvPr id="2" name="Shape 2"/>
+        <p:cNvPr id="1" name="Shape 2"/>
         <p:cNvGrpSpPr/>
         <p:nvPr/>
       </p:nvGrpSpPr>
@@ -293,9 +298,11 @@
       <p:sp>
         <p:nvSpPr>
           <p:cNvPr id="3" name="Google Shape;3;n"/>
-          <p:cNvSpPr/>
+          <p:cNvSpPr>
+            <a:spLocks noGrp="1" noRot="1" noChangeAspect="1"/>
+          </p:cNvSpPr>
           <p:nvPr>
-            <p:ph idx="2" type="sldImg"/>
+            <p:ph type="sldImg" idx="2"/>
           </p:nvPr>
         </p:nvSpPr>
         <p:spPr>
@@ -304,9 +311,13 @@
             <a:ext cx="6096075" cy="3429000"/>
           </a:xfrm>
           <a:custGeom>
-            <a:rect b="b" l="l" r="r" t="t"/>
+            <a:avLst/>
+            <a:gdLst/>
+            <a:ahLst/>
+            <a:cxnLst/>
+            <a:rect l="l" t="t" r="r" b="b"/>
             <a:pathLst>
-              <a:path extrusionOk="0" h="120000" w="120000">
+              <a:path w="120000" h="120000" extrusionOk="0">
                 <a:moveTo>
                   <a:pt x="0" y="0"/>
                 </a:moveTo>
@@ -324,23 +335,25 @@
             </a:pathLst>
           </a:custGeom>
           <a:noFill/>
-          <a:ln cap="flat" cmpd="sng" w="9525">
+          <a:ln w="9525" cap="flat" cmpd="sng">
             <a:solidFill>
               <a:srgbClr val="000000"/>
             </a:solidFill>
             <a:prstDash val="solid"/>
             <a:round/>
-            <a:headEnd len="sm" w="sm" type="none"/>
-            <a:tailEnd len="sm" w="sm" type="none"/>
+            <a:headEnd type="none" w="sm" len="sm"/>
+            <a:tailEnd type="none" w="sm" len="sm"/>
           </a:ln>
         </p:spPr>
       </p:sp>
       <p:sp>
         <p:nvSpPr>
           <p:cNvPr id="4" name="Google Shape;4;n"/>
-          <p:cNvSpPr txBox="1"/>
+          <p:cNvSpPr txBox="1">
+            <a:spLocks noGrp="1"/>
+          </p:cNvSpPr>
           <p:nvPr>
-            <p:ph idx="1" type="body"/>
+            <p:ph type="body" idx="1"/>
           </p:nvPr>
         </p:nvSpPr>
         <p:spPr>
@@ -357,9 +370,9 @@
           </a:ln>
         </p:spPr>
         <p:txBody>
-          <a:bodyPr anchorCtr="0" anchor="t" bIns="91425" lIns="91425" spcFirstLastPara="1" rIns="91425" wrap="square" tIns="91425"/>
+          <a:bodyPr spcFirstLastPara="1" wrap="square" lIns="91425" tIns="91425" rIns="91425" bIns="91425" anchor="t" anchorCtr="0"/>
           <a:lstStyle>
-            <a:lvl1pPr indent="-298450" lvl="0" marL="457200">
+            <a:lvl1pPr marL="457200" lvl="0" indent="-298450">
               <a:spcBef>
                 <a:spcPts val="0"/>
               </a:spcBef>
@@ -370,7 +383,7 @@
               <a:buChar char="●"/>
               <a:defRPr sz="1100"/>
             </a:lvl1pPr>
-            <a:lvl2pPr indent="-298450" lvl="1" marL="914400">
+            <a:lvl2pPr marL="914400" lvl="1" indent="-298450">
               <a:spcBef>
                 <a:spcPts val="0"/>
               </a:spcBef>
@@ -381,7 +394,7 @@
               <a:buChar char="○"/>
               <a:defRPr sz="1100"/>
             </a:lvl2pPr>
-            <a:lvl3pPr indent="-298450" lvl="2" marL="1371600">
+            <a:lvl3pPr marL="1371600" lvl="2" indent="-298450">
               <a:spcBef>
                 <a:spcPts val="0"/>
               </a:spcBef>
@@ -392,7 +405,7 @@
               <a:buChar char="■"/>
               <a:defRPr sz="1100"/>
             </a:lvl3pPr>
-            <a:lvl4pPr indent="-298450" lvl="3" marL="1828800">
+            <a:lvl4pPr marL="1828800" lvl="3" indent="-298450">
               <a:spcBef>
                 <a:spcPts val="0"/>
               </a:spcBef>
@@ -403,7 +416,7 @@
               <a:buChar char="●"/>
               <a:defRPr sz="1100"/>
             </a:lvl4pPr>
-            <a:lvl5pPr indent="-298450" lvl="4" marL="2286000">
+            <a:lvl5pPr marL="2286000" lvl="4" indent="-298450">
               <a:spcBef>
                 <a:spcPts val="0"/>
               </a:spcBef>
@@ -414,7 +427,7 @@
               <a:buChar char="○"/>
               <a:defRPr sz="1100"/>
             </a:lvl5pPr>
-            <a:lvl6pPr indent="-298450" lvl="5" marL="2743200">
+            <a:lvl6pPr marL="2743200" lvl="5" indent="-298450">
               <a:spcBef>
                 <a:spcPts val="0"/>
               </a:spcBef>
@@ -425,7 +438,7 @@
               <a:buChar char="■"/>
               <a:defRPr sz="1100"/>
             </a:lvl6pPr>
-            <a:lvl7pPr indent="-298450" lvl="6" marL="3200400">
+            <a:lvl7pPr marL="3200400" lvl="6" indent="-298450">
               <a:spcBef>
                 <a:spcPts val="0"/>
               </a:spcBef>
@@ -436,7 +449,7 @@
               <a:buChar char="●"/>
               <a:defRPr sz="1100"/>
             </a:lvl7pPr>
-            <a:lvl8pPr indent="-298450" lvl="7" marL="3657600">
+            <a:lvl8pPr marL="3657600" lvl="7" indent="-298450">
               <a:spcBef>
                 <a:spcPts val="0"/>
               </a:spcBef>
@@ -447,7 +460,7 @@
               <a:buChar char="○"/>
               <a:defRPr sz="1100"/>
             </a:lvl8pPr>
-            <a:lvl9pPr indent="-298450" lvl="8" marL="4114800">
+            <a:lvl9pPr marL="4114800" lvl="8" indent="-298450">
               <a:spcBef>
                 <a:spcPts val="0"/>
               </a:spcBef>
@@ -459,14 +472,16 @@
               <a:defRPr sz="1100"/>
             </a:lvl9pPr>
           </a:lstStyle>
-          <a:p/>
+          <a:p>
+            <a:endParaRPr/>
+          </a:p>
         </p:txBody>
       </p:sp>
     </p:spTree>
   </p:cSld>
-  <p:clrMap accent1="accent1" accent2="accent2" accent3="accent3" accent4="accent4" accent5="accent5" accent6="accent6" bg1="lt1" bg2="dk2" tx1="dk1" tx2="lt2" folHlink="folHlink" hlink="hlink"/>
+  <p:clrMap bg1="lt1" tx1="dk1" bg2="dk2" tx2="lt2" accent1="accent1" accent2="accent2" accent3="accent3" accent4="accent4" accent5="accent5" accent6="accent6" hlink="hlink" folHlink="folHlink"/>
   <p:notesStyle>
-    <a:defPPr lvl="0" marR="0" rtl="0" algn="l">
+    <a:defPPr marR="0" lvl="0" algn="l" rtl="0">
       <a:lnSpc>
         <a:spcPct val="100000"/>
       </a:lnSpc>
@@ -477,7 +492,7 @@
         <a:spcPts val="0"/>
       </a:spcAft>
     </a:defPPr>
-    <a:lvl1pPr lvl="0" marR="0" rtl="0" algn="l">
+    <a:lvl1pPr marR="0" lvl="0" algn="l" rtl="0">
       <a:lnSpc>
         <a:spcPct val="100000"/>
       </a:lnSpc>
@@ -491,7 +506,7 @@
         <a:srgbClr val="000000"/>
       </a:buClr>
       <a:buFont typeface="Arial"/>
-      <a:defRPr b="0" i="0" sz="1400" u="none" cap="none" strike="noStrike">
+      <a:defRPr sz="1400" b="0" i="0" u="none" strike="noStrike" cap="none">
         <a:solidFill>
           <a:srgbClr val="000000"/>
         </a:solidFill>
@@ -501,7 +516,7 @@
         <a:sym typeface="Arial"/>
       </a:defRPr>
     </a:lvl1pPr>
-    <a:lvl2pPr lvl="1" marR="0" rtl="0" algn="l">
+    <a:lvl2pPr marR="0" lvl="1" algn="l" rtl="0">
       <a:lnSpc>
         <a:spcPct val="100000"/>
       </a:lnSpc>
@@ -515,7 +530,7 @@
         <a:srgbClr val="000000"/>
       </a:buClr>
       <a:buFont typeface="Arial"/>
-      <a:defRPr b="0" i="0" sz="1400" u="none" cap="none" strike="noStrike">
+      <a:defRPr sz="1400" b="0" i="0" u="none" strike="noStrike" cap="none">
         <a:solidFill>
           <a:srgbClr val="000000"/>
         </a:solidFill>
@@ -525,7 +540,7 @@
         <a:sym typeface="Arial"/>
       </a:defRPr>
     </a:lvl2pPr>
-    <a:lvl3pPr lvl="2" marR="0" rtl="0" algn="l">
+    <a:lvl3pPr marR="0" lvl="2" algn="l" rtl="0">
       <a:lnSpc>
         <a:spcPct val="100000"/>
       </a:lnSpc>
@@ -539,7 +554,7 @@
         <a:srgbClr val="000000"/>
       </a:buClr>
       <a:buFont typeface="Arial"/>
-      <a:defRPr b="0" i="0" sz="1400" u="none" cap="none" strike="noStrike">
+      <a:defRPr sz="1400" b="0" i="0" u="none" strike="noStrike" cap="none">
         <a:solidFill>
           <a:srgbClr val="000000"/>
         </a:solidFill>
@@ -549,7 +564,7 @@
         <a:sym typeface="Arial"/>
       </a:defRPr>
     </a:lvl3pPr>
-    <a:lvl4pPr lvl="3" marR="0" rtl="0" algn="l">
+    <a:lvl4pPr marR="0" lvl="3" algn="l" rtl="0">
       <a:lnSpc>
         <a:spcPct val="100000"/>
       </a:lnSpc>
@@ -563,7 +578,7 @@
         <a:srgbClr val="000000"/>
       </a:buClr>
       <a:buFont typeface="Arial"/>
-      <a:defRPr b="0" i="0" sz="1400" u="none" cap="none" strike="noStrike">
+      <a:defRPr sz="1400" b="0" i="0" u="none" strike="noStrike" cap="none">
         <a:solidFill>
           <a:srgbClr val="000000"/>
         </a:solidFill>
@@ -573,7 +588,7 @@
         <a:sym typeface="Arial"/>
       </a:defRPr>
     </a:lvl4pPr>
-    <a:lvl5pPr lvl="4" marR="0" rtl="0" algn="l">
+    <a:lvl5pPr marR="0" lvl="4" algn="l" rtl="0">
       <a:lnSpc>
         <a:spcPct val="100000"/>
       </a:lnSpc>
@@ -587,7 +602,7 @@
         <a:srgbClr val="000000"/>
       </a:buClr>
       <a:buFont typeface="Arial"/>
-      <a:defRPr b="0" i="0" sz="1400" u="none" cap="none" strike="noStrike">
+      <a:defRPr sz="1400" b="0" i="0" u="none" strike="noStrike" cap="none">
         <a:solidFill>
           <a:srgbClr val="000000"/>
         </a:solidFill>
@@ -597,7 +612,7 @@
         <a:sym typeface="Arial"/>
       </a:defRPr>
     </a:lvl5pPr>
-    <a:lvl6pPr lvl="5" marR="0" rtl="0" algn="l">
+    <a:lvl6pPr marR="0" lvl="5" algn="l" rtl="0">
       <a:lnSpc>
         <a:spcPct val="100000"/>
       </a:lnSpc>
@@ -611,7 +626,7 @@
         <a:srgbClr val="000000"/>
       </a:buClr>
       <a:buFont typeface="Arial"/>
-      <a:defRPr b="0" i="0" sz="1400" u="none" cap="none" strike="noStrike">
+      <a:defRPr sz="1400" b="0" i="0" u="none" strike="noStrike" cap="none">
         <a:solidFill>
           <a:srgbClr val="000000"/>
         </a:solidFill>
@@ -621,7 +636,7 @@
         <a:sym typeface="Arial"/>
       </a:defRPr>
     </a:lvl6pPr>
-    <a:lvl7pPr lvl="6" marR="0" rtl="0" algn="l">
+    <a:lvl7pPr marR="0" lvl="6" algn="l" rtl="0">
       <a:lnSpc>
         <a:spcPct val="100000"/>
       </a:lnSpc>
@@ -635,7 +650,7 @@
         <a:srgbClr val="000000"/>
       </a:buClr>
       <a:buFont typeface="Arial"/>
-      <a:defRPr b="0" i="0" sz="1400" u="none" cap="none" strike="noStrike">
+      <a:defRPr sz="1400" b="0" i="0" u="none" strike="noStrike" cap="none">
         <a:solidFill>
           <a:srgbClr val="000000"/>
         </a:solidFill>
@@ -645,7 +660,7 @@
         <a:sym typeface="Arial"/>
       </a:defRPr>
     </a:lvl7pPr>
-    <a:lvl8pPr lvl="7" marR="0" rtl="0" algn="l">
+    <a:lvl8pPr marR="0" lvl="7" algn="l" rtl="0">
       <a:lnSpc>
         <a:spcPct val="100000"/>
       </a:lnSpc>
@@ -659,7 +674,7 @@
         <a:srgbClr val="000000"/>
       </a:buClr>
       <a:buFont typeface="Arial"/>
-      <a:defRPr b="0" i="0" sz="1400" u="none" cap="none" strike="noStrike">
+      <a:defRPr sz="1400" b="0" i="0" u="none" strike="noStrike" cap="none">
         <a:solidFill>
           <a:srgbClr val="000000"/>
         </a:solidFill>
@@ -669,7 +684,7 @@
         <a:sym typeface="Arial"/>
       </a:defRPr>
     </a:lvl8pPr>
-    <a:lvl9pPr lvl="8" marR="0" rtl="0" algn="l">
+    <a:lvl9pPr marR="0" lvl="8" algn="l" rtl="0">
       <a:lnSpc>
         <a:spcPct val="100000"/>
       </a:lnSpc>
@@ -683,7 +698,7 @@
         <a:srgbClr val="000000"/>
       </a:buClr>
       <a:buFont typeface="Arial"/>
-      <a:defRPr b="0" i="0" sz="1400" u="none" cap="none" strike="noStrike">
+      <a:defRPr sz="1400" b="0" i="0" u="none" strike="noStrike" cap="none">
         <a:solidFill>
           <a:srgbClr val="000000"/>
         </a:solidFill>
@@ -698,11 +713,11 @@
 </file>
 
 <file path=ppt/notesSlides/notesSlide1.xml><?xml version="1.0" encoding="utf-8"?>
-<p:notes xmlns:a="http://schemas.openxmlformats.org/drawingml/2006/main" xmlns:r="http://schemas.openxmlformats.org/officeDocument/2006/relationships" xmlns:mc="http://schemas.openxmlformats.org/markup-compatibility/2006" xmlns:mv="urn:schemas-microsoft-com:mac:vml" xmlns:p="http://schemas.openxmlformats.org/presentationml/2006/main" xmlns:c="http://schemas.openxmlformats.org/drawingml/2006/chart" xmlns:dgm="http://schemas.openxmlformats.org/drawingml/2006/diagram" xmlns:o="urn:schemas-microsoft-com:office:office" xmlns:v="urn:schemas-microsoft-com:vml" xmlns:pvml="urn:schemas-microsoft-com:office:powerpoint" xmlns:com="http://schemas.openxmlformats.org/drawingml/2006/compatibility" xmlns:p14="http://schemas.microsoft.com/office/powerpoint/2010/main" xmlns:p15="http://schemas.microsoft.com/office/powerpoint/2012/main" showMasterPhAnim="0" showMasterSp="0">
+<p:notes xmlns:a="http://schemas.openxmlformats.org/drawingml/2006/main" xmlns:r="http://schemas.openxmlformats.org/officeDocument/2006/relationships" xmlns:p="http://schemas.openxmlformats.org/presentationml/2006/main" showMasterSp="0" showMasterPhAnim="0">
   <p:cSld>
     <p:spTree>
       <p:nvGrpSpPr>
-        <p:cNvPr id="55" name="Shape 55"/>
+        <p:cNvPr id="1" name="Shape 55"/>
         <p:cNvGrpSpPr/>
         <p:nvPr/>
       </p:nvGrpSpPr>
@@ -717,20 +732,26 @@
       <p:sp>
         <p:nvSpPr>
           <p:cNvPr id="56" name="Google Shape;56;p:notes"/>
-          <p:cNvSpPr/>
+          <p:cNvSpPr>
+            <a:spLocks noGrp="1" noRot="1" noChangeAspect="1"/>
+          </p:cNvSpPr>
           <p:nvPr>
-            <p:ph idx="2" type="sldImg"/>
+            <p:ph type="sldImg" idx="2"/>
           </p:nvPr>
         </p:nvSpPr>
         <p:spPr>
           <a:xfrm>
-            <a:off x="381300" y="685800"/>
-            <a:ext cx="6096075" cy="3429000"/>
+            <a:off x="381000" y="685800"/>
+            <a:ext cx="6096000" cy="3429000"/>
           </a:xfrm>
           <a:custGeom>
-            <a:rect b="b" l="l" r="r" t="t"/>
+            <a:avLst/>
+            <a:gdLst/>
+            <a:ahLst/>
+            <a:cxnLst/>
+            <a:rect l="l" t="t" r="r" b="b"/>
             <a:pathLst>
-              <a:path extrusionOk="0" h="120000" w="120000">
+              <a:path w="120000" h="120000" extrusionOk="0">
                 <a:moveTo>
                   <a:pt x="0" y="0"/>
                 </a:moveTo>
@@ -752,9 +773,11 @@
       <p:sp>
         <p:nvSpPr>
           <p:cNvPr id="57" name="Google Shape;57;p:notes"/>
-          <p:cNvSpPr txBox="1"/>
+          <p:cNvSpPr txBox="1">
+            <a:spLocks noGrp="1"/>
+          </p:cNvSpPr>
           <p:nvPr>
-            <p:ph idx="1" type="body"/>
+            <p:ph type="body" idx="1"/>
           </p:nvPr>
         </p:nvSpPr>
         <p:spPr>
@@ -767,12 +790,12 @@
           </a:prstGeom>
         </p:spPr>
         <p:txBody>
-          <a:bodyPr anchorCtr="0" anchor="t" bIns="91425" lIns="91425" spcFirstLastPara="1" rIns="91425" wrap="square" tIns="91425">
+          <a:bodyPr spcFirstLastPara="1" wrap="square" lIns="91425" tIns="91425" rIns="91425" bIns="91425" anchor="t" anchorCtr="0">
             <a:noAutofit/>
           </a:bodyPr>
           <a:lstStyle/>
           <a:p>
-            <a:pPr indent="0" lvl="0" marL="0" rtl="0" algn="l">
+            <a:pPr marL="0" lvl="0" indent="0" algn="l" rtl="0">
               <a:spcBef>
                 <a:spcPts val="0"/>
               </a:spcBef>
@@ -798,11 +821,11 @@
 </file>
 
 <file path=ppt/notesSlides/notesSlide10.xml><?xml version="1.0" encoding="utf-8"?>
-<p:notes xmlns:a="http://schemas.openxmlformats.org/drawingml/2006/main" xmlns:r="http://schemas.openxmlformats.org/officeDocument/2006/relationships" xmlns:mc="http://schemas.openxmlformats.org/markup-compatibility/2006" xmlns:mv="urn:schemas-microsoft-com:mac:vml" xmlns:p="http://schemas.openxmlformats.org/presentationml/2006/main" xmlns:c="http://schemas.openxmlformats.org/drawingml/2006/chart" xmlns:dgm="http://schemas.openxmlformats.org/drawingml/2006/diagram" xmlns:o="urn:schemas-microsoft-com:office:office" xmlns:v="urn:schemas-microsoft-com:vml" xmlns:pvml="urn:schemas-microsoft-com:office:powerpoint" xmlns:com="http://schemas.openxmlformats.org/drawingml/2006/compatibility" xmlns:p14="http://schemas.microsoft.com/office/powerpoint/2010/main" xmlns:p15="http://schemas.microsoft.com/office/powerpoint/2012/main" showMasterPhAnim="0" showMasterSp="0">
+<p:notes xmlns:a="http://schemas.openxmlformats.org/drawingml/2006/main" xmlns:r="http://schemas.openxmlformats.org/officeDocument/2006/relationships" xmlns:p="http://schemas.openxmlformats.org/presentationml/2006/main" showMasterSp="0" showMasterPhAnim="0">
   <p:cSld>
     <p:spTree>
       <p:nvGrpSpPr>
-        <p:cNvPr id="141" name="Shape 141"/>
+        <p:cNvPr id="1" name="Shape 141"/>
         <p:cNvGrpSpPr/>
         <p:nvPr/>
       </p:nvGrpSpPr>
@@ -817,9 +840,11 @@
       <p:sp>
         <p:nvSpPr>
           <p:cNvPr id="142" name="Google Shape;142;g4ee3083aa7_0_623:notes"/>
-          <p:cNvSpPr/>
+          <p:cNvSpPr>
+            <a:spLocks noGrp="1" noRot="1" noChangeAspect="1"/>
+          </p:cNvSpPr>
           <p:nvPr>
-            <p:ph idx="2" type="sldImg"/>
+            <p:ph type="sldImg" idx="2"/>
           </p:nvPr>
         </p:nvSpPr>
         <p:spPr>
@@ -828,9 +853,13 @@
             <a:ext cx="6096000" cy="3429000"/>
           </a:xfrm>
           <a:custGeom>
-            <a:rect b="b" l="l" r="r" t="t"/>
+            <a:avLst/>
+            <a:gdLst/>
+            <a:ahLst/>
+            <a:cxnLst/>
+            <a:rect l="l" t="t" r="r" b="b"/>
             <a:pathLst>
-              <a:path extrusionOk="0" h="120000" w="120000">
+              <a:path w="120000" h="120000" extrusionOk="0">
                 <a:moveTo>
                   <a:pt x="0" y="0"/>
                 </a:moveTo>
@@ -852,9 +881,11 @@
       <p:sp>
         <p:nvSpPr>
           <p:cNvPr id="143" name="Google Shape;143;g4ee3083aa7_0_623:notes"/>
-          <p:cNvSpPr txBox="1"/>
+          <p:cNvSpPr txBox="1">
+            <a:spLocks noGrp="1"/>
+          </p:cNvSpPr>
           <p:nvPr>
-            <p:ph idx="1" type="body"/>
+            <p:ph type="body" idx="1"/>
           </p:nvPr>
         </p:nvSpPr>
         <p:spPr>
@@ -867,23 +898,20 @@
           </a:prstGeom>
         </p:spPr>
         <p:txBody>
-          <a:bodyPr anchorCtr="0" anchor="t" bIns="91425" lIns="91425" spcFirstLastPara="1" rIns="91425" wrap="square" tIns="91425">
+          <a:bodyPr spcFirstLastPara="1" wrap="square" lIns="91425" tIns="91425" rIns="91425" bIns="91425" anchor="t" anchorCtr="0">
             <a:noAutofit/>
           </a:bodyPr>
           <a:lstStyle/>
           <a:p>
-            <a:pPr indent="0" lvl="0" marL="0" rtl="0" algn="l">
-              <a:spcBef>
-                <a:spcPts val="0"/>
-              </a:spcBef>
-              <a:spcAft>
-                <a:spcPts val="0"/>
-              </a:spcAft>
-              <a:buNone/>
-            </a:pPr>
-            <a:r>
-              <a:t/>
-            </a:r>
+            <a:pPr marL="0" lvl="0" indent="0" algn="l" rtl="0">
+              <a:spcBef>
+                <a:spcPts val="0"/>
+              </a:spcBef>
+              <a:spcAft>
+                <a:spcPts val="0"/>
+              </a:spcAft>
+              <a:buNone/>
+            </a:pPr>
             <a:endParaRPr/>
           </a:p>
         </p:txBody>
@@ -897,11 +925,11 @@
 </file>
 
 <file path=ppt/notesSlides/notesSlide11.xml><?xml version="1.0" encoding="utf-8"?>
-<p:notes xmlns:a="http://schemas.openxmlformats.org/drawingml/2006/main" xmlns:r="http://schemas.openxmlformats.org/officeDocument/2006/relationships" xmlns:mc="http://schemas.openxmlformats.org/markup-compatibility/2006" xmlns:mv="urn:schemas-microsoft-com:mac:vml" xmlns:p="http://schemas.openxmlformats.org/presentationml/2006/main" xmlns:c="http://schemas.openxmlformats.org/drawingml/2006/chart" xmlns:dgm="http://schemas.openxmlformats.org/drawingml/2006/diagram" xmlns:o="urn:schemas-microsoft-com:office:office" xmlns:v="urn:schemas-microsoft-com:vml" xmlns:pvml="urn:schemas-microsoft-com:office:powerpoint" xmlns:com="http://schemas.openxmlformats.org/drawingml/2006/compatibility" xmlns:p14="http://schemas.microsoft.com/office/powerpoint/2010/main" xmlns:p15="http://schemas.microsoft.com/office/powerpoint/2012/main" showMasterPhAnim="0" showMasterSp="0">
+<p:notes xmlns:a="http://schemas.openxmlformats.org/drawingml/2006/main" xmlns:r="http://schemas.openxmlformats.org/officeDocument/2006/relationships" xmlns:p="http://schemas.openxmlformats.org/presentationml/2006/main" showMasterSp="0" showMasterPhAnim="0">
   <p:cSld>
     <p:spTree>
       <p:nvGrpSpPr>
-        <p:cNvPr id="151" name="Shape 151"/>
+        <p:cNvPr id="1" name="Shape 151"/>
         <p:cNvGrpSpPr/>
         <p:nvPr/>
       </p:nvGrpSpPr>
@@ -916,9 +944,11 @@
       <p:sp>
         <p:nvSpPr>
           <p:cNvPr id="152" name="Google Shape;152;g4ee3083aa7_0_653:notes"/>
-          <p:cNvSpPr/>
+          <p:cNvSpPr>
+            <a:spLocks noGrp="1" noRot="1" noChangeAspect="1"/>
+          </p:cNvSpPr>
           <p:nvPr>
-            <p:ph idx="2" type="sldImg"/>
+            <p:ph type="sldImg" idx="2"/>
           </p:nvPr>
         </p:nvSpPr>
         <p:spPr>
@@ -927,9 +957,13 @@
             <a:ext cx="6096000" cy="3429000"/>
           </a:xfrm>
           <a:custGeom>
-            <a:rect b="b" l="l" r="r" t="t"/>
+            <a:avLst/>
+            <a:gdLst/>
+            <a:ahLst/>
+            <a:cxnLst/>
+            <a:rect l="l" t="t" r="r" b="b"/>
             <a:pathLst>
-              <a:path extrusionOk="0" h="120000" w="120000">
+              <a:path w="120000" h="120000" extrusionOk="0">
                 <a:moveTo>
                   <a:pt x="0" y="0"/>
                 </a:moveTo>
@@ -951,9 +985,11 @@
       <p:sp>
         <p:nvSpPr>
           <p:cNvPr id="153" name="Google Shape;153;g4ee3083aa7_0_653:notes"/>
-          <p:cNvSpPr txBox="1"/>
+          <p:cNvSpPr txBox="1">
+            <a:spLocks noGrp="1"/>
+          </p:cNvSpPr>
           <p:nvPr>
-            <p:ph idx="1" type="body"/>
+            <p:ph type="body" idx="1"/>
           </p:nvPr>
         </p:nvSpPr>
         <p:spPr>
@@ -966,12 +1002,12 @@
           </a:prstGeom>
         </p:spPr>
         <p:txBody>
-          <a:bodyPr anchorCtr="0" anchor="t" bIns="91425" lIns="91425" spcFirstLastPara="1" rIns="91425" wrap="square" tIns="91425">
+          <a:bodyPr spcFirstLastPara="1" wrap="square" lIns="91425" tIns="91425" rIns="91425" bIns="91425" anchor="t" anchorCtr="0">
             <a:noAutofit/>
           </a:bodyPr>
           <a:lstStyle/>
           <a:p>
-            <a:pPr indent="0" lvl="0" marL="0" rtl="0" algn="just">
+            <a:pPr marL="0" lvl="0" indent="0" algn="just" rtl="0">
               <a:lnSpc>
                 <a:spcPct val="187500"/>
               </a:lnSpc>
@@ -997,7 +1033,7 @@
               <a:t>Selenium Core was the first tool. But, Selenium Core hit a roadblock in terms of cross-domain testing because of the </a:t>
             </a:r>
             <a:r>
-              <a:rPr b="1" lang="en" sz="1200">
+              <a:rPr lang="en" sz="1200" b="1">
                 <a:solidFill>
                   <a:srgbClr val="444444"/>
                 </a:solidFill>
@@ -1019,7 +1055,7 @@
             </a:endParaRPr>
           </a:p>
           <a:p>
-            <a:pPr indent="0" lvl="0" marL="0" rtl="0" algn="just">
+            <a:pPr marL="0" lvl="0" indent="0" algn="just" rtl="0">
               <a:lnSpc>
                 <a:spcPct val="187500"/>
               </a:lnSpc>
@@ -1051,7 +1087,7 @@
             </a:endParaRPr>
           </a:p>
           <a:p>
-            <a:pPr indent="0" lvl="0" marL="0" rtl="0" algn="l">
+            <a:pPr marL="0" lvl="0" indent="0" algn="l" rtl="0">
               <a:spcBef>
                 <a:spcPts val="800"/>
               </a:spcBef>
@@ -1060,9 +1096,6 @@
               </a:spcAft>
               <a:buNone/>
             </a:pPr>
-            <a:r>
-              <a:t/>
-            </a:r>
             <a:endParaRPr/>
           </a:p>
         </p:txBody>
@@ -1076,11 +1109,11 @@
 </file>
 
 <file path=ppt/notesSlides/notesSlide12.xml><?xml version="1.0" encoding="utf-8"?>
-<p:notes xmlns:a="http://schemas.openxmlformats.org/drawingml/2006/main" xmlns:r="http://schemas.openxmlformats.org/officeDocument/2006/relationships" xmlns:mc="http://schemas.openxmlformats.org/markup-compatibility/2006" xmlns:mv="urn:schemas-microsoft-com:mac:vml" xmlns:p="http://schemas.openxmlformats.org/presentationml/2006/main" xmlns:c="http://schemas.openxmlformats.org/drawingml/2006/chart" xmlns:dgm="http://schemas.openxmlformats.org/drawingml/2006/diagram" xmlns:o="urn:schemas-microsoft-com:office:office" xmlns:v="urn:schemas-microsoft-com:vml" xmlns:pvml="urn:schemas-microsoft-com:office:powerpoint" xmlns:com="http://schemas.openxmlformats.org/drawingml/2006/compatibility" xmlns:p14="http://schemas.microsoft.com/office/powerpoint/2010/main" xmlns:p15="http://schemas.microsoft.com/office/powerpoint/2012/main" showMasterPhAnim="0" showMasterSp="0">
+<p:notes xmlns:a="http://schemas.openxmlformats.org/drawingml/2006/main" xmlns:r="http://schemas.openxmlformats.org/officeDocument/2006/relationships" xmlns:p="http://schemas.openxmlformats.org/presentationml/2006/main" showMasterSp="0" showMasterPhAnim="0">
   <p:cSld>
     <p:spTree>
       <p:nvGrpSpPr>
-        <p:cNvPr id="160" name="Shape 160"/>
+        <p:cNvPr id="1" name="Shape 160"/>
         <p:cNvGrpSpPr/>
         <p:nvPr/>
       </p:nvGrpSpPr>
@@ -1095,9 +1128,11 @@
       <p:sp>
         <p:nvSpPr>
           <p:cNvPr id="161" name="Google Shape;161;g4ee3083aa7_0_682:notes"/>
-          <p:cNvSpPr/>
+          <p:cNvSpPr>
+            <a:spLocks noGrp="1" noRot="1" noChangeAspect="1"/>
+          </p:cNvSpPr>
           <p:nvPr>
-            <p:ph idx="2" type="sldImg"/>
+            <p:ph type="sldImg" idx="2"/>
           </p:nvPr>
         </p:nvSpPr>
         <p:spPr>
@@ -1106,9 +1141,13 @@
             <a:ext cx="6096000" cy="3429000"/>
           </a:xfrm>
           <a:custGeom>
-            <a:rect b="b" l="l" r="r" t="t"/>
+            <a:avLst/>
+            <a:gdLst/>
+            <a:ahLst/>
+            <a:cxnLst/>
+            <a:rect l="l" t="t" r="r" b="b"/>
             <a:pathLst>
-              <a:path extrusionOk="0" h="120000" w="120000">
+              <a:path w="120000" h="120000" extrusionOk="0">
                 <a:moveTo>
                   <a:pt x="0" y="0"/>
                 </a:moveTo>
@@ -1130,9 +1169,11 @@
       <p:sp>
         <p:nvSpPr>
           <p:cNvPr id="162" name="Google Shape;162;g4ee3083aa7_0_682:notes"/>
-          <p:cNvSpPr txBox="1"/>
+          <p:cNvSpPr txBox="1">
+            <a:spLocks noGrp="1"/>
+          </p:cNvSpPr>
           <p:nvPr>
-            <p:ph idx="1" type="body"/>
+            <p:ph type="body" idx="1"/>
           </p:nvPr>
         </p:nvSpPr>
         <p:spPr>
@@ -1145,23 +1186,20 @@
           </a:prstGeom>
         </p:spPr>
         <p:txBody>
-          <a:bodyPr anchorCtr="0" anchor="t" bIns="91425" lIns="91425" spcFirstLastPara="1" rIns="91425" wrap="square" tIns="91425">
+          <a:bodyPr spcFirstLastPara="1" wrap="square" lIns="91425" tIns="91425" rIns="91425" bIns="91425" anchor="t" anchorCtr="0">
             <a:noAutofit/>
           </a:bodyPr>
           <a:lstStyle/>
           <a:p>
-            <a:pPr indent="0" lvl="0" marL="0" rtl="0" algn="l">
-              <a:spcBef>
-                <a:spcPts val="0"/>
-              </a:spcBef>
-              <a:spcAft>
-                <a:spcPts val="0"/>
-              </a:spcAft>
-              <a:buNone/>
-            </a:pPr>
-            <a:r>
-              <a:t/>
-            </a:r>
+            <a:pPr marL="0" lvl="0" indent="0" algn="l" rtl="0">
+              <a:spcBef>
+                <a:spcPts val="0"/>
+              </a:spcBef>
+              <a:spcAft>
+                <a:spcPts val="0"/>
+              </a:spcAft>
+              <a:buNone/>
+            </a:pPr>
             <a:endParaRPr/>
           </a:p>
         </p:txBody>
@@ -1175,11 +1213,11 @@
 </file>
 
 <file path=ppt/notesSlides/notesSlide13.xml><?xml version="1.0" encoding="utf-8"?>
-<p:notes xmlns:a="http://schemas.openxmlformats.org/drawingml/2006/main" xmlns:r="http://schemas.openxmlformats.org/officeDocument/2006/relationships" xmlns:mc="http://schemas.openxmlformats.org/markup-compatibility/2006" xmlns:mv="urn:schemas-microsoft-com:mac:vml" xmlns:p="http://schemas.openxmlformats.org/presentationml/2006/main" xmlns:c="http://schemas.openxmlformats.org/drawingml/2006/chart" xmlns:dgm="http://schemas.openxmlformats.org/drawingml/2006/diagram" xmlns:o="urn:schemas-microsoft-com:office:office" xmlns:v="urn:schemas-microsoft-com:vml" xmlns:pvml="urn:schemas-microsoft-com:office:powerpoint" xmlns:com="http://schemas.openxmlformats.org/drawingml/2006/compatibility" xmlns:p14="http://schemas.microsoft.com/office/powerpoint/2010/main" xmlns:p15="http://schemas.microsoft.com/office/powerpoint/2012/main" showMasterPhAnim="0" showMasterSp="0">
+<p:notes xmlns:a="http://schemas.openxmlformats.org/drawingml/2006/main" xmlns:r="http://schemas.openxmlformats.org/officeDocument/2006/relationships" xmlns:p="http://schemas.openxmlformats.org/presentationml/2006/main" showMasterSp="0" showMasterPhAnim="0">
   <p:cSld>
     <p:spTree>
       <p:nvGrpSpPr>
-        <p:cNvPr id="169" name="Shape 169"/>
+        <p:cNvPr id="1" name="Shape 169"/>
         <p:cNvGrpSpPr/>
         <p:nvPr/>
       </p:nvGrpSpPr>
@@ -1194,9 +1232,11 @@
       <p:sp>
         <p:nvSpPr>
           <p:cNvPr id="170" name="Google Shape;170;g4ee3083aa7_0_688:notes"/>
-          <p:cNvSpPr/>
+          <p:cNvSpPr>
+            <a:spLocks noGrp="1" noRot="1" noChangeAspect="1"/>
+          </p:cNvSpPr>
           <p:nvPr>
-            <p:ph idx="2" type="sldImg"/>
+            <p:ph type="sldImg" idx="2"/>
           </p:nvPr>
         </p:nvSpPr>
         <p:spPr>
@@ -1205,9 +1245,13 @@
             <a:ext cx="6096000" cy="3429000"/>
           </a:xfrm>
           <a:custGeom>
-            <a:rect b="b" l="l" r="r" t="t"/>
+            <a:avLst/>
+            <a:gdLst/>
+            <a:ahLst/>
+            <a:cxnLst/>
+            <a:rect l="l" t="t" r="r" b="b"/>
             <a:pathLst>
-              <a:path extrusionOk="0" h="120000" w="120000">
+              <a:path w="120000" h="120000" extrusionOk="0">
                 <a:moveTo>
                   <a:pt x="0" y="0"/>
                 </a:moveTo>
@@ -1229,9 +1273,11 @@
       <p:sp>
         <p:nvSpPr>
           <p:cNvPr id="171" name="Google Shape;171;g4ee3083aa7_0_688:notes"/>
-          <p:cNvSpPr txBox="1"/>
+          <p:cNvSpPr txBox="1">
+            <a:spLocks noGrp="1"/>
+          </p:cNvSpPr>
           <p:nvPr>
-            <p:ph idx="1" type="body"/>
+            <p:ph type="body" idx="1"/>
           </p:nvPr>
         </p:nvSpPr>
         <p:spPr>
@@ -1244,12 +1290,12 @@
           </a:prstGeom>
         </p:spPr>
         <p:txBody>
-          <a:bodyPr anchorCtr="0" anchor="t" bIns="91425" lIns="91425" spcFirstLastPara="1" rIns="91425" wrap="square" tIns="91425">
+          <a:bodyPr spcFirstLastPara="1" wrap="square" lIns="91425" tIns="91425" rIns="91425" bIns="91425" anchor="t" anchorCtr="0">
             <a:noAutofit/>
           </a:bodyPr>
           <a:lstStyle/>
           <a:p>
-            <a:pPr indent="0" lvl="0" marL="0" rtl="0" algn="l">
+            <a:pPr marL="0" lvl="0" indent="0" algn="l" rtl="0">
               <a:spcBef>
                 <a:spcPts val="0"/>
               </a:spcBef>
@@ -1275,11 +1321,11 @@
 </file>
 
 <file path=ppt/notesSlides/notesSlide14.xml><?xml version="1.0" encoding="utf-8"?>
-<p:notes xmlns:a="http://schemas.openxmlformats.org/drawingml/2006/main" xmlns:r="http://schemas.openxmlformats.org/officeDocument/2006/relationships" xmlns:mc="http://schemas.openxmlformats.org/markup-compatibility/2006" xmlns:mv="urn:schemas-microsoft-com:mac:vml" xmlns:p="http://schemas.openxmlformats.org/presentationml/2006/main" xmlns:c="http://schemas.openxmlformats.org/drawingml/2006/chart" xmlns:dgm="http://schemas.openxmlformats.org/drawingml/2006/diagram" xmlns:o="urn:schemas-microsoft-com:office:office" xmlns:v="urn:schemas-microsoft-com:vml" xmlns:pvml="urn:schemas-microsoft-com:office:powerpoint" xmlns:com="http://schemas.openxmlformats.org/drawingml/2006/compatibility" xmlns:p14="http://schemas.microsoft.com/office/powerpoint/2010/main" xmlns:p15="http://schemas.microsoft.com/office/powerpoint/2012/main" showMasterPhAnim="0" showMasterSp="0">
+<p:notes xmlns:a="http://schemas.openxmlformats.org/drawingml/2006/main" xmlns:r="http://schemas.openxmlformats.org/officeDocument/2006/relationships" xmlns:p="http://schemas.openxmlformats.org/presentationml/2006/main" showMasterSp="0" showMasterPhAnim="0">
   <p:cSld>
     <p:spTree>
       <p:nvGrpSpPr>
-        <p:cNvPr id="179" name="Shape 179"/>
+        <p:cNvPr id="1" name="Shape 179"/>
         <p:cNvGrpSpPr/>
         <p:nvPr/>
       </p:nvGrpSpPr>
@@ -1294,9 +1340,11 @@
       <p:sp>
         <p:nvSpPr>
           <p:cNvPr id="180" name="Google Shape;180;g4ee3083aa7_0_694:notes"/>
-          <p:cNvSpPr/>
+          <p:cNvSpPr>
+            <a:spLocks noGrp="1" noRot="1" noChangeAspect="1"/>
+          </p:cNvSpPr>
           <p:nvPr>
-            <p:ph idx="2" type="sldImg"/>
+            <p:ph type="sldImg" idx="2"/>
           </p:nvPr>
         </p:nvSpPr>
         <p:spPr>
@@ -1305,9 +1353,13 @@
             <a:ext cx="6096000" cy="3429000"/>
           </a:xfrm>
           <a:custGeom>
-            <a:rect b="b" l="l" r="r" t="t"/>
+            <a:avLst/>
+            <a:gdLst/>
+            <a:ahLst/>
+            <a:cxnLst/>
+            <a:rect l="l" t="t" r="r" b="b"/>
             <a:pathLst>
-              <a:path extrusionOk="0" h="120000" w="120000">
+              <a:path w="120000" h="120000" extrusionOk="0">
                 <a:moveTo>
                   <a:pt x="0" y="0"/>
                 </a:moveTo>
@@ -1329,9 +1381,11 @@
       <p:sp>
         <p:nvSpPr>
           <p:cNvPr id="181" name="Google Shape;181;g4ee3083aa7_0_694:notes"/>
-          <p:cNvSpPr txBox="1"/>
+          <p:cNvSpPr txBox="1">
+            <a:spLocks noGrp="1"/>
+          </p:cNvSpPr>
           <p:nvPr>
-            <p:ph idx="1" type="body"/>
+            <p:ph type="body" idx="1"/>
           </p:nvPr>
         </p:nvSpPr>
         <p:spPr>
@@ -1344,23 +1398,20 @@
           </a:prstGeom>
         </p:spPr>
         <p:txBody>
-          <a:bodyPr anchorCtr="0" anchor="t" bIns="91425" lIns="91425" spcFirstLastPara="1" rIns="91425" wrap="square" tIns="91425">
+          <a:bodyPr spcFirstLastPara="1" wrap="square" lIns="91425" tIns="91425" rIns="91425" bIns="91425" anchor="t" anchorCtr="0">
             <a:noAutofit/>
           </a:bodyPr>
           <a:lstStyle/>
           <a:p>
-            <a:pPr indent="0" lvl="0" marL="0" rtl="0" algn="l">
-              <a:spcBef>
-                <a:spcPts val="0"/>
-              </a:spcBef>
-              <a:spcAft>
-                <a:spcPts val="0"/>
-              </a:spcAft>
-              <a:buNone/>
-            </a:pPr>
-            <a:r>
-              <a:t/>
-            </a:r>
+            <a:pPr marL="0" lvl="0" indent="0" algn="l" rtl="0">
+              <a:spcBef>
+                <a:spcPts val="0"/>
+              </a:spcBef>
+              <a:spcAft>
+                <a:spcPts val="0"/>
+              </a:spcAft>
+              <a:buNone/>
+            </a:pPr>
             <a:endParaRPr/>
           </a:p>
         </p:txBody>
@@ -1374,11 +1425,11 @@
 </file>
 
 <file path=ppt/notesSlides/notesSlide15.xml><?xml version="1.0" encoding="utf-8"?>
-<p:notes xmlns:a="http://schemas.openxmlformats.org/drawingml/2006/main" xmlns:r="http://schemas.openxmlformats.org/officeDocument/2006/relationships" xmlns:mc="http://schemas.openxmlformats.org/markup-compatibility/2006" xmlns:mv="urn:schemas-microsoft-com:mac:vml" xmlns:p="http://schemas.openxmlformats.org/presentationml/2006/main" xmlns:c="http://schemas.openxmlformats.org/drawingml/2006/chart" xmlns:dgm="http://schemas.openxmlformats.org/drawingml/2006/diagram" xmlns:o="urn:schemas-microsoft-com:office:office" xmlns:v="urn:schemas-microsoft-com:vml" xmlns:pvml="urn:schemas-microsoft-com:office:powerpoint" xmlns:com="http://schemas.openxmlformats.org/drawingml/2006/compatibility" xmlns:p14="http://schemas.microsoft.com/office/powerpoint/2010/main" xmlns:p15="http://schemas.microsoft.com/office/powerpoint/2012/main" showMasterPhAnim="0" showMasterSp="0">
+<p:notes xmlns:a="http://schemas.openxmlformats.org/drawingml/2006/main" xmlns:r="http://schemas.openxmlformats.org/officeDocument/2006/relationships" xmlns:p="http://schemas.openxmlformats.org/presentationml/2006/main" showMasterSp="0" showMasterPhAnim="0">
   <p:cSld>
     <p:spTree>
       <p:nvGrpSpPr>
-        <p:cNvPr id="188" name="Shape 188"/>
+        <p:cNvPr id="1" name="Shape 188"/>
         <p:cNvGrpSpPr/>
         <p:nvPr/>
       </p:nvGrpSpPr>
@@ -1393,9 +1444,11 @@
       <p:sp>
         <p:nvSpPr>
           <p:cNvPr id="189" name="Google Shape;189;g4f79206aa4_1_23:notes"/>
-          <p:cNvSpPr/>
+          <p:cNvSpPr>
+            <a:spLocks noGrp="1" noRot="1" noChangeAspect="1"/>
+          </p:cNvSpPr>
           <p:nvPr>
-            <p:ph idx="2" type="sldImg"/>
+            <p:ph type="sldImg" idx="2"/>
           </p:nvPr>
         </p:nvSpPr>
         <p:spPr>
@@ -1404,9 +1457,13 @@
             <a:ext cx="6096000" cy="3429000"/>
           </a:xfrm>
           <a:custGeom>
-            <a:rect b="b" l="l" r="r" t="t"/>
+            <a:avLst/>
+            <a:gdLst/>
+            <a:ahLst/>
+            <a:cxnLst/>
+            <a:rect l="l" t="t" r="r" b="b"/>
             <a:pathLst>
-              <a:path extrusionOk="0" h="120000" w="120000">
+              <a:path w="120000" h="120000" extrusionOk="0">
                 <a:moveTo>
                   <a:pt x="0" y="0"/>
                 </a:moveTo>
@@ -1428,9 +1485,11 @@
       <p:sp>
         <p:nvSpPr>
           <p:cNvPr id="190" name="Google Shape;190;g4f79206aa4_1_23:notes"/>
-          <p:cNvSpPr txBox="1"/>
+          <p:cNvSpPr txBox="1">
+            <a:spLocks noGrp="1"/>
+          </p:cNvSpPr>
           <p:nvPr>
-            <p:ph idx="1" type="body"/>
+            <p:ph type="body" idx="1"/>
           </p:nvPr>
         </p:nvSpPr>
         <p:spPr>
@@ -1443,12 +1502,12 @@
           </a:prstGeom>
         </p:spPr>
         <p:txBody>
-          <a:bodyPr anchorCtr="0" anchor="t" bIns="91425" lIns="91425" spcFirstLastPara="1" rIns="91425" wrap="square" tIns="91425">
+          <a:bodyPr spcFirstLastPara="1" wrap="square" lIns="91425" tIns="91425" rIns="91425" bIns="91425" anchor="t" anchorCtr="0">
             <a:noAutofit/>
           </a:bodyPr>
           <a:lstStyle/>
           <a:p>
-            <a:pPr indent="0" lvl="0" marL="0" rtl="0" algn="l">
+            <a:pPr marL="0" lvl="0" indent="0" algn="l" rtl="0">
               <a:spcBef>
                 <a:spcPts val="0"/>
               </a:spcBef>
@@ -1474,11 +1533,11 @@
 </file>
 
 <file path=ppt/notesSlides/notesSlide16.xml><?xml version="1.0" encoding="utf-8"?>
-<p:notes xmlns:a="http://schemas.openxmlformats.org/drawingml/2006/main" xmlns:r="http://schemas.openxmlformats.org/officeDocument/2006/relationships" xmlns:mc="http://schemas.openxmlformats.org/markup-compatibility/2006" xmlns:mv="urn:schemas-microsoft-com:mac:vml" xmlns:p="http://schemas.openxmlformats.org/presentationml/2006/main" xmlns:c="http://schemas.openxmlformats.org/drawingml/2006/chart" xmlns:dgm="http://schemas.openxmlformats.org/drawingml/2006/diagram" xmlns:o="urn:schemas-microsoft-com:office:office" xmlns:v="urn:schemas-microsoft-com:vml" xmlns:pvml="urn:schemas-microsoft-com:office:powerpoint" xmlns:com="http://schemas.openxmlformats.org/drawingml/2006/compatibility" xmlns:p14="http://schemas.microsoft.com/office/powerpoint/2010/main" xmlns:p15="http://schemas.microsoft.com/office/powerpoint/2012/main" showMasterPhAnim="0" showMasterSp="0">
+<p:notes xmlns:a="http://schemas.openxmlformats.org/drawingml/2006/main" xmlns:r="http://schemas.openxmlformats.org/officeDocument/2006/relationships" xmlns:p="http://schemas.openxmlformats.org/presentationml/2006/main" showMasterSp="0" showMasterPhAnim="0">
   <p:cSld>
     <p:spTree>
       <p:nvGrpSpPr>
-        <p:cNvPr id="196" name="Shape 196"/>
+        <p:cNvPr id="1" name="Shape 196"/>
         <p:cNvGrpSpPr/>
         <p:nvPr/>
       </p:nvGrpSpPr>
@@ -1493,9 +1552,11 @@
       <p:sp>
         <p:nvSpPr>
           <p:cNvPr id="197" name="Google Shape;197;g4f79206aa4_1_35:notes"/>
-          <p:cNvSpPr/>
+          <p:cNvSpPr>
+            <a:spLocks noGrp="1" noRot="1" noChangeAspect="1"/>
+          </p:cNvSpPr>
           <p:nvPr>
-            <p:ph idx="2" type="sldImg"/>
+            <p:ph type="sldImg" idx="2"/>
           </p:nvPr>
         </p:nvSpPr>
         <p:spPr>
@@ -1504,9 +1565,13 @@
             <a:ext cx="6096000" cy="3429000"/>
           </a:xfrm>
           <a:custGeom>
-            <a:rect b="b" l="l" r="r" t="t"/>
+            <a:avLst/>
+            <a:gdLst/>
+            <a:ahLst/>
+            <a:cxnLst/>
+            <a:rect l="l" t="t" r="r" b="b"/>
             <a:pathLst>
-              <a:path extrusionOk="0" h="120000" w="120000">
+              <a:path w="120000" h="120000" extrusionOk="0">
                 <a:moveTo>
                   <a:pt x="0" y="0"/>
                 </a:moveTo>
@@ -1528,9 +1593,11 @@
       <p:sp>
         <p:nvSpPr>
           <p:cNvPr id="198" name="Google Shape;198;g4f79206aa4_1_35:notes"/>
-          <p:cNvSpPr txBox="1"/>
+          <p:cNvSpPr txBox="1">
+            <a:spLocks noGrp="1"/>
+          </p:cNvSpPr>
           <p:nvPr>
-            <p:ph idx="1" type="body"/>
+            <p:ph type="body" idx="1"/>
           </p:nvPr>
         </p:nvSpPr>
         <p:spPr>
@@ -1543,23 +1610,20 @@
           </a:prstGeom>
         </p:spPr>
         <p:txBody>
-          <a:bodyPr anchorCtr="0" anchor="t" bIns="91425" lIns="91425" spcFirstLastPara="1" rIns="91425" wrap="square" tIns="91425">
+          <a:bodyPr spcFirstLastPara="1" wrap="square" lIns="91425" tIns="91425" rIns="91425" bIns="91425" anchor="t" anchorCtr="0">
             <a:noAutofit/>
           </a:bodyPr>
           <a:lstStyle/>
           <a:p>
-            <a:pPr indent="0" lvl="0" marL="0" rtl="0" algn="l">
-              <a:spcBef>
-                <a:spcPts val="0"/>
-              </a:spcBef>
-              <a:spcAft>
-                <a:spcPts val="0"/>
-              </a:spcAft>
-              <a:buNone/>
-            </a:pPr>
-            <a:r>
-              <a:t/>
-            </a:r>
+            <a:pPr marL="0" lvl="0" indent="0" algn="l" rtl="0">
+              <a:spcBef>
+                <a:spcPts val="0"/>
+              </a:spcBef>
+              <a:spcAft>
+                <a:spcPts val="0"/>
+              </a:spcAft>
+              <a:buNone/>
+            </a:pPr>
             <a:endParaRPr/>
           </a:p>
         </p:txBody>
@@ -1573,11 +1637,11 @@
 </file>
 
 <file path=ppt/notesSlides/notesSlide17.xml><?xml version="1.0" encoding="utf-8"?>
-<p:notes xmlns:a="http://schemas.openxmlformats.org/drawingml/2006/main" xmlns:r="http://schemas.openxmlformats.org/officeDocument/2006/relationships" xmlns:mc="http://schemas.openxmlformats.org/markup-compatibility/2006" xmlns:mv="urn:schemas-microsoft-com:mac:vml" xmlns:p="http://schemas.openxmlformats.org/presentationml/2006/main" xmlns:c="http://schemas.openxmlformats.org/drawingml/2006/chart" xmlns:dgm="http://schemas.openxmlformats.org/drawingml/2006/diagram" xmlns:o="urn:schemas-microsoft-com:office:office" xmlns:v="urn:schemas-microsoft-com:vml" xmlns:pvml="urn:schemas-microsoft-com:office:powerpoint" xmlns:com="http://schemas.openxmlformats.org/drawingml/2006/compatibility" xmlns:p14="http://schemas.microsoft.com/office/powerpoint/2010/main" xmlns:p15="http://schemas.microsoft.com/office/powerpoint/2012/main" showMasterPhAnim="0" showMasterSp="0">
+<p:notes xmlns:a="http://schemas.openxmlformats.org/drawingml/2006/main" xmlns:r="http://schemas.openxmlformats.org/officeDocument/2006/relationships" xmlns:p="http://schemas.openxmlformats.org/presentationml/2006/main" showMasterSp="0" showMasterPhAnim="0">
   <p:cSld>
     <p:spTree>
       <p:nvGrpSpPr>
-        <p:cNvPr id="203" name="Shape 203"/>
+        <p:cNvPr id="1" name="Shape 203"/>
         <p:cNvGrpSpPr/>
         <p:nvPr/>
       </p:nvGrpSpPr>
@@ -1592,9 +1656,11 @@
       <p:sp>
         <p:nvSpPr>
           <p:cNvPr id="204" name="Google Shape;204;g4f79206aa4_1_41:notes"/>
-          <p:cNvSpPr/>
+          <p:cNvSpPr>
+            <a:spLocks noGrp="1" noRot="1" noChangeAspect="1"/>
+          </p:cNvSpPr>
           <p:nvPr>
-            <p:ph idx="2" type="sldImg"/>
+            <p:ph type="sldImg" idx="2"/>
           </p:nvPr>
         </p:nvSpPr>
         <p:spPr>
@@ -1603,9 +1669,13 @@
             <a:ext cx="6096000" cy="3429000"/>
           </a:xfrm>
           <a:custGeom>
-            <a:rect b="b" l="l" r="r" t="t"/>
+            <a:avLst/>
+            <a:gdLst/>
+            <a:ahLst/>
+            <a:cxnLst/>
+            <a:rect l="l" t="t" r="r" b="b"/>
             <a:pathLst>
-              <a:path extrusionOk="0" h="120000" w="120000">
+              <a:path w="120000" h="120000" extrusionOk="0">
                 <a:moveTo>
                   <a:pt x="0" y="0"/>
                 </a:moveTo>
@@ -1627,9 +1697,11 @@
       <p:sp>
         <p:nvSpPr>
           <p:cNvPr id="205" name="Google Shape;205;g4f79206aa4_1_41:notes"/>
-          <p:cNvSpPr txBox="1"/>
+          <p:cNvSpPr txBox="1">
+            <a:spLocks noGrp="1"/>
+          </p:cNvSpPr>
           <p:nvPr>
-            <p:ph idx="1" type="body"/>
+            <p:ph type="body" idx="1"/>
           </p:nvPr>
         </p:nvSpPr>
         <p:spPr>
@@ -1642,23 +1714,20 @@
           </a:prstGeom>
         </p:spPr>
         <p:txBody>
-          <a:bodyPr anchorCtr="0" anchor="t" bIns="91425" lIns="91425" spcFirstLastPara="1" rIns="91425" wrap="square" tIns="91425">
+          <a:bodyPr spcFirstLastPara="1" wrap="square" lIns="91425" tIns="91425" rIns="91425" bIns="91425" anchor="t" anchorCtr="0">
             <a:noAutofit/>
           </a:bodyPr>
           <a:lstStyle/>
           <a:p>
-            <a:pPr indent="0" lvl="0" marL="0" rtl="0" algn="l">
-              <a:spcBef>
-                <a:spcPts val="0"/>
-              </a:spcBef>
-              <a:spcAft>
-                <a:spcPts val="0"/>
-              </a:spcAft>
-              <a:buNone/>
-            </a:pPr>
-            <a:r>
-              <a:t/>
-            </a:r>
+            <a:pPr marL="0" lvl="0" indent="0" algn="l" rtl="0">
+              <a:spcBef>
+                <a:spcPts val="0"/>
+              </a:spcBef>
+              <a:spcAft>
+                <a:spcPts val="0"/>
+              </a:spcAft>
+              <a:buNone/>
+            </a:pPr>
             <a:endParaRPr/>
           </a:p>
         </p:txBody>
@@ -1672,11 +1741,11 @@
 </file>
 
 <file path=ppt/notesSlides/notesSlide18.xml><?xml version="1.0" encoding="utf-8"?>
-<p:notes xmlns:a="http://schemas.openxmlformats.org/drawingml/2006/main" xmlns:r="http://schemas.openxmlformats.org/officeDocument/2006/relationships" xmlns:mc="http://schemas.openxmlformats.org/markup-compatibility/2006" xmlns:mv="urn:schemas-microsoft-com:mac:vml" xmlns:p="http://schemas.openxmlformats.org/presentationml/2006/main" xmlns:c="http://schemas.openxmlformats.org/drawingml/2006/chart" xmlns:dgm="http://schemas.openxmlformats.org/drawingml/2006/diagram" xmlns:o="urn:schemas-microsoft-com:office:office" xmlns:v="urn:schemas-microsoft-com:vml" xmlns:pvml="urn:schemas-microsoft-com:office:powerpoint" xmlns:com="http://schemas.openxmlformats.org/drawingml/2006/compatibility" xmlns:p14="http://schemas.microsoft.com/office/powerpoint/2010/main" xmlns:p15="http://schemas.microsoft.com/office/powerpoint/2012/main" showMasterPhAnim="0" showMasterSp="0">
+<p:notes xmlns:a="http://schemas.openxmlformats.org/drawingml/2006/main" xmlns:r="http://schemas.openxmlformats.org/officeDocument/2006/relationships" xmlns:p="http://schemas.openxmlformats.org/presentationml/2006/main" showMasterSp="0" showMasterPhAnim="0">
   <p:cSld>
     <p:spTree>
       <p:nvGrpSpPr>
-        <p:cNvPr id="211" name="Shape 211"/>
+        <p:cNvPr id="1" name="Shape 211"/>
         <p:cNvGrpSpPr/>
         <p:nvPr/>
       </p:nvGrpSpPr>
@@ -1691,9 +1760,11 @@
       <p:sp>
         <p:nvSpPr>
           <p:cNvPr id="212" name="Google Shape;212;g4f79206aa4_1_56:notes"/>
-          <p:cNvSpPr/>
+          <p:cNvSpPr>
+            <a:spLocks noGrp="1" noRot="1" noChangeAspect="1"/>
+          </p:cNvSpPr>
           <p:nvPr>
-            <p:ph idx="2" type="sldImg"/>
+            <p:ph type="sldImg" idx="2"/>
           </p:nvPr>
         </p:nvSpPr>
         <p:spPr>
@@ -1702,9 +1773,13 @@
             <a:ext cx="6096000" cy="3429000"/>
           </a:xfrm>
           <a:custGeom>
-            <a:rect b="b" l="l" r="r" t="t"/>
+            <a:avLst/>
+            <a:gdLst/>
+            <a:ahLst/>
+            <a:cxnLst/>
+            <a:rect l="l" t="t" r="r" b="b"/>
             <a:pathLst>
-              <a:path extrusionOk="0" h="120000" w="120000">
+              <a:path w="120000" h="120000" extrusionOk="0">
                 <a:moveTo>
                   <a:pt x="0" y="0"/>
                 </a:moveTo>
@@ -1726,9 +1801,11 @@
       <p:sp>
         <p:nvSpPr>
           <p:cNvPr id="213" name="Google Shape;213;g4f79206aa4_1_56:notes"/>
-          <p:cNvSpPr txBox="1"/>
+          <p:cNvSpPr txBox="1">
+            <a:spLocks noGrp="1"/>
+          </p:cNvSpPr>
           <p:nvPr>
-            <p:ph idx="1" type="body"/>
+            <p:ph type="body" idx="1"/>
           </p:nvPr>
         </p:nvSpPr>
         <p:spPr>
@@ -1741,23 +1818,20 @@
           </a:prstGeom>
         </p:spPr>
         <p:txBody>
-          <a:bodyPr anchorCtr="0" anchor="t" bIns="91425" lIns="91425" spcFirstLastPara="1" rIns="91425" wrap="square" tIns="91425">
+          <a:bodyPr spcFirstLastPara="1" wrap="square" lIns="91425" tIns="91425" rIns="91425" bIns="91425" anchor="t" anchorCtr="0">
             <a:noAutofit/>
           </a:bodyPr>
           <a:lstStyle/>
           <a:p>
-            <a:pPr indent="0" lvl="0" marL="0" rtl="0" algn="l">
-              <a:spcBef>
-                <a:spcPts val="0"/>
-              </a:spcBef>
-              <a:spcAft>
-                <a:spcPts val="0"/>
-              </a:spcAft>
-              <a:buNone/>
-            </a:pPr>
-            <a:r>
-              <a:t/>
-            </a:r>
+            <a:pPr marL="0" lvl="0" indent="0" algn="l" rtl="0">
+              <a:spcBef>
+                <a:spcPts val="0"/>
+              </a:spcBef>
+              <a:spcAft>
+                <a:spcPts val="0"/>
+              </a:spcAft>
+              <a:buNone/>
+            </a:pPr>
             <a:endParaRPr/>
           </a:p>
         </p:txBody>
@@ -1771,11 +1845,11 @@
 </file>
 
 <file path=ppt/notesSlides/notesSlide19.xml><?xml version="1.0" encoding="utf-8"?>
-<p:notes xmlns:a="http://schemas.openxmlformats.org/drawingml/2006/main" xmlns:r="http://schemas.openxmlformats.org/officeDocument/2006/relationships" xmlns:mc="http://schemas.openxmlformats.org/markup-compatibility/2006" xmlns:mv="urn:schemas-microsoft-com:mac:vml" xmlns:p="http://schemas.openxmlformats.org/presentationml/2006/main" xmlns:c="http://schemas.openxmlformats.org/drawingml/2006/chart" xmlns:dgm="http://schemas.openxmlformats.org/drawingml/2006/diagram" xmlns:o="urn:schemas-microsoft-com:office:office" xmlns:v="urn:schemas-microsoft-com:vml" xmlns:pvml="urn:schemas-microsoft-com:office:powerpoint" xmlns:com="http://schemas.openxmlformats.org/drawingml/2006/compatibility" xmlns:p14="http://schemas.microsoft.com/office/powerpoint/2010/main" xmlns:p15="http://schemas.microsoft.com/office/powerpoint/2012/main" showMasterPhAnim="0" showMasterSp="0">
+<p:notes xmlns:a="http://schemas.openxmlformats.org/drawingml/2006/main" xmlns:r="http://schemas.openxmlformats.org/officeDocument/2006/relationships" xmlns:p="http://schemas.openxmlformats.org/presentationml/2006/main" showMasterSp="0" showMasterPhAnim="0">
   <p:cSld>
     <p:spTree>
       <p:nvGrpSpPr>
-        <p:cNvPr id="219" name="Shape 219"/>
+        <p:cNvPr id="1" name="Shape 219"/>
         <p:cNvGrpSpPr/>
         <p:nvPr/>
       </p:nvGrpSpPr>
@@ -1790,9 +1864,11 @@
       <p:sp>
         <p:nvSpPr>
           <p:cNvPr id="220" name="Google Shape;220;g4ee3083aa7_0_636:notes"/>
-          <p:cNvSpPr/>
+          <p:cNvSpPr>
+            <a:spLocks noGrp="1" noRot="1" noChangeAspect="1"/>
+          </p:cNvSpPr>
           <p:nvPr>
-            <p:ph idx="2" type="sldImg"/>
+            <p:ph type="sldImg" idx="2"/>
           </p:nvPr>
         </p:nvSpPr>
         <p:spPr>
@@ -1801,9 +1877,13 @@
             <a:ext cx="6096000" cy="3429000"/>
           </a:xfrm>
           <a:custGeom>
-            <a:rect b="b" l="l" r="r" t="t"/>
+            <a:avLst/>
+            <a:gdLst/>
+            <a:ahLst/>
+            <a:cxnLst/>
+            <a:rect l="l" t="t" r="r" b="b"/>
             <a:pathLst>
-              <a:path extrusionOk="0" h="120000" w="120000">
+              <a:path w="120000" h="120000" extrusionOk="0">
                 <a:moveTo>
                   <a:pt x="0" y="0"/>
                 </a:moveTo>
@@ -1825,9 +1905,11 @@
       <p:sp>
         <p:nvSpPr>
           <p:cNvPr id="221" name="Google Shape;221;g4ee3083aa7_0_636:notes"/>
-          <p:cNvSpPr txBox="1"/>
+          <p:cNvSpPr txBox="1">
+            <a:spLocks noGrp="1"/>
+          </p:cNvSpPr>
           <p:nvPr>
-            <p:ph idx="1" type="body"/>
+            <p:ph type="body" idx="1"/>
           </p:nvPr>
         </p:nvSpPr>
         <p:spPr>
@@ -1840,23 +1922,20 @@
           </a:prstGeom>
         </p:spPr>
         <p:txBody>
-          <a:bodyPr anchorCtr="0" anchor="t" bIns="91425" lIns="91425" spcFirstLastPara="1" rIns="91425" wrap="square" tIns="91425">
+          <a:bodyPr spcFirstLastPara="1" wrap="square" lIns="91425" tIns="91425" rIns="91425" bIns="91425" anchor="t" anchorCtr="0">
             <a:noAutofit/>
           </a:bodyPr>
           <a:lstStyle/>
           <a:p>
-            <a:pPr indent="0" lvl="0" marL="0" rtl="0" algn="l">
-              <a:spcBef>
-                <a:spcPts val="0"/>
-              </a:spcBef>
-              <a:spcAft>
-                <a:spcPts val="0"/>
-              </a:spcAft>
-              <a:buNone/>
-            </a:pPr>
-            <a:r>
-              <a:t/>
-            </a:r>
+            <a:pPr marL="0" lvl="0" indent="0" algn="l" rtl="0">
+              <a:spcBef>
+                <a:spcPts val="0"/>
+              </a:spcBef>
+              <a:spcAft>
+                <a:spcPts val="0"/>
+              </a:spcAft>
+              <a:buNone/>
+            </a:pPr>
             <a:endParaRPr/>
           </a:p>
         </p:txBody>
@@ -1870,11 +1949,11 @@
 </file>
 
 <file path=ppt/notesSlides/notesSlide2.xml><?xml version="1.0" encoding="utf-8"?>
-<p:notes xmlns:a="http://schemas.openxmlformats.org/drawingml/2006/main" xmlns:r="http://schemas.openxmlformats.org/officeDocument/2006/relationships" xmlns:mc="http://schemas.openxmlformats.org/markup-compatibility/2006" xmlns:mv="urn:schemas-microsoft-com:mac:vml" xmlns:p="http://schemas.openxmlformats.org/presentationml/2006/main" xmlns:c="http://schemas.openxmlformats.org/drawingml/2006/chart" xmlns:dgm="http://schemas.openxmlformats.org/drawingml/2006/diagram" xmlns:o="urn:schemas-microsoft-com:office:office" xmlns:v="urn:schemas-microsoft-com:vml" xmlns:pvml="urn:schemas-microsoft-com:office:powerpoint" xmlns:com="http://schemas.openxmlformats.org/drawingml/2006/compatibility" xmlns:p14="http://schemas.microsoft.com/office/powerpoint/2010/main" xmlns:p15="http://schemas.microsoft.com/office/powerpoint/2012/main" showMasterPhAnim="0" showMasterSp="0">
+<p:notes xmlns:a="http://schemas.openxmlformats.org/drawingml/2006/main" xmlns:r="http://schemas.openxmlformats.org/officeDocument/2006/relationships" xmlns:p="http://schemas.openxmlformats.org/presentationml/2006/main" showMasterSp="0" showMasterPhAnim="0">
   <p:cSld>
     <p:spTree>
       <p:nvGrpSpPr>
-        <p:cNvPr id="62" name="Shape 62"/>
+        <p:cNvPr id="1" name="Shape 62"/>
         <p:cNvGrpSpPr/>
         <p:nvPr/>
       </p:nvGrpSpPr>
@@ -1889,20 +1968,26 @@
       <p:sp>
         <p:nvSpPr>
           <p:cNvPr id="63" name="Google Shape;63;g4ee3083aa7_1_113:notes"/>
-          <p:cNvSpPr/>
+          <p:cNvSpPr>
+            <a:spLocks noGrp="1" noRot="1" noChangeAspect="1"/>
+          </p:cNvSpPr>
           <p:nvPr>
-            <p:ph idx="2" type="sldImg"/>
+            <p:ph type="sldImg" idx="2"/>
           </p:nvPr>
         </p:nvSpPr>
         <p:spPr>
           <a:xfrm>
-            <a:off x="381300" y="685800"/>
+            <a:off x="381000" y="685800"/>
             <a:ext cx="6096000" cy="3429000"/>
           </a:xfrm>
           <a:custGeom>
-            <a:rect b="b" l="l" r="r" t="t"/>
+            <a:avLst/>
+            <a:gdLst/>
+            <a:ahLst/>
+            <a:cxnLst/>
+            <a:rect l="l" t="t" r="r" b="b"/>
             <a:pathLst>
-              <a:path extrusionOk="0" h="120000" w="120000">
+              <a:path w="120000" h="120000" extrusionOk="0">
                 <a:moveTo>
                   <a:pt x="0" y="0"/>
                 </a:moveTo>
@@ -1924,9 +2009,11 @@
       <p:sp>
         <p:nvSpPr>
           <p:cNvPr id="64" name="Google Shape;64;g4ee3083aa7_1_113:notes"/>
-          <p:cNvSpPr txBox="1"/>
+          <p:cNvSpPr txBox="1">
+            <a:spLocks noGrp="1"/>
+          </p:cNvSpPr>
           <p:nvPr>
-            <p:ph idx="1" type="body"/>
+            <p:ph type="body" idx="1"/>
           </p:nvPr>
         </p:nvSpPr>
         <p:spPr>
@@ -1939,23 +2026,20 @@
           </a:prstGeom>
         </p:spPr>
         <p:txBody>
-          <a:bodyPr anchorCtr="0" anchor="t" bIns="91425" lIns="91425" spcFirstLastPara="1" rIns="91425" wrap="square" tIns="91425">
+          <a:bodyPr spcFirstLastPara="1" wrap="square" lIns="91425" tIns="91425" rIns="91425" bIns="91425" anchor="t" anchorCtr="0">
             <a:noAutofit/>
           </a:bodyPr>
           <a:lstStyle/>
           <a:p>
-            <a:pPr indent="0" lvl="0" marL="0" rtl="0" algn="l">
-              <a:spcBef>
-                <a:spcPts val="0"/>
-              </a:spcBef>
-              <a:spcAft>
-                <a:spcPts val="0"/>
-              </a:spcAft>
-              <a:buNone/>
-            </a:pPr>
-            <a:r>
-              <a:t/>
-            </a:r>
+            <a:pPr marL="0" lvl="0" indent="0" algn="l" rtl="0">
+              <a:spcBef>
+                <a:spcPts val="0"/>
+              </a:spcBef>
+              <a:spcAft>
+                <a:spcPts val="0"/>
+              </a:spcAft>
+              <a:buNone/>
+            </a:pPr>
             <a:endParaRPr/>
           </a:p>
         </p:txBody>
@@ -1969,11 +2053,11 @@
 </file>
 
 <file path=ppt/notesSlides/notesSlide20.xml><?xml version="1.0" encoding="utf-8"?>
-<p:notes xmlns:a="http://schemas.openxmlformats.org/drawingml/2006/main" xmlns:r="http://schemas.openxmlformats.org/officeDocument/2006/relationships" xmlns:mc="http://schemas.openxmlformats.org/markup-compatibility/2006" xmlns:mv="urn:schemas-microsoft-com:mac:vml" xmlns:p="http://schemas.openxmlformats.org/presentationml/2006/main" xmlns:c="http://schemas.openxmlformats.org/drawingml/2006/chart" xmlns:dgm="http://schemas.openxmlformats.org/drawingml/2006/diagram" xmlns:o="urn:schemas-microsoft-com:office:office" xmlns:v="urn:schemas-microsoft-com:vml" xmlns:pvml="urn:schemas-microsoft-com:office:powerpoint" xmlns:com="http://schemas.openxmlformats.org/drawingml/2006/compatibility" xmlns:p14="http://schemas.microsoft.com/office/powerpoint/2010/main" xmlns:p15="http://schemas.microsoft.com/office/powerpoint/2012/main" showMasterPhAnim="0" showMasterSp="0">
+<p:notes xmlns:a="http://schemas.openxmlformats.org/drawingml/2006/main" xmlns:r="http://schemas.openxmlformats.org/officeDocument/2006/relationships" xmlns:p="http://schemas.openxmlformats.org/presentationml/2006/main" showMasterSp="0" showMasterPhAnim="0">
   <p:cSld>
     <p:spTree>
       <p:nvGrpSpPr>
-        <p:cNvPr id="226" name="Shape 226"/>
+        <p:cNvPr id="1" name="Shape 226"/>
         <p:cNvGrpSpPr/>
         <p:nvPr/>
       </p:nvGrpSpPr>
@@ -1988,9 +2072,11 @@
       <p:sp>
         <p:nvSpPr>
           <p:cNvPr id="227" name="Google Shape;227;g4ef083e6ff_0_33:notes"/>
-          <p:cNvSpPr/>
+          <p:cNvSpPr>
+            <a:spLocks noGrp="1" noRot="1" noChangeAspect="1"/>
+          </p:cNvSpPr>
           <p:nvPr>
-            <p:ph idx="2" type="sldImg"/>
+            <p:ph type="sldImg" idx="2"/>
           </p:nvPr>
         </p:nvSpPr>
         <p:spPr>
@@ -1999,9 +2085,13 @@
             <a:ext cx="6096000" cy="3429000"/>
           </a:xfrm>
           <a:custGeom>
-            <a:rect b="b" l="l" r="r" t="t"/>
+            <a:avLst/>
+            <a:gdLst/>
+            <a:ahLst/>
+            <a:cxnLst/>
+            <a:rect l="l" t="t" r="r" b="b"/>
             <a:pathLst>
-              <a:path extrusionOk="0" h="120000" w="120000">
+              <a:path w="120000" h="120000" extrusionOk="0">
                 <a:moveTo>
                   <a:pt x="0" y="0"/>
                 </a:moveTo>
@@ -2023,9 +2113,11 @@
       <p:sp>
         <p:nvSpPr>
           <p:cNvPr id="228" name="Google Shape;228;g4ef083e6ff_0_33:notes"/>
-          <p:cNvSpPr txBox="1"/>
+          <p:cNvSpPr txBox="1">
+            <a:spLocks noGrp="1"/>
+          </p:cNvSpPr>
           <p:nvPr>
-            <p:ph idx="1" type="body"/>
+            <p:ph type="body" idx="1"/>
           </p:nvPr>
         </p:nvSpPr>
         <p:spPr>
@@ -2038,23 +2130,20 @@
           </a:prstGeom>
         </p:spPr>
         <p:txBody>
-          <a:bodyPr anchorCtr="0" anchor="t" bIns="91425" lIns="91425" spcFirstLastPara="1" rIns="91425" wrap="square" tIns="91425">
+          <a:bodyPr spcFirstLastPara="1" wrap="square" lIns="91425" tIns="91425" rIns="91425" bIns="91425" anchor="t" anchorCtr="0">
             <a:noAutofit/>
           </a:bodyPr>
           <a:lstStyle/>
           <a:p>
-            <a:pPr indent="0" lvl="0" marL="0" rtl="0" algn="l">
-              <a:spcBef>
-                <a:spcPts val="0"/>
-              </a:spcBef>
-              <a:spcAft>
-                <a:spcPts val="0"/>
-              </a:spcAft>
-              <a:buNone/>
-            </a:pPr>
-            <a:r>
-              <a:t/>
-            </a:r>
+            <a:pPr marL="0" lvl="0" indent="0" algn="l" rtl="0">
+              <a:spcBef>
+                <a:spcPts val="0"/>
+              </a:spcBef>
+              <a:spcAft>
+                <a:spcPts val="0"/>
+              </a:spcAft>
+              <a:buNone/>
+            </a:pPr>
             <a:endParaRPr/>
           </a:p>
         </p:txBody>
@@ -2068,11 +2157,11 @@
 </file>
 
 <file path=ppt/notesSlides/notesSlide21.xml><?xml version="1.0" encoding="utf-8"?>
-<p:notes xmlns:a="http://schemas.openxmlformats.org/drawingml/2006/main" xmlns:r="http://schemas.openxmlformats.org/officeDocument/2006/relationships" xmlns:mc="http://schemas.openxmlformats.org/markup-compatibility/2006" xmlns:mv="urn:schemas-microsoft-com:mac:vml" xmlns:p="http://schemas.openxmlformats.org/presentationml/2006/main" xmlns:c="http://schemas.openxmlformats.org/drawingml/2006/chart" xmlns:dgm="http://schemas.openxmlformats.org/drawingml/2006/diagram" xmlns:o="urn:schemas-microsoft-com:office:office" xmlns:v="urn:schemas-microsoft-com:vml" xmlns:pvml="urn:schemas-microsoft-com:office:powerpoint" xmlns:com="http://schemas.openxmlformats.org/drawingml/2006/compatibility" xmlns:p14="http://schemas.microsoft.com/office/powerpoint/2010/main" xmlns:p15="http://schemas.microsoft.com/office/powerpoint/2012/main" showMasterPhAnim="0" showMasterSp="0">
+<p:notes xmlns:a="http://schemas.openxmlformats.org/drawingml/2006/main" xmlns:r="http://schemas.openxmlformats.org/officeDocument/2006/relationships" xmlns:p="http://schemas.openxmlformats.org/presentationml/2006/main" showMasterSp="0" showMasterPhAnim="0">
   <p:cSld>
     <p:spTree>
       <p:nvGrpSpPr>
-        <p:cNvPr id="232" name="Shape 232"/>
+        <p:cNvPr id="1" name="Shape 232"/>
         <p:cNvGrpSpPr/>
         <p:nvPr/>
       </p:nvGrpSpPr>
@@ -2087,9 +2176,11 @@
       <p:sp>
         <p:nvSpPr>
           <p:cNvPr id="233" name="Google Shape;233;g4ee3083aa7_0_648:notes"/>
-          <p:cNvSpPr/>
+          <p:cNvSpPr>
+            <a:spLocks noGrp="1" noRot="1" noChangeAspect="1"/>
+          </p:cNvSpPr>
           <p:nvPr>
-            <p:ph idx="2" type="sldImg"/>
+            <p:ph type="sldImg" idx="2"/>
           </p:nvPr>
         </p:nvSpPr>
         <p:spPr>
@@ -2098,9 +2189,13 @@
             <a:ext cx="6096000" cy="3429000"/>
           </a:xfrm>
           <a:custGeom>
-            <a:rect b="b" l="l" r="r" t="t"/>
+            <a:avLst/>
+            <a:gdLst/>
+            <a:ahLst/>
+            <a:cxnLst/>
+            <a:rect l="l" t="t" r="r" b="b"/>
             <a:pathLst>
-              <a:path extrusionOk="0" h="120000" w="120000">
+              <a:path w="120000" h="120000" extrusionOk="0">
                 <a:moveTo>
                   <a:pt x="0" y="0"/>
                 </a:moveTo>
@@ -2122,9 +2217,11 @@
       <p:sp>
         <p:nvSpPr>
           <p:cNvPr id="234" name="Google Shape;234;g4ee3083aa7_0_648:notes"/>
-          <p:cNvSpPr txBox="1"/>
+          <p:cNvSpPr txBox="1">
+            <a:spLocks noGrp="1"/>
+          </p:cNvSpPr>
           <p:nvPr>
-            <p:ph idx="1" type="body"/>
+            <p:ph type="body" idx="1"/>
           </p:nvPr>
         </p:nvSpPr>
         <p:spPr>
@@ -2137,23 +2234,20 @@
           </a:prstGeom>
         </p:spPr>
         <p:txBody>
-          <a:bodyPr anchorCtr="0" anchor="t" bIns="91425" lIns="91425" spcFirstLastPara="1" rIns="91425" wrap="square" tIns="91425">
+          <a:bodyPr spcFirstLastPara="1" wrap="square" lIns="91425" tIns="91425" rIns="91425" bIns="91425" anchor="t" anchorCtr="0">
             <a:noAutofit/>
           </a:bodyPr>
           <a:lstStyle/>
           <a:p>
-            <a:pPr indent="0" lvl="0" marL="0" rtl="0" algn="l">
-              <a:spcBef>
-                <a:spcPts val="0"/>
-              </a:spcBef>
-              <a:spcAft>
-                <a:spcPts val="0"/>
-              </a:spcAft>
-              <a:buNone/>
-            </a:pPr>
-            <a:r>
-              <a:t/>
-            </a:r>
+            <a:pPr marL="0" lvl="0" indent="0" algn="l" rtl="0">
+              <a:spcBef>
+                <a:spcPts val="0"/>
+              </a:spcBef>
+              <a:spcAft>
+                <a:spcPts val="0"/>
+              </a:spcAft>
+              <a:buNone/>
+            </a:pPr>
             <a:endParaRPr/>
           </a:p>
         </p:txBody>
@@ -2167,11 +2261,11 @@
 </file>
 
 <file path=ppt/notesSlides/notesSlide3.xml><?xml version="1.0" encoding="utf-8"?>
-<p:notes xmlns:a="http://schemas.openxmlformats.org/drawingml/2006/main" xmlns:r="http://schemas.openxmlformats.org/officeDocument/2006/relationships" xmlns:mc="http://schemas.openxmlformats.org/markup-compatibility/2006" xmlns:mv="urn:schemas-microsoft-com:mac:vml" xmlns:p="http://schemas.openxmlformats.org/presentationml/2006/main" xmlns:c="http://schemas.openxmlformats.org/drawingml/2006/chart" xmlns:dgm="http://schemas.openxmlformats.org/drawingml/2006/diagram" xmlns:o="urn:schemas-microsoft-com:office:office" xmlns:v="urn:schemas-microsoft-com:vml" xmlns:pvml="urn:schemas-microsoft-com:office:powerpoint" xmlns:com="http://schemas.openxmlformats.org/drawingml/2006/compatibility" xmlns:p14="http://schemas.microsoft.com/office/powerpoint/2010/main" xmlns:p15="http://schemas.microsoft.com/office/powerpoint/2012/main" showMasterPhAnim="0" showMasterSp="0">
+<p:notes xmlns:a="http://schemas.openxmlformats.org/drawingml/2006/main" xmlns:r="http://schemas.openxmlformats.org/officeDocument/2006/relationships" xmlns:p="http://schemas.openxmlformats.org/presentationml/2006/main" showMasterSp="0" showMasterPhAnim="0">
   <p:cSld>
     <p:spTree>
       <p:nvGrpSpPr>
-        <p:cNvPr id="76" name="Shape 76"/>
+        <p:cNvPr id="1" name="Shape 76"/>
         <p:cNvGrpSpPr/>
         <p:nvPr/>
       </p:nvGrpSpPr>
@@ -2186,9 +2280,11 @@
       <p:sp>
         <p:nvSpPr>
           <p:cNvPr id="77" name="Google Shape;77;g4ee3083aa7_1_168:notes"/>
-          <p:cNvSpPr/>
+          <p:cNvSpPr>
+            <a:spLocks noGrp="1" noRot="1" noChangeAspect="1"/>
+          </p:cNvSpPr>
           <p:nvPr>
-            <p:ph idx="2" type="sldImg"/>
+            <p:ph type="sldImg" idx="2"/>
           </p:nvPr>
         </p:nvSpPr>
         <p:spPr>
@@ -2197,9 +2293,13 @@
             <a:ext cx="6096000" cy="3429000"/>
           </a:xfrm>
           <a:custGeom>
-            <a:rect b="b" l="l" r="r" t="t"/>
+            <a:avLst/>
+            <a:gdLst/>
+            <a:ahLst/>
+            <a:cxnLst/>
+            <a:rect l="l" t="t" r="r" b="b"/>
             <a:pathLst>
-              <a:path extrusionOk="0" h="120000" w="120000">
+              <a:path w="120000" h="120000" extrusionOk="0">
                 <a:moveTo>
                   <a:pt x="0" y="0"/>
                 </a:moveTo>
@@ -2221,9 +2321,11 @@
       <p:sp>
         <p:nvSpPr>
           <p:cNvPr id="78" name="Google Shape;78;g4ee3083aa7_1_168:notes"/>
-          <p:cNvSpPr txBox="1"/>
+          <p:cNvSpPr txBox="1">
+            <a:spLocks noGrp="1"/>
+          </p:cNvSpPr>
           <p:nvPr>
-            <p:ph idx="1" type="body"/>
+            <p:ph type="body" idx="1"/>
           </p:nvPr>
         </p:nvSpPr>
         <p:spPr>
@@ -2236,23 +2338,20 @@
           </a:prstGeom>
         </p:spPr>
         <p:txBody>
-          <a:bodyPr anchorCtr="0" anchor="t" bIns="91425" lIns="91425" spcFirstLastPara="1" rIns="91425" wrap="square" tIns="91425">
+          <a:bodyPr spcFirstLastPara="1" wrap="square" lIns="91425" tIns="91425" rIns="91425" bIns="91425" anchor="t" anchorCtr="0">
             <a:noAutofit/>
           </a:bodyPr>
           <a:lstStyle/>
           <a:p>
-            <a:pPr indent="0" lvl="0" marL="0" rtl="0" algn="l">
-              <a:spcBef>
-                <a:spcPts val="0"/>
-              </a:spcBef>
-              <a:spcAft>
-                <a:spcPts val="0"/>
-              </a:spcAft>
-              <a:buNone/>
-            </a:pPr>
-            <a:r>
-              <a:t/>
-            </a:r>
+            <a:pPr marL="0" lvl="0" indent="0" algn="l" rtl="0">
+              <a:spcBef>
+                <a:spcPts val="0"/>
+              </a:spcBef>
+              <a:spcAft>
+                <a:spcPts val="0"/>
+              </a:spcAft>
+              <a:buNone/>
+            </a:pPr>
             <a:endParaRPr/>
           </a:p>
         </p:txBody>
@@ -2266,11 +2365,11 @@
 </file>
 
 <file path=ppt/notesSlides/notesSlide4.xml><?xml version="1.0" encoding="utf-8"?>
-<p:notes xmlns:a="http://schemas.openxmlformats.org/drawingml/2006/main" xmlns:r="http://schemas.openxmlformats.org/officeDocument/2006/relationships" xmlns:mc="http://schemas.openxmlformats.org/markup-compatibility/2006" xmlns:mv="urn:schemas-microsoft-com:mac:vml" xmlns:p="http://schemas.openxmlformats.org/presentationml/2006/main" xmlns:c="http://schemas.openxmlformats.org/drawingml/2006/chart" xmlns:dgm="http://schemas.openxmlformats.org/drawingml/2006/diagram" xmlns:o="urn:schemas-microsoft-com:office:office" xmlns:v="urn:schemas-microsoft-com:vml" xmlns:pvml="urn:schemas-microsoft-com:office:powerpoint" xmlns:com="http://schemas.openxmlformats.org/drawingml/2006/compatibility" xmlns:p14="http://schemas.microsoft.com/office/powerpoint/2010/main" xmlns:p15="http://schemas.microsoft.com/office/powerpoint/2012/main" showMasterPhAnim="0" showMasterSp="0">
+<p:notes xmlns:a="http://schemas.openxmlformats.org/drawingml/2006/main" xmlns:r="http://schemas.openxmlformats.org/officeDocument/2006/relationships" xmlns:p="http://schemas.openxmlformats.org/presentationml/2006/main" showMasterSp="0" showMasterPhAnim="0">
   <p:cSld>
     <p:spTree>
       <p:nvGrpSpPr>
-        <p:cNvPr id="83" name="Shape 83"/>
+        <p:cNvPr id="1" name="Shape 83"/>
         <p:cNvGrpSpPr/>
         <p:nvPr/>
       </p:nvGrpSpPr>
@@ -2285,9 +2384,11 @@
       <p:sp>
         <p:nvSpPr>
           <p:cNvPr id="84" name="Google Shape;84;g4ee3083aa7_0_550:notes"/>
-          <p:cNvSpPr/>
+          <p:cNvSpPr>
+            <a:spLocks noGrp="1" noRot="1" noChangeAspect="1"/>
+          </p:cNvSpPr>
           <p:nvPr>
-            <p:ph idx="2" type="sldImg"/>
+            <p:ph type="sldImg" idx="2"/>
           </p:nvPr>
         </p:nvSpPr>
         <p:spPr>
@@ -2296,9 +2397,13 @@
             <a:ext cx="6096000" cy="3429000"/>
           </a:xfrm>
           <a:custGeom>
-            <a:rect b="b" l="l" r="r" t="t"/>
+            <a:avLst/>
+            <a:gdLst/>
+            <a:ahLst/>
+            <a:cxnLst/>
+            <a:rect l="l" t="t" r="r" b="b"/>
             <a:pathLst>
-              <a:path extrusionOk="0" h="120000" w="120000">
+              <a:path w="120000" h="120000" extrusionOk="0">
                 <a:moveTo>
                   <a:pt x="0" y="0"/>
                 </a:moveTo>
@@ -2320,9 +2425,11 @@
       <p:sp>
         <p:nvSpPr>
           <p:cNvPr id="85" name="Google Shape;85;g4ee3083aa7_0_550:notes"/>
-          <p:cNvSpPr txBox="1"/>
+          <p:cNvSpPr txBox="1">
+            <a:spLocks noGrp="1"/>
+          </p:cNvSpPr>
           <p:nvPr>
-            <p:ph idx="1" type="body"/>
+            <p:ph type="body" idx="1"/>
           </p:nvPr>
         </p:nvSpPr>
         <p:spPr>
@@ -2335,23 +2442,20 @@
           </a:prstGeom>
         </p:spPr>
         <p:txBody>
-          <a:bodyPr anchorCtr="0" anchor="t" bIns="91425" lIns="91425" spcFirstLastPara="1" rIns="91425" wrap="square" tIns="91425">
+          <a:bodyPr spcFirstLastPara="1" wrap="square" lIns="91425" tIns="91425" rIns="91425" bIns="91425" anchor="t" anchorCtr="0">
             <a:noAutofit/>
           </a:bodyPr>
           <a:lstStyle/>
           <a:p>
-            <a:pPr indent="0" lvl="0" marL="0" rtl="0" algn="l">
-              <a:spcBef>
-                <a:spcPts val="0"/>
-              </a:spcBef>
-              <a:spcAft>
-                <a:spcPts val="0"/>
-              </a:spcAft>
-              <a:buNone/>
-            </a:pPr>
-            <a:r>
-              <a:t/>
-            </a:r>
+            <a:pPr marL="0" lvl="0" indent="0" algn="l" rtl="0">
+              <a:spcBef>
+                <a:spcPts val="0"/>
+              </a:spcBef>
+              <a:spcAft>
+                <a:spcPts val="0"/>
+              </a:spcAft>
+              <a:buNone/>
+            </a:pPr>
             <a:endParaRPr/>
           </a:p>
         </p:txBody>
@@ -2365,11 +2469,11 @@
 </file>
 
 <file path=ppt/notesSlides/notesSlide5.xml><?xml version="1.0" encoding="utf-8"?>
-<p:notes xmlns:a="http://schemas.openxmlformats.org/drawingml/2006/main" xmlns:r="http://schemas.openxmlformats.org/officeDocument/2006/relationships" xmlns:mc="http://schemas.openxmlformats.org/markup-compatibility/2006" xmlns:mv="urn:schemas-microsoft-com:mac:vml" xmlns:p="http://schemas.openxmlformats.org/presentationml/2006/main" xmlns:c="http://schemas.openxmlformats.org/drawingml/2006/chart" xmlns:dgm="http://schemas.openxmlformats.org/drawingml/2006/diagram" xmlns:o="urn:schemas-microsoft-com:office:office" xmlns:v="urn:schemas-microsoft-com:vml" xmlns:pvml="urn:schemas-microsoft-com:office:powerpoint" xmlns:com="http://schemas.openxmlformats.org/drawingml/2006/compatibility" xmlns:p14="http://schemas.microsoft.com/office/powerpoint/2010/main" xmlns:p15="http://schemas.microsoft.com/office/powerpoint/2012/main" showMasterPhAnim="0" showMasterSp="0">
+<p:notes xmlns:a="http://schemas.openxmlformats.org/drawingml/2006/main" xmlns:r="http://schemas.openxmlformats.org/officeDocument/2006/relationships" xmlns:p="http://schemas.openxmlformats.org/presentationml/2006/main" showMasterSp="0" showMasterPhAnim="0">
   <p:cSld>
     <p:spTree>
       <p:nvGrpSpPr>
-        <p:cNvPr id="93" name="Shape 93"/>
+        <p:cNvPr id="1" name="Shape 93"/>
         <p:cNvGrpSpPr/>
         <p:nvPr/>
       </p:nvGrpSpPr>
@@ -2384,9 +2488,11 @@
       <p:sp>
         <p:nvSpPr>
           <p:cNvPr id="94" name="Google Shape;94;g4ee3083aa7_0_571:notes"/>
-          <p:cNvSpPr/>
+          <p:cNvSpPr>
+            <a:spLocks noGrp="1" noRot="1" noChangeAspect="1"/>
+          </p:cNvSpPr>
           <p:nvPr>
-            <p:ph idx="2" type="sldImg"/>
+            <p:ph type="sldImg" idx="2"/>
           </p:nvPr>
         </p:nvSpPr>
         <p:spPr>
@@ -2395,9 +2501,13 @@
             <a:ext cx="6096000" cy="3429000"/>
           </a:xfrm>
           <a:custGeom>
-            <a:rect b="b" l="l" r="r" t="t"/>
+            <a:avLst/>
+            <a:gdLst/>
+            <a:ahLst/>
+            <a:cxnLst/>
+            <a:rect l="l" t="t" r="r" b="b"/>
             <a:pathLst>
-              <a:path extrusionOk="0" h="120000" w="120000">
+              <a:path w="120000" h="120000" extrusionOk="0">
                 <a:moveTo>
                   <a:pt x="0" y="0"/>
                 </a:moveTo>
@@ -2419,9 +2529,11 @@
       <p:sp>
         <p:nvSpPr>
           <p:cNvPr id="95" name="Google Shape;95;g4ee3083aa7_0_571:notes"/>
-          <p:cNvSpPr txBox="1"/>
+          <p:cNvSpPr txBox="1">
+            <a:spLocks noGrp="1"/>
+          </p:cNvSpPr>
           <p:nvPr>
-            <p:ph idx="1" type="body"/>
+            <p:ph type="body" idx="1"/>
           </p:nvPr>
         </p:nvSpPr>
         <p:spPr>
@@ -2434,12 +2546,12 @@
           </a:prstGeom>
         </p:spPr>
         <p:txBody>
-          <a:bodyPr anchorCtr="0" anchor="t" bIns="91425" lIns="91425" spcFirstLastPara="1" rIns="91425" wrap="square" tIns="91425">
+          <a:bodyPr spcFirstLastPara="1" wrap="square" lIns="91425" tIns="91425" rIns="91425" bIns="91425" anchor="t" anchorCtr="0">
             <a:noAutofit/>
           </a:bodyPr>
           <a:lstStyle/>
           <a:p>
-            <a:pPr indent="0" lvl="0" marL="0" rtl="0" algn="l">
+            <a:pPr marL="0" lvl="0" indent="0" algn="l" rtl="0">
               <a:spcBef>
                 <a:spcPts val="0"/>
               </a:spcBef>
@@ -2465,11 +2577,11 @@
 </file>
 
 <file path=ppt/notesSlides/notesSlide6.xml><?xml version="1.0" encoding="utf-8"?>
-<p:notes xmlns:a="http://schemas.openxmlformats.org/drawingml/2006/main" xmlns:r="http://schemas.openxmlformats.org/officeDocument/2006/relationships" xmlns:mc="http://schemas.openxmlformats.org/markup-compatibility/2006" xmlns:mv="urn:schemas-microsoft-com:mac:vml" xmlns:p="http://schemas.openxmlformats.org/presentationml/2006/main" xmlns:c="http://schemas.openxmlformats.org/drawingml/2006/chart" xmlns:dgm="http://schemas.openxmlformats.org/drawingml/2006/diagram" xmlns:o="urn:schemas-microsoft-com:office:office" xmlns:v="urn:schemas-microsoft-com:vml" xmlns:pvml="urn:schemas-microsoft-com:office:powerpoint" xmlns:com="http://schemas.openxmlformats.org/drawingml/2006/compatibility" xmlns:p14="http://schemas.microsoft.com/office/powerpoint/2010/main" xmlns:p15="http://schemas.microsoft.com/office/powerpoint/2012/main" showMasterPhAnim="0" showMasterSp="0">
+<p:notes xmlns:a="http://schemas.openxmlformats.org/drawingml/2006/main" xmlns:r="http://schemas.openxmlformats.org/officeDocument/2006/relationships" xmlns:p="http://schemas.openxmlformats.org/presentationml/2006/main" showMasterSp="0" showMasterPhAnim="0">
   <p:cSld>
     <p:spTree>
       <p:nvGrpSpPr>
-        <p:cNvPr id="102" name="Shape 102"/>
+        <p:cNvPr id="1" name="Shape 102"/>
         <p:cNvGrpSpPr/>
         <p:nvPr/>
       </p:nvGrpSpPr>
@@ -2484,9 +2596,11 @@
       <p:sp>
         <p:nvSpPr>
           <p:cNvPr id="103" name="Google Shape;103;g4ee3083aa7_0_617:notes"/>
-          <p:cNvSpPr/>
+          <p:cNvSpPr>
+            <a:spLocks noGrp="1" noRot="1" noChangeAspect="1"/>
+          </p:cNvSpPr>
           <p:nvPr>
-            <p:ph idx="2" type="sldImg"/>
+            <p:ph type="sldImg" idx="2"/>
           </p:nvPr>
         </p:nvSpPr>
         <p:spPr>
@@ -2495,9 +2609,13 @@
             <a:ext cx="6096000" cy="3429000"/>
           </a:xfrm>
           <a:custGeom>
-            <a:rect b="b" l="l" r="r" t="t"/>
+            <a:avLst/>
+            <a:gdLst/>
+            <a:ahLst/>
+            <a:cxnLst/>
+            <a:rect l="l" t="t" r="r" b="b"/>
             <a:pathLst>
-              <a:path extrusionOk="0" h="120000" w="120000">
+              <a:path w="120000" h="120000" extrusionOk="0">
                 <a:moveTo>
                   <a:pt x="0" y="0"/>
                 </a:moveTo>
@@ -2519,9 +2637,11 @@
       <p:sp>
         <p:nvSpPr>
           <p:cNvPr id="104" name="Google Shape;104;g4ee3083aa7_0_617:notes"/>
-          <p:cNvSpPr txBox="1"/>
+          <p:cNvSpPr txBox="1">
+            <a:spLocks noGrp="1"/>
+          </p:cNvSpPr>
           <p:nvPr>
-            <p:ph idx="1" type="body"/>
+            <p:ph type="body" idx="1"/>
           </p:nvPr>
         </p:nvSpPr>
         <p:spPr>
@@ -2534,12 +2654,12 @@
           </a:prstGeom>
         </p:spPr>
         <p:txBody>
-          <a:bodyPr anchorCtr="0" anchor="t" bIns="91425" lIns="91425" spcFirstLastPara="1" rIns="91425" wrap="square" tIns="91425">
+          <a:bodyPr spcFirstLastPara="1" wrap="square" lIns="91425" tIns="91425" rIns="91425" bIns="91425" anchor="t" anchorCtr="0">
             <a:noAutofit/>
           </a:bodyPr>
           <a:lstStyle/>
           <a:p>
-            <a:pPr indent="0" lvl="0" marL="0" rtl="0" algn="l">
+            <a:pPr marL="0" lvl="0" indent="0" algn="l" rtl="0">
               <a:spcBef>
                 <a:spcPts val="0"/>
               </a:spcBef>
@@ -2560,18 +2680,15 @@
             <a:endParaRPr/>
           </a:p>
           <a:p>
-            <a:pPr indent="0" lvl="0" marL="0" rtl="0" algn="l">
-              <a:spcBef>
-                <a:spcPts val="0"/>
-              </a:spcBef>
-              <a:spcAft>
-                <a:spcPts val="0"/>
-              </a:spcAft>
-              <a:buNone/>
-            </a:pPr>
-            <a:r>
-              <a:t/>
-            </a:r>
+            <a:pPr marL="0" lvl="0" indent="0" algn="l" rtl="0">
+              <a:spcBef>
+                <a:spcPts val="0"/>
+              </a:spcBef>
+              <a:spcAft>
+                <a:spcPts val="0"/>
+              </a:spcAft>
+              <a:buNone/>
+            </a:pPr>
             <a:endParaRPr/>
           </a:p>
         </p:txBody>
@@ -2585,11 +2702,11 @@
 </file>
 
 <file path=ppt/notesSlides/notesSlide7.xml><?xml version="1.0" encoding="utf-8"?>
-<p:notes xmlns:a="http://schemas.openxmlformats.org/drawingml/2006/main" xmlns:r="http://schemas.openxmlformats.org/officeDocument/2006/relationships" xmlns:mc="http://schemas.openxmlformats.org/markup-compatibility/2006" xmlns:mv="urn:schemas-microsoft-com:mac:vml" xmlns:p="http://schemas.openxmlformats.org/presentationml/2006/main" xmlns:c="http://schemas.openxmlformats.org/drawingml/2006/chart" xmlns:dgm="http://schemas.openxmlformats.org/drawingml/2006/diagram" xmlns:o="urn:schemas-microsoft-com:office:office" xmlns:v="urn:schemas-microsoft-com:vml" xmlns:pvml="urn:schemas-microsoft-com:office:powerpoint" xmlns:com="http://schemas.openxmlformats.org/drawingml/2006/compatibility" xmlns:p14="http://schemas.microsoft.com/office/powerpoint/2010/main" xmlns:p15="http://schemas.microsoft.com/office/powerpoint/2012/main" showMasterPhAnim="0" showMasterSp="0">
+<p:notes xmlns:a="http://schemas.openxmlformats.org/drawingml/2006/main" xmlns:r="http://schemas.openxmlformats.org/officeDocument/2006/relationships" xmlns:p="http://schemas.openxmlformats.org/presentationml/2006/main" showMasterSp="0" showMasterPhAnim="0">
   <p:cSld>
     <p:spTree>
       <p:nvGrpSpPr>
-        <p:cNvPr id="110" name="Shape 110"/>
+        <p:cNvPr id="1" name="Shape 110"/>
         <p:cNvGrpSpPr/>
         <p:nvPr/>
       </p:nvGrpSpPr>
@@ -2604,9 +2721,11 @@
       <p:sp>
         <p:nvSpPr>
           <p:cNvPr id="111" name="Google Shape;111;g4ee3083aa7_0_599:notes"/>
-          <p:cNvSpPr/>
+          <p:cNvSpPr>
+            <a:spLocks noGrp="1" noRot="1" noChangeAspect="1"/>
+          </p:cNvSpPr>
           <p:nvPr>
-            <p:ph idx="2" type="sldImg"/>
+            <p:ph type="sldImg" idx="2"/>
           </p:nvPr>
         </p:nvSpPr>
         <p:spPr>
@@ -2615,9 +2734,13 @@
             <a:ext cx="6096000" cy="3429000"/>
           </a:xfrm>
           <a:custGeom>
-            <a:rect b="b" l="l" r="r" t="t"/>
+            <a:avLst/>
+            <a:gdLst/>
+            <a:ahLst/>
+            <a:cxnLst/>
+            <a:rect l="l" t="t" r="r" b="b"/>
             <a:pathLst>
-              <a:path extrusionOk="0" h="120000" w="120000">
+              <a:path w="120000" h="120000" extrusionOk="0">
                 <a:moveTo>
                   <a:pt x="0" y="0"/>
                 </a:moveTo>
@@ -2639,9 +2762,11 @@
       <p:sp>
         <p:nvSpPr>
           <p:cNvPr id="112" name="Google Shape;112;g4ee3083aa7_0_599:notes"/>
-          <p:cNvSpPr txBox="1"/>
+          <p:cNvSpPr txBox="1">
+            <a:spLocks noGrp="1"/>
+          </p:cNvSpPr>
           <p:nvPr>
-            <p:ph idx="1" type="body"/>
+            <p:ph type="body" idx="1"/>
           </p:nvPr>
         </p:nvSpPr>
         <p:spPr>
@@ -2654,12 +2779,12 @@
           </a:prstGeom>
         </p:spPr>
         <p:txBody>
-          <a:bodyPr anchorCtr="0" anchor="t" bIns="91425" lIns="91425" spcFirstLastPara="1" rIns="91425" wrap="square" tIns="91425">
+          <a:bodyPr spcFirstLastPara="1" wrap="square" lIns="91425" tIns="91425" rIns="91425" bIns="91425" anchor="t" anchorCtr="0">
             <a:noAutofit/>
           </a:bodyPr>
           <a:lstStyle/>
           <a:p>
-            <a:pPr indent="0" lvl="0" marL="0" rtl="0" algn="l">
+            <a:pPr marL="0" lvl="0" indent="0" algn="l" rtl="0">
               <a:spcBef>
                 <a:spcPts val="0"/>
               </a:spcBef>
@@ -2685,11 +2810,11 @@
 </file>
 
 <file path=ppt/notesSlides/notesSlide8.xml><?xml version="1.0" encoding="utf-8"?>
-<p:notes xmlns:a="http://schemas.openxmlformats.org/drawingml/2006/main" xmlns:r="http://schemas.openxmlformats.org/officeDocument/2006/relationships" xmlns:mc="http://schemas.openxmlformats.org/markup-compatibility/2006" xmlns:mv="urn:schemas-microsoft-com:mac:vml" xmlns:p="http://schemas.openxmlformats.org/presentationml/2006/main" xmlns:c="http://schemas.openxmlformats.org/drawingml/2006/chart" xmlns:dgm="http://schemas.openxmlformats.org/drawingml/2006/diagram" xmlns:o="urn:schemas-microsoft-com:office:office" xmlns:v="urn:schemas-microsoft-com:vml" xmlns:pvml="urn:schemas-microsoft-com:office:powerpoint" xmlns:com="http://schemas.openxmlformats.org/drawingml/2006/compatibility" xmlns:p14="http://schemas.microsoft.com/office/powerpoint/2010/main" xmlns:p15="http://schemas.microsoft.com/office/powerpoint/2012/main" showMasterPhAnim="0" showMasterSp="0">
+<p:notes xmlns:a="http://schemas.openxmlformats.org/drawingml/2006/main" xmlns:r="http://schemas.openxmlformats.org/officeDocument/2006/relationships" xmlns:p="http://schemas.openxmlformats.org/presentationml/2006/main" showMasterSp="0" showMasterPhAnim="0">
   <p:cSld>
     <p:spTree>
       <p:nvGrpSpPr>
-        <p:cNvPr id="119" name="Shape 119"/>
+        <p:cNvPr id="1" name="Shape 119"/>
         <p:cNvGrpSpPr/>
         <p:nvPr/>
       </p:nvGrpSpPr>
@@ -2704,9 +2829,11 @@
       <p:sp>
         <p:nvSpPr>
           <p:cNvPr id="120" name="Google Shape;120;g4ee3083aa7_0_609:notes"/>
-          <p:cNvSpPr/>
+          <p:cNvSpPr>
+            <a:spLocks noGrp="1" noRot="1" noChangeAspect="1"/>
+          </p:cNvSpPr>
           <p:nvPr>
-            <p:ph idx="2" type="sldImg"/>
+            <p:ph type="sldImg" idx="2"/>
           </p:nvPr>
         </p:nvSpPr>
         <p:spPr>
@@ -2715,9 +2842,13 @@
             <a:ext cx="6096000" cy="3429000"/>
           </a:xfrm>
           <a:custGeom>
-            <a:rect b="b" l="l" r="r" t="t"/>
+            <a:avLst/>
+            <a:gdLst/>
+            <a:ahLst/>
+            <a:cxnLst/>
+            <a:rect l="l" t="t" r="r" b="b"/>
             <a:pathLst>
-              <a:path extrusionOk="0" h="120000" w="120000">
+              <a:path w="120000" h="120000" extrusionOk="0">
                 <a:moveTo>
                   <a:pt x="0" y="0"/>
                 </a:moveTo>
@@ -2739,9 +2870,11 @@
       <p:sp>
         <p:nvSpPr>
           <p:cNvPr id="121" name="Google Shape;121;g4ee3083aa7_0_609:notes"/>
-          <p:cNvSpPr txBox="1"/>
+          <p:cNvSpPr txBox="1">
+            <a:spLocks noGrp="1"/>
+          </p:cNvSpPr>
           <p:nvPr>
-            <p:ph idx="1" type="body"/>
+            <p:ph type="body" idx="1"/>
           </p:nvPr>
         </p:nvSpPr>
         <p:spPr>
@@ -2754,12 +2887,12 @@
           </a:prstGeom>
         </p:spPr>
         <p:txBody>
-          <a:bodyPr anchorCtr="0" anchor="t" bIns="91425" lIns="91425" spcFirstLastPara="1" rIns="91425" wrap="square" tIns="91425">
+          <a:bodyPr spcFirstLastPara="1" wrap="square" lIns="91425" tIns="91425" rIns="91425" bIns="91425" anchor="t" anchorCtr="0">
             <a:noAutofit/>
           </a:bodyPr>
           <a:lstStyle/>
           <a:p>
-            <a:pPr indent="0" lvl="0" marL="0" rtl="0" algn="l">
+            <a:pPr marL="0" lvl="0" indent="0" algn="l" rtl="0">
               <a:spcBef>
                 <a:spcPts val="0"/>
               </a:spcBef>
@@ -2785,11 +2918,11 @@
 </file>
 
 <file path=ppt/notesSlides/notesSlide9.xml><?xml version="1.0" encoding="utf-8"?>
-<p:notes xmlns:a="http://schemas.openxmlformats.org/drawingml/2006/main" xmlns:r="http://schemas.openxmlformats.org/officeDocument/2006/relationships" xmlns:mc="http://schemas.openxmlformats.org/markup-compatibility/2006" xmlns:mv="urn:schemas-microsoft-com:mac:vml" xmlns:p="http://schemas.openxmlformats.org/presentationml/2006/main" xmlns:c="http://schemas.openxmlformats.org/drawingml/2006/chart" xmlns:dgm="http://schemas.openxmlformats.org/drawingml/2006/diagram" xmlns:o="urn:schemas-microsoft-com:office:office" xmlns:v="urn:schemas-microsoft-com:vml" xmlns:pvml="urn:schemas-microsoft-com:office:powerpoint" xmlns:com="http://schemas.openxmlformats.org/drawingml/2006/compatibility" xmlns:p14="http://schemas.microsoft.com/office/powerpoint/2010/main" xmlns:p15="http://schemas.microsoft.com/office/powerpoint/2012/main" showMasterPhAnim="0" showMasterSp="0">
+<p:notes xmlns:a="http://schemas.openxmlformats.org/drawingml/2006/main" xmlns:r="http://schemas.openxmlformats.org/officeDocument/2006/relationships" xmlns:p="http://schemas.openxmlformats.org/presentationml/2006/main" showMasterSp="0" showMasterPhAnim="0">
   <p:cSld>
     <p:spTree>
       <p:nvGrpSpPr>
-        <p:cNvPr id="128" name="Shape 128"/>
+        <p:cNvPr id="1" name="Shape 128"/>
         <p:cNvGrpSpPr/>
         <p:nvPr/>
       </p:nvGrpSpPr>
@@ -2804,9 +2937,11 @@
       <p:sp>
         <p:nvSpPr>
           <p:cNvPr id="129" name="Google Shape;129;g4ee3083aa7_0_555:notes"/>
-          <p:cNvSpPr/>
+          <p:cNvSpPr>
+            <a:spLocks noGrp="1" noRot="1" noChangeAspect="1"/>
+          </p:cNvSpPr>
           <p:nvPr>
-            <p:ph idx="2" type="sldImg"/>
+            <p:ph type="sldImg" idx="2"/>
           </p:nvPr>
         </p:nvSpPr>
         <p:spPr>
@@ -2815,9 +2950,13 @@
             <a:ext cx="6096000" cy="3429000"/>
           </a:xfrm>
           <a:custGeom>
-            <a:rect b="b" l="l" r="r" t="t"/>
+            <a:avLst/>
+            <a:gdLst/>
+            <a:ahLst/>
+            <a:cxnLst/>
+            <a:rect l="l" t="t" r="r" b="b"/>
             <a:pathLst>
-              <a:path extrusionOk="0" h="120000" w="120000">
+              <a:path w="120000" h="120000" extrusionOk="0">
                 <a:moveTo>
                   <a:pt x="0" y="0"/>
                 </a:moveTo>
@@ -2839,9 +2978,11 @@
       <p:sp>
         <p:nvSpPr>
           <p:cNvPr id="130" name="Google Shape;130;g4ee3083aa7_0_555:notes"/>
-          <p:cNvSpPr txBox="1"/>
+          <p:cNvSpPr txBox="1">
+            <a:spLocks noGrp="1"/>
+          </p:cNvSpPr>
           <p:nvPr>
-            <p:ph idx="1" type="body"/>
+            <p:ph type="body" idx="1"/>
           </p:nvPr>
         </p:nvSpPr>
         <p:spPr>
@@ -2854,12 +2995,12 @@
           </a:prstGeom>
         </p:spPr>
         <p:txBody>
-          <a:bodyPr anchorCtr="0" anchor="t" bIns="91425" lIns="91425" spcFirstLastPara="1" rIns="91425" wrap="square" tIns="91425">
+          <a:bodyPr spcFirstLastPara="1" wrap="square" lIns="91425" tIns="91425" rIns="91425" bIns="91425" anchor="t" anchorCtr="0">
             <a:noAutofit/>
           </a:bodyPr>
           <a:lstStyle/>
           <a:p>
-            <a:pPr indent="0" lvl="0" marL="0" rtl="0" algn="l">
+            <a:pPr marL="0" lvl="0" indent="0" algn="l" rtl="0">
               <a:spcBef>
                 <a:spcPts val="0"/>
               </a:spcBef>
@@ -2885,18 +3026,19 @@
 </file>
 
 <file path=ppt/slideLayouts/slideLayout1.xml><?xml version="1.0" encoding="utf-8"?>
-<p:sldLayout xmlns:a="http://schemas.openxmlformats.org/drawingml/2006/main" xmlns:r="http://schemas.openxmlformats.org/officeDocument/2006/relationships" xmlns:mc="http://schemas.openxmlformats.org/markup-compatibility/2006" xmlns:mv="urn:schemas-microsoft-com:mac:vml" xmlns:p="http://schemas.openxmlformats.org/presentationml/2006/main" xmlns:c="http://schemas.openxmlformats.org/drawingml/2006/chart" xmlns:dgm="http://schemas.openxmlformats.org/drawingml/2006/diagram" xmlns:o="urn:schemas-microsoft-com:office:office" xmlns:v="urn:schemas-microsoft-com:vml" xmlns:pvml="urn:schemas-microsoft-com:office:powerpoint" xmlns:com="http://schemas.openxmlformats.org/drawingml/2006/compatibility" xmlns:p14="http://schemas.microsoft.com/office/powerpoint/2010/main" xmlns:p15="http://schemas.microsoft.com/office/powerpoint/2012/main" matchingName="Title slide" type="title">
+<p:sldLayout xmlns:a="http://schemas.openxmlformats.org/drawingml/2006/main" xmlns:r="http://schemas.openxmlformats.org/officeDocument/2006/relationships" xmlns:p="http://schemas.openxmlformats.org/presentationml/2006/main" matchingName="Title slide" type="title">
   <p:cSld name="TITLE">
     <p:bg>
       <p:bgPr>
         <a:solidFill>
           <a:schemeClr val="dk1"/>
         </a:solidFill>
+        <a:effectLst/>
       </p:bgPr>
     </p:bg>
     <p:spTree>
       <p:nvGrpSpPr>
-        <p:cNvPr id="9" name="Shape 9"/>
+        <p:cNvPr id="1" name="Shape 9"/>
         <p:cNvGrpSpPr/>
         <p:nvPr/>
       </p:nvGrpSpPr>
@@ -2923,21 +3065,23 @@
             <a:avLst/>
           </a:prstGeom>
           <a:noFill/>
-          <a:ln cap="flat" cmpd="sng" w="19050">
+          <a:ln w="19050" cap="flat" cmpd="sng">
             <a:solidFill>
               <a:schemeClr val="lt2"/>
             </a:solidFill>
             <a:prstDash val="solid"/>
             <a:round/>
-            <a:headEnd len="sm" w="sm" type="none"/>
-            <a:tailEnd len="sm" w="sm" type="none"/>
+            <a:headEnd type="none" w="sm" len="sm"/>
+            <a:tailEnd type="none" w="sm" len="sm"/>
           </a:ln>
         </p:spPr>
       </p:cxnSp>
       <p:sp>
         <p:nvSpPr>
           <p:cNvPr id="11" name="Google Shape;11;p2"/>
-          <p:cNvSpPr txBox="1"/>
+          <p:cNvSpPr txBox="1">
+            <a:spLocks noGrp="1"/>
+          </p:cNvSpPr>
           <p:nvPr>
             <p:ph type="ctrTitle"/>
           </p:nvPr>
@@ -2952,7 +3096,7 @@
           </a:prstGeom>
         </p:spPr>
         <p:txBody>
-          <a:bodyPr anchorCtr="0" anchor="b" bIns="91425" lIns="91425" spcFirstLastPara="1" rIns="91425" wrap="square" tIns="91425"/>
+          <a:bodyPr spcFirstLastPara="1" wrap="square" lIns="91425" tIns="91425" rIns="91425" bIns="91425" anchor="b" anchorCtr="0"/>
           <a:lstStyle>
             <a:lvl1pPr lvl="0">
               <a:spcBef>
@@ -3117,15 +3261,19 @@
               </a:defRPr>
             </a:lvl9pPr>
           </a:lstStyle>
-          <a:p/>
+          <a:p>
+            <a:endParaRPr/>
+          </a:p>
         </p:txBody>
       </p:sp>
       <p:sp>
         <p:nvSpPr>
           <p:cNvPr id="12" name="Google Shape;12;p2"/>
-          <p:cNvSpPr txBox="1"/>
+          <p:cNvSpPr txBox="1">
+            <a:spLocks noGrp="1"/>
+          </p:cNvSpPr>
           <p:nvPr>
-            <p:ph idx="1" type="subTitle"/>
+            <p:ph type="subTitle" idx="1"/>
           </p:nvPr>
         </p:nvSpPr>
         <p:spPr>
@@ -3138,7 +3286,7 @@
           </a:prstGeom>
         </p:spPr>
         <p:txBody>
-          <a:bodyPr anchorCtr="0" anchor="t" bIns="91425" lIns="91425" spcFirstLastPara="1" rIns="91425" wrap="square" tIns="91425"/>
+          <a:bodyPr spcFirstLastPara="1" wrap="square" lIns="91425" tIns="91425" rIns="91425" bIns="91425" anchor="t" anchorCtr="0"/>
           <a:lstStyle>
             <a:lvl1pPr lvl="0">
               <a:lnSpc>
@@ -3330,15 +3478,19 @@
               </a:defRPr>
             </a:lvl9pPr>
           </a:lstStyle>
-          <a:p/>
+          <a:p>
+            <a:endParaRPr/>
+          </a:p>
         </p:txBody>
       </p:sp>
       <p:sp>
         <p:nvSpPr>
           <p:cNvPr id="13" name="Google Shape;13;p2"/>
-          <p:cNvSpPr txBox="1"/>
+          <p:cNvSpPr txBox="1">
+            <a:spLocks noGrp="1"/>
+          </p:cNvSpPr>
           <p:nvPr>
-            <p:ph idx="12" type="sldNum"/>
+            <p:ph type="sldNum" idx="12"/>
           </p:nvPr>
         </p:nvSpPr>
         <p:spPr>
@@ -3351,7 +3503,7 @@
           </a:prstGeom>
         </p:spPr>
         <p:txBody>
-          <a:bodyPr anchorCtr="0" anchor="ctr" bIns="91425" lIns="91425" spcFirstLastPara="1" rIns="91425" wrap="square" tIns="91425">
+          <a:bodyPr spcFirstLastPara="1" wrap="square" lIns="91425" tIns="91425" rIns="91425" bIns="91425" anchor="ctr" anchorCtr="0">
             <a:noAutofit/>
           </a:bodyPr>
           <a:lstStyle>
@@ -3429,7 +3581,7 @@
             </a:lvl9pPr>
           </a:lstStyle>
           <a:p>
-            <a:pPr indent="0" lvl="0" marL="0" rtl="0" algn="r">
+            <a:pPr marL="0" lvl="0" indent="0" algn="r" rtl="0">
               <a:spcBef>
                 <a:spcPts val="0"/>
               </a:spcBef>
@@ -3455,11 +3607,11 @@
 </file>
 
 <file path=ppt/slideLayouts/slideLayout10.xml><?xml version="1.0" encoding="utf-8"?>
-<p:sldLayout xmlns:a="http://schemas.openxmlformats.org/drawingml/2006/main" xmlns:r="http://schemas.openxmlformats.org/officeDocument/2006/relationships" xmlns:mc="http://schemas.openxmlformats.org/markup-compatibility/2006" xmlns:mv="urn:schemas-microsoft-com:mac:vml" xmlns:p="http://schemas.openxmlformats.org/presentationml/2006/main" xmlns:c="http://schemas.openxmlformats.org/drawingml/2006/chart" xmlns:dgm="http://schemas.openxmlformats.org/drawingml/2006/diagram" xmlns:o="urn:schemas-microsoft-com:office:office" xmlns:v="urn:schemas-microsoft-com:vml" xmlns:pvml="urn:schemas-microsoft-com:office:powerpoint" xmlns:com="http://schemas.openxmlformats.org/drawingml/2006/compatibility" xmlns:p14="http://schemas.microsoft.com/office/powerpoint/2010/main" xmlns:p15="http://schemas.microsoft.com/office/powerpoint/2012/main" matchingName="Big number">
+<p:sldLayout xmlns:a="http://schemas.openxmlformats.org/drawingml/2006/main" xmlns:r="http://schemas.openxmlformats.org/officeDocument/2006/relationships" xmlns:p="http://schemas.openxmlformats.org/presentationml/2006/main" matchingName="Big number">
   <p:cSld name="BIG_NUMBER">
     <p:spTree>
       <p:nvGrpSpPr>
-        <p:cNvPr id="48" name="Shape 48"/>
+        <p:cNvPr id="1" name="Shape 48"/>
         <p:cNvGrpSpPr/>
         <p:nvPr/>
       </p:nvGrpSpPr>
@@ -3493,23 +3645,20 @@
           </a:ln>
         </p:spPr>
         <p:txBody>
-          <a:bodyPr anchorCtr="0" anchor="ctr" bIns="91425" lIns="91425" spcFirstLastPara="1" rIns="91425" wrap="square" tIns="91425">
+          <a:bodyPr spcFirstLastPara="1" wrap="square" lIns="91425" tIns="91425" rIns="91425" bIns="91425" anchor="ctr" anchorCtr="0">
             <a:noAutofit/>
           </a:bodyPr>
           <a:lstStyle/>
           <a:p>
-            <a:pPr indent="0" lvl="0" marL="0" rtl="0" algn="l">
-              <a:spcBef>
-                <a:spcPts val="0"/>
-              </a:spcBef>
-              <a:spcAft>
-                <a:spcPts val="0"/>
-              </a:spcAft>
-              <a:buNone/>
-            </a:pPr>
-            <a:r>
-              <a:t/>
-            </a:r>
+            <a:pPr marL="0" lvl="0" indent="0" algn="l" rtl="0">
+              <a:spcBef>
+                <a:spcPts val="0"/>
+              </a:spcBef>
+              <a:spcAft>
+                <a:spcPts val="0"/>
+              </a:spcAft>
+              <a:buNone/>
+            </a:pPr>
             <a:endParaRPr/>
           </a:p>
         </p:txBody>
@@ -3517,9 +3666,11 @@
       <p:sp>
         <p:nvSpPr>
           <p:cNvPr id="50" name="Google Shape;50;p11"/>
-          <p:cNvSpPr txBox="1"/>
+          <p:cNvSpPr txBox="1">
+            <a:spLocks noGrp="1"/>
+          </p:cNvSpPr>
           <p:nvPr>
-            <p:ph hasCustomPrompt="1" type="title"/>
+            <p:ph type="title" hasCustomPrompt="1"/>
           </p:nvPr>
         </p:nvSpPr>
         <p:spPr>
@@ -3532,7 +3683,7 @@
           </a:prstGeom>
         </p:spPr>
         <p:txBody>
-          <a:bodyPr anchorCtr="0" anchor="ctr" bIns="91425" lIns="91425" spcFirstLastPara="1" rIns="91425" wrap="square" tIns="91425"/>
+          <a:bodyPr spcFirstLastPara="1" wrap="square" lIns="91425" tIns="91425" rIns="91425" bIns="91425" anchor="ctr" anchorCtr="0"/>
           <a:lstStyle>
             <a:lvl1pPr lvl="0" algn="ctr">
               <a:spcBef>
@@ -3543,7 +3694,7 @@
               </a:spcAft>
               <a:buSzPts val="14000"/>
               <a:buNone/>
-              <a:defRPr b="1" sz="14000"/>
+              <a:defRPr sz="14000" b="1"/>
             </a:lvl1pPr>
             <a:lvl2pPr lvl="1" algn="ctr">
               <a:spcBef>
@@ -3554,7 +3705,7 @@
               </a:spcAft>
               <a:buSzPts val="14000"/>
               <a:buNone/>
-              <a:defRPr b="1" sz="14000"/>
+              <a:defRPr sz="14000" b="1"/>
             </a:lvl2pPr>
             <a:lvl3pPr lvl="2" algn="ctr">
               <a:spcBef>
@@ -3565,7 +3716,7 @@
               </a:spcAft>
               <a:buSzPts val="14000"/>
               <a:buNone/>
-              <a:defRPr b="1" sz="14000"/>
+              <a:defRPr sz="14000" b="1"/>
             </a:lvl3pPr>
             <a:lvl4pPr lvl="3" algn="ctr">
               <a:spcBef>
@@ -3576,7 +3727,7 @@
               </a:spcAft>
               <a:buSzPts val="14000"/>
               <a:buNone/>
-              <a:defRPr b="1" sz="14000"/>
+              <a:defRPr sz="14000" b="1"/>
             </a:lvl4pPr>
             <a:lvl5pPr lvl="4" algn="ctr">
               <a:spcBef>
@@ -3587,7 +3738,7 @@
               </a:spcAft>
               <a:buSzPts val="14000"/>
               <a:buNone/>
-              <a:defRPr b="1" sz="14000"/>
+              <a:defRPr sz="14000" b="1"/>
             </a:lvl5pPr>
             <a:lvl6pPr lvl="5" algn="ctr">
               <a:spcBef>
@@ -3598,7 +3749,7 @@
               </a:spcAft>
               <a:buSzPts val="14000"/>
               <a:buNone/>
-              <a:defRPr b="1" sz="14000"/>
+              <a:defRPr sz="14000" b="1"/>
             </a:lvl6pPr>
             <a:lvl7pPr lvl="6" algn="ctr">
               <a:spcBef>
@@ -3609,7 +3760,7 @@
               </a:spcAft>
               <a:buSzPts val="14000"/>
               <a:buNone/>
-              <a:defRPr b="1" sz="14000"/>
+              <a:defRPr sz="14000" b="1"/>
             </a:lvl7pPr>
             <a:lvl8pPr lvl="7" algn="ctr">
               <a:spcBef>
@@ -3620,7 +3771,7 @@
               </a:spcAft>
               <a:buSzPts val="14000"/>
               <a:buNone/>
-              <a:defRPr b="1" sz="14000"/>
+              <a:defRPr sz="14000" b="1"/>
             </a:lvl8pPr>
             <a:lvl9pPr lvl="8" algn="ctr">
               <a:spcBef>
@@ -3631,7 +3782,7 @@
               </a:spcAft>
               <a:buSzPts val="14000"/>
               <a:buNone/>
-              <a:defRPr b="1" sz="14000"/>
+              <a:defRPr sz="14000" b="1"/>
             </a:lvl9pPr>
           </a:lstStyle>
           <a:p>
@@ -3644,9 +3795,11 @@
       <p:sp>
         <p:nvSpPr>
           <p:cNvPr id="51" name="Google Shape;51;p11"/>
-          <p:cNvSpPr txBox="1"/>
+          <p:cNvSpPr txBox="1">
+            <a:spLocks noGrp="1"/>
+          </p:cNvSpPr>
           <p:nvPr>
-            <p:ph idx="1" type="body"/>
+            <p:ph type="body" idx="1"/>
           </p:nvPr>
         </p:nvSpPr>
         <p:spPr>
@@ -3659,9 +3812,9 @@
           </a:prstGeom>
         </p:spPr>
         <p:txBody>
-          <a:bodyPr anchorCtr="0" anchor="t" bIns="91425" lIns="91425" spcFirstLastPara="1" rIns="91425" wrap="square" tIns="91425"/>
+          <a:bodyPr spcFirstLastPara="1" wrap="square" lIns="91425" tIns="91425" rIns="91425" bIns="91425" anchor="t" anchorCtr="0"/>
           <a:lstStyle>
-            <a:lvl1pPr indent="-342900" lvl="0" marL="457200" algn="ctr">
+            <a:lvl1pPr marL="457200" lvl="0" indent="-342900" algn="ctr">
               <a:spcBef>
                 <a:spcPts val="0"/>
               </a:spcBef>
@@ -3672,7 +3825,7 @@
               <a:buChar char="●"/>
               <a:defRPr/>
             </a:lvl1pPr>
-            <a:lvl2pPr indent="-317500" lvl="1" marL="914400" algn="ctr">
+            <a:lvl2pPr marL="914400" lvl="1" indent="-317500" algn="ctr">
               <a:spcBef>
                 <a:spcPts val="1600"/>
               </a:spcBef>
@@ -3683,7 +3836,7 @@
               <a:buChar char="○"/>
               <a:defRPr/>
             </a:lvl2pPr>
-            <a:lvl3pPr indent="-317500" lvl="2" marL="1371600" algn="ctr">
+            <a:lvl3pPr marL="1371600" lvl="2" indent="-317500" algn="ctr">
               <a:spcBef>
                 <a:spcPts val="1600"/>
               </a:spcBef>
@@ -3694,7 +3847,7 @@
               <a:buChar char="■"/>
               <a:defRPr/>
             </a:lvl3pPr>
-            <a:lvl4pPr indent="-317500" lvl="3" marL="1828800" algn="ctr">
+            <a:lvl4pPr marL="1828800" lvl="3" indent="-317500" algn="ctr">
               <a:spcBef>
                 <a:spcPts val="1600"/>
               </a:spcBef>
@@ -3705,7 +3858,7 @@
               <a:buChar char="●"/>
               <a:defRPr/>
             </a:lvl4pPr>
-            <a:lvl5pPr indent="-317500" lvl="4" marL="2286000" algn="ctr">
+            <a:lvl5pPr marL="2286000" lvl="4" indent="-317500" algn="ctr">
               <a:spcBef>
                 <a:spcPts val="1600"/>
               </a:spcBef>
@@ -3716,7 +3869,7 @@
               <a:buChar char="○"/>
               <a:defRPr/>
             </a:lvl5pPr>
-            <a:lvl6pPr indent="-317500" lvl="5" marL="2743200" algn="ctr">
+            <a:lvl6pPr marL="2743200" lvl="5" indent="-317500" algn="ctr">
               <a:spcBef>
                 <a:spcPts val="1600"/>
               </a:spcBef>
@@ -3727,7 +3880,7 @@
               <a:buChar char="■"/>
               <a:defRPr/>
             </a:lvl6pPr>
-            <a:lvl7pPr indent="-317500" lvl="6" marL="3200400" algn="ctr">
+            <a:lvl7pPr marL="3200400" lvl="6" indent="-317500" algn="ctr">
               <a:spcBef>
                 <a:spcPts val="1600"/>
               </a:spcBef>
@@ -3738,7 +3891,7 @@
               <a:buChar char="●"/>
               <a:defRPr/>
             </a:lvl7pPr>
-            <a:lvl8pPr indent="-317500" lvl="7" marL="3657600" algn="ctr">
+            <a:lvl8pPr marL="3657600" lvl="7" indent="-317500" algn="ctr">
               <a:spcBef>
                 <a:spcPts val="1600"/>
               </a:spcBef>
@@ -3749,7 +3902,7 @@
               <a:buChar char="○"/>
               <a:defRPr/>
             </a:lvl8pPr>
-            <a:lvl9pPr indent="-317500" lvl="8" marL="4114800" algn="ctr">
+            <a:lvl9pPr marL="4114800" lvl="8" indent="-317500" algn="ctr">
               <a:spcBef>
                 <a:spcPts val="1600"/>
               </a:spcBef>
@@ -3761,15 +3914,19 @@
               <a:defRPr/>
             </a:lvl9pPr>
           </a:lstStyle>
-          <a:p/>
+          <a:p>
+            <a:endParaRPr/>
+          </a:p>
         </p:txBody>
       </p:sp>
       <p:sp>
         <p:nvSpPr>
           <p:cNvPr id="52" name="Google Shape;52;p11"/>
-          <p:cNvSpPr txBox="1"/>
+          <p:cNvSpPr txBox="1">
+            <a:spLocks noGrp="1"/>
+          </p:cNvSpPr>
           <p:nvPr>
-            <p:ph idx="12" type="sldNum"/>
+            <p:ph type="sldNum" idx="12"/>
           </p:nvPr>
         </p:nvSpPr>
         <p:spPr>
@@ -3782,7 +3939,7 @@
           </a:prstGeom>
         </p:spPr>
         <p:txBody>
-          <a:bodyPr anchorCtr="0" anchor="ctr" bIns="91425" lIns="91425" spcFirstLastPara="1" rIns="91425" wrap="square" tIns="91425">
+          <a:bodyPr spcFirstLastPara="1" wrap="square" lIns="91425" tIns="91425" rIns="91425" bIns="91425" anchor="ctr" anchorCtr="0">
             <a:noAutofit/>
           </a:bodyPr>
           <a:lstStyle>
@@ -3824,7 +3981,7 @@
             </a:lvl9pPr>
           </a:lstStyle>
           <a:p>
-            <a:pPr indent="0" lvl="0" marL="0" rtl="0" algn="r">
+            <a:pPr marL="0" lvl="0" indent="0" algn="r" rtl="0">
               <a:spcBef>
                 <a:spcPts val="0"/>
               </a:spcBef>
@@ -3850,11 +4007,11 @@
 </file>
 
 <file path=ppt/slideLayouts/slideLayout11.xml><?xml version="1.0" encoding="utf-8"?>
-<p:sldLayout xmlns:a="http://schemas.openxmlformats.org/drawingml/2006/main" xmlns:r="http://schemas.openxmlformats.org/officeDocument/2006/relationships" xmlns:mc="http://schemas.openxmlformats.org/markup-compatibility/2006" xmlns:mv="urn:schemas-microsoft-com:mac:vml" xmlns:p="http://schemas.openxmlformats.org/presentationml/2006/main" xmlns:c="http://schemas.openxmlformats.org/drawingml/2006/chart" xmlns:dgm="http://schemas.openxmlformats.org/drawingml/2006/diagram" xmlns:o="urn:schemas-microsoft-com:office:office" xmlns:v="urn:schemas-microsoft-com:vml" xmlns:pvml="urn:schemas-microsoft-com:office:powerpoint" xmlns:com="http://schemas.openxmlformats.org/drawingml/2006/compatibility" xmlns:p14="http://schemas.microsoft.com/office/powerpoint/2010/main" xmlns:p15="http://schemas.microsoft.com/office/powerpoint/2012/main" matchingName="Blank" type="blank">
+<p:sldLayout xmlns:a="http://schemas.openxmlformats.org/drawingml/2006/main" xmlns:r="http://schemas.openxmlformats.org/officeDocument/2006/relationships" xmlns:p="http://schemas.openxmlformats.org/presentationml/2006/main" matchingName="Blank" type="blank">
   <p:cSld name="BLANK">
     <p:spTree>
       <p:nvGrpSpPr>
-        <p:cNvPr id="53" name="Shape 53"/>
+        <p:cNvPr id="1" name="Shape 53"/>
         <p:cNvGrpSpPr/>
         <p:nvPr/>
       </p:nvGrpSpPr>
@@ -3869,9 +4026,11 @@
       <p:sp>
         <p:nvSpPr>
           <p:cNvPr id="54" name="Google Shape;54;p12"/>
-          <p:cNvSpPr txBox="1"/>
+          <p:cNvSpPr txBox="1">
+            <a:spLocks noGrp="1"/>
+          </p:cNvSpPr>
           <p:nvPr>
-            <p:ph idx="12" type="sldNum"/>
+            <p:ph type="sldNum" idx="12"/>
           </p:nvPr>
         </p:nvSpPr>
         <p:spPr>
@@ -3884,7 +4043,7 @@
           </a:prstGeom>
         </p:spPr>
         <p:txBody>
-          <a:bodyPr anchorCtr="0" anchor="ctr" bIns="91425" lIns="91425" spcFirstLastPara="1" rIns="91425" wrap="square" tIns="91425">
+          <a:bodyPr spcFirstLastPara="1" wrap="square" lIns="91425" tIns="91425" rIns="91425" bIns="91425" anchor="ctr" anchorCtr="0">
             <a:noAutofit/>
           </a:bodyPr>
           <a:lstStyle>
@@ -3926,7 +4085,7 @@
             </a:lvl9pPr>
           </a:lstStyle>
           <a:p>
-            <a:pPr indent="0" lvl="0" marL="0" rtl="0" algn="r">
+            <a:pPr marL="0" lvl="0" indent="0" algn="r" rtl="0">
               <a:spcBef>
                 <a:spcPts val="0"/>
               </a:spcBef>
@@ -3952,18 +4111,19 @@
 </file>
 
 <file path=ppt/slideLayouts/slideLayout2.xml><?xml version="1.0" encoding="utf-8"?>
-<p:sldLayout xmlns:a="http://schemas.openxmlformats.org/drawingml/2006/main" xmlns:r="http://schemas.openxmlformats.org/officeDocument/2006/relationships" xmlns:mc="http://schemas.openxmlformats.org/markup-compatibility/2006" xmlns:mv="urn:schemas-microsoft-com:mac:vml" xmlns:p="http://schemas.openxmlformats.org/presentationml/2006/main" xmlns:c="http://schemas.openxmlformats.org/drawingml/2006/chart" xmlns:dgm="http://schemas.openxmlformats.org/drawingml/2006/diagram" xmlns:o="urn:schemas-microsoft-com:office:office" xmlns:v="urn:schemas-microsoft-com:vml" xmlns:pvml="urn:schemas-microsoft-com:office:powerpoint" xmlns:com="http://schemas.openxmlformats.org/drawingml/2006/compatibility" xmlns:p14="http://schemas.microsoft.com/office/powerpoint/2010/main" xmlns:p15="http://schemas.microsoft.com/office/powerpoint/2012/main" matchingName="Section header" type="secHead">
+<p:sldLayout xmlns:a="http://schemas.openxmlformats.org/drawingml/2006/main" xmlns:r="http://schemas.openxmlformats.org/officeDocument/2006/relationships" xmlns:p="http://schemas.openxmlformats.org/presentationml/2006/main" matchingName="Section header" type="secHead">
   <p:cSld name="SECTION_HEADER">
     <p:bg>
       <p:bgPr>
         <a:solidFill>
           <a:schemeClr val="dk1"/>
         </a:solidFill>
+        <a:effectLst/>
       </p:bgPr>
     </p:bg>
     <p:spTree>
       <p:nvGrpSpPr>
-        <p:cNvPr id="14" name="Shape 14"/>
+        <p:cNvPr id="1" name="Shape 14"/>
         <p:cNvGrpSpPr/>
         <p:nvPr/>
       </p:nvGrpSpPr>
@@ -3990,21 +4150,23 @@
             <a:avLst/>
           </a:prstGeom>
           <a:noFill/>
-          <a:ln cap="flat" cmpd="sng" w="19050">
+          <a:ln w="19050" cap="flat" cmpd="sng">
             <a:solidFill>
               <a:schemeClr val="lt2"/>
             </a:solidFill>
             <a:prstDash val="solid"/>
             <a:round/>
-            <a:headEnd len="sm" w="sm" type="none"/>
-            <a:tailEnd len="sm" w="sm" type="none"/>
+            <a:headEnd type="none" w="sm" len="sm"/>
+            <a:tailEnd type="none" w="sm" len="sm"/>
           </a:ln>
         </p:spPr>
       </p:cxnSp>
       <p:sp>
         <p:nvSpPr>
           <p:cNvPr id="16" name="Google Shape;16;p3"/>
-          <p:cNvSpPr txBox="1"/>
+          <p:cNvSpPr txBox="1">
+            <a:spLocks noGrp="1"/>
+          </p:cNvSpPr>
           <p:nvPr>
             <p:ph type="title"/>
           </p:nvPr>
@@ -4019,7 +4181,7 @@
           </a:prstGeom>
         </p:spPr>
         <p:txBody>
-          <a:bodyPr anchorCtr="0" anchor="b" bIns="91425" lIns="91425" spcFirstLastPara="1" rIns="91425" wrap="square" tIns="91425"/>
+          <a:bodyPr spcFirstLastPara="1" wrap="square" lIns="91425" tIns="91425" rIns="91425" bIns="91425" anchor="b" anchorCtr="0"/>
           <a:lstStyle>
             <a:lvl1pPr lvl="0">
               <a:spcBef>
@@ -4184,15 +4346,19 @@
               </a:defRPr>
             </a:lvl9pPr>
           </a:lstStyle>
-          <a:p/>
+          <a:p>
+            <a:endParaRPr/>
+          </a:p>
         </p:txBody>
       </p:sp>
       <p:sp>
         <p:nvSpPr>
           <p:cNvPr id="17" name="Google Shape;17;p3"/>
-          <p:cNvSpPr txBox="1"/>
+          <p:cNvSpPr txBox="1">
+            <a:spLocks noGrp="1"/>
+          </p:cNvSpPr>
           <p:nvPr>
-            <p:ph idx="12" type="sldNum"/>
+            <p:ph type="sldNum" idx="12"/>
           </p:nvPr>
         </p:nvSpPr>
         <p:spPr>
@@ -4205,7 +4371,7 @@
           </a:prstGeom>
         </p:spPr>
         <p:txBody>
-          <a:bodyPr anchorCtr="0" anchor="ctr" bIns="91425" lIns="91425" spcFirstLastPara="1" rIns="91425" wrap="square" tIns="91425">
+          <a:bodyPr spcFirstLastPara="1" wrap="square" lIns="91425" tIns="91425" rIns="91425" bIns="91425" anchor="ctr" anchorCtr="0">
             <a:noAutofit/>
           </a:bodyPr>
           <a:lstStyle>
@@ -4283,7 +4449,7 @@
             </a:lvl9pPr>
           </a:lstStyle>
           <a:p>
-            <a:pPr indent="0" lvl="0" marL="0" rtl="0" algn="r">
+            <a:pPr marL="0" lvl="0" indent="0" algn="r" rtl="0">
               <a:spcBef>
                 <a:spcPts val="0"/>
               </a:spcBef>
@@ -4309,11 +4475,11 @@
 </file>
 
 <file path=ppt/slideLayouts/slideLayout3.xml><?xml version="1.0" encoding="utf-8"?>
-<p:sldLayout xmlns:a="http://schemas.openxmlformats.org/drawingml/2006/main" xmlns:r="http://schemas.openxmlformats.org/officeDocument/2006/relationships" xmlns:mc="http://schemas.openxmlformats.org/markup-compatibility/2006" xmlns:mv="urn:schemas-microsoft-com:mac:vml" xmlns:p="http://schemas.openxmlformats.org/presentationml/2006/main" xmlns:c="http://schemas.openxmlformats.org/drawingml/2006/chart" xmlns:dgm="http://schemas.openxmlformats.org/drawingml/2006/diagram" xmlns:o="urn:schemas-microsoft-com:office:office" xmlns:v="urn:schemas-microsoft-com:vml" xmlns:pvml="urn:schemas-microsoft-com:office:powerpoint" xmlns:com="http://schemas.openxmlformats.org/drawingml/2006/compatibility" xmlns:p14="http://schemas.microsoft.com/office/powerpoint/2010/main" xmlns:p15="http://schemas.microsoft.com/office/powerpoint/2012/main" matchingName="Title and body" type="tx">
+<p:sldLayout xmlns:a="http://schemas.openxmlformats.org/drawingml/2006/main" xmlns:r="http://schemas.openxmlformats.org/officeDocument/2006/relationships" xmlns:p="http://schemas.openxmlformats.org/presentationml/2006/main" matchingName="Title and body" type="tx">
   <p:cSld name="TITLE_AND_BODY">
     <p:spTree>
       <p:nvGrpSpPr>
-        <p:cNvPr id="18" name="Shape 18"/>
+        <p:cNvPr id="1" name="Shape 18"/>
         <p:cNvGrpSpPr/>
         <p:nvPr/>
       </p:nvGrpSpPr>
@@ -4347,23 +4513,20 @@
           </a:ln>
         </p:spPr>
         <p:txBody>
-          <a:bodyPr anchorCtr="0" anchor="ctr" bIns="91425" lIns="91425" spcFirstLastPara="1" rIns="91425" wrap="square" tIns="91425">
+          <a:bodyPr spcFirstLastPara="1" wrap="square" lIns="91425" tIns="91425" rIns="91425" bIns="91425" anchor="ctr" anchorCtr="0">
             <a:noAutofit/>
           </a:bodyPr>
           <a:lstStyle/>
           <a:p>
-            <a:pPr indent="0" lvl="0" marL="0" rtl="0" algn="l">
-              <a:spcBef>
-                <a:spcPts val="0"/>
-              </a:spcBef>
-              <a:spcAft>
-                <a:spcPts val="0"/>
-              </a:spcAft>
-              <a:buNone/>
-            </a:pPr>
-            <a:r>
-              <a:t/>
-            </a:r>
+            <a:pPr marL="0" lvl="0" indent="0" algn="l" rtl="0">
+              <a:spcBef>
+                <a:spcPts val="0"/>
+              </a:spcBef>
+              <a:spcAft>
+                <a:spcPts val="0"/>
+              </a:spcAft>
+              <a:buNone/>
+            </a:pPr>
             <a:endParaRPr/>
           </a:p>
         </p:txBody>
@@ -4371,7 +4534,9 @@
       <p:sp>
         <p:nvSpPr>
           <p:cNvPr id="20" name="Google Shape;20;p4"/>
-          <p:cNvSpPr txBox="1"/>
+          <p:cNvSpPr txBox="1">
+            <a:spLocks noGrp="1"/>
+          </p:cNvSpPr>
           <p:nvPr>
             <p:ph type="title"/>
           </p:nvPr>
@@ -4386,7 +4551,7 @@
           </a:prstGeom>
         </p:spPr>
         <p:txBody>
-          <a:bodyPr anchorCtr="0" anchor="t" bIns="91425" lIns="91425" spcFirstLastPara="1" rIns="91425" wrap="square" tIns="91425"/>
+          <a:bodyPr spcFirstLastPara="1" wrap="square" lIns="91425" tIns="91425" rIns="91425" bIns="91425" anchor="t" anchorCtr="0"/>
           <a:lstStyle>
             <a:lvl1pPr lvl="0">
               <a:spcBef>
@@ -4488,15 +4653,19 @@
               <a:defRPr/>
             </a:lvl9pPr>
           </a:lstStyle>
-          <a:p/>
+          <a:p>
+            <a:endParaRPr/>
+          </a:p>
         </p:txBody>
       </p:sp>
       <p:sp>
         <p:nvSpPr>
           <p:cNvPr id="21" name="Google Shape;21;p4"/>
-          <p:cNvSpPr txBox="1"/>
+          <p:cNvSpPr txBox="1">
+            <a:spLocks noGrp="1"/>
+          </p:cNvSpPr>
           <p:nvPr>
-            <p:ph idx="1" type="body"/>
+            <p:ph type="body" idx="1"/>
           </p:nvPr>
         </p:nvSpPr>
         <p:spPr>
@@ -4509,9 +4678,9 @@
           </a:prstGeom>
         </p:spPr>
         <p:txBody>
-          <a:bodyPr anchorCtr="0" anchor="t" bIns="91425" lIns="91425" spcFirstLastPara="1" rIns="91425" wrap="square" tIns="91425"/>
+          <a:bodyPr spcFirstLastPara="1" wrap="square" lIns="91425" tIns="91425" rIns="91425" bIns="91425" anchor="t" anchorCtr="0"/>
           <a:lstStyle>
-            <a:lvl1pPr indent="-342900" lvl="0" marL="457200">
+            <a:lvl1pPr marL="457200" lvl="0" indent="-342900">
               <a:spcBef>
                 <a:spcPts val="0"/>
               </a:spcBef>
@@ -4522,7 +4691,7 @@
               <a:buChar char="●"/>
               <a:defRPr/>
             </a:lvl1pPr>
-            <a:lvl2pPr indent="-317500" lvl="1" marL="914400">
+            <a:lvl2pPr marL="914400" lvl="1" indent="-317500">
               <a:spcBef>
                 <a:spcPts val="1600"/>
               </a:spcBef>
@@ -4533,7 +4702,7 @@
               <a:buChar char="○"/>
               <a:defRPr/>
             </a:lvl2pPr>
-            <a:lvl3pPr indent="-317500" lvl="2" marL="1371600">
+            <a:lvl3pPr marL="1371600" lvl="2" indent="-317500">
               <a:spcBef>
                 <a:spcPts val="1600"/>
               </a:spcBef>
@@ -4544,7 +4713,7 @@
               <a:buChar char="■"/>
               <a:defRPr/>
             </a:lvl3pPr>
-            <a:lvl4pPr indent="-317500" lvl="3" marL="1828800">
+            <a:lvl4pPr marL="1828800" lvl="3" indent="-317500">
               <a:spcBef>
                 <a:spcPts val="1600"/>
               </a:spcBef>
@@ -4555,7 +4724,7 @@
               <a:buChar char="●"/>
               <a:defRPr/>
             </a:lvl4pPr>
-            <a:lvl5pPr indent="-317500" lvl="4" marL="2286000">
+            <a:lvl5pPr marL="2286000" lvl="4" indent="-317500">
               <a:spcBef>
                 <a:spcPts val="1600"/>
               </a:spcBef>
@@ -4566,7 +4735,7 @@
               <a:buChar char="○"/>
               <a:defRPr/>
             </a:lvl5pPr>
-            <a:lvl6pPr indent="-317500" lvl="5" marL="2743200">
+            <a:lvl6pPr marL="2743200" lvl="5" indent="-317500">
               <a:spcBef>
                 <a:spcPts val="1600"/>
               </a:spcBef>
@@ -4577,7 +4746,7 @@
               <a:buChar char="■"/>
               <a:defRPr/>
             </a:lvl6pPr>
-            <a:lvl7pPr indent="-317500" lvl="6" marL="3200400">
+            <a:lvl7pPr marL="3200400" lvl="6" indent="-317500">
               <a:spcBef>
                 <a:spcPts val="1600"/>
               </a:spcBef>
@@ -4588,7 +4757,7 @@
               <a:buChar char="●"/>
               <a:defRPr/>
             </a:lvl7pPr>
-            <a:lvl8pPr indent="-317500" lvl="7" marL="3657600">
+            <a:lvl8pPr marL="3657600" lvl="7" indent="-317500">
               <a:spcBef>
                 <a:spcPts val="1600"/>
               </a:spcBef>
@@ -4599,7 +4768,7 @@
               <a:buChar char="○"/>
               <a:defRPr/>
             </a:lvl8pPr>
-            <a:lvl9pPr indent="-317500" lvl="8" marL="4114800">
+            <a:lvl9pPr marL="4114800" lvl="8" indent="-317500">
               <a:spcBef>
                 <a:spcPts val="1600"/>
               </a:spcBef>
@@ -4611,15 +4780,19 @@
               <a:defRPr/>
             </a:lvl9pPr>
           </a:lstStyle>
-          <a:p/>
+          <a:p>
+            <a:endParaRPr/>
+          </a:p>
         </p:txBody>
       </p:sp>
       <p:sp>
         <p:nvSpPr>
           <p:cNvPr id="22" name="Google Shape;22;p4"/>
-          <p:cNvSpPr txBox="1"/>
+          <p:cNvSpPr txBox="1">
+            <a:spLocks noGrp="1"/>
+          </p:cNvSpPr>
           <p:nvPr>
-            <p:ph idx="12" type="sldNum"/>
+            <p:ph type="sldNum" idx="12"/>
           </p:nvPr>
         </p:nvSpPr>
         <p:spPr>
@@ -4632,7 +4805,7 @@
           </a:prstGeom>
         </p:spPr>
         <p:txBody>
-          <a:bodyPr anchorCtr="0" anchor="ctr" bIns="91425" lIns="91425" spcFirstLastPara="1" rIns="91425" wrap="square" tIns="91425">
+          <a:bodyPr spcFirstLastPara="1" wrap="square" lIns="91425" tIns="91425" rIns="91425" bIns="91425" anchor="ctr" anchorCtr="0">
             <a:noAutofit/>
           </a:bodyPr>
           <a:lstStyle>
@@ -4674,7 +4847,7 @@
             </a:lvl9pPr>
           </a:lstStyle>
           <a:p>
-            <a:pPr indent="0" lvl="0" marL="0" rtl="0" algn="r">
+            <a:pPr marL="0" lvl="0" indent="0" algn="r" rtl="0">
               <a:spcBef>
                 <a:spcPts val="0"/>
               </a:spcBef>
@@ -4700,11 +4873,11 @@
 </file>
 
 <file path=ppt/slideLayouts/slideLayout4.xml><?xml version="1.0" encoding="utf-8"?>
-<p:sldLayout xmlns:a="http://schemas.openxmlformats.org/drawingml/2006/main" xmlns:r="http://schemas.openxmlformats.org/officeDocument/2006/relationships" xmlns:mc="http://schemas.openxmlformats.org/markup-compatibility/2006" xmlns:mv="urn:schemas-microsoft-com:mac:vml" xmlns:p="http://schemas.openxmlformats.org/presentationml/2006/main" xmlns:c="http://schemas.openxmlformats.org/drawingml/2006/chart" xmlns:dgm="http://schemas.openxmlformats.org/drawingml/2006/diagram" xmlns:o="urn:schemas-microsoft-com:office:office" xmlns:v="urn:schemas-microsoft-com:vml" xmlns:pvml="urn:schemas-microsoft-com:office:powerpoint" xmlns:com="http://schemas.openxmlformats.org/drawingml/2006/compatibility" xmlns:p14="http://schemas.microsoft.com/office/powerpoint/2010/main" xmlns:p15="http://schemas.microsoft.com/office/powerpoint/2012/main" matchingName="Title and two columns" type="twoColTx">
+<p:sldLayout xmlns:a="http://schemas.openxmlformats.org/drawingml/2006/main" xmlns:r="http://schemas.openxmlformats.org/officeDocument/2006/relationships" xmlns:p="http://schemas.openxmlformats.org/presentationml/2006/main" matchingName="Title and two columns" type="twoColTx">
   <p:cSld name="TITLE_AND_TWO_COLUMNS">
     <p:spTree>
       <p:nvGrpSpPr>
-        <p:cNvPr id="23" name="Shape 23"/>
+        <p:cNvPr id="1" name="Shape 23"/>
         <p:cNvGrpSpPr/>
         <p:nvPr/>
       </p:nvGrpSpPr>
@@ -4719,7 +4892,9 @@
       <p:sp>
         <p:nvSpPr>
           <p:cNvPr id="24" name="Google Shape;24;p5"/>
-          <p:cNvSpPr txBox="1"/>
+          <p:cNvSpPr txBox="1">
+            <a:spLocks noGrp="1"/>
+          </p:cNvSpPr>
           <p:nvPr>
             <p:ph type="title"/>
           </p:nvPr>
@@ -4734,7 +4909,7 @@
           </a:prstGeom>
         </p:spPr>
         <p:txBody>
-          <a:bodyPr anchorCtr="0" anchor="t" bIns="91425" lIns="91425" spcFirstLastPara="1" rIns="91425" wrap="square" tIns="91425"/>
+          <a:bodyPr spcFirstLastPara="1" wrap="square" lIns="91425" tIns="91425" rIns="91425" bIns="91425" anchor="t" anchorCtr="0"/>
           <a:lstStyle>
             <a:lvl1pPr lvl="0">
               <a:spcBef>
@@ -4836,15 +5011,19 @@
               <a:defRPr/>
             </a:lvl9pPr>
           </a:lstStyle>
-          <a:p/>
+          <a:p>
+            <a:endParaRPr/>
+          </a:p>
         </p:txBody>
       </p:sp>
       <p:sp>
         <p:nvSpPr>
           <p:cNvPr id="25" name="Google Shape;25;p5"/>
-          <p:cNvSpPr txBox="1"/>
+          <p:cNvSpPr txBox="1">
+            <a:spLocks noGrp="1"/>
+          </p:cNvSpPr>
           <p:nvPr>
-            <p:ph idx="1" type="body"/>
+            <p:ph type="body" idx="1"/>
           </p:nvPr>
         </p:nvSpPr>
         <p:spPr>
@@ -4857,9 +5036,9 @@
           </a:prstGeom>
         </p:spPr>
         <p:txBody>
-          <a:bodyPr anchorCtr="0" anchor="t" bIns="91425" lIns="91425" spcFirstLastPara="1" rIns="91425" wrap="square" tIns="91425"/>
+          <a:bodyPr spcFirstLastPara="1" wrap="square" lIns="91425" tIns="91425" rIns="91425" bIns="91425" anchor="t" anchorCtr="0"/>
           <a:lstStyle>
-            <a:lvl1pPr indent="-317500" lvl="0" marL="457200">
+            <a:lvl1pPr marL="457200" lvl="0" indent="-317500">
               <a:spcBef>
                 <a:spcPts val="0"/>
               </a:spcBef>
@@ -4870,7 +5049,7 @@
               <a:buChar char="●"/>
               <a:defRPr sz="1400"/>
             </a:lvl1pPr>
-            <a:lvl2pPr indent="-304800" lvl="1" marL="914400">
+            <a:lvl2pPr marL="914400" lvl="1" indent="-304800">
               <a:spcBef>
                 <a:spcPts val="1600"/>
               </a:spcBef>
@@ -4881,7 +5060,7 @@
               <a:buChar char="○"/>
               <a:defRPr sz="1200"/>
             </a:lvl2pPr>
-            <a:lvl3pPr indent="-304800" lvl="2" marL="1371600">
+            <a:lvl3pPr marL="1371600" lvl="2" indent="-304800">
               <a:spcBef>
                 <a:spcPts val="1600"/>
               </a:spcBef>
@@ -4892,7 +5071,7 @@
               <a:buChar char="■"/>
               <a:defRPr sz="1200"/>
             </a:lvl3pPr>
-            <a:lvl4pPr indent="-304800" lvl="3" marL="1828800">
+            <a:lvl4pPr marL="1828800" lvl="3" indent="-304800">
               <a:spcBef>
                 <a:spcPts val="1600"/>
               </a:spcBef>
@@ -4903,7 +5082,7 @@
               <a:buChar char="●"/>
               <a:defRPr sz="1200"/>
             </a:lvl4pPr>
-            <a:lvl5pPr indent="-304800" lvl="4" marL="2286000">
+            <a:lvl5pPr marL="2286000" lvl="4" indent="-304800">
               <a:spcBef>
                 <a:spcPts val="1600"/>
               </a:spcBef>
@@ -4914,7 +5093,7 @@
               <a:buChar char="○"/>
               <a:defRPr sz="1200"/>
             </a:lvl5pPr>
-            <a:lvl6pPr indent="-304800" lvl="5" marL="2743200">
+            <a:lvl6pPr marL="2743200" lvl="5" indent="-304800">
               <a:spcBef>
                 <a:spcPts val="1600"/>
               </a:spcBef>
@@ -4925,7 +5104,7 @@
               <a:buChar char="■"/>
               <a:defRPr sz="1200"/>
             </a:lvl6pPr>
-            <a:lvl7pPr indent="-304800" lvl="6" marL="3200400">
+            <a:lvl7pPr marL="3200400" lvl="6" indent="-304800">
               <a:spcBef>
                 <a:spcPts val="1600"/>
               </a:spcBef>
@@ -4936,7 +5115,7 @@
               <a:buChar char="●"/>
               <a:defRPr sz="1200"/>
             </a:lvl7pPr>
-            <a:lvl8pPr indent="-304800" lvl="7" marL="3657600">
+            <a:lvl8pPr marL="3657600" lvl="7" indent="-304800">
               <a:spcBef>
                 <a:spcPts val="1600"/>
               </a:spcBef>
@@ -4947,7 +5126,7 @@
               <a:buChar char="○"/>
               <a:defRPr sz="1200"/>
             </a:lvl8pPr>
-            <a:lvl9pPr indent="-304800" lvl="8" marL="4114800">
+            <a:lvl9pPr marL="4114800" lvl="8" indent="-304800">
               <a:spcBef>
                 <a:spcPts val="1600"/>
               </a:spcBef>
@@ -4959,15 +5138,19 @@
               <a:defRPr sz="1200"/>
             </a:lvl9pPr>
           </a:lstStyle>
-          <a:p/>
+          <a:p>
+            <a:endParaRPr/>
+          </a:p>
         </p:txBody>
       </p:sp>
       <p:sp>
         <p:nvSpPr>
           <p:cNvPr id="26" name="Google Shape;26;p5"/>
-          <p:cNvSpPr txBox="1"/>
+          <p:cNvSpPr txBox="1">
+            <a:spLocks noGrp="1"/>
+          </p:cNvSpPr>
           <p:nvPr>
-            <p:ph idx="2" type="body"/>
+            <p:ph type="body" idx="2"/>
           </p:nvPr>
         </p:nvSpPr>
         <p:spPr>
@@ -4980,9 +5163,9 @@
           </a:prstGeom>
         </p:spPr>
         <p:txBody>
-          <a:bodyPr anchorCtr="0" anchor="t" bIns="91425" lIns="91425" spcFirstLastPara="1" rIns="91425" wrap="square" tIns="91425"/>
+          <a:bodyPr spcFirstLastPara="1" wrap="square" lIns="91425" tIns="91425" rIns="91425" bIns="91425" anchor="t" anchorCtr="0"/>
           <a:lstStyle>
-            <a:lvl1pPr indent="-317500" lvl="0" marL="457200">
+            <a:lvl1pPr marL="457200" lvl="0" indent="-317500">
               <a:spcBef>
                 <a:spcPts val="0"/>
               </a:spcBef>
@@ -4993,7 +5176,7 @@
               <a:buChar char="●"/>
               <a:defRPr sz="1400"/>
             </a:lvl1pPr>
-            <a:lvl2pPr indent="-304800" lvl="1" marL="914400">
+            <a:lvl2pPr marL="914400" lvl="1" indent="-304800">
               <a:spcBef>
                 <a:spcPts val="1600"/>
               </a:spcBef>
@@ -5004,7 +5187,7 @@
               <a:buChar char="○"/>
               <a:defRPr sz="1200"/>
             </a:lvl2pPr>
-            <a:lvl3pPr indent="-304800" lvl="2" marL="1371600">
+            <a:lvl3pPr marL="1371600" lvl="2" indent="-304800">
               <a:spcBef>
                 <a:spcPts val="1600"/>
               </a:spcBef>
@@ -5015,7 +5198,7 @@
               <a:buChar char="■"/>
               <a:defRPr sz="1200"/>
             </a:lvl3pPr>
-            <a:lvl4pPr indent="-304800" lvl="3" marL="1828800">
+            <a:lvl4pPr marL="1828800" lvl="3" indent="-304800">
               <a:spcBef>
                 <a:spcPts val="1600"/>
               </a:spcBef>
@@ -5026,7 +5209,7 @@
               <a:buChar char="●"/>
               <a:defRPr sz="1200"/>
             </a:lvl4pPr>
-            <a:lvl5pPr indent="-304800" lvl="4" marL="2286000">
+            <a:lvl5pPr marL="2286000" lvl="4" indent="-304800">
               <a:spcBef>
                 <a:spcPts val="1600"/>
               </a:spcBef>
@@ -5037,7 +5220,7 @@
               <a:buChar char="○"/>
               <a:defRPr sz="1200"/>
             </a:lvl5pPr>
-            <a:lvl6pPr indent="-304800" lvl="5" marL="2743200">
+            <a:lvl6pPr marL="2743200" lvl="5" indent="-304800">
               <a:spcBef>
                 <a:spcPts val="1600"/>
               </a:spcBef>
@@ -5048,7 +5231,7 @@
               <a:buChar char="■"/>
               <a:defRPr sz="1200"/>
             </a:lvl6pPr>
-            <a:lvl7pPr indent="-304800" lvl="6" marL="3200400">
+            <a:lvl7pPr marL="3200400" lvl="6" indent="-304800">
               <a:spcBef>
                 <a:spcPts val="1600"/>
               </a:spcBef>
@@ -5059,7 +5242,7 @@
               <a:buChar char="●"/>
               <a:defRPr sz="1200"/>
             </a:lvl7pPr>
-            <a:lvl8pPr indent="-304800" lvl="7" marL="3657600">
+            <a:lvl8pPr marL="3657600" lvl="7" indent="-304800">
               <a:spcBef>
                 <a:spcPts val="1600"/>
               </a:spcBef>
@@ -5070,7 +5253,7 @@
               <a:buChar char="○"/>
               <a:defRPr sz="1200"/>
             </a:lvl8pPr>
-            <a:lvl9pPr indent="-304800" lvl="8" marL="4114800">
+            <a:lvl9pPr marL="4114800" lvl="8" indent="-304800">
               <a:spcBef>
                 <a:spcPts val="1600"/>
               </a:spcBef>
@@ -5082,15 +5265,19 @@
               <a:defRPr sz="1200"/>
             </a:lvl9pPr>
           </a:lstStyle>
-          <a:p/>
+          <a:p>
+            <a:endParaRPr/>
+          </a:p>
         </p:txBody>
       </p:sp>
       <p:sp>
         <p:nvSpPr>
           <p:cNvPr id="27" name="Google Shape;27;p5"/>
-          <p:cNvSpPr txBox="1"/>
+          <p:cNvSpPr txBox="1">
+            <a:spLocks noGrp="1"/>
+          </p:cNvSpPr>
           <p:nvPr>
-            <p:ph idx="12" type="sldNum"/>
+            <p:ph type="sldNum" idx="12"/>
           </p:nvPr>
         </p:nvSpPr>
         <p:spPr>
@@ -5103,7 +5290,7 @@
           </a:prstGeom>
         </p:spPr>
         <p:txBody>
-          <a:bodyPr anchorCtr="0" anchor="ctr" bIns="91425" lIns="91425" spcFirstLastPara="1" rIns="91425" wrap="square" tIns="91425">
+          <a:bodyPr spcFirstLastPara="1" wrap="square" lIns="91425" tIns="91425" rIns="91425" bIns="91425" anchor="ctr" anchorCtr="0">
             <a:noAutofit/>
           </a:bodyPr>
           <a:lstStyle>
@@ -5145,7 +5332,7 @@
             </a:lvl9pPr>
           </a:lstStyle>
           <a:p>
-            <a:pPr indent="0" lvl="0" marL="0" rtl="0" algn="r">
+            <a:pPr marL="0" lvl="0" indent="0" algn="r" rtl="0">
               <a:spcBef>
                 <a:spcPts val="0"/>
               </a:spcBef>
@@ -5171,11 +5358,11 @@
 </file>
 
 <file path=ppt/slideLayouts/slideLayout5.xml><?xml version="1.0" encoding="utf-8"?>
-<p:sldLayout xmlns:a="http://schemas.openxmlformats.org/drawingml/2006/main" xmlns:r="http://schemas.openxmlformats.org/officeDocument/2006/relationships" xmlns:mc="http://schemas.openxmlformats.org/markup-compatibility/2006" xmlns:mv="urn:schemas-microsoft-com:mac:vml" xmlns:p="http://schemas.openxmlformats.org/presentationml/2006/main" xmlns:c="http://schemas.openxmlformats.org/drawingml/2006/chart" xmlns:dgm="http://schemas.openxmlformats.org/drawingml/2006/diagram" xmlns:o="urn:schemas-microsoft-com:office:office" xmlns:v="urn:schemas-microsoft-com:vml" xmlns:pvml="urn:schemas-microsoft-com:office:powerpoint" xmlns:com="http://schemas.openxmlformats.org/drawingml/2006/compatibility" xmlns:p14="http://schemas.microsoft.com/office/powerpoint/2010/main" xmlns:p15="http://schemas.microsoft.com/office/powerpoint/2012/main" matchingName="Title only" type="titleOnly">
+<p:sldLayout xmlns:a="http://schemas.openxmlformats.org/drawingml/2006/main" xmlns:r="http://schemas.openxmlformats.org/officeDocument/2006/relationships" xmlns:p="http://schemas.openxmlformats.org/presentationml/2006/main" matchingName="Title only" type="titleOnly">
   <p:cSld name="TITLE_ONLY">
     <p:spTree>
       <p:nvGrpSpPr>
-        <p:cNvPr id="28" name="Shape 28"/>
+        <p:cNvPr id="1" name="Shape 28"/>
         <p:cNvGrpSpPr/>
         <p:nvPr/>
       </p:nvGrpSpPr>
@@ -5190,7 +5377,9 @@
       <p:sp>
         <p:nvSpPr>
           <p:cNvPr id="29" name="Google Shape;29;p6"/>
-          <p:cNvSpPr txBox="1"/>
+          <p:cNvSpPr txBox="1">
+            <a:spLocks noGrp="1"/>
+          </p:cNvSpPr>
           <p:nvPr>
             <p:ph type="title"/>
           </p:nvPr>
@@ -5205,7 +5394,7 @@
           </a:prstGeom>
         </p:spPr>
         <p:txBody>
-          <a:bodyPr anchorCtr="0" anchor="t" bIns="91425" lIns="91425" spcFirstLastPara="1" rIns="91425" wrap="square" tIns="91425"/>
+          <a:bodyPr spcFirstLastPara="1" wrap="square" lIns="91425" tIns="91425" rIns="91425" bIns="91425" anchor="t" anchorCtr="0"/>
           <a:lstStyle>
             <a:lvl1pPr lvl="0">
               <a:spcBef>
@@ -5307,15 +5496,19 @@
               <a:defRPr/>
             </a:lvl9pPr>
           </a:lstStyle>
-          <a:p/>
+          <a:p>
+            <a:endParaRPr/>
+          </a:p>
         </p:txBody>
       </p:sp>
       <p:sp>
         <p:nvSpPr>
           <p:cNvPr id="30" name="Google Shape;30;p6"/>
-          <p:cNvSpPr txBox="1"/>
+          <p:cNvSpPr txBox="1">
+            <a:spLocks noGrp="1"/>
+          </p:cNvSpPr>
           <p:nvPr>
-            <p:ph idx="12" type="sldNum"/>
+            <p:ph type="sldNum" idx="12"/>
           </p:nvPr>
         </p:nvSpPr>
         <p:spPr>
@@ -5328,7 +5521,7 @@
           </a:prstGeom>
         </p:spPr>
         <p:txBody>
-          <a:bodyPr anchorCtr="0" anchor="ctr" bIns="91425" lIns="91425" spcFirstLastPara="1" rIns="91425" wrap="square" tIns="91425">
+          <a:bodyPr spcFirstLastPara="1" wrap="square" lIns="91425" tIns="91425" rIns="91425" bIns="91425" anchor="ctr" anchorCtr="0">
             <a:noAutofit/>
           </a:bodyPr>
           <a:lstStyle>
@@ -5370,7 +5563,7 @@
             </a:lvl9pPr>
           </a:lstStyle>
           <a:p>
-            <a:pPr indent="0" lvl="0" marL="0" rtl="0" algn="r">
+            <a:pPr marL="0" lvl="0" indent="0" algn="r" rtl="0">
               <a:spcBef>
                 <a:spcPts val="0"/>
               </a:spcBef>
@@ -5396,11 +5589,11 @@
 </file>
 
 <file path=ppt/slideLayouts/slideLayout6.xml><?xml version="1.0" encoding="utf-8"?>
-<p:sldLayout xmlns:a="http://schemas.openxmlformats.org/drawingml/2006/main" xmlns:r="http://schemas.openxmlformats.org/officeDocument/2006/relationships" xmlns:mc="http://schemas.openxmlformats.org/markup-compatibility/2006" xmlns:mv="urn:schemas-microsoft-com:mac:vml" xmlns:p="http://schemas.openxmlformats.org/presentationml/2006/main" xmlns:c="http://schemas.openxmlformats.org/drawingml/2006/chart" xmlns:dgm="http://schemas.openxmlformats.org/drawingml/2006/diagram" xmlns:o="urn:schemas-microsoft-com:office:office" xmlns:v="urn:schemas-microsoft-com:vml" xmlns:pvml="urn:schemas-microsoft-com:office:powerpoint" xmlns:com="http://schemas.openxmlformats.org/drawingml/2006/compatibility" xmlns:p14="http://schemas.microsoft.com/office/powerpoint/2010/main" xmlns:p15="http://schemas.microsoft.com/office/powerpoint/2012/main" matchingName="One column text">
+<p:sldLayout xmlns:a="http://schemas.openxmlformats.org/drawingml/2006/main" xmlns:r="http://schemas.openxmlformats.org/officeDocument/2006/relationships" xmlns:p="http://schemas.openxmlformats.org/presentationml/2006/main" matchingName="One column text">
   <p:cSld name="ONE_COLUMN_TEXT">
     <p:spTree>
       <p:nvGrpSpPr>
-        <p:cNvPr id="31" name="Shape 31"/>
+        <p:cNvPr id="1" name="Shape 31"/>
         <p:cNvGrpSpPr/>
         <p:nvPr/>
       </p:nvGrpSpPr>
@@ -5415,7 +5608,9 @@
       <p:sp>
         <p:nvSpPr>
           <p:cNvPr id="32" name="Google Shape;32;p7"/>
-          <p:cNvSpPr txBox="1"/>
+          <p:cNvSpPr txBox="1">
+            <a:spLocks noGrp="1"/>
+          </p:cNvSpPr>
           <p:nvPr>
             <p:ph type="title"/>
           </p:nvPr>
@@ -5430,7 +5625,7 @@
           </a:prstGeom>
         </p:spPr>
         <p:txBody>
-          <a:bodyPr anchorCtr="0" anchor="b" bIns="91425" lIns="91425" spcFirstLastPara="1" rIns="91425" wrap="square" tIns="91425"/>
+          <a:bodyPr spcFirstLastPara="1" wrap="square" lIns="91425" tIns="91425" rIns="91425" bIns="91425" anchor="b" anchorCtr="0"/>
           <a:lstStyle>
             <a:lvl1pPr lvl="0">
               <a:spcBef>
@@ -5532,15 +5727,19 @@
               <a:defRPr sz="2400"/>
             </a:lvl9pPr>
           </a:lstStyle>
-          <a:p/>
+          <a:p>
+            <a:endParaRPr/>
+          </a:p>
         </p:txBody>
       </p:sp>
       <p:sp>
         <p:nvSpPr>
           <p:cNvPr id="33" name="Google Shape;33;p7"/>
-          <p:cNvSpPr txBox="1"/>
+          <p:cNvSpPr txBox="1">
+            <a:spLocks noGrp="1"/>
+          </p:cNvSpPr>
           <p:nvPr>
-            <p:ph idx="1" type="body"/>
+            <p:ph type="body" idx="1"/>
           </p:nvPr>
         </p:nvSpPr>
         <p:spPr>
@@ -5553,9 +5752,9 @@
           </a:prstGeom>
         </p:spPr>
         <p:txBody>
-          <a:bodyPr anchorCtr="0" anchor="t" bIns="91425" lIns="91425" spcFirstLastPara="1" rIns="91425" wrap="square" tIns="91425"/>
+          <a:bodyPr spcFirstLastPara="1" wrap="square" lIns="91425" tIns="91425" rIns="91425" bIns="91425" anchor="t" anchorCtr="0"/>
           <a:lstStyle>
-            <a:lvl1pPr indent="-304800" lvl="0" marL="457200">
+            <a:lvl1pPr marL="457200" lvl="0" indent="-304800">
               <a:spcBef>
                 <a:spcPts val="0"/>
               </a:spcBef>
@@ -5566,7 +5765,7 @@
               <a:buChar char="●"/>
               <a:defRPr sz="1200"/>
             </a:lvl1pPr>
-            <a:lvl2pPr indent="-304800" lvl="1" marL="914400">
+            <a:lvl2pPr marL="914400" lvl="1" indent="-304800">
               <a:spcBef>
                 <a:spcPts val="1600"/>
               </a:spcBef>
@@ -5577,7 +5776,7 @@
               <a:buChar char="○"/>
               <a:defRPr sz="1200"/>
             </a:lvl2pPr>
-            <a:lvl3pPr indent="-304800" lvl="2" marL="1371600">
+            <a:lvl3pPr marL="1371600" lvl="2" indent="-304800">
               <a:spcBef>
                 <a:spcPts val="1600"/>
               </a:spcBef>
@@ -5588,7 +5787,7 @@
               <a:buChar char="■"/>
               <a:defRPr sz="1200"/>
             </a:lvl3pPr>
-            <a:lvl4pPr indent="-304800" lvl="3" marL="1828800">
+            <a:lvl4pPr marL="1828800" lvl="3" indent="-304800">
               <a:spcBef>
                 <a:spcPts val="1600"/>
               </a:spcBef>
@@ -5599,7 +5798,7 @@
               <a:buChar char="●"/>
               <a:defRPr sz="1200"/>
             </a:lvl4pPr>
-            <a:lvl5pPr indent="-304800" lvl="4" marL="2286000">
+            <a:lvl5pPr marL="2286000" lvl="4" indent="-304800">
               <a:spcBef>
                 <a:spcPts val="1600"/>
               </a:spcBef>
@@ -5610,7 +5809,7 @@
               <a:buChar char="○"/>
               <a:defRPr sz="1200"/>
             </a:lvl5pPr>
-            <a:lvl6pPr indent="-304800" lvl="5" marL="2743200">
+            <a:lvl6pPr marL="2743200" lvl="5" indent="-304800">
               <a:spcBef>
                 <a:spcPts val="1600"/>
               </a:spcBef>
@@ -5621,7 +5820,7 @@
               <a:buChar char="■"/>
               <a:defRPr sz="1200"/>
             </a:lvl6pPr>
-            <a:lvl7pPr indent="-304800" lvl="6" marL="3200400">
+            <a:lvl7pPr marL="3200400" lvl="6" indent="-304800">
               <a:spcBef>
                 <a:spcPts val="1600"/>
               </a:spcBef>
@@ -5632,7 +5831,7 @@
               <a:buChar char="●"/>
               <a:defRPr sz="1200"/>
             </a:lvl7pPr>
-            <a:lvl8pPr indent="-304800" lvl="7" marL="3657600">
+            <a:lvl8pPr marL="3657600" lvl="7" indent="-304800">
               <a:spcBef>
                 <a:spcPts val="1600"/>
               </a:spcBef>
@@ -5643,7 +5842,7 @@
               <a:buChar char="○"/>
               <a:defRPr sz="1200"/>
             </a:lvl8pPr>
-            <a:lvl9pPr indent="-304800" lvl="8" marL="4114800">
+            <a:lvl9pPr marL="4114800" lvl="8" indent="-304800">
               <a:spcBef>
                 <a:spcPts val="1600"/>
               </a:spcBef>
@@ -5655,15 +5854,19 @@
               <a:defRPr sz="1200"/>
             </a:lvl9pPr>
           </a:lstStyle>
-          <a:p/>
+          <a:p>
+            <a:endParaRPr/>
+          </a:p>
         </p:txBody>
       </p:sp>
       <p:sp>
         <p:nvSpPr>
           <p:cNvPr id="34" name="Google Shape;34;p7"/>
-          <p:cNvSpPr txBox="1"/>
+          <p:cNvSpPr txBox="1">
+            <a:spLocks noGrp="1"/>
+          </p:cNvSpPr>
           <p:nvPr>
-            <p:ph idx="12" type="sldNum"/>
+            <p:ph type="sldNum" idx="12"/>
           </p:nvPr>
         </p:nvSpPr>
         <p:spPr>
@@ -5676,7 +5879,7 @@
           </a:prstGeom>
         </p:spPr>
         <p:txBody>
-          <a:bodyPr anchorCtr="0" anchor="ctr" bIns="91425" lIns="91425" spcFirstLastPara="1" rIns="91425" wrap="square" tIns="91425">
+          <a:bodyPr spcFirstLastPara="1" wrap="square" lIns="91425" tIns="91425" rIns="91425" bIns="91425" anchor="ctr" anchorCtr="0">
             <a:noAutofit/>
           </a:bodyPr>
           <a:lstStyle>
@@ -5718,7 +5921,7 @@
             </a:lvl9pPr>
           </a:lstStyle>
           <a:p>
-            <a:pPr indent="0" lvl="0" marL="0" rtl="0" algn="r">
+            <a:pPr marL="0" lvl="0" indent="0" algn="r" rtl="0">
               <a:spcBef>
                 <a:spcPts val="0"/>
               </a:spcBef>
@@ -5744,18 +5947,19 @@
 </file>
 
 <file path=ppt/slideLayouts/slideLayout7.xml><?xml version="1.0" encoding="utf-8"?>
-<p:sldLayout xmlns:a="http://schemas.openxmlformats.org/drawingml/2006/main" xmlns:r="http://schemas.openxmlformats.org/officeDocument/2006/relationships" xmlns:mc="http://schemas.openxmlformats.org/markup-compatibility/2006" xmlns:mv="urn:schemas-microsoft-com:mac:vml" xmlns:p="http://schemas.openxmlformats.org/presentationml/2006/main" xmlns:c="http://schemas.openxmlformats.org/drawingml/2006/chart" xmlns:dgm="http://schemas.openxmlformats.org/drawingml/2006/diagram" xmlns:o="urn:schemas-microsoft-com:office:office" xmlns:v="urn:schemas-microsoft-com:vml" xmlns:pvml="urn:schemas-microsoft-com:office:powerpoint" xmlns:com="http://schemas.openxmlformats.org/drawingml/2006/compatibility" xmlns:p14="http://schemas.microsoft.com/office/powerpoint/2010/main" xmlns:p15="http://schemas.microsoft.com/office/powerpoint/2012/main" matchingName="Main point">
+<p:sldLayout xmlns:a="http://schemas.openxmlformats.org/drawingml/2006/main" xmlns:r="http://schemas.openxmlformats.org/officeDocument/2006/relationships" xmlns:p="http://schemas.openxmlformats.org/presentationml/2006/main" matchingName="Main point">
   <p:cSld name="MAIN_POINT">
     <p:bg>
       <p:bgPr>
         <a:solidFill>
           <a:schemeClr val="lt2"/>
         </a:solidFill>
+        <a:effectLst/>
       </p:bgPr>
     </p:bg>
     <p:spTree>
       <p:nvGrpSpPr>
-        <p:cNvPr id="35" name="Shape 35"/>
+        <p:cNvPr id="1" name="Shape 35"/>
         <p:cNvGrpSpPr/>
         <p:nvPr/>
       </p:nvGrpSpPr>
@@ -5770,7 +5974,9 @@
       <p:sp>
         <p:nvSpPr>
           <p:cNvPr id="36" name="Google Shape;36;p8"/>
-          <p:cNvSpPr txBox="1"/>
+          <p:cNvSpPr txBox="1">
+            <a:spLocks noGrp="1"/>
+          </p:cNvSpPr>
           <p:nvPr>
             <p:ph type="title"/>
           </p:nvPr>
@@ -5785,7 +5991,7 @@
           </a:prstGeom>
         </p:spPr>
         <p:txBody>
-          <a:bodyPr anchorCtr="0" anchor="ctr" bIns="91425" lIns="91425" spcFirstLastPara="1" rIns="91425" wrap="square" tIns="91425"/>
+          <a:bodyPr spcFirstLastPara="1" wrap="square" lIns="91425" tIns="91425" rIns="91425" bIns="91425" anchor="ctr" anchorCtr="0"/>
           <a:lstStyle>
             <a:lvl1pPr lvl="0">
               <a:spcBef>
@@ -5887,15 +6093,19 @@
               <a:defRPr sz="4800"/>
             </a:lvl9pPr>
           </a:lstStyle>
-          <a:p/>
+          <a:p>
+            <a:endParaRPr/>
+          </a:p>
         </p:txBody>
       </p:sp>
       <p:sp>
         <p:nvSpPr>
           <p:cNvPr id="37" name="Google Shape;37;p8"/>
-          <p:cNvSpPr txBox="1"/>
+          <p:cNvSpPr txBox="1">
+            <a:spLocks noGrp="1"/>
+          </p:cNvSpPr>
           <p:nvPr>
-            <p:ph idx="12" type="sldNum"/>
+            <p:ph type="sldNum" idx="12"/>
           </p:nvPr>
         </p:nvSpPr>
         <p:spPr>
@@ -5908,7 +6118,7 @@
           </a:prstGeom>
         </p:spPr>
         <p:txBody>
-          <a:bodyPr anchorCtr="0" anchor="ctr" bIns="91425" lIns="91425" spcFirstLastPara="1" rIns="91425" wrap="square" tIns="91425">
+          <a:bodyPr spcFirstLastPara="1" wrap="square" lIns="91425" tIns="91425" rIns="91425" bIns="91425" anchor="ctr" anchorCtr="0">
             <a:noAutofit/>
           </a:bodyPr>
           <a:lstStyle>
@@ -5950,7 +6160,7 @@
             </a:lvl9pPr>
           </a:lstStyle>
           <a:p>
-            <a:pPr indent="0" lvl="0" marL="0" rtl="0" algn="r">
+            <a:pPr marL="0" lvl="0" indent="0" algn="r" rtl="0">
               <a:spcBef>
                 <a:spcPts val="0"/>
               </a:spcBef>
@@ -5976,11 +6186,11 @@
 </file>
 
 <file path=ppt/slideLayouts/slideLayout8.xml><?xml version="1.0" encoding="utf-8"?>
-<p:sldLayout xmlns:a="http://schemas.openxmlformats.org/drawingml/2006/main" xmlns:r="http://schemas.openxmlformats.org/officeDocument/2006/relationships" xmlns:mc="http://schemas.openxmlformats.org/markup-compatibility/2006" xmlns:mv="urn:schemas-microsoft-com:mac:vml" xmlns:p="http://schemas.openxmlformats.org/presentationml/2006/main" xmlns:c="http://schemas.openxmlformats.org/drawingml/2006/chart" xmlns:dgm="http://schemas.openxmlformats.org/drawingml/2006/diagram" xmlns:o="urn:schemas-microsoft-com:office:office" xmlns:v="urn:schemas-microsoft-com:vml" xmlns:pvml="urn:schemas-microsoft-com:office:powerpoint" xmlns:com="http://schemas.openxmlformats.org/drawingml/2006/compatibility" xmlns:p14="http://schemas.microsoft.com/office/powerpoint/2010/main" xmlns:p15="http://schemas.microsoft.com/office/powerpoint/2012/main" matchingName="Section title and description">
+<p:sldLayout xmlns:a="http://schemas.openxmlformats.org/drawingml/2006/main" xmlns:r="http://schemas.openxmlformats.org/officeDocument/2006/relationships" xmlns:p="http://schemas.openxmlformats.org/presentationml/2006/main" matchingName="Section title and description">
   <p:cSld name="SECTION_TITLE_AND_DESCRIPTION">
     <p:spTree>
       <p:nvGrpSpPr>
-        <p:cNvPr id="38" name="Shape 38"/>
+        <p:cNvPr id="1" name="Shape 38"/>
         <p:cNvGrpSpPr/>
         <p:nvPr/>
       </p:nvGrpSpPr>
@@ -6014,23 +6224,20 @@
           </a:ln>
         </p:spPr>
         <p:txBody>
-          <a:bodyPr anchorCtr="0" anchor="ctr" bIns="91425" lIns="91425" spcFirstLastPara="1" rIns="91425" wrap="square" tIns="91425">
+          <a:bodyPr spcFirstLastPara="1" wrap="square" lIns="91425" tIns="91425" rIns="91425" bIns="91425" anchor="ctr" anchorCtr="0">
             <a:noAutofit/>
           </a:bodyPr>
           <a:lstStyle/>
           <a:p>
-            <a:pPr indent="0" lvl="0" marL="0" rtl="0" algn="l">
-              <a:spcBef>
-                <a:spcPts val="0"/>
-              </a:spcBef>
-              <a:spcAft>
-                <a:spcPts val="0"/>
-              </a:spcAft>
-              <a:buNone/>
-            </a:pPr>
-            <a:r>
-              <a:t/>
-            </a:r>
+            <a:pPr marL="0" lvl="0" indent="0" algn="l" rtl="0">
+              <a:spcBef>
+                <a:spcPts val="0"/>
+              </a:spcBef>
+              <a:spcAft>
+                <a:spcPts val="0"/>
+              </a:spcAft>
+              <a:buNone/>
+            </a:pPr>
             <a:endParaRPr/>
           </a:p>
         </p:txBody>
@@ -6050,21 +6257,23 @@
             <a:avLst/>
           </a:prstGeom>
           <a:noFill/>
-          <a:ln cap="flat" cmpd="sng" w="19050">
+          <a:ln w="19050" cap="flat" cmpd="sng">
             <a:solidFill>
               <a:schemeClr val="lt2"/>
             </a:solidFill>
             <a:prstDash val="solid"/>
             <a:round/>
-            <a:headEnd len="sm" w="sm" type="none"/>
-            <a:tailEnd len="sm" w="sm" type="none"/>
+            <a:headEnd type="none" w="sm" len="sm"/>
+            <a:tailEnd type="none" w="sm" len="sm"/>
           </a:ln>
         </p:spPr>
       </p:cxnSp>
       <p:sp>
         <p:nvSpPr>
           <p:cNvPr id="41" name="Google Shape;41;p9"/>
-          <p:cNvSpPr txBox="1"/>
+          <p:cNvSpPr txBox="1">
+            <a:spLocks noGrp="1"/>
+          </p:cNvSpPr>
           <p:nvPr>
             <p:ph type="title"/>
           </p:nvPr>
@@ -6079,7 +6288,7 @@
           </a:prstGeom>
         </p:spPr>
         <p:txBody>
-          <a:bodyPr anchorCtr="0" anchor="b" bIns="91425" lIns="91425" spcFirstLastPara="1" rIns="91425" wrap="square" tIns="91425"/>
+          <a:bodyPr spcFirstLastPara="1" wrap="square" lIns="91425" tIns="91425" rIns="91425" bIns="91425" anchor="b" anchorCtr="0"/>
           <a:lstStyle>
             <a:lvl1pPr lvl="0" algn="ctr">
               <a:spcBef>
@@ -6181,15 +6390,19 @@
               <a:defRPr sz="4200"/>
             </a:lvl9pPr>
           </a:lstStyle>
-          <a:p/>
+          <a:p>
+            <a:endParaRPr/>
+          </a:p>
         </p:txBody>
       </p:sp>
       <p:sp>
         <p:nvSpPr>
           <p:cNvPr id="42" name="Google Shape;42;p9"/>
-          <p:cNvSpPr txBox="1"/>
+          <p:cNvSpPr txBox="1">
+            <a:spLocks noGrp="1"/>
+          </p:cNvSpPr>
           <p:nvPr>
-            <p:ph idx="1" type="subTitle"/>
+            <p:ph type="subTitle" idx="1"/>
           </p:nvPr>
         </p:nvSpPr>
         <p:spPr>
@@ -6202,7 +6415,7 @@
           </a:prstGeom>
         </p:spPr>
         <p:txBody>
-          <a:bodyPr anchorCtr="0" anchor="t" bIns="91425" lIns="91425" spcFirstLastPara="1" rIns="91425" wrap="square" tIns="91425"/>
+          <a:bodyPr spcFirstLastPara="1" wrap="square" lIns="91425" tIns="91425" rIns="91425" bIns="91425" anchor="t" anchorCtr="0"/>
           <a:lstStyle>
             <a:lvl1pPr lvl="0" algn="ctr">
               <a:lnSpc>
@@ -6331,15 +6544,19 @@
               <a:defRPr sz="2100"/>
             </a:lvl9pPr>
           </a:lstStyle>
-          <a:p/>
+          <a:p>
+            <a:endParaRPr/>
+          </a:p>
         </p:txBody>
       </p:sp>
       <p:sp>
         <p:nvSpPr>
           <p:cNvPr id="43" name="Google Shape;43;p9"/>
-          <p:cNvSpPr txBox="1"/>
+          <p:cNvSpPr txBox="1">
+            <a:spLocks noGrp="1"/>
+          </p:cNvSpPr>
           <p:nvPr>
-            <p:ph idx="2" type="body"/>
+            <p:ph type="body" idx="2"/>
           </p:nvPr>
         </p:nvSpPr>
         <p:spPr>
@@ -6352,9 +6569,9 @@
           </a:prstGeom>
         </p:spPr>
         <p:txBody>
-          <a:bodyPr anchorCtr="0" anchor="ctr" bIns="91425" lIns="91425" spcFirstLastPara="1" rIns="91425" wrap="square" tIns="91425"/>
+          <a:bodyPr spcFirstLastPara="1" wrap="square" lIns="91425" tIns="91425" rIns="91425" bIns="91425" anchor="ctr" anchorCtr="0"/>
           <a:lstStyle>
-            <a:lvl1pPr indent="-342900" lvl="0" marL="457200">
+            <a:lvl1pPr marL="457200" lvl="0" indent="-342900">
               <a:spcBef>
                 <a:spcPts val="0"/>
               </a:spcBef>
@@ -6372,7 +6589,7 @@
                 </a:solidFill>
               </a:defRPr>
             </a:lvl1pPr>
-            <a:lvl2pPr indent="-317500" lvl="1" marL="914400">
+            <a:lvl2pPr marL="914400" lvl="1" indent="-317500">
               <a:spcBef>
                 <a:spcPts val="1600"/>
               </a:spcBef>
@@ -6390,7 +6607,7 @@
                 </a:solidFill>
               </a:defRPr>
             </a:lvl2pPr>
-            <a:lvl3pPr indent="-317500" lvl="2" marL="1371600">
+            <a:lvl3pPr marL="1371600" lvl="2" indent="-317500">
               <a:spcBef>
                 <a:spcPts val="1600"/>
               </a:spcBef>
@@ -6408,7 +6625,7 @@
                 </a:solidFill>
               </a:defRPr>
             </a:lvl3pPr>
-            <a:lvl4pPr indent="-317500" lvl="3" marL="1828800">
+            <a:lvl4pPr marL="1828800" lvl="3" indent="-317500">
               <a:spcBef>
                 <a:spcPts val="1600"/>
               </a:spcBef>
@@ -6426,7 +6643,7 @@
                 </a:solidFill>
               </a:defRPr>
             </a:lvl4pPr>
-            <a:lvl5pPr indent="-317500" lvl="4" marL="2286000">
+            <a:lvl5pPr marL="2286000" lvl="4" indent="-317500">
               <a:spcBef>
                 <a:spcPts val="1600"/>
               </a:spcBef>
@@ -6444,7 +6661,7 @@
                 </a:solidFill>
               </a:defRPr>
             </a:lvl5pPr>
-            <a:lvl6pPr indent="-317500" lvl="5" marL="2743200">
+            <a:lvl6pPr marL="2743200" lvl="5" indent="-317500">
               <a:spcBef>
                 <a:spcPts val="1600"/>
               </a:spcBef>
@@ -6462,7 +6679,7 @@
                 </a:solidFill>
               </a:defRPr>
             </a:lvl6pPr>
-            <a:lvl7pPr indent="-317500" lvl="6" marL="3200400">
+            <a:lvl7pPr marL="3200400" lvl="6" indent="-317500">
               <a:spcBef>
                 <a:spcPts val="1600"/>
               </a:spcBef>
@@ -6480,7 +6697,7 @@
                 </a:solidFill>
               </a:defRPr>
             </a:lvl7pPr>
-            <a:lvl8pPr indent="-317500" lvl="7" marL="3657600">
+            <a:lvl8pPr marL="3657600" lvl="7" indent="-317500">
               <a:spcBef>
                 <a:spcPts val="1600"/>
               </a:spcBef>
@@ -6498,7 +6715,7 @@
                 </a:solidFill>
               </a:defRPr>
             </a:lvl8pPr>
-            <a:lvl9pPr indent="-317500" lvl="8" marL="4114800">
+            <a:lvl9pPr marL="4114800" lvl="8" indent="-317500">
               <a:spcBef>
                 <a:spcPts val="1600"/>
               </a:spcBef>
@@ -6517,15 +6734,19 @@
               </a:defRPr>
             </a:lvl9pPr>
           </a:lstStyle>
-          <a:p/>
+          <a:p>
+            <a:endParaRPr/>
+          </a:p>
         </p:txBody>
       </p:sp>
       <p:sp>
         <p:nvSpPr>
           <p:cNvPr id="44" name="Google Shape;44;p9"/>
-          <p:cNvSpPr txBox="1"/>
+          <p:cNvSpPr txBox="1">
+            <a:spLocks noGrp="1"/>
+          </p:cNvSpPr>
           <p:nvPr>
-            <p:ph idx="12" type="sldNum"/>
+            <p:ph type="sldNum" idx="12"/>
           </p:nvPr>
         </p:nvSpPr>
         <p:spPr>
@@ -6538,7 +6759,7 @@
           </a:prstGeom>
         </p:spPr>
         <p:txBody>
-          <a:bodyPr anchorCtr="0" anchor="ctr" bIns="91425" lIns="91425" spcFirstLastPara="1" rIns="91425" wrap="square" tIns="91425">
+          <a:bodyPr spcFirstLastPara="1" wrap="square" lIns="91425" tIns="91425" rIns="91425" bIns="91425" anchor="ctr" anchorCtr="0">
             <a:noAutofit/>
           </a:bodyPr>
           <a:lstStyle>
@@ -6616,7 +6837,7 @@
             </a:lvl9pPr>
           </a:lstStyle>
           <a:p>
-            <a:pPr indent="0" lvl="0" marL="0" rtl="0" algn="r">
+            <a:pPr marL="0" lvl="0" indent="0" algn="r" rtl="0">
               <a:spcBef>
                 <a:spcPts val="0"/>
               </a:spcBef>
@@ -6642,11 +6863,11 @@
 </file>
 
 <file path=ppt/slideLayouts/slideLayout9.xml><?xml version="1.0" encoding="utf-8"?>
-<p:sldLayout xmlns:a="http://schemas.openxmlformats.org/drawingml/2006/main" xmlns:r="http://schemas.openxmlformats.org/officeDocument/2006/relationships" xmlns:mc="http://schemas.openxmlformats.org/markup-compatibility/2006" xmlns:mv="urn:schemas-microsoft-com:mac:vml" xmlns:p="http://schemas.openxmlformats.org/presentationml/2006/main" xmlns:c="http://schemas.openxmlformats.org/drawingml/2006/chart" xmlns:dgm="http://schemas.openxmlformats.org/drawingml/2006/diagram" xmlns:o="urn:schemas-microsoft-com:office:office" xmlns:v="urn:schemas-microsoft-com:vml" xmlns:pvml="urn:schemas-microsoft-com:office:powerpoint" xmlns:com="http://schemas.openxmlformats.org/drawingml/2006/compatibility" xmlns:p14="http://schemas.microsoft.com/office/powerpoint/2010/main" xmlns:p15="http://schemas.microsoft.com/office/powerpoint/2012/main" matchingName="Caption">
+<p:sldLayout xmlns:a="http://schemas.openxmlformats.org/drawingml/2006/main" xmlns:r="http://schemas.openxmlformats.org/officeDocument/2006/relationships" xmlns:p="http://schemas.openxmlformats.org/presentationml/2006/main" matchingName="Caption">
   <p:cSld name="CAPTION_ONLY">
     <p:spTree>
       <p:nvGrpSpPr>
-        <p:cNvPr id="45" name="Shape 45"/>
+        <p:cNvPr id="1" name="Shape 45"/>
         <p:cNvGrpSpPr/>
         <p:nvPr/>
       </p:nvGrpSpPr>
@@ -6661,9 +6882,11 @@
       <p:sp>
         <p:nvSpPr>
           <p:cNvPr id="46" name="Google Shape;46;p10"/>
-          <p:cNvSpPr txBox="1"/>
+          <p:cNvSpPr txBox="1">
+            <a:spLocks noGrp="1"/>
+          </p:cNvSpPr>
           <p:nvPr>
-            <p:ph idx="1" type="body"/>
+            <p:ph type="body" idx="1"/>
           </p:nvPr>
         </p:nvSpPr>
         <p:spPr>
@@ -6676,9 +6899,9 @@
           </a:prstGeom>
         </p:spPr>
         <p:txBody>
-          <a:bodyPr anchorCtr="0" anchor="ctr" bIns="91425" lIns="91425" spcFirstLastPara="1" rIns="91425" wrap="square" tIns="91425"/>
+          <a:bodyPr spcFirstLastPara="1" wrap="square" lIns="91425" tIns="91425" rIns="91425" bIns="91425" anchor="ctr" anchorCtr="0"/>
           <a:lstStyle>
-            <a:lvl1pPr indent="-228600" lvl="0" marL="457200">
+            <a:lvl1pPr marL="457200" lvl="0" indent="-228600">
               <a:lnSpc>
                 <a:spcPct val="100000"/>
               </a:lnSpc>
@@ -6693,15 +6916,19 @@
               <a:defRPr sz="2100"/>
             </a:lvl1pPr>
           </a:lstStyle>
-          <a:p/>
+          <a:p>
+            <a:endParaRPr/>
+          </a:p>
         </p:txBody>
       </p:sp>
       <p:sp>
         <p:nvSpPr>
           <p:cNvPr id="47" name="Google Shape;47;p10"/>
-          <p:cNvSpPr txBox="1"/>
+          <p:cNvSpPr txBox="1">
+            <a:spLocks noGrp="1"/>
+          </p:cNvSpPr>
           <p:nvPr>
-            <p:ph idx="12" type="sldNum"/>
+            <p:ph type="sldNum" idx="12"/>
           </p:nvPr>
         </p:nvSpPr>
         <p:spPr>
@@ -6714,7 +6941,7 @@
           </a:prstGeom>
         </p:spPr>
         <p:txBody>
-          <a:bodyPr anchorCtr="0" anchor="ctr" bIns="91425" lIns="91425" spcFirstLastPara="1" rIns="91425" wrap="square" tIns="91425">
+          <a:bodyPr spcFirstLastPara="1" wrap="square" lIns="91425" tIns="91425" rIns="91425" bIns="91425" anchor="ctr" anchorCtr="0">
             <a:noAutofit/>
           </a:bodyPr>
           <a:lstStyle>
@@ -6756,7 +6983,7 @@
             </a:lvl9pPr>
           </a:lstStyle>
           <a:p>
-            <a:pPr indent="0" lvl="0" marL="0" rtl="0" algn="r">
+            <a:pPr marL="0" lvl="0" indent="0" algn="r" rtl="0">
               <a:spcBef>
                 <a:spcPts val="0"/>
               </a:spcBef>
@@ -6782,18 +7009,19 @@
 </file>
 
 <file path=ppt/slideMasters/slideMaster1.xml><?xml version="1.0" encoding="utf-8"?>
-<p:sldMaster xmlns:a="http://schemas.openxmlformats.org/drawingml/2006/main" xmlns:r="http://schemas.openxmlformats.org/officeDocument/2006/relationships" xmlns:mc="http://schemas.openxmlformats.org/markup-compatibility/2006" xmlns:mv="urn:schemas-microsoft-com:mac:vml" xmlns:p="http://schemas.openxmlformats.org/presentationml/2006/main" xmlns:c="http://schemas.openxmlformats.org/drawingml/2006/chart" xmlns:dgm="http://schemas.openxmlformats.org/drawingml/2006/diagram" xmlns:o="urn:schemas-microsoft-com:office:office" xmlns:v="urn:schemas-microsoft-com:vml" xmlns:pvml="urn:schemas-microsoft-com:office:powerpoint" xmlns:com="http://schemas.openxmlformats.org/drawingml/2006/compatibility" xmlns:p14="http://schemas.microsoft.com/office/powerpoint/2010/main" xmlns:p15="http://schemas.microsoft.com/office/powerpoint/2012/main">
+<p:sldMaster xmlns:a="http://schemas.openxmlformats.org/drawingml/2006/main" xmlns:r="http://schemas.openxmlformats.org/officeDocument/2006/relationships" xmlns:p="http://schemas.openxmlformats.org/presentationml/2006/main">
   <p:cSld name="spearmint">
     <p:bg>
       <p:bgPr>
         <a:solidFill>
           <a:schemeClr val="lt1"/>
         </a:solidFill>
+        <a:effectLst/>
       </p:bgPr>
     </p:bg>
     <p:spTree>
       <p:nvGrpSpPr>
-        <p:cNvPr id="5" name="Shape 5"/>
+        <p:cNvPr id="1" name="Shape 5"/>
         <p:cNvGrpSpPr/>
         <p:nvPr/>
       </p:nvGrpSpPr>
@@ -6808,7 +7036,9 @@
       <p:sp>
         <p:nvSpPr>
           <p:cNvPr id="6" name="Google Shape;6;p1"/>
-          <p:cNvSpPr txBox="1"/>
+          <p:cNvSpPr txBox="1">
+            <a:spLocks noGrp="1"/>
+          </p:cNvSpPr>
           <p:nvPr>
             <p:ph type="title"/>
           </p:nvPr>
@@ -6827,7 +7057,7 @@
           </a:ln>
         </p:spPr>
         <p:txBody>
-          <a:bodyPr anchorCtr="0" anchor="t" bIns="91425" lIns="91425" spcFirstLastPara="1" rIns="91425" wrap="square" tIns="91425"/>
+          <a:bodyPr spcFirstLastPara="1" wrap="square" lIns="91425" tIns="91425" rIns="91425" bIns="91425" anchor="t" anchorCtr="0"/>
           <a:lstStyle>
             <a:lvl1pPr lvl="0">
               <a:spcBef>
@@ -7037,15 +7267,19 @@
               </a:defRPr>
             </a:lvl9pPr>
           </a:lstStyle>
-          <a:p/>
+          <a:p>
+            <a:endParaRPr/>
+          </a:p>
         </p:txBody>
       </p:sp>
       <p:sp>
         <p:nvSpPr>
           <p:cNvPr id="7" name="Google Shape;7;p1"/>
-          <p:cNvSpPr txBox="1"/>
+          <p:cNvSpPr txBox="1">
+            <a:spLocks noGrp="1"/>
+          </p:cNvSpPr>
           <p:nvPr>
-            <p:ph idx="1" type="body"/>
+            <p:ph type="body" idx="1"/>
           </p:nvPr>
         </p:nvSpPr>
         <p:spPr>
@@ -7062,9 +7296,9 @@
           </a:ln>
         </p:spPr>
         <p:txBody>
-          <a:bodyPr anchorCtr="0" anchor="t" bIns="91425" lIns="91425" spcFirstLastPara="1" rIns="91425" wrap="square" tIns="91425"/>
+          <a:bodyPr spcFirstLastPara="1" wrap="square" lIns="91425" tIns="91425" rIns="91425" bIns="91425" anchor="t" anchorCtr="0"/>
           <a:lstStyle>
-            <a:lvl1pPr indent="-342900" lvl="0" marL="457200">
+            <a:lvl1pPr marL="457200" lvl="0" indent="-342900">
               <a:lnSpc>
                 <a:spcPct val="115000"/>
               </a:lnSpc>
@@ -7090,7 +7324,7 @@
                 <a:sym typeface="Proxima Nova"/>
               </a:defRPr>
             </a:lvl1pPr>
-            <a:lvl2pPr indent="-317500" lvl="1" marL="914400">
+            <a:lvl2pPr marL="914400" lvl="1" indent="-317500">
               <a:lnSpc>
                 <a:spcPct val="115000"/>
               </a:lnSpc>
@@ -7116,7 +7350,7 @@
                 <a:sym typeface="Proxima Nova"/>
               </a:defRPr>
             </a:lvl2pPr>
-            <a:lvl3pPr indent="-317500" lvl="2" marL="1371600">
+            <a:lvl3pPr marL="1371600" lvl="2" indent="-317500">
               <a:lnSpc>
                 <a:spcPct val="115000"/>
               </a:lnSpc>
@@ -7142,7 +7376,7 @@
                 <a:sym typeface="Proxima Nova"/>
               </a:defRPr>
             </a:lvl3pPr>
-            <a:lvl4pPr indent="-317500" lvl="3" marL="1828800">
+            <a:lvl4pPr marL="1828800" lvl="3" indent="-317500">
               <a:lnSpc>
                 <a:spcPct val="115000"/>
               </a:lnSpc>
@@ -7168,7 +7402,7 @@
                 <a:sym typeface="Proxima Nova"/>
               </a:defRPr>
             </a:lvl4pPr>
-            <a:lvl5pPr indent="-317500" lvl="4" marL="2286000">
+            <a:lvl5pPr marL="2286000" lvl="4" indent="-317500">
               <a:lnSpc>
                 <a:spcPct val="115000"/>
               </a:lnSpc>
@@ -7194,7 +7428,7 @@
                 <a:sym typeface="Proxima Nova"/>
               </a:defRPr>
             </a:lvl5pPr>
-            <a:lvl6pPr indent="-317500" lvl="5" marL="2743200">
+            <a:lvl6pPr marL="2743200" lvl="5" indent="-317500">
               <a:lnSpc>
                 <a:spcPct val="115000"/>
               </a:lnSpc>
@@ -7220,7 +7454,7 @@
                 <a:sym typeface="Proxima Nova"/>
               </a:defRPr>
             </a:lvl6pPr>
-            <a:lvl7pPr indent="-317500" lvl="6" marL="3200400">
+            <a:lvl7pPr marL="3200400" lvl="6" indent="-317500">
               <a:lnSpc>
                 <a:spcPct val="115000"/>
               </a:lnSpc>
@@ -7246,7 +7480,7 @@
                 <a:sym typeface="Proxima Nova"/>
               </a:defRPr>
             </a:lvl7pPr>
-            <a:lvl8pPr indent="-317500" lvl="7" marL="3657600">
+            <a:lvl8pPr marL="3657600" lvl="7" indent="-317500">
               <a:lnSpc>
                 <a:spcPct val="115000"/>
               </a:lnSpc>
@@ -7272,7 +7506,7 @@
                 <a:sym typeface="Proxima Nova"/>
               </a:defRPr>
             </a:lvl8pPr>
-            <a:lvl9pPr indent="-317500" lvl="8" marL="4114800">
+            <a:lvl9pPr marL="4114800" lvl="8" indent="-317500">
               <a:lnSpc>
                 <a:spcPct val="115000"/>
               </a:lnSpc>
@@ -7299,15 +7533,19 @@
               </a:defRPr>
             </a:lvl9pPr>
           </a:lstStyle>
-          <a:p/>
+          <a:p>
+            <a:endParaRPr/>
+          </a:p>
         </p:txBody>
       </p:sp>
       <p:sp>
         <p:nvSpPr>
           <p:cNvPr id="8" name="Google Shape;8;p1"/>
-          <p:cNvSpPr txBox="1"/>
+          <p:cNvSpPr txBox="1">
+            <a:spLocks noGrp="1"/>
+          </p:cNvSpPr>
           <p:nvPr>
-            <p:ph idx="12" type="sldNum"/>
+            <p:ph type="sldNum" idx="12"/>
           </p:nvPr>
         </p:nvSpPr>
         <p:spPr>
@@ -7324,7 +7562,7 @@
           </a:ln>
         </p:spPr>
         <p:txBody>
-          <a:bodyPr anchorCtr="0" anchor="ctr" bIns="91425" lIns="91425" spcFirstLastPara="1" rIns="91425" wrap="square" tIns="91425">
+          <a:bodyPr spcFirstLastPara="1" wrap="square" lIns="91425" tIns="91425" rIns="91425" bIns="91425" anchor="ctr" anchorCtr="0">
             <a:noAutofit/>
           </a:bodyPr>
           <a:lstStyle>
@@ -7438,7 +7676,7 @@
             </a:lvl9pPr>
           </a:lstStyle>
           <a:p>
-            <a:pPr indent="0" lvl="0" marL="0" rtl="0" algn="r">
+            <a:pPr marL="0" lvl="0" indent="0" algn="r" rtl="0">
               <a:spcBef>
                 <a:spcPts val="0"/>
               </a:spcBef>
@@ -7457,7 +7695,7 @@
       </p:sp>
     </p:spTree>
   </p:cSld>
-  <p:clrMap accent1="accent1" accent2="accent2" accent3="accent3" accent4="accent4" accent5="accent5" accent6="accent6" bg1="lt1" bg2="dk2" tx1="dk1" tx2="lt2" folHlink="folHlink" hlink="hlink"/>
+  <p:clrMap bg1="lt1" tx1="dk1" bg2="dk2" tx2="lt2" accent1="accent1" accent2="accent2" accent3="accent3" accent4="accent4" accent5="accent5" accent6="accent6" hlink="hlink" folHlink="folHlink"/>
   <p:sldLayoutIdLst>
     <p:sldLayoutId id="2147483648" r:id="rId1"/>
     <p:sldLayoutId id="2147483649" r:id="rId2"/>
@@ -7471,10 +7709,10 @@
     <p:sldLayoutId id="2147483657" r:id="rId10"/>
     <p:sldLayoutId id="2147483658" r:id="rId11"/>
   </p:sldLayoutIdLst>
-  <p:hf dt="0" ftr="0" hdr="0" sldNum="0"/>
+  <p:hf sldNum="0" hdr="0" ftr="0" dt="0"/>
   <p:txStyles>
     <p:titleStyle>
-      <a:defPPr lvl="0" marR="0" rtl="0" algn="l">
+      <a:defPPr marR="0" lvl="0" algn="l" rtl="0">
         <a:lnSpc>
           <a:spcPct val="100000"/>
         </a:lnSpc>
@@ -7485,7 +7723,7 @@
           <a:spcPts val="0"/>
         </a:spcAft>
       </a:defPPr>
-      <a:lvl1pPr lvl="0" marR="0" rtl="0" algn="l">
+      <a:lvl1pPr marR="0" lvl="0" algn="l" rtl="0">
         <a:lnSpc>
           <a:spcPct val="100000"/>
         </a:lnSpc>
@@ -7499,7 +7737,7 @@
           <a:srgbClr val="000000"/>
         </a:buClr>
         <a:buFont typeface="Arial"/>
-        <a:defRPr b="0" i="0" sz="1400" u="none" cap="none" strike="noStrike">
+        <a:defRPr sz="1400" b="0" i="0" u="none" strike="noStrike" cap="none">
           <a:solidFill>
             <a:srgbClr val="000000"/>
           </a:solidFill>
@@ -7509,7 +7747,7 @@
           <a:sym typeface="Arial"/>
         </a:defRPr>
       </a:lvl1pPr>
-      <a:lvl2pPr lvl="1" marR="0" rtl="0" algn="l">
+      <a:lvl2pPr marR="0" lvl="1" algn="l" rtl="0">
         <a:lnSpc>
           <a:spcPct val="100000"/>
         </a:lnSpc>
@@ -7523,7 +7761,7 @@
           <a:srgbClr val="000000"/>
         </a:buClr>
         <a:buFont typeface="Arial"/>
-        <a:defRPr b="0" i="0" sz="1400" u="none" cap="none" strike="noStrike">
+        <a:defRPr sz="1400" b="0" i="0" u="none" strike="noStrike" cap="none">
           <a:solidFill>
             <a:srgbClr val="000000"/>
           </a:solidFill>
@@ -7533,7 +7771,7 @@
           <a:sym typeface="Arial"/>
         </a:defRPr>
       </a:lvl2pPr>
-      <a:lvl3pPr lvl="2" marR="0" rtl="0" algn="l">
+      <a:lvl3pPr marR="0" lvl="2" algn="l" rtl="0">
         <a:lnSpc>
           <a:spcPct val="100000"/>
         </a:lnSpc>
@@ -7547,7 +7785,7 @@
           <a:srgbClr val="000000"/>
         </a:buClr>
         <a:buFont typeface="Arial"/>
-        <a:defRPr b="0" i="0" sz="1400" u="none" cap="none" strike="noStrike">
+        <a:defRPr sz="1400" b="0" i="0" u="none" strike="noStrike" cap="none">
           <a:solidFill>
             <a:srgbClr val="000000"/>
           </a:solidFill>
@@ -7557,7 +7795,7 @@
           <a:sym typeface="Arial"/>
         </a:defRPr>
       </a:lvl3pPr>
-      <a:lvl4pPr lvl="3" marR="0" rtl="0" algn="l">
+      <a:lvl4pPr marR="0" lvl="3" algn="l" rtl="0">
         <a:lnSpc>
           <a:spcPct val="100000"/>
         </a:lnSpc>
@@ -7571,7 +7809,7 @@
           <a:srgbClr val="000000"/>
         </a:buClr>
         <a:buFont typeface="Arial"/>
-        <a:defRPr b="0" i="0" sz="1400" u="none" cap="none" strike="noStrike">
+        <a:defRPr sz="1400" b="0" i="0" u="none" strike="noStrike" cap="none">
           <a:solidFill>
             <a:srgbClr val="000000"/>
           </a:solidFill>
@@ -7581,7 +7819,7 @@
           <a:sym typeface="Arial"/>
         </a:defRPr>
       </a:lvl4pPr>
-      <a:lvl5pPr lvl="4" marR="0" rtl="0" algn="l">
+      <a:lvl5pPr marR="0" lvl="4" algn="l" rtl="0">
         <a:lnSpc>
           <a:spcPct val="100000"/>
         </a:lnSpc>
@@ -7595,7 +7833,7 @@
           <a:srgbClr val="000000"/>
         </a:buClr>
         <a:buFont typeface="Arial"/>
-        <a:defRPr b="0" i="0" sz="1400" u="none" cap="none" strike="noStrike">
+        <a:defRPr sz="1400" b="0" i="0" u="none" strike="noStrike" cap="none">
           <a:solidFill>
             <a:srgbClr val="000000"/>
           </a:solidFill>
@@ -7605,7 +7843,7 @@
           <a:sym typeface="Arial"/>
         </a:defRPr>
       </a:lvl5pPr>
-      <a:lvl6pPr lvl="5" marR="0" rtl="0" algn="l">
+      <a:lvl6pPr marR="0" lvl="5" algn="l" rtl="0">
         <a:lnSpc>
           <a:spcPct val="100000"/>
         </a:lnSpc>
@@ -7619,7 +7857,7 @@
           <a:srgbClr val="000000"/>
         </a:buClr>
         <a:buFont typeface="Arial"/>
-        <a:defRPr b="0" i="0" sz="1400" u="none" cap="none" strike="noStrike">
+        <a:defRPr sz="1400" b="0" i="0" u="none" strike="noStrike" cap="none">
           <a:solidFill>
             <a:srgbClr val="000000"/>
           </a:solidFill>
@@ -7629,7 +7867,7 @@
           <a:sym typeface="Arial"/>
         </a:defRPr>
       </a:lvl6pPr>
-      <a:lvl7pPr lvl="6" marR="0" rtl="0" algn="l">
+      <a:lvl7pPr marR="0" lvl="6" algn="l" rtl="0">
         <a:lnSpc>
           <a:spcPct val="100000"/>
         </a:lnSpc>
@@ -7643,7 +7881,7 @@
           <a:srgbClr val="000000"/>
         </a:buClr>
         <a:buFont typeface="Arial"/>
-        <a:defRPr b="0" i="0" sz="1400" u="none" cap="none" strike="noStrike">
+        <a:defRPr sz="1400" b="0" i="0" u="none" strike="noStrike" cap="none">
           <a:solidFill>
             <a:srgbClr val="000000"/>
           </a:solidFill>
@@ -7653,7 +7891,7 @@
           <a:sym typeface="Arial"/>
         </a:defRPr>
       </a:lvl7pPr>
-      <a:lvl8pPr lvl="7" marR="0" rtl="0" algn="l">
+      <a:lvl8pPr marR="0" lvl="7" algn="l" rtl="0">
         <a:lnSpc>
           <a:spcPct val="100000"/>
         </a:lnSpc>
@@ -7667,7 +7905,7 @@
           <a:srgbClr val="000000"/>
         </a:buClr>
         <a:buFont typeface="Arial"/>
-        <a:defRPr b="0" i="0" sz="1400" u="none" cap="none" strike="noStrike">
+        <a:defRPr sz="1400" b="0" i="0" u="none" strike="noStrike" cap="none">
           <a:solidFill>
             <a:srgbClr val="000000"/>
           </a:solidFill>
@@ -7677,7 +7915,7 @@
           <a:sym typeface="Arial"/>
         </a:defRPr>
       </a:lvl8pPr>
-      <a:lvl9pPr lvl="8" marR="0" rtl="0" algn="l">
+      <a:lvl9pPr marR="0" lvl="8" algn="l" rtl="0">
         <a:lnSpc>
           <a:spcPct val="100000"/>
         </a:lnSpc>
@@ -7691,7 +7929,7 @@
           <a:srgbClr val="000000"/>
         </a:buClr>
         <a:buFont typeface="Arial"/>
-        <a:defRPr b="0" i="0" sz="1400" u="none" cap="none" strike="noStrike">
+        <a:defRPr sz="1400" b="0" i="0" u="none" strike="noStrike" cap="none">
           <a:solidFill>
             <a:srgbClr val="000000"/>
           </a:solidFill>
@@ -7703,7 +7941,7 @@
       </a:lvl9pPr>
     </p:titleStyle>
     <p:bodyStyle>
-      <a:defPPr lvl="0" marR="0" rtl="0" algn="l">
+      <a:defPPr marR="0" lvl="0" algn="l" rtl="0">
         <a:lnSpc>
           <a:spcPct val="100000"/>
         </a:lnSpc>
@@ -7714,7 +7952,7 @@
           <a:spcPts val="0"/>
         </a:spcAft>
       </a:defPPr>
-      <a:lvl1pPr lvl="0" marR="0" rtl="0" algn="l">
+      <a:lvl1pPr marR="0" lvl="0" algn="l" rtl="0">
         <a:lnSpc>
           <a:spcPct val="100000"/>
         </a:lnSpc>
@@ -7728,7 +7966,7 @@
           <a:srgbClr val="000000"/>
         </a:buClr>
         <a:buFont typeface="Arial"/>
-        <a:defRPr b="0" i="0" sz="1400" u="none" cap="none" strike="noStrike">
+        <a:defRPr sz="1400" b="0" i="0" u="none" strike="noStrike" cap="none">
           <a:solidFill>
             <a:srgbClr val="000000"/>
           </a:solidFill>
@@ -7738,7 +7976,7 @@
           <a:sym typeface="Arial"/>
         </a:defRPr>
       </a:lvl1pPr>
-      <a:lvl2pPr lvl="1" marR="0" rtl="0" algn="l">
+      <a:lvl2pPr marR="0" lvl="1" algn="l" rtl="0">
         <a:lnSpc>
           <a:spcPct val="100000"/>
         </a:lnSpc>
@@ -7752,7 +7990,7 @@
           <a:srgbClr val="000000"/>
         </a:buClr>
         <a:buFont typeface="Arial"/>
-        <a:defRPr b="0" i="0" sz="1400" u="none" cap="none" strike="noStrike">
+        <a:defRPr sz="1400" b="0" i="0" u="none" strike="noStrike" cap="none">
           <a:solidFill>
             <a:srgbClr val="000000"/>
           </a:solidFill>
@@ -7762,7 +8000,7 @@
           <a:sym typeface="Arial"/>
         </a:defRPr>
       </a:lvl2pPr>
-      <a:lvl3pPr lvl="2" marR="0" rtl="0" algn="l">
+      <a:lvl3pPr marR="0" lvl="2" algn="l" rtl="0">
         <a:lnSpc>
           <a:spcPct val="100000"/>
         </a:lnSpc>
@@ -7776,7 +8014,7 @@
           <a:srgbClr val="000000"/>
         </a:buClr>
         <a:buFont typeface="Arial"/>
-        <a:defRPr b="0" i="0" sz="1400" u="none" cap="none" strike="noStrike">
+        <a:defRPr sz="1400" b="0" i="0" u="none" strike="noStrike" cap="none">
           <a:solidFill>
             <a:srgbClr val="000000"/>
           </a:solidFill>
@@ -7786,7 +8024,7 @@
           <a:sym typeface="Arial"/>
         </a:defRPr>
       </a:lvl3pPr>
-      <a:lvl4pPr lvl="3" marR="0" rtl="0" algn="l">
+      <a:lvl4pPr marR="0" lvl="3" algn="l" rtl="0">
         <a:lnSpc>
           <a:spcPct val="100000"/>
         </a:lnSpc>
@@ -7800,7 +8038,7 @@
           <a:srgbClr val="000000"/>
         </a:buClr>
         <a:buFont typeface="Arial"/>
-        <a:defRPr b="0" i="0" sz="1400" u="none" cap="none" strike="noStrike">
+        <a:defRPr sz="1400" b="0" i="0" u="none" strike="noStrike" cap="none">
           <a:solidFill>
             <a:srgbClr val="000000"/>
           </a:solidFill>
@@ -7810,7 +8048,7 @@
           <a:sym typeface="Arial"/>
         </a:defRPr>
       </a:lvl4pPr>
-      <a:lvl5pPr lvl="4" marR="0" rtl="0" algn="l">
+      <a:lvl5pPr marR="0" lvl="4" algn="l" rtl="0">
         <a:lnSpc>
           <a:spcPct val="100000"/>
         </a:lnSpc>
@@ -7824,7 +8062,7 @@
           <a:srgbClr val="000000"/>
         </a:buClr>
         <a:buFont typeface="Arial"/>
-        <a:defRPr b="0" i="0" sz="1400" u="none" cap="none" strike="noStrike">
+        <a:defRPr sz="1400" b="0" i="0" u="none" strike="noStrike" cap="none">
           <a:solidFill>
             <a:srgbClr val="000000"/>
           </a:solidFill>
@@ -7834,7 +8072,7 @@
           <a:sym typeface="Arial"/>
         </a:defRPr>
       </a:lvl5pPr>
-      <a:lvl6pPr lvl="5" marR="0" rtl="0" algn="l">
+      <a:lvl6pPr marR="0" lvl="5" algn="l" rtl="0">
         <a:lnSpc>
           <a:spcPct val="100000"/>
         </a:lnSpc>
@@ -7848,7 +8086,7 @@
           <a:srgbClr val="000000"/>
         </a:buClr>
         <a:buFont typeface="Arial"/>
-        <a:defRPr b="0" i="0" sz="1400" u="none" cap="none" strike="noStrike">
+        <a:defRPr sz="1400" b="0" i="0" u="none" strike="noStrike" cap="none">
           <a:solidFill>
             <a:srgbClr val="000000"/>
           </a:solidFill>
@@ -7858,7 +8096,7 @@
           <a:sym typeface="Arial"/>
         </a:defRPr>
       </a:lvl6pPr>
-      <a:lvl7pPr lvl="6" marR="0" rtl="0" algn="l">
+      <a:lvl7pPr marR="0" lvl="6" algn="l" rtl="0">
         <a:lnSpc>
           <a:spcPct val="100000"/>
         </a:lnSpc>
@@ -7872,7 +8110,7 @@
           <a:srgbClr val="000000"/>
         </a:buClr>
         <a:buFont typeface="Arial"/>
-        <a:defRPr b="0" i="0" sz="1400" u="none" cap="none" strike="noStrike">
+        <a:defRPr sz="1400" b="0" i="0" u="none" strike="noStrike" cap="none">
           <a:solidFill>
             <a:srgbClr val="000000"/>
           </a:solidFill>
@@ -7882,7 +8120,7 @@
           <a:sym typeface="Arial"/>
         </a:defRPr>
       </a:lvl7pPr>
-      <a:lvl8pPr lvl="7" marR="0" rtl="0" algn="l">
+      <a:lvl8pPr marR="0" lvl="7" algn="l" rtl="0">
         <a:lnSpc>
           <a:spcPct val="100000"/>
         </a:lnSpc>
@@ -7896,7 +8134,7 @@
           <a:srgbClr val="000000"/>
         </a:buClr>
         <a:buFont typeface="Arial"/>
-        <a:defRPr b="0" i="0" sz="1400" u="none" cap="none" strike="noStrike">
+        <a:defRPr sz="1400" b="0" i="0" u="none" strike="noStrike" cap="none">
           <a:solidFill>
             <a:srgbClr val="000000"/>
           </a:solidFill>
@@ -7906,7 +8144,7 @@
           <a:sym typeface="Arial"/>
         </a:defRPr>
       </a:lvl8pPr>
-      <a:lvl9pPr lvl="8" marR="0" rtl="0" algn="l">
+      <a:lvl9pPr marR="0" lvl="8" algn="l" rtl="0">
         <a:lnSpc>
           <a:spcPct val="100000"/>
         </a:lnSpc>
@@ -7920,7 +8158,7 @@
           <a:srgbClr val="000000"/>
         </a:buClr>
         <a:buFont typeface="Arial"/>
-        <a:defRPr b="0" i="0" sz="1400" u="none" cap="none" strike="noStrike">
+        <a:defRPr sz="1400" b="0" i="0" u="none" strike="noStrike" cap="none">
           <a:solidFill>
             <a:srgbClr val="000000"/>
           </a:solidFill>
@@ -7932,7 +8170,7 @@
       </a:lvl9pPr>
     </p:bodyStyle>
     <p:otherStyle>
-      <a:defPPr lvl="0" marR="0" rtl="0" algn="l">
+      <a:defPPr marR="0" lvl="0" algn="l" rtl="0">
         <a:lnSpc>
           <a:spcPct val="100000"/>
         </a:lnSpc>
@@ -7943,7 +8181,7 @@
           <a:spcPts val="0"/>
         </a:spcAft>
       </a:defPPr>
-      <a:lvl1pPr lvl="0" marR="0" rtl="0" algn="l">
+      <a:lvl1pPr marR="0" lvl="0" algn="l" rtl="0">
         <a:lnSpc>
           <a:spcPct val="100000"/>
         </a:lnSpc>
@@ -7957,7 +8195,7 @@
           <a:srgbClr val="000000"/>
         </a:buClr>
         <a:buFont typeface="Arial"/>
-        <a:defRPr b="0" i="0" sz="1400" u="none" cap="none" strike="noStrike">
+        <a:defRPr sz="1400" b="0" i="0" u="none" strike="noStrike" cap="none">
           <a:solidFill>
             <a:srgbClr val="000000"/>
           </a:solidFill>
@@ -7967,7 +8205,7 @@
           <a:sym typeface="Arial"/>
         </a:defRPr>
       </a:lvl1pPr>
-      <a:lvl2pPr lvl="1" marR="0" rtl="0" algn="l">
+      <a:lvl2pPr marR="0" lvl="1" algn="l" rtl="0">
         <a:lnSpc>
           <a:spcPct val="100000"/>
         </a:lnSpc>
@@ -7981,7 +8219,7 @@
           <a:srgbClr val="000000"/>
         </a:buClr>
         <a:buFont typeface="Arial"/>
-        <a:defRPr b="0" i="0" sz="1400" u="none" cap="none" strike="noStrike">
+        <a:defRPr sz="1400" b="0" i="0" u="none" strike="noStrike" cap="none">
           <a:solidFill>
             <a:srgbClr val="000000"/>
           </a:solidFill>
@@ -7991,7 +8229,7 @@
           <a:sym typeface="Arial"/>
         </a:defRPr>
       </a:lvl2pPr>
-      <a:lvl3pPr lvl="2" marR="0" rtl="0" algn="l">
+      <a:lvl3pPr marR="0" lvl="2" algn="l" rtl="0">
         <a:lnSpc>
           <a:spcPct val="100000"/>
         </a:lnSpc>
@@ -8005,7 +8243,7 @@
           <a:srgbClr val="000000"/>
         </a:buClr>
         <a:buFont typeface="Arial"/>
-        <a:defRPr b="0" i="0" sz="1400" u="none" cap="none" strike="noStrike">
+        <a:defRPr sz="1400" b="0" i="0" u="none" strike="noStrike" cap="none">
           <a:solidFill>
             <a:srgbClr val="000000"/>
           </a:solidFill>
@@ -8015,7 +8253,7 @@
           <a:sym typeface="Arial"/>
         </a:defRPr>
       </a:lvl3pPr>
-      <a:lvl4pPr lvl="3" marR="0" rtl="0" algn="l">
+      <a:lvl4pPr marR="0" lvl="3" algn="l" rtl="0">
         <a:lnSpc>
           <a:spcPct val="100000"/>
         </a:lnSpc>
@@ -8029,7 +8267,7 @@
           <a:srgbClr val="000000"/>
         </a:buClr>
         <a:buFont typeface="Arial"/>
-        <a:defRPr b="0" i="0" sz="1400" u="none" cap="none" strike="noStrike">
+        <a:defRPr sz="1400" b="0" i="0" u="none" strike="noStrike" cap="none">
           <a:solidFill>
             <a:srgbClr val="000000"/>
           </a:solidFill>
@@ -8039,7 +8277,7 @@
           <a:sym typeface="Arial"/>
         </a:defRPr>
       </a:lvl4pPr>
-      <a:lvl5pPr lvl="4" marR="0" rtl="0" algn="l">
+      <a:lvl5pPr marR="0" lvl="4" algn="l" rtl="0">
         <a:lnSpc>
           <a:spcPct val="100000"/>
         </a:lnSpc>
@@ -8053,7 +8291,7 @@
           <a:srgbClr val="000000"/>
         </a:buClr>
         <a:buFont typeface="Arial"/>
-        <a:defRPr b="0" i="0" sz="1400" u="none" cap="none" strike="noStrike">
+        <a:defRPr sz="1400" b="0" i="0" u="none" strike="noStrike" cap="none">
           <a:solidFill>
             <a:srgbClr val="000000"/>
           </a:solidFill>
@@ -8063,7 +8301,7 @@
           <a:sym typeface="Arial"/>
         </a:defRPr>
       </a:lvl5pPr>
-      <a:lvl6pPr lvl="5" marR="0" rtl="0" algn="l">
+      <a:lvl6pPr marR="0" lvl="5" algn="l" rtl="0">
         <a:lnSpc>
           <a:spcPct val="100000"/>
         </a:lnSpc>
@@ -8077,7 +8315,7 @@
           <a:srgbClr val="000000"/>
         </a:buClr>
         <a:buFont typeface="Arial"/>
-        <a:defRPr b="0" i="0" sz="1400" u="none" cap="none" strike="noStrike">
+        <a:defRPr sz="1400" b="0" i="0" u="none" strike="noStrike" cap="none">
           <a:solidFill>
             <a:srgbClr val="000000"/>
           </a:solidFill>
@@ -8087,7 +8325,7 @@
           <a:sym typeface="Arial"/>
         </a:defRPr>
       </a:lvl6pPr>
-      <a:lvl7pPr lvl="6" marR="0" rtl="0" algn="l">
+      <a:lvl7pPr marR="0" lvl="6" algn="l" rtl="0">
         <a:lnSpc>
           <a:spcPct val="100000"/>
         </a:lnSpc>
@@ -8101,7 +8339,7 @@
           <a:srgbClr val="000000"/>
         </a:buClr>
         <a:buFont typeface="Arial"/>
-        <a:defRPr b="0" i="0" sz="1400" u="none" cap="none" strike="noStrike">
+        <a:defRPr sz="1400" b="0" i="0" u="none" strike="noStrike" cap="none">
           <a:solidFill>
             <a:srgbClr val="000000"/>
           </a:solidFill>
@@ -8111,7 +8349,7 @@
           <a:sym typeface="Arial"/>
         </a:defRPr>
       </a:lvl7pPr>
-      <a:lvl8pPr lvl="7" marR="0" rtl="0" algn="l">
+      <a:lvl8pPr marR="0" lvl="7" algn="l" rtl="0">
         <a:lnSpc>
           <a:spcPct val="100000"/>
         </a:lnSpc>
@@ -8125,7 +8363,7 @@
           <a:srgbClr val="000000"/>
         </a:buClr>
         <a:buFont typeface="Arial"/>
-        <a:defRPr b="0" i="0" sz="1400" u="none" cap="none" strike="noStrike">
+        <a:defRPr sz="1400" b="0" i="0" u="none" strike="noStrike" cap="none">
           <a:solidFill>
             <a:srgbClr val="000000"/>
           </a:solidFill>
@@ -8135,7 +8373,7 @@
           <a:sym typeface="Arial"/>
         </a:defRPr>
       </a:lvl8pPr>
-      <a:lvl9pPr lvl="8" marR="0" rtl="0" algn="l">
+      <a:lvl9pPr marR="0" lvl="8" algn="l" rtl="0">
         <a:lnSpc>
           <a:spcPct val="100000"/>
         </a:lnSpc>
@@ -8149,7 +8387,7 @@
           <a:srgbClr val="000000"/>
         </a:buClr>
         <a:buFont typeface="Arial"/>
-        <a:defRPr b="0" i="0" sz="1400" u="none" cap="none" strike="noStrike">
+        <a:defRPr sz="1400" b="0" i="0" u="none" strike="noStrike" cap="none">
           <a:solidFill>
             <a:srgbClr val="000000"/>
           </a:solidFill>
@@ -8165,11 +8403,11 @@
 </file>
 
 <file path=ppt/slides/slide1.xml><?xml version="1.0" encoding="utf-8"?>
-<p:sld xmlns:a="http://schemas.openxmlformats.org/drawingml/2006/main" xmlns:r="http://schemas.openxmlformats.org/officeDocument/2006/relationships" xmlns:mc="http://schemas.openxmlformats.org/markup-compatibility/2006" xmlns:mv="urn:schemas-microsoft-com:mac:vml" xmlns:p="http://schemas.openxmlformats.org/presentationml/2006/main" xmlns:c="http://schemas.openxmlformats.org/drawingml/2006/chart" xmlns:dgm="http://schemas.openxmlformats.org/drawingml/2006/diagram" xmlns:o="urn:schemas-microsoft-com:office:office" xmlns:v="urn:schemas-microsoft-com:vml" xmlns:pvml="urn:schemas-microsoft-com:office:powerpoint" xmlns:com="http://schemas.openxmlformats.org/drawingml/2006/compatibility" xmlns:p14="http://schemas.microsoft.com/office/powerpoint/2010/main" xmlns:p15="http://schemas.microsoft.com/office/powerpoint/2012/main">
+<p:sld xmlns:a="http://schemas.openxmlformats.org/drawingml/2006/main" xmlns:r="http://schemas.openxmlformats.org/officeDocument/2006/relationships" xmlns:p="http://schemas.openxmlformats.org/presentationml/2006/main">
   <p:cSld>
     <p:spTree>
       <p:nvGrpSpPr>
-        <p:cNvPr id="58" name="Shape 58"/>
+        <p:cNvPr id="1" name="Shape 58"/>
         <p:cNvGrpSpPr/>
         <p:nvPr/>
       </p:nvGrpSpPr>
@@ -8184,49 +8422,44 @@
       <p:sp>
         <p:nvSpPr>
           <p:cNvPr id="59" name="Google Shape;59;p13"/>
-          <p:cNvSpPr txBox="1"/>
+          <p:cNvSpPr txBox="1">
+            <a:spLocks noGrp="1"/>
+          </p:cNvSpPr>
           <p:nvPr>
             <p:ph type="ctrTitle"/>
           </p:nvPr>
         </p:nvSpPr>
         <p:spPr>
           <a:xfrm>
-            <a:off x="510450" y="1257300"/>
-            <a:ext cx="8123100" cy="1588500"/>
+            <a:off x="510449" y="1257300"/>
+            <a:ext cx="8452797" cy="1588500"/>
           </a:xfrm>
           <a:prstGeom prst="rect">
             <a:avLst/>
           </a:prstGeom>
         </p:spPr>
         <p:txBody>
-          <a:bodyPr anchorCtr="0" anchor="b" bIns="91425" lIns="91425" spcFirstLastPara="1" rIns="91425" wrap="square" tIns="91425">
+          <a:bodyPr spcFirstLastPara="1" wrap="square" lIns="91425" tIns="91425" rIns="91425" bIns="91425" anchor="b" anchorCtr="0">
             <a:noAutofit/>
           </a:bodyPr>
           <a:lstStyle/>
           <a:p>
-            <a:pPr indent="0" lvl="0" marL="0" rtl="0" algn="ctr">
-              <a:spcBef>
-                <a:spcPts val="0"/>
-              </a:spcBef>
-              <a:spcAft>
-                <a:spcPts val="0"/>
-              </a:spcAft>
-              <a:buNone/>
-            </a:pPr>
-            <a:r>
-              <a:rPr lang="en" sz="4800"/>
-              <a:t>Selenium</a:t>
-            </a:r>
-            <a:endParaRPr sz="4800"/>
+            <a:r>
+              <a:rPr lang="en-US" dirty="0"/>
+              <a:t>Adding automated integration testing with Selenium and CI</a:t>
+            </a:r>
+            <a:endParaRPr sz="4800" dirty="0"/>
           </a:p>
         </p:txBody>
       </p:sp>
       <p:sp>
         <p:nvSpPr>
           <p:cNvPr id="60" name="Google Shape;60;p13"/>
-          <p:cNvSpPr txBox="1"/>
+          <p:cNvSpPr txBox="1">
+            <a:spLocks noGrp="1"/>
+          </p:cNvSpPr>
           <p:nvPr>
-            <p:ph idx="1" type="subTitle"/>
+            <p:ph type="subTitle" idx="1"/>
           </p:nvPr>
         </p:nvSpPr>
         <p:spPr>
@@ -8239,25 +8472,21 @@
           </a:prstGeom>
         </p:spPr>
         <p:txBody>
-          <a:bodyPr anchorCtr="0" anchor="t" bIns="91425" lIns="91425" spcFirstLastPara="1" rIns="91425" wrap="square" tIns="91425">
+          <a:bodyPr spcFirstLastPara="1" wrap="square" lIns="91425" tIns="91425" rIns="91425" bIns="91425" anchor="t" anchorCtr="0">
             <a:noAutofit/>
           </a:bodyPr>
           <a:lstStyle/>
           <a:p>
-            <a:pPr indent="0" lvl="0" marL="0" rtl="0" algn="ctr">
-              <a:spcBef>
-                <a:spcPts val="0"/>
-              </a:spcBef>
-              <a:spcAft>
-                <a:spcPts val="0"/>
-              </a:spcAft>
-              <a:buNone/>
-            </a:pPr>
-            <a:r>
-              <a:rPr lang="en"/>
-              <a:t> Framework for testing web apps</a:t>
-            </a:r>
-            <a:endParaRPr/>
+            <a:pPr marL="0" lvl="0" indent="0" algn="ctr" rtl="0">
+              <a:spcBef>
+                <a:spcPts val="0"/>
+              </a:spcBef>
+              <a:spcAft>
+                <a:spcPts val="0"/>
+              </a:spcAft>
+              <a:buNone/>
+            </a:pPr>
+            <a:endParaRPr dirty="0"/>
           </a:p>
         </p:txBody>
       </p:sp>
@@ -8277,8 +8506,8 @@
         </p:blipFill>
         <p:spPr>
           <a:xfrm>
-            <a:off x="1684875" y="1667196"/>
-            <a:ext cx="1302300" cy="1178600"/>
+            <a:off x="8121949" y="0"/>
+            <a:ext cx="1023202" cy="1031358"/>
           </a:xfrm>
           <a:prstGeom prst="rect">
             <a:avLst/>
@@ -8298,11 +8527,11 @@
 </file>
 
 <file path=ppt/slides/slide10.xml><?xml version="1.0" encoding="utf-8"?>
-<p:sld xmlns:a="http://schemas.openxmlformats.org/drawingml/2006/main" xmlns:r="http://schemas.openxmlformats.org/officeDocument/2006/relationships" xmlns:mc="http://schemas.openxmlformats.org/markup-compatibility/2006" xmlns:mv="urn:schemas-microsoft-com:mac:vml" xmlns:p="http://schemas.openxmlformats.org/presentationml/2006/main" xmlns:c="http://schemas.openxmlformats.org/drawingml/2006/chart" xmlns:dgm="http://schemas.openxmlformats.org/drawingml/2006/diagram" xmlns:o="urn:schemas-microsoft-com:office:office" xmlns:v="urn:schemas-microsoft-com:vml" xmlns:pvml="urn:schemas-microsoft-com:office:powerpoint" xmlns:com="http://schemas.openxmlformats.org/drawingml/2006/compatibility" xmlns:p14="http://schemas.microsoft.com/office/powerpoint/2010/main" xmlns:p15="http://schemas.microsoft.com/office/powerpoint/2012/main">
+<p:sld xmlns:a="http://schemas.openxmlformats.org/drawingml/2006/main" xmlns:r="http://schemas.openxmlformats.org/officeDocument/2006/relationships" xmlns:p="http://schemas.openxmlformats.org/presentationml/2006/main">
   <p:cSld>
     <p:spTree>
       <p:nvGrpSpPr>
-        <p:cNvPr id="144" name="Shape 144"/>
+        <p:cNvPr id="1" name="Shape 144"/>
         <p:cNvGrpSpPr/>
         <p:nvPr/>
       </p:nvGrpSpPr>
@@ -8345,7 +8574,9 @@
       <p:sp>
         <p:nvSpPr>
           <p:cNvPr id="146" name="Google Shape;146;p22"/>
-          <p:cNvSpPr txBox="1"/>
+          <p:cNvSpPr txBox="1">
+            <a:spLocks noGrp="1"/>
+          </p:cNvSpPr>
           <p:nvPr>
             <p:ph type="title"/>
           </p:nvPr>
@@ -8360,12 +8591,12 @@
           </a:prstGeom>
         </p:spPr>
         <p:txBody>
-          <a:bodyPr anchorCtr="0" anchor="t" bIns="91425" lIns="91425" spcFirstLastPara="1" rIns="91425" wrap="square" tIns="91425">
+          <a:bodyPr spcFirstLastPara="1" wrap="square" lIns="91425" tIns="91425" rIns="91425" bIns="91425" anchor="t" anchorCtr="0">
             <a:noAutofit/>
           </a:bodyPr>
           <a:lstStyle/>
           <a:p>
-            <a:pPr indent="0" lvl="0" marL="0" rtl="0" algn="l">
+            <a:pPr marL="0" lvl="0" indent="0" algn="l" rtl="0">
               <a:spcBef>
                 <a:spcPts val="0"/>
               </a:spcBef>
@@ -8385,9 +8616,11 @@
       <p:sp>
         <p:nvSpPr>
           <p:cNvPr id="147" name="Google Shape;147;p22"/>
-          <p:cNvSpPr txBox="1"/>
+          <p:cNvSpPr txBox="1">
+            <a:spLocks noGrp="1"/>
+          </p:cNvSpPr>
           <p:nvPr>
-            <p:ph idx="1" type="body"/>
+            <p:ph type="body" idx="1"/>
           </p:nvPr>
         </p:nvSpPr>
         <p:spPr>
@@ -8400,12 +8633,12 @@
           </a:prstGeom>
         </p:spPr>
         <p:txBody>
-          <a:bodyPr anchorCtr="0" anchor="t" bIns="91425" lIns="91425" spcFirstLastPara="1" rIns="91425" wrap="square" tIns="91425">
+          <a:bodyPr spcFirstLastPara="1" wrap="square" lIns="91425" tIns="91425" rIns="91425" bIns="91425" anchor="t" anchorCtr="0">
             <a:noAutofit/>
           </a:bodyPr>
           <a:lstStyle/>
           <a:p>
-            <a:pPr indent="-342900" lvl="0" marL="457200" rtl="0" algn="l">
+            <a:pPr marL="457200" lvl="0" indent="-342900" algn="l" rtl="0">
               <a:spcBef>
                 <a:spcPts val="0"/>
               </a:spcBef>
@@ -8422,7 +8655,7 @@
             <a:endParaRPr/>
           </a:p>
           <a:p>
-            <a:pPr indent="-342900" lvl="0" marL="457200" rtl="0" algn="l">
+            <a:pPr marL="457200" lvl="0" indent="-342900" algn="l" rtl="0">
               <a:spcBef>
                 <a:spcPts val="0"/>
               </a:spcBef>
@@ -8439,7 +8672,7 @@
             <a:endParaRPr/>
           </a:p>
           <a:p>
-            <a:pPr indent="-342900" lvl="0" marL="457200" rtl="0" algn="l">
+            <a:pPr marL="457200" lvl="0" indent="-342900" algn="l" rtl="0">
               <a:spcBef>
                 <a:spcPts val="0"/>
               </a:spcBef>
@@ -8456,7 +8689,7 @@
             <a:endParaRPr/>
           </a:p>
           <a:p>
-            <a:pPr indent="-342900" lvl="0" marL="457200" rtl="0" algn="l">
+            <a:pPr marL="457200" lvl="0" indent="-342900" algn="l" rtl="0">
               <a:spcBef>
                 <a:spcPts val="0"/>
               </a:spcBef>
@@ -8494,12 +8727,12 @@
           </a:ln>
         </p:spPr>
         <p:txBody>
-          <a:bodyPr anchorCtr="0" anchor="t" bIns="91425" lIns="91425" spcFirstLastPara="1" rIns="91425" wrap="square" tIns="91425">
+          <a:bodyPr spcFirstLastPara="1" wrap="square" lIns="91425" tIns="91425" rIns="91425" bIns="91425" anchor="t" anchorCtr="0">
             <a:noAutofit/>
           </a:bodyPr>
           <a:lstStyle/>
           <a:p>
-            <a:pPr indent="0" lvl="0" marL="0" rtl="0" algn="l">
+            <a:pPr marL="0" lvl="0" indent="0" algn="l" rtl="0">
               <a:lnSpc>
                 <a:spcPct val="115000"/>
               </a:lnSpc>
@@ -8586,12 +8819,12 @@
           </a:ln>
         </p:spPr>
         <p:txBody>
-          <a:bodyPr anchorCtr="0" anchor="t" bIns="91425" lIns="91425" spcFirstLastPara="1" rIns="91425" wrap="square" tIns="91425">
+          <a:bodyPr spcFirstLastPara="1" wrap="square" lIns="91425" tIns="91425" rIns="91425" bIns="91425" anchor="t" anchorCtr="0">
             <a:noAutofit/>
           </a:bodyPr>
           <a:lstStyle/>
           <a:p>
-            <a:pPr indent="0" lvl="0" marL="0" rtl="0" algn="l">
+            <a:pPr marL="0" lvl="0" indent="0" algn="l" rtl="0">
               <a:spcBef>
                 <a:spcPts val="0"/>
               </a:spcBef>
@@ -8627,11 +8860,11 @@
 </file>
 
 <file path=ppt/slides/slide11.xml><?xml version="1.0" encoding="utf-8"?>
-<p:sld xmlns:a="http://schemas.openxmlformats.org/drawingml/2006/main" xmlns:r="http://schemas.openxmlformats.org/officeDocument/2006/relationships" xmlns:mc="http://schemas.openxmlformats.org/markup-compatibility/2006" xmlns:mv="urn:schemas-microsoft-com:mac:vml" xmlns:p="http://schemas.openxmlformats.org/presentationml/2006/main" xmlns:c="http://schemas.openxmlformats.org/drawingml/2006/chart" xmlns:dgm="http://schemas.openxmlformats.org/drawingml/2006/diagram" xmlns:o="urn:schemas-microsoft-com:office:office" xmlns:v="urn:schemas-microsoft-com:vml" xmlns:pvml="urn:schemas-microsoft-com:office:powerpoint" xmlns:com="http://schemas.openxmlformats.org/drawingml/2006/compatibility" xmlns:p14="http://schemas.microsoft.com/office/powerpoint/2010/main" xmlns:p15="http://schemas.microsoft.com/office/powerpoint/2012/main">
+<p:sld xmlns:a="http://schemas.openxmlformats.org/drawingml/2006/main" xmlns:r="http://schemas.openxmlformats.org/officeDocument/2006/relationships" xmlns:p="http://schemas.openxmlformats.org/presentationml/2006/main">
   <p:cSld>
     <p:spTree>
       <p:nvGrpSpPr>
-        <p:cNvPr id="154" name="Shape 154"/>
+        <p:cNvPr id="1" name="Shape 154"/>
         <p:cNvGrpSpPr/>
         <p:nvPr/>
       </p:nvGrpSpPr>
@@ -8646,7 +8879,9 @@
       <p:sp>
         <p:nvSpPr>
           <p:cNvPr id="155" name="Google Shape;155;p23"/>
-          <p:cNvSpPr txBox="1"/>
+          <p:cNvSpPr txBox="1">
+            <a:spLocks noGrp="1"/>
+          </p:cNvSpPr>
           <p:nvPr>
             <p:ph type="title"/>
           </p:nvPr>
@@ -8661,12 +8896,12 @@
           </a:prstGeom>
         </p:spPr>
         <p:txBody>
-          <a:bodyPr anchorCtr="0" anchor="t" bIns="91425" lIns="91425" spcFirstLastPara="1" rIns="91425" wrap="square" tIns="91425">
+          <a:bodyPr spcFirstLastPara="1" wrap="square" lIns="91425" tIns="91425" rIns="91425" bIns="91425" anchor="t" anchorCtr="0">
             <a:noAutofit/>
           </a:bodyPr>
           <a:lstStyle/>
           <a:p>
-            <a:pPr indent="0" lvl="0" marL="0" rtl="0" algn="l">
+            <a:pPr marL="0" lvl="0" indent="0" algn="l" rtl="0">
               <a:spcBef>
                 <a:spcPts val="0"/>
               </a:spcBef>
@@ -8686,9 +8921,11 @@
       <p:sp>
         <p:nvSpPr>
           <p:cNvPr id="156" name="Google Shape;156;p23"/>
-          <p:cNvSpPr txBox="1"/>
+          <p:cNvSpPr txBox="1">
+            <a:spLocks noGrp="1"/>
+          </p:cNvSpPr>
           <p:nvPr>
-            <p:ph idx="1" type="body"/>
+            <p:ph type="body" idx="1"/>
           </p:nvPr>
         </p:nvSpPr>
         <p:spPr>
@@ -8701,12 +8938,12 @@
           </a:prstGeom>
         </p:spPr>
         <p:txBody>
-          <a:bodyPr anchorCtr="0" anchor="t" bIns="91425" lIns="91425" spcFirstLastPara="1" rIns="91425" wrap="square" tIns="91425">
+          <a:bodyPr spcFirstLastPara="1" wrap="square" lIns="91425" tIns="91425" rIns="91425" bIns="91425" anchor="t" anchorCtr="0">
             <a:noAutofit/>
           </a:bodyPr>
           <a:lstStyle/>
           <a:p>
-            <a:pPr indent="-342900" lvl="0" marL="457200" rtl="0" algn="l">
+            <a:pPr marL="457200" lvl="0" indent="-342900" algn="l" rtl="0">
               <a:spcBef>
                 <a:spcPts val="0"/>
               </a:spcBef>
@@ -8723,7 +8960,7 @@
             <a:endParaRPr/>
           </a:p>
           <a:p>
-            <a:pPr indent="-342900" lvl="0" marL="457200" rtl="0" algn="l">
+            <a:pPr marL="457200" lvl="0" indent="-342900" algn="l" rtl="0">
               <a:spcBef>
                 <a:spcPts val="0"/>
               </a:spcBef>
@@ -8735,16 +8972,12 @@
             </a:pPr>
             <a:r>
               <a:rPr lang="en"/>
-              <a:t>O</a:t>
-            </a:r>
-            <a:r>
-              <a:rPr lang="en"/>
-              <a:t>vercame the problem with Selenium Core which is first tool of selenium</a:t>
+              <a:t>Overcame the problem with Selenium Core which is first tool of selenium</a:t>
             </a:r>
             <a:endParaRPr/>
           </a:p>
           <a:p>
-            <a:pPr indent="-342900" lvl="0" marL="457200" rtl="0" algn="l">
+            <a:pPr marL="457200" lvl="0" indent="-342900" algn="l" rtl="0">
               <a:spcBef>
                 <a:spcPts val="0"/>
               </a:spcBef>
@@ -8761,7 +8994,7 @@
             <a:endParaRPr/>
           </a:p>
           <a:p>
-            <a:pPr indent="-317500" lvl="1" marL="914400" rtl="0" algn="l">
+            <a:pPr marL="914400" lvl="1" indent="-317500" algn="l" rtl="0">
               <a:spcBef>
                 <a:spcPts val="0"/>
               </a:spcBef>
@@ -8778,7 +9011,7 @@
             <a:endParaRPr/>
           </a:p>
           <a:p>
-            <a:pPr indent="-317500" lvl="1" marL="914400" rtl="0" algn="l">
+            <a:pPr marL="914400" lvl="1" indent="-317500" algn="l" rtl="0">
               <a:spcBef>
                 <a:spcPts val="0"/>
               </a:spcBef>
@@ -8795,7 +9028,7 @@
             <a:endParaRPr/>
           </a:p>
           <a:p>
-            <a:pPr indent="-342900" lvl="0" marL="457200" rtl="0" algn="l">
+            <a:pPr marL="457200" lvl="0" indent="-342900" algn="l" rtl="0">
               <a:spcBef>
                 <a:spcPts val="0"/>
               </a:spcBef>
@@ -8812,7 +9045,7 @@
             <a:endParaRPr/>
           </a:p>
           <a:p>
-            <a:pPr indent="0" lvl="0" marL="0" rtl="0" algn="l">
+            <a:pPr marL="0" lvl="0" indent="0" algn="l" rtl="0">
               <a:spcBef>
                 <a:spcPts val="1600"/>
               </a:spcBef>
@@ -8821,13 +9054,10 @@
               </a:spcAft>
               <a:buNone/>
             </a:pPr>
-            <a:r>
-              <a:t/>
-            </a:r>
             <a:endParaRPr/>
           </a:p>
           <a:p>
-            <a:pPr indent="0" lvl="0" marL="0" rtl="0" algn="l">
+            <a:pPr marL="0" lvl="0" indent="0" algn="l" rtl="0">
               <a:spcBef>
                 <a:spcPts val="1600"/>
               </a:spcBef>
@@ -8836,9 +9066,6 @@
               </a:spcAft>
               <a:buNone/>
             </a:pPr>
-            <a:r>
-              <a:t/>
-            </a:r>
             <a:endParaRPr/>
           </a:p>
         </p:txBody>
@@ -8891,12 +9118,12 @@
           </a:ln>
         </p:spPr>
         <p:txBody>
-          <a:bodyPr anchorCtr="0" anchor="t" bIns="91425" lIns="91425" spcFirstLastPara="1" rIns="91425" wrap="square" tIns="91425">
+          <a:bodyPr spcFirstLastPara="1" wrap="square" lIns="91425" tIns="91425" rIns="91425" bIns="91425" anchor="t" anchorCtr="0">
             <a:noAutofit/>
           </a:bodyPr>
           <a:lstStyle/>
           <a:p>
-            <a:pPr indent="0" lvl="0" marL="0" rtl="0" algn="l">
+            <a:pPr marL="0" lvl="0" indent="0" algn="l" rtl="0">
               <a:lnSpc>
                 <a:spcPct val="115000"/>
               </a:lnSpc>
@@ -8926,7 +9153,7 @@
                 <a:solidFill>
                   <a:schemeClr val="accent5"/>
                 </a:solidFill>
-                <a:hlinkClick r:id="rId5"/>
+                <a:hlinkClick r:id="rId4"/>
               </a:rPr>
               <a:t>https://www.edureka.co/blog/what-is-selenium/#SeleniumQTPRFT</a:t>
             </a:r>
@@ -8939,7 +9166,7 @@
                 <a:ea typeface="Times New Roman"/>
                 <a:cs typeface="Times New Roman"/>
                 <a:sym typeface="Times New Roman"/>
-                <a:hlinkClick r:id="rId6"/>
+                <a:hlinkClick r:id="rId4"/>
               </a:rPr>
               <a:t>)</a:t>
             </a:r>
@@ -8972,12 +9199,12 @@
           </a:ln>
         </p:spPr>
         <p:txBody>
-          <a:bodyPr anchorCtr="0" anchor="t" bIns="91425" lIns="91425" spcFirstLastPara="1" rIns="91425" wrap="square" tIns="91425">
+          <a:bodyPr spcFirstLastPara="1" wrap="square" lIns="91425" tIns="91425" rIns="91425" bIns="91425" anchor="t" anchorCtr="0">
             <a:noAutofit/>
           </a:bodyPr>
           <a:lstStyle/>
           <a:p>
-            <a:pPr indent="0" lvl="0" marL="0" rtl="0" algn="l">
+            <a:pPr marL="0" lvl="0" indent="0" algn="l" rtl="0">
               <a:spcBef>
                 <a:spcPts val="0"/>
               </a:spcBef>
@@ -9013,11 +9240,11 @@
 </file>
 
 <file path=ppt/slides/slide12.xml><?xml version="1.0" encoding="utf-8"?>
-<p:sld xmlns:a="http://schemas.openxmlformats.org/drawingml/2006/main" xmlns:r="http://schemas.openxmlformats.org/officeDocument/2006/relationships" xmlns:mc="http://schemas.openxmlformats.org/markup-compatibility/2006" xmlns:mv="urn:schemas-microsoft-com:mac:vml" xmlns:p="http://schemas.openxmlformats.org/presentationml/2006/main" xmlns:c="http://schemas.openxmlformats.org/drawingml/2006/chart" xmlns:dgm="http://schemas.openxmlformats.org/drawingml/2006/diagram" xmlns:o="urn:schemas-microsoft-com:office:office" xmlns:v="urn:schemas-microsoft-com:vml" xmlns:pvml="urn:schemas-microsoft-com:office:powerpoint" xmlns:com="http://schemas.openxmlformats.org/drawingml/2006/compatibility" xmlns:p14="http://schemas.microsoft.com/office/powerpoint/2010/main" xmlns:p15="http://schemas.microsoft.com/office/powerpoint/2012/main">
+<p:sld xmlns:a="http://schemas.openxmlformats.org/drawingml/2006/main" xmlns:r="http://schemas.openxmlformats.org/officeDocument/2006/relationships" xmlns:p="http://schemas.openxmlformats.org/presentationml/2006/main">
   <p:cSld>
     <p:spTree>
       <p:nvGrpSpPr>
-        <p:cNvPr id="163" name="Shape 163"/>
+        <p:cNvPr id="1" name="Shape 163"/>
         <p:cNvGrpSpPr/>
         <p:nvPr/>
       </p:nvGrpSpPr>
@@ -9032,7 +9259,9 @@
       <p:sp>
         <p:nvSpPr>
           <p:cNvPr id="164" name="Google Shape;164;p24"/>
-          <p:cNvSpPr txBox="1"/>
+          <p:cNvSpPr txBox="1">
+            <a:spLocks noGrp="1"/>
+          </p:cNvSpPr>
           <p:nvPr>
             <p:ph type="title"/>
           </p:nvPr>
@@ -9047,12 +9276,12 @@
           </a:prstGeom>
         </p:spPr>
         <p:txBody>
-          <a:bodyPr anchorCtr="0" anchor="t" bIns="91425" lIns="91425" spcFirstLastPara="1" rIns="91425" wrap="square" tIns="91425">
+          <a:bodyPr spcFirstLastPara="1" wrap="square" lIns="91425" tIns="91425" rIns="91425" bIns="91425" anchor="t" anchorCtr="0">
             <a:noAutofit/>
           </a:bodyPr>
           <a:lstStyle/>
           <a:p>
-            <a:pPr indent="0" lvl="0" marL="0" rtl="0" algn="l">
+            <a:pPr marL="0" lvl="0" indent="0" algn="l" rtl="0">
               <a:spcBef>
                 <a:spcPts val="0"/>
               </a:spcBef>
@@ -9072,9 +9301,11 @@
       <p:sp>
         <p:nvSpPr>
           <p:cNvPr id="165" name="Google Shape;165;p24"/>
-          <p:cNvSpPr txBox="1"/>
+          <p:cNvSpPr txBox="1">
+            <a:spLocks noGrp="1"/>
+          </p:cNvSpPr>
           <p:nvPr>
-            <p:ph idx="1" type="body"/>
+            <p:ph type="body" idx="1"/>
           </p:nvPr>
         </p:nvSpPr>
         <p:spPr>
@@ -9087,12 +9318,12 @@
           </a:prstGeom>
         </p:spPr>
         <p:txBody>
-          <a:bodyPr anchorCtr="0" anchor="t" bIns="91425" lIns="91425" spcFirstLastPara="1" rIns="91425" wrap="square" tIns="91425">
+          <a:bodyPr spcFirstLastPara="1" wrap="square" lIns="91425" tIns="91425" rIns="91425" bIns="91425" anchor="t" anchorCtr="0">
             <a:noAutofit/>
           </a:bodyPr>
           <a:lstStyle/>
           <a:p>
-            <a:pPr indent="-342900" lvl="0" marL="457200" rtl="0" algn="l">
+            <a:pPr marL="457200" lvl="0" indent="-342900" algn="l" rtl="0">
               <a:spcBef>
                 <a:spcPts val="0"/>
               </a:spcBef>
@@ -9109,7 +9340,7 @@
             <a:endParaRPr/>
           </a:p>
           <a:p>
-            <a:pPr indent="-342900" lvl="0" marL="457200" rtl="0" algn="l">
+            <a:pPr marL="457200" lvl="0" indent="-342900" algn="l" rtl="0">
               <a:spcBef>
                 <a:spcPts val="0"/>
               </a:spcBef>
@@ -9126,7 +9357,7 @@
             <a:endParaRPr/>
           </a:p>
           <a:p>
-            <a:pPr indent="-342900" lvl="0" marL="457200" rtl="0" algn="l">
+            <a:pPr marL="457200" lvl="0" indent="-342900" algn="l" rtl="0">
               <a:spcBef>
                 <a:spcPts val="0"/>
               </a:spcBef>
@@ -9143,7 +9374,7 @@
             <a:endParaRPr/>
           </a:p>
           <a:p>
-            <a:pPr indent="-342900" lvl="0" marL="457200" rtl="0" algn="l">
+            <a:pPr marL="457200" lvl="0" indent="-342900" algn="l" rtl="0">
               <a:spcBef>
                 <a:spcPts val="0"/>
               </a:spcBef>
@@ -9160,7 +9391,7 @@
             <a:endParaRPr/>
           </a:p>
           <a:p>
-            <a:pPr indent="-342900" lvl="0" marL="457200" rtl="0" algn="l">
+            <a:pPr marL="457200" lvl="0" indent="-342900" algn="l" rtl="0">
               <a:spcBef>
                 <a:spcPts val="0"/>
               </a:spcBef>
@@ -9177,7 +9408,7 @@
             <a:endParaRPr/>
           </a:p>
           <a:p>
-            <a:pPr indent="-342900" lvl="0" marL="457200" rtl="0" algn="l">
+            <a:pPr marL="457200" lvl="0" indent="-342900" algn="l" rtl="0">
               <a:spcBef>
                 <a:spcPts val="0"/>
               </a:spcBef>
@@ -9194,7 +9425,7 @@
             <a:endParaRPr/>
           </a:p>
           <a:p>
-            <a:pPr indent="-342900" lvl="0" marL="457200" rtl="0" algn="l">
+            <a:pPr marL="457200" lvl="0" indent="-342900" algn="l" rtl="0">
               <a:spcBef>
                 <a:spcPts val="0"/>
               </a:spcBef>
@@ -9211,7 +9442,7 @@
             <a:endParaRPr/>
           </a:p>
           <a:p>
-            <a:pPr indent="0" lvl="0" marL="457200" rtl="0" algn="l">
+            <a:pPr marL="457200" lvl="0" indent="0" algn="l" rtl="0">
               <a:spcBef>
                 <a:spcPts val="1600"/>
               </a:spcBef>
@@ -9220,9 +9451,6 @@
               </a:spcAft>
               <a:buNone/>
             </a:pPr>
-            <a:r>
-              <a:t/>
-            </a:r>
             <a:endParaRPr/>
           </a:p>
         </p:txBody>
@@ -9275,12 +9503,12 @@
           </a:ln>
         </p:spPr>
         <p:txBody>
-          <a:bodyPr anchorCtr="0" anchor="t" bIns="91425" lIns="91425" spcFirstLastPara="1" rIns="91425" wrap="square" tIns="91425">
+          <a:bodyPr spcFirstLastPara="1" wrap="square" lIns="91425" tIns="91425" rIns="91425" bIns="91425" anchor="t" anchorCtr="0">
             <a:noAutofit/>
           </a:bodyPr>
           <a:lstStyle/>
           <a:p>
-            <a:pPr indent="0" lvl="0" marL="0" rtl="0" algn="l">
+            <a:pPr marL="0" lvl="0" indent="0" algn="l" rtl="0">
               <a:lnSpc>
                 <a:spcPct val="115000"/>
               </a:lnSpc>
@@ -9310,7 +9538,7 @@
                 <a:solidFill>
                   <a:schemeClr val="accent5"/>
                 </a:solidFill>
-                <a:hlinkClick r:id="rId5"/>
+                <a:hlinkClick r:id="rId4"/>
               </a:rPr>
               <a:t>https://www.edureka.co/blog/what-is-selenium/#SeleniumQTPRFT</a:t>
             </a:r>
@@ -9323,7 +9551,7 @@
                 <a:ea typeface="Times New Roman"/>
                 <a:cs typeface="Times New Roman"/>
                 <a:sym typeface="Times New Roman"/>
-                <a:hlinkClick r:id="rId6"/>
+                <a:hlinkClick r:id="rId4"/>
               </a:rPr>
               <a:t>)</a:t>
             </a:r>
@@ -9356,12 +9584,12 @@
           </a:ln>
         </p:spPr>
         <p:txBody>
-          <a:bodyPr anchorCtr="0" anchor="t" bIns="91425" lIns="91425" spcFirstLastPara="1" rIns="91425" wrap="square" tIns="91425">
+          <a:bodyPr spcFirstLastPara="1" wrap="square" lIns="91425" tIns="91425" rIns="91425" bIns="91425" anchor="t" anchorCtr="0">
             <a:noAutofit/>
           </a:bodyPr>
           <a:lstStyle/>
           <a:p>
-            <a:pPr indent="0" lvl="0" marL="0" rtl="0" algn="l">
+            <a:pPr marL="0" lvl="0" indent="0" algn="l" rtl="0">
               <a:spcBef>
                 <a:spcPts val="0"/>
               </a:spcBef>
@@ -9397,11 +9625,11 @@
 </file>
 
 <file path=ppt/slides/slide13.xml><?xml version="1.0" encoding="utf-8"?>
-<p:sld xmlns:a="http://schemas.openxmlformats.org/drawingml/2006/main" xmlns:r="http://schemas.openxmlformats.org/officeDocument/2006/relationships" xmlns:mc="http://schemas.openxmlformats.org/markup-compatibility/2006" xmlns:mv="urn:schemas-microsoft-com:mac:vml" xmlns:p="http://schemas.openxmlformats.org/presentationml/2006/main" xmlns:c="http://schemas.openxmlformats.org/drawingml/2006/chart" xmlns:dgm="http://schemas.openxmlformats.org/drawingml/2006/diagram" xmlns:o="urn:schemas-microsoft-com:office:office" xmlns:v="urn:schemas-microsoft-com:vml" xmlns:pvml="urn:schemas-microsoft-com:office:powerpoint" xmlns:com="http://schemas.openxmlformats.org/drawingml/2006/compatibility" xmlns:p14="http://schemas.microsoft.com/office/powerpoint/2010/main" xmlns:p15="http://schemas.microsoft.com/office/powerpoint/2012/main">
+<p:sld xmlns:a="http://schemas.openxmlformats.org/drawingml/2006/main" xmlns:r="http://schemas.openxmlformats.org/officeDocument/2006/relationships" xmlns:p="http://schemas.openxmlformats.org/presentationml/2006/main">
   <p:cSld>
     <p:spTree>
       <p:nvGrpSpPr>
-        <p:cNvPr id="172" name="Shape 172"/>
+        <p:cNvPr id="1" name="Shape 172"/>
         <p:cNvGrpSpPr/>
         <p:nvPr/>
       </p:nvGrpSpPr>
@@ -9416,7 +9644,9 @@
       <p:sp>
         <p:nvSpPr>
           <p:cNvPr id="173" name="Google Shape;173;p25"/>
-          <p:cNvSpPr txBox="1"/>
+          <p:cNvSpPr txBox="1">
+            <a:spLocks noGrp="1"/>
+          </p:cNvSpPr>
           <p:nvPr>
             <p:ph type="title"/>
           </p:nvPr>
@@ -9431,12 +9661,12 @@
           </a:prstGeom>
         </p:spPr>
         <p:txBody>
-          <a:bodyPr anchorCtr="0" anchor="t" bIns="91425" lIns="91425" spcFirstLastPara="1" rIns="91425" wrap="square" tIns="91425">
+          <a:bodyPr spcFirstLastPara="1" wrap="square" lIns="91425" tIns="91425" rIns="91425" bIns="91425" anchor="t" anchorCtr="0">
             <a:noAutofit/>
           </a:bodyPr>
           <a:lstStyle/>
           <a:p>
-            <a:pPr indent="0" lvl="0" marL="0" rtl="0" algn="l">
+            <a:pPr marL="0" lvl="0" indent="0" algn="l" rtl="0">
               <a:spcBef>
                 <a:spcPts val="0"/>
               </a:spcBef>
@@ -9456,9 +9686,11 @@
       <p:sp>
         <p:nvSpPr>
           <p:cNvPr id="174" name="Google Shape;174;p25"/>
-          <p:cNvSpPr txBox="1"/>
+          <p:cNvSpPr txBox="1">
+            <a:spLocks noGrp="1"/>
+          </p:cNvSpPr>
           <p:nvPr>
-            <p:ph idx="1" type="body"/>
+            <p:ph type="body" idx="1"/>
           </p:nvPr>
         </p:nvSpPr>
         <p:spPr>
@@ -9471,12 +9703,12 @@
           </a:prstGeom>
         </p:spPr>
         <p:txBody>
-          <a:bodyPr anchorCtr="0" anchor="t" bIns="91425" lIns="91425" spcFirstLastPara="1" rIns="91425" wrap="square" tIns="91425">
+          <a:bodyPr spcFirstLastPara="1" wrap="square" lIns="91425" tIns="91425" rIns="91425" bIns="91425" anchor="t" anchorCtr="0">
             <a:noAutofit/>
           </a:bodyPr>
           <a:lstStyle/>
           <a:p>
-            <a:pPr indent="-342900" lvl="0" marL="457200" rtl="0" algn="l">
+            <a:pPr marL="457200" lvl="0" indent="-342900" algn="l" rtl="0">
               <a:spcBef>
                 <a:spcPts val="0"/>
               </a:spcBef>
@@ -9493,7 +9725,7 @@
             <a:endParaRPr/>
           </a:p>
           <a:p>
-            <a:pPr indent="-342900" lvl="0" marL="457200" rtl="0" algn="l">
+            <a:pPr marL="457200" lvl="0" indent="-342900" algn="l" rtl="0">
               <a:spcBef>
                 <a:spcPts val="0"/>
               </a:spcBef>
@@ -9510,7 +9742,7 @@
             <a:endParaRPr/>
           </a:p>
           <a:p>
-            <a:pPr indent="-342900" lvl="0" marL="457200" rtl="0" algn="l">
+            <a:pPr marL="457200" lvl="0" indent="-342900" algn="l" rtl="0">
               <a:spcBef>
                 <a:spcPts val="0"/>
               </a:spcBef>
@@ -9527,7 +9759,7 @@
             <a:endParaRPr/>
           </a:p>
           <a:p>
-            <a:pPr indent="-342900" lvl="0" marL="457200" rtl="0" algn="l">
+            <a:pPr marL="457200" lvl="0" indent="-342900" algn="l" rtl="0">
               <a:spcBef>
                 <a:spcPts val="0"/>
               </a:spcBef>
@@ -9544,7 +9776,7 @@
             <a:endParaRPr/>
           </a:p>
           <a:p>
-            <a:pPr indent="0" lvl="0" marL="0" rtl="0" algn="l">
+            <a:pPr marL="0" lvl="0" indent="0" algn="l" rtl="0">
               <a:spcBef>
                 <a:spcPts val="1600"/>
               </a:spcBef>
@@ -9553,9 +9785,6 @@
               </a:spcAft>
               <a:buNone/>
             </a:pPr>
-            <a:r>
-              <a:t/>
-            </a:r>
             <a:endParaRPr/>
           </a:p>
         </p:txBody>
@@ -9636,12 +9865,12 @@
           </a:ln>
         </p:spPr>
         <p:txBody>
-          <a:bodyPr anchorCtr="0" anchor="t" bIns="91425" lIns="91425" spcFirstLastPara="1" rIns="91425" wrap="square" tIns="91425">
+          <a:bodyPr spcFirstLastPara="1" wrap="square" lIns="91425" tIns="91425" rIns="91425" bIns="91425" anchor="t" anchorCtr="0">
             <a:noAutofit/>
           </a:bodyPr>
           <a:lstStyle/>
           <a:p>
-            <a:pPr indent="0" lvl="0" marL="0" rtl="0" algn="l">
+            <a:pPr marL="0" lvl="0" indent="0" algn="l" rtl="0">
               <a:lnSpc>
                 <a:spcPct val="115000"/>
               </a:lnSpc>
@@ -9671,7 +9900,7 @@
                 <a:solidFill>
                   <a:schemeClr val="accent5"/>
                 </a:solidFill>
-                <a:hlinkClick r:id="rId6"/>
+                <a:hlinkClick r:id="rId5"/>
               </a:rPr>
               <a:t>https://www.edureka.co/blog/what-is-selenium/#SeleniumQTPRFT</a:t>
             </a:r>
@@ -9684,7 +9913,7 @@
                 <a:ea typeface="Times New Roman"/>
                 <a:cs typeface="Times New Roman"/>
                 <a:sym typeface="Times New Roman"/>
-                <a:hlinkClick r:id="rId7"/>
+                <a:hlinkClick r:id="rId5"/>
               </a:rPr>
               <a:t>)</a:t>
             </a:r>
@@ -9717,12 +9946,12 @@
           </a:ln>
         </p:spPr>
         <p:txBody>
-          <a:bodyPr anchorCtr="0" anchor="t" bIns="91425" lIns="91425" spcFirstLastPara="1" rIns="91425" wrap="square" tIns="91425">
+          <a:bodyPr spcFirstLastPara="1" wrap="square" lIns="91425" tIns="91425" rIns="91425" bIns="91425" anchor="t" anchorCtr="0">
             <a:noAutofit/>
           </a:bodyPr>
           <a:lstStyle/>
           <a:p>
-            <a:pPr indent="0" lvl="0" marL="0" rtl="0" algn="l">
+            <a:pPr marL="0" lvl="0" indent="0" algn="l" rtl="0">
               <a:spcBef>
                 <a:spcPts val="0"/>
               </a:spcBef>
@@ -9758,11 +9987,11 @@
 </file>
 
 <file path=ppt/slides/slide14.xml><?xml version="1.0" encoding="utf-8"?>
-<p:sld xmlns:a="http://schemas.openxmlformats.org/drawingml/2006/main" xmlns:r="http://schemas.openxmlformats.org/officeDocument/2006/relationships" xmlns:mc="http://schemas.openxmlformats.org/markup-compatibility/2006" xmlns:mv="urn:schemas-microsoft-com:mac:vml" xmlns:p="http://schemas.openxmlformats.org/presentationml/2006/main" xmlns:c="http://schemas.openxmlformats.org/drawingml/2006/chart" xmlns:dgm="http://schemas.openxmlformats.org/drawingml/2006/diagram" xmlns:o="urn:schemas-microsoft-com:office:office" xmlns:v="urn:schemas-microsoft-com:vml" xmlns:pvml="urn:schemas-microsoft-com:office:powerpoint" xmlns:com="http://schemas.openxmlformats.org/drawingml/2006/compatibility" xmlns:p14="http://schemas.microsoft.com/office/powerpoint/2010/main" xmlns:p15="http://schemas.microsoft.com/office/powerpoint/2012/main">
+<p:sld xmlns:a="http://schemas.openxmlformats.org/drawingml/2006/main" xmlns:r="http://schemas.openxmlformats.org/officeDocument/2006/relationships" xmlns:p="http://schemas.openxmlformats.org/presentationml/2006/main">
   <p:cSld>
     <p:spTree>
       <p:nvGrpSpPr>
-        <p:cNvPr id="182" name="Shape 182"/>
+        <p:cNvPr id="1" name="Shape 182"/>
         <p:cNvGrpSpPr/>
         <p:nvPr/>
       </p:nvGrpSpPr>
@@ -9777,7 +10006,9 @@
       <p:sp>
         <p:nvSpPr>
           <p:cNvPr id="183" name="Google Shape;183;p26"/>
-          <p:cNvSpPr txBox="1"/>
+          <p:cNvSpPr txBox="1">
+            <a:spLocks noGrp="1"/>
+          </p:cNvSpPr>
           <p:nvPr>
             <p:ph type="title"/>
           </p:nvPr>
@@ -9792,12 +10023,12 @@
           </a:prstGeom>
         </p:spPr>
         <p:txBody>
-          <a:bodyPr anchorCtr="0" anchor="t" bIns="91425" lIns="91425" spcFirstLastPara="1" rIns="91425" wrap="square" tIns="91425">
+          <a:bodyPr spcFirstLastPara="1" wrap="square" lIns="91425" tIns="91425" rIns="91425" bIns="91425" anchor="t" anchorCtr="0">
             <a:noAutofit/>
           </a:bodyPr>
           <a:lstStyle/>
           <a:p>
-            <a:pPr indent="0" lvl="0" marL="0" rtl="0" algn="l">
+            <a:pPr marL="0" lvl="0" indent="0" algn="l" rtl="0">
               <a:spcBef>
                 <a:spcPts val="0"/>
               </a:spcBef>
@@ -9817,9 +10048,11 @@
       <p:sp>
         <p:nvSpPr>
           <p:cNvPr id="184" name="Google Shape;184;p26"/>
-          <p:cNvSpPr txBox="1"/>
+          <p:cNvSpPr txBox="1">
+            <a:spLocks noGrp="1"/>
+          </p:cNvSpPr>
           <p:nvPr>
-            <p:ph idx="1" type="body"/>
+            <p:ph type="body" idx="1"/>
           </p:nvPr>
         </p:nvSpPr>
         <p:spPr>
@@ -9832,12 +10065,12 @@
           </a:prstGeom>
         </p:spPr>
         <p:txBody>
-          <a:bodyPr anchorCtr="0" anchor="t" bIns="91425" lIns="91425" spcFirstLastPara="1" rIns="91425" wrap="square" tIns="91425">
+          <a:bodyPr spcFirstLastPara="1" wrap="square" lIns="91425" tIns="91425" rIns="91425" bIns="91425" anchor="t" anchorCtr="0">
             <a:noAutofit/>
           </a:bodyPr>
           <a:lstStyle/>
           <a:p>
-            <a:pPr indent="-342900" lvl="0" marL="457200" rtl="0" algn="l">
+            <a:pPr marL="457200" lvl="0" indent="-342900" algn="l" rtl="0">
               <a:spcBef>
                 <a:spcPts val="0"/>
               </a:spcBef>
@@ -9854,7 +10087,7 @@
             <a:endParaRPr/>
           </a:p>
           <a:p>
-            <a:pPr indent="-342900" lvl="0" marL="457200" rtl="0" algn="l">
+            <a:pPr marL="457200" lvl="0" indent="-342900" algn="l" rtl="0">
               <a:spcBef>
                 <a:spcPts val="0"/>
               </a:spcBef>
@@ -9871,7 +10104,7 @@
             <a:endParaRPr/>
           </a:p>
           <a:p>
-            <a:pPr indent="-342900" lvl="0" marL="457200" rtl="0" algn="l">
+            <a:pPr marL="457200" lvl="0" indent="-342900" algn="l" rtl="0">
               <a:spcBef>
                 <a:spcPts val="0"/>
               </a:spcBef>
@@ -9888,7 +10121,7 @@
             <a:endParaRPr/>
           </a:p>
           <a:p>
-            <a:pPr indent="-342900" lvl="0" marL="457200" rtl="0" algn="l">
+            <a:pPr marL="457200" lvl="0" indent="-342900" algn="l" rtl="0">
               <a:spcBef>
                 <a:spcPts val="0"/>
               </a:spcBef>
@@ -9905,7 +10138,7 @@
             <a:endParaRPr/>
           </a:p>
           <a:p>
-            <a:pPr indent="-342900" lvl="0" marL="457200" rtl="0" algn="l">
+            <a:pPr marL="457200" lvl="0" indent="-342900" algn="l" rtl="0">
               <a:spcBef>
                 <a:spcPts val="0"/>
               </a:spcBef>
@@ -9922,7 +10155,7 @@
             <a:endParaRPr/>
           </a:p>
           <a:p>
-            <a:pPr indent="0" lvl="0" marL="457200" rtl="0" algn="l">
+            <a:pPr marL="457200" lvl="0" indent="0" algn="l" rtl="0">
               <a:spcBef>
                 <a:spcPts val="1600"/>
               </a:spcBef>
@@ -9931,9 +10164,6 @@
               </a:spcAft>
               <a:buNone/>
             </a:pPr>
-            <a:r>
-              <a:t/>
-            </a:r>
             <a:endParaRPr/>
           </a:p>
         </p:txBody>
@@ -9986,12 +10216,12 @@
           </a:ln>
         </p:spPr>
         <p:txBody>
-          <a:bodyPr anchorCtr="0" anchor="t" bIns="91425" lIns="91425" spcFirstLastPara="1" rIns="91425" wrap="square" tIns="91425">
+          <a:bodyPr spcFirstLastPara="1" wrap="square" lIns="91425" tIns="91425" rIns="91425" bIns="91425" anchor="t" anchorCtr="0">
             <a:noAutofit/>
           </a:bodyPr>
           <a:lstStyle/>
           <a:p>
-            <a:pPr indent="0" lvl="0" marL="0" rtl="0" algn="l">
+            <a:pPr marL="0" lvl="0" indent="0" algn="l" rtl="0">
               <a:lnSpc>
                 <a:spcPct val="115000"/>
               </a:lnSpc>
@@ -10021,7 +10251,7 @@
                 <a:solidFill>
                   <a:schemeClr val="accent5"/>
                 </a:solidFill>
-                <a:hlinkClick r:id="rId5"/>
+                <a:hlinkClick r:id="rId4"/>
               </a:rPr>
               <a:t>https://www.edureka.co/blog/what-is-selenium/#SeleniumQTPRFT</a:t>
             </a:r>
@@ -10034,7 +10264,7 @@
                 <a:ea typeface="Times New Roman"/>
                 <a:cs typeface="Times New Roman"/>
                 <a:sym typeface="Times New Roman"/>
-                <a:hlinkClick r:id="rId6"/>
+                <a:hlinkClick r:id="rId4"/>
               </a:rPr>
               <a:t>)</a:t>
             </a:r>
@@ -10067,12 +10297,12 @@
           </a:ln>
         </p:spPr>
         <p:txBody>
-          <a:bodyPr anchorCtr="0" anchor="t" bIns="91425" lIns="91425" spcFirstLastPara="1" rIns="91425" wrap="square" tIns="91425">
+          <a:bodyPr spcFirstLastPara="1" wrap="square" lIns="91425" tIns="91425" rIns="91425" bIns="91425" anchor="t" anchorCtr="0">
             <a:noAutofit/>
           </a:bodyPr>
           <a:lstStyle/>
           <a:p>
-            <a:pPr indent="0" lvl="0" marL="0" rtl="0" algn="l">
+            <a:pPr marL="0" lvl="0" indent="0" algn="l" rtl="0">
               <a:spcBef>
                 <a:spcPts val="0"/>
               </a:spcBef>
@@ -10108,11 +10338,11 @@
 </file>
 
 <file path=ppt/slides/slide15.xml><?xml version="1.0" encoding="utf-8"?>
-<p:sld xmlns:a="http://schemas.openxmlformats.org/drawingml/2006/main" xmlns:r="http://schemas.openxmlformats.org/officeDocument/2006/relationships" xmlns:mc="http://schemas.openxmlformats.org/markup-compatibility/2006" xmlns:mv="urn:schemas-microsoft-com:mac:vml" xmlns:p="http://schemas.openxmlformats.org/presentationml/2006/main" xmlns:c="http://schemas.openxmlformats.org/drawingml/2006/chart" xmlns:dgm="http://schemas.openxmlformats.org/drawingml/2006/diagram" xmlns:o="urn:schemas-microsoft-com:office:office" xmlns:v="urn:schemas-microsoft-com:vml" xmlns:pvml="urn:schemas-microsoft-com:office:powerpoint" xmlns:com="http://schemas.openxmlformats.org/drawingml/2006/compatibility" xmlns:p14="http://schemas.microsoft.com/office/powerpoint/2010/main" xmlns:p15="http://schemas.microsoft.com/office/powerpoint/2012/main">
+<p:sld xmlns:a="http://schemas.openxmlformats.org/drawingml/2006/main" xmlns:r="http://schemas.openxmlformats.org/officeDocument/2006/relationships" xmlns:p="http://schemas.openxmlformats.org/presentationml/2006/main">
   <p:cSld>
     <p:spTree>
       <p:nvGrpSpPr>
-        <p:cNvPr id="191" name="Shape 191"/>
+        <p:cNvPr id="1" name="Shape 191"/>
         <p:cNvGrpSpPr/>
         <p:nvPr/>
       </p:nvGrpSpPr>
@@ -10127,7 +10357,9 @@
       <p:sp>
         <p:nvSpPr>
           <p:cNvPr id="192" name="Google Shape;192;p27"/>
-          <p:cNvSpPr txBox="1"/>
+          <p:cNvSpPr txBox="1">
+            <a:spLocks noGrp="1"/>
+          </p:cNvSpPr>
           <p:nvPr>
             <p:ph type="title"/>
           </p:nvPr>
@@ -10142,12 +10374,12 @@
           </a:prstGeom>
         </p:spPr>
         <p:txBody>
-          <a:bodyPr anchorCtr="0" anchor="t" bIns="91425" lIns="91425" spcFirstLastPara="1" rIns="91425" wrap="square" tIns="91425">
+          <a:bodyPr spcFirstLastPara="1" wrap="square" lIns="91425" tIns="91425" rIns="91425" bIns="91425" anchor="t" anchorCtr="0">
             <a:noAutofit/>
           </a:bodyPr>
           <a:lstStyle/>
           <a:p>
-            <a:pPr indent="0" lvl="0" marL="0" rtl="0" algn="l">
+            <a:pPr marL="0" lvl="0" indent="0" algn="l" rtl="0">
               <a:spcBef>
                 <a:spcPts val="0"/>
               </a:spcBef>
@@ -10167,9 +10399,11 @@
       <p:sp>
         <p:nvSpPr>
           <p:cNvPr id="193" name="Google Shape;193;p27"/>
-          <p:cNvSpPr txBox="1"/>
+          <p:cNvSpPr txBox="1">
+            <a:spLocks noGrp="1"/>
+          </p:cNvSpPr>
           <p:nvPr>
-            <p:ph idx="1" type="body"/>
+            <p:ph type="body" idx="1"/>
           </p:nvPr>
         </p:nvSpPr>
         <p:spPr>
@@ -10182,12 +10416,12 @@
           </a:prstGeom>
         </p:spPr>
         <p:txBody>
-          <a:bodyPr anchorCtr="0" anchor="t" bIns="91425" lIns="91425" spcFirstLastPara="1" rIns="91425" wrap="square" tIns="91425">
+          <a:bodyPr spcFirstLastPara="1" wrap="square" lIns="91425" tIns="91425" rIns="91425" bIns="91425" anchor="t" anchorCtr="0">
             <a:noAutofit/>
           </a:bodyPr>
           <a:lstStyle/>
           <a:p>
-            <a:pPr indent="-342900" lvl="0" marL="457200" rtl="0" algn="l">
+            <a:pPr marL="457200" lvl="0" indent="-342900" algn="l" rtl="0">
               <a:spcBef>
                 <a:spcPts val="0"/>
               </a:spcBef>
@@ -10199,16 +10433,12 @@
             </a:pPr>
             <a:r>
               <a:rPr lang="en"/>
-              <a:t>It is a </a:t>
-            </a:r>
-            <a:r>
-              <a:rPr lang="en"/>
-              <a:t>methodology that caters to the building and testing of development work to identify and address the pain points before they become serious issues.</a:t>
+              <a:t>It is a methodology that caters to the building and testing of development work to identify and address the pain points before they become serious issues.</a:t>
             </a:r>
             <a:endParaRPr/>
           </a:p>
           <a:p>
-            <a:pPr indent="-342900" lvl="0" marL="457200" rtl="0" algn="l">
+            <a:pPr marL="457200" lvl="0" indent="-342900" algn="l" rtl="0">
               <a:spcBef>
                 <a:spcPts val="0"/>
               </a:spcBef>
@@ -10225,7 +10455,7 @@
             <a:endParaRPr/>
           </a:p>
           <a:p>
-            <a:pPr indent="-342900" lvl="0" marL="457200" rtl="0" algn="l">
+            <a:pPr marL="457200" lvl="0" indent="-342900" algn="l" rtl="0">
               <a:spcBef>
                 <a:spcPts val="0"/>
               </a:spcBef>
@@ -10242,7 +10472,7 @@
             <a:endParaRPr/>
           </a:p>
           <a:p>
-            <a:pPr indent="-342900" lvl="0" marL="457200" rtl="0" algn="l">
+            <a:pPr marL="457200" lvl="0" indent="-342900" algn="l" rtl="0">
               <a:spcBef>
                 <a:spcPts val="0"/>
               </a:spcBef>
@@ -10259,7 +10489,7 @@
             <a:endParaRPr/>
           </a:p>
           <a:p>
-            <a:pPr indent="-342900" lvl="0" marL="457200" rtl="0" algn="l">
+            <a:pPr marL="457200" lvl="0" indent="-342900" algn="l" rtl="0">
               <a:spcBef>
                 <a:spcPts val="0"/>
               </a:spcBef>
@@ -10276,7 +10506,7 @@
             <a:endParaRPr/>
           </a:p>
           <a:p>
-            <a:pPr indent="0" lvl="0" marL="0" rtl="0" algn="l">
+            <a:pPr marL="0" lvl="0" indent="0" algn="l" rtl="0">
               <a:spcBef>
                 <a:spcPts val="1600"/>
               </a:spcBef>
@@ -10285,9 +10515,6 @@
               </a:spcAft>
               <a:buNone/>
             </a:pPr>
-            <a:r>
-              <a:t/>
-            </a:r>
             <a:endParaRPr/>
           </a:p>
         </p:txBody>
@@ -10312,12 +10539,12 @@
           </a:ln>
         </p:spPr>
         <p:txBody>
-          <a:bodyPr anchorCtr="0" anchor="t" bIns="91425" lIns="91425" spcFirstLastPara="1" rIns="91425" wrap="square" tIns="91425">
+          <a:bodyPr spcFirstLastPara="1" wrap="square" lIns="91425" tIns="91425" rIns="91425" bIns="91425" anchor="t" anchorCtr="0">
             <a:noAutofit/>
           </a:bodyPr>
           <a:lstStyle/>
           <a:p>
-            <a:pPr indent="0" lvl="0" marL="0" rtl="0" algn="l">
+            <a:pPr marL="0" lvl="0" indent="0" algn="l" rtl="0">
               <a:lnSpc>
                 <a:spcPct val="115000"/>
               </a:lnSpc>
@@ -10351,7 +10578,7 @@
                 <a:ea typeface="Times New Roman"/>
                 <a:cs typeface="Times New Roman"/>
                 <a:sym typeface="Times New Roman"/>
-                <a:hlinkClick r:id="rId4"/>
+                <a:hlinkClick r:id="rId3"/>
               </a:rPr>
               <a:t>https://www.cabotsolutions.com/2016/12/continuous-integration-testing-using-selenium/</a:t>
             </a:r>
@@ -10364,7 +10591,7 @@
                 <a:ea typeface="Times New Roman"/>
                 <a:cs typeface="Times New Roman"/>
                 <a:sym typeface="Times New Roman"/>
-                <a:hlinkClick r:id="rId5"/>
+                <a:hlinkClick r:id="rId3"/>
               </a:rPr>
               <a:t>)</a:t>
             </a:r>
@@ -10397,12 +10624,12 @@
           </a:ln>
         </p:spPr>
         <p:txBody>
-          <a:bodyPr anchorCtr="0" anchor="t" bIns="91425" lIns="91425" spcFirstLastPara="1" rIns="91425" wrap="square" tIns="91425">
+          <a:bodyPr spcFirstLastPara="1" wrap="square" lIns="91425" tIns="91425" rIns="91425" bIns="91425" anchor="t" anchorCtr="0">
             <a:noAutofit/>
           </a:bodyPr>
           <a:lstStyle/>
           <a:p>
-            <a:pPr indent="0" lvl="0" marL="0" rtl="0" algn="l">
+            <a:pPr marL="0" lvl="0" indent="0" algn="l" rtl="0">
               <a:spcBef>
                 <a:spcPts val="0"/>
               </a:spcBef>
@@ -10438,11 +10665,11 @@
 </file>
 
 <file path=ppt/slides/slide16.xml><?xml version="1.0" encoding="utf-8"?>
-<p:sld xmlns:a="http://schemas.openxmlformats.org/drawingml/2006/main" xmlns:r="http://schemas.openxmlformats.org/officeDocument/2006/relationships" xmlns:mc="http://schemas.openxmlformats.org/markup-compatibility/2006" xmlns:mv="urn:schemas-microsoft-com:mac:vml" xmlns:p="http://schemas.openxmlformats.org/presentationml/2006/main" xmlns:c="http://schemas.openxmlformats.org/drawingml/2006/chart" xmlns:dgm="http://schemas.openxmlformats.org/drawingml/2006/diagram" xmlns:o="urn:schemas-microsoft-com:office:office" xmlns:v="urn:schemas-microsoft-com:vml" xmlns:pvml="urn:schemas-microsoft-com:office:powerpoint" xmlns:com="http://schemas.openxmlformats.org/drawingml/2006/compatibility" xmlns:p14="http://schemas.microsoft.com/office/powerpoint/2010/main" xmlns:p15="http://schemas.microsoft.com/office/powerpoint/2012/main">
+<p:sld xmlns:a="http://schemas.openxmlformats.org/drawingml/2006/main" xmlns:r="http://schemas.openxmlformats.org/officeDocument/2006/relationships" xmlns:p="http://schemas.openxmlformats.org/presentationml/2006/main">
   <p:cSld>
     <p:spTree>
       <p:nvGrpSpPr>
-        <p:cNvPr id="199" name="Shape 199"/>
+        <p:cNvPr id="1" name="Shape 199"/>
         <p:cNvGrpSpPr/>
         <p:nvPr/>
       </p:nvGrpSpPr>
@@ -10502,12 +10729,12 @@
           </a:ln>
         </p:spPr>
         <p:txBody>
-          <a:bodyPr anchorCtr="0" anchor="t" bIns="91425" lIns="91425" spcFirstLastPara="1" rIns="91425" wrap="square" tIns="91425">
+          <a:bodyPr spcFirstLastPara="1" wrap="square" lIns="91425" tIns="91425" rIns="91425" bIns="91425" anchor="t" anchorCtr="0">
             <a:noAutofit/>
           </a:bodyPr>
           <a:lstStyle/>
           <a:p>
-            <a:pPr indent="0" lvl="0" marL="0" rtl="0" algn="l">
+            <a:pPr marL="0" lvl="0" indent="0" algn="l" rtl="0">
               <a:lnSpc>
                 <a:spcPct val="115000"/>
               </a:lnSpc>
@@ -10561,12 +10788,12 @@
           </a:ln>
         </p:spPr>
         <p:txBody>
-          <a:bodyPr anchorCtr="0" anchor="t" bIns="91425" lIns="91425" spcFirstLastPara="1" rIns="91425" wrap="square" tIns="91425">
+          <a:bodyPr spcFirstLastPara="1" wrap="square" lIns="91425" tIns="91425" rIns="91425" bIns="91425" anchor="t" anchorCtr="0">
             <a:noAutofit/>
           </a:bodyPr>
           <a:lstStyle/>
           <a:p>
-            <a:pPr indent="0" lvl="0" marL="0" rtl="0" algn="l">
+            <a:pPr marL="0" lvl="0" indent="0" algn="l" rtl="0">
               <a:spcBef>
                 <a:spcPts val="0"/>
               </a:spcBef>
@@ -10602,11 +10829,11 @@
 </file>
 
 <file path=ppt/slides/slide17.xml><?xml version="1.0" encoding="utf-8"?>
-<p:sld xmlns:a="http://schemas.openxmlformats.org/drawingml/2006/main" xmlns:r="http://schemas.openxmlformats.org/officeDocument/2006/relationships" xmlns:mc="http://schemas.openxmlformats.org/markup-compatibility/2006" xmlns:mv="urn:schemas-microsoft-com:mac:vml" xmlns:p="http://schemas.openxmlformats.org/presentationml/2006/main" xmlns:c="http://schemas.openxmlformats.org/drawingml/2006/chart" xmlns:dgm="http://schemas.openxmlformats.org/drawingml/2006/diagram" xmlns:o="urn:schemas-microsoft-com:office:office" xmlns:v="urn:schemas-microsoft-com:vml" xmlns:pvml="urn:schemas-microsoft-com:office:powerpoint" xmlns:com="http://schemas.openxmlformats.org/drawingml/2006/compatibility" xmlns:p14="http://schemas.microsoft.com/office/powerpoint/2010/main" xmlns:p15="http://schemas.microsoft.com/office/powerpoint/2012/main">
+<p:sld xmlns:a="http://schemas.openxmlformats.org/drawingml/2006/main" xmlns:r="http://schemas.openxmlformats.org/officeDocument/2006/relationships" xmlns:p="http://schemas.openxmlformats.org/presentationml/2006/main">
   <p:cSld>
     <p:spTree>
       <p:nvGrpSpPr>
-        <p:cNvPr id="206" name="Shape 206"/>
+        <p:cNvPr id="1" name="Shape 206"/>
         <p:cNvGrpSpPr/>
         <p:nvPr/>
       </p:nvGrpSpPr>
@@ -10621,7 +10848,9 @@
       <p:sp>
         <p:nvSpPr>
           <p:cNvPr id="207" name="Google Shape;207;p29"/>
-          <p:cNvSpPr txBox="1"/>
+          <p:cNvSpPr txBox="1">
+            <a:spLocks noGrp="1"/>
+          </p:cNvSpPr>
           <p:nvPr>
             <p:ph type="title"/>
           </p:nvPr>
@@ -10636,12 +10865,12 @@
           </a:prstGeom>
         </p:spPr>
         <p:txBody>
-          <a:bodyPr anchorCtr="0" anchor="t" bIns="91425" lIns="91425" spcFirstLastPara="1" rIns="91425" wrap="square" tIns="91425">
+          <a:bodyPr spcFirstLastPara="1" wrap="square" lIns="91425" tIns="91425" rIns="91425" bIns="91425" anchor="t" anchorCtr="0">
             <a:noAutofit/>
           </a:bodyPr>
           <a:lstStyle/>
           <a:p>
-            <a:pPr indent="0" lvl="0" marL="0" rtl="0" algn="l">
+            <a:pPr marL="0" lvl="0" indent="0" algn="l" rtl="0">
               <a:spcBef>
                 <a:spcPts val="0"/>
               </a:spcBef>
@@ -10652,11 +10881,7 @@
             </a:pPr>
             <a:r>
               <a:rPr lang="en"/>
-              <a:t>Benefits</a:t>
-            </a:r>
-            <a:r>
-              <a:rPr lang="en"/>
-              <a:t> of CI</a:t>
+              <a:t>Benefits of CI</a:t>
             </a:r>
             <a:endParaRPr/>
           </a:p>
@@ -10665,9 +10890,11 @@
       <p:sp>
         <p:nvSpPr>
           <p:cNvPr id="208" name="Google Shape;208;p29"/>
-          <p:cNvSpPr txBox="1"/>
+          <p:cNvSpPr txBox="1">
+            <a:spLocks noGrp="1"/>
+          </p:cNvSpPr>
           <p:nvPr>
-            <p:ph idx="1" type="body"/>
+            <p:ph type="body" idx="1"/>
           </p:nvPr>
         </p:nvSpPr>
         <p:spPr>
@@ -10680,12 +10907,12 @@
           </a:prstGeom>
         </p:spPr>
         <p:txBody>
-          <a:bodyPr anchorCtr="0" anchor="t" bIns="91425" lIns="91425" spcFirstLastPara="1" rIns="91425" wrap="square" tIns="91425">
+          <a:bodyPr spcFirstLastPara="1" wrap="square" lIns="91425" tIns="91425" rIns="91425" bIns="91425" anchor="t" anchorCtr="0">
             <a:noAutofit/>
           </a:bodyPr>
           <a:lstStyle/>
           <a:p>
-            <a:pPr indent="-342900" lvl="0" marL="457200" rtl="0" algn="l">
+            <a:pPr marL="457200" lvl="0" indent="-342900" algn="l" rtl="0">
               <a:spcBef>
                 <a:spcPts val="0"/>
               </a:spcBef>
@@ -10702,7 +10929,7 @@
             <a:endParaRPr/>
           </a:p>
           <a:p>
-            <a:pPr indent="-342900" lvl="0" marL="457200" rtl="0" algn="l">
+            <a:pPr marL="457200" lvl="0" indent="-342900" algn="l" rtl="0">
               <a:spcBef>
                 <a:spcPts val="0"/>
               </a:spcBef>
@@ -10719,7 +10946,7 @@
             <a:endParaRPr/>
           </a:p>
           <a:p>
-            <a:pPr indent="-342900" lvl="0" marL="457200" rtl="0" algn="l">
+            <a:pPr marL="457200" lvl="0" indent="-342900" algn="l" rtl="0">
               <a:spcBef>
                 <a:spcPts val="0"/>
               </a:spcBef>
@@ -10736,7 +10963,7 @@
             <a:endParaRPr/>
           </a:p>
           <a:p>
-            <a:pPr indent="-342900" lvl="0" marL="457200" rtl="0" algn="l">
+            <a:pPr marL="457200" lvl="0" indent="-342900" algn="l" rtl="0">
               <a:spcBef>
                 <a:spcPts val="0"/>
               </a:spcBef>
@@ -10753,7 +10980,7 @@
             <a:endParaRPr/>
           </a:p>
           <a:p>
-            <a:pPr indent="-342900" lvl="0" marL="457200" rtl="0" algn="l">
+            <a:pPr marL="457200" lvl="0" indent="-342900" algn="l" rtl="0">
               <a:spcBef>
                 <a:spcPts val="0"/>
               </a:spcBef>
@@ -10770,7 +10997,7 @@
             <a:endParaRPr/>
           </a:p>
           <a:p>
-            <a:pPr indent="-342900" lvl="0" marL="457200" rtl="0" algn="l">
+            <a:pPr marL="457200" lvl="0" indent="-342900" algn="l" rtl="0">
               <a:spcBef>
                 <a:spcPts val="0"/>
               </a:spcBef>
@@ -10787,7 +11014,7 @@
             <a:endParaRPr/>
           </a:p>
           <a:p>
-            <a:pPr indent="-342900" lvl="0" marL="457200" rtl="0" algn="l">
+            <a:pPr marL="457200" lvl="0" indent="-342900" algn="l" rtl="0">
               <a:spcBef>
                 <a:spcPts val="0"/>
               </a:spcBef>
@@ -10804,7 +11031,7 @@
             <a:endParaRPr/>
           </a:p>
           <a:p>
-            <a:pPr indent="-342900" lvl="0" marL="457200" rtl="0" algn="l">
+            <a:pPr marL="457200" lvl="0" indent="-342900" algn="l" rtl="0">
               <a:spcBef>
                 <a:spcPts val="0"/>
               </a:spcBef>
@@ -10842,12 +11069,12 @@
           </a:ln>
         </p:spPr>
         <p:txBody>
-          <a:bodyPr anchorCtr="0" anchor="t" bIns="91425" lIns="91425" spcFirstLastPara="1" rIns="91425" wrap="square" tIns="91425">
+          <a:bodyPr spcFirstLastPara="1" wrap="square" lIns="91425" tIns="91425" rIns="91425" bIns="91425" anchor="t" anchorCtr="0">
             <a:noAutofit/>
           </a:bodyPr>
           <a:lstStyle/>
           <a:p>
-            <a:pPr indent="0" lvl="0" marL="0" rtl="0" algn="l">
+            <a:pPr marL="0" lvl="0" indent="0" algn="l" rtl="0">
               <a:lnSpc>
                 <a:spcPct val="115000"/>
               </a:lnSpc>
@@ -10901,12 +11128,12 @@
           </a:ln>
         </p:spPr>
         <p:txBody>
-          <a:bodyPr anchorCtr="0" anchor="t" bIns="91425" lIns="91425" spcFirstLastPara="1" rIns="91425" wrap="square" tIns="91425">
+          <a:bodyPr spcFirstLastPara="1" wrap="square" lIns="91425" tIns="91425" rIns="91425" bIns="91425" anchor="t" anchorCtr="0">
             <a:noAutofit/>
           </a:bodyPr>
           <a:lstStyle/>
           <a:p>
-            <a:pPr indent="0" lvl="0" marL="0" rtl="0" algn="l">
+            <a:pPr marL="0" lvl="0" indent="0" algn="l" rtl="0">
               <a:spcBef>
                 <a:spcPts val="0"/>
               </a:spcBef>
@@ -10942,11 +11169,11 @@
 </file>
 
 <file path=ppt/slides/slide18.xml><?xml version="1.0" encoding="utf-8"?>
-<p:sld xmlns:a="http://schemas.openxmlformats.org/drawingml/2006/main" xmlns:r="http://schemas.openxmlformats.org/officeDocument/2006/relationships" xmlns:mc="http://schemas.openxmlformats.org/markup-compatibility/2006" xmlns:mv="urn:schemas-microsoft-com:mac:vml" xmlns:p="http://schemas.openxmlformats.org/presentationml/2006/main" xmlns:c="http://schemas.openxmlformats.org/drawingml/2006/chart" xmlns:dgm="http://schemas.openxmlformats.org/drawingml/2006/diagram" xmlns:o="urn:schemas-microsoft-com:office:office" xmlns:v="urn:schemas-microsoft-com:vml" xmlns:pvml="urn:schemas-microsoft-com:office:powerpoint" xmlns:com="http://schemas.openxmlformats.org/drawingml/2006/compatibility" xmlns:p14="http://schemas.microsoft.com/office/powerpoint/2010/main" xmlns:p15="http://schemas.microsoft.com/office/powerpoint/2012/main">
+<p:sld xmlns:a="http://schemas.openxmlformats.org/drawingml/2006/main" xmlns:r="http://schemas.openxmlformats.org/officeDocument/2006/relationships" xmlns:p="http://schemas.openxmlformats.org/presentationml/2006/main">
   <p:cSld>
     <p:spTree>
       <p:nvGrpSpPr>
-        <p:cNvPr id="214" name="Shape 214"/>
+        <p:cNvPr id="1" name="Shape 214"/>
         <p:cNvGrpSpPr/>
         <p:nvPr/>
       </p:nvGrpSpPr>
@@ -10961,7 +11188,9 @@
       <p:sp>
         <p:nvSpPr>
           <p:cNvPr id="215" name="Google Shape;215;p30"/>
-          <p:cNvSpPr txBox="1"/>
+          <p:cNvSpPr txBox="1">
+            <a:spLocks noGrp="1"/>
+          </p:cNvSpPr>
           <p:nvPr>
             <p:ph type="title"/>
           </p:nvPr>
@@ -10976,12 +11205,12 @@
           </a:prstGeom>
         </p:spPr>
         <p:txBody>
-          <a:bodyPr anchorCtr="0" anchor="t" bIns="91425" lIns="91425" spcFirstLastPara="1" rIns="91425" wrap="square" tIns="91425">
+          <a:bodyPr spcFirstLastPara="1" wrap="square" lIns="91425" tIns="91425" rIns="91425" bIns="91425" anchor="t" anchorCtr="0">
             <a:noAutofit/>
           </a:bodyPr>
           <a:lstStyle/>
           <a:p>
-            <a:pPr indent="0" lvl="0" marL="0" rtl="0" algn="l">
+            <a:pPr marL="0" lvl="0" indent="0" algn="l" rtl="0">
               <a:spcBef>
                 <a:spcPts val="0"/>
               </a:spcBef>
@@ -11001,9 +11230,11 @@
       <p:sp>
         <p:nvSpPr>
           <p:cNvPr id="216" name="Google Shape;216;p30"/>
-          <p:cNvSpPr txBox="1"/>
+          <p:cNvSpPr txBox="1">
+            <a:spLocks noGrp="1"/>
+          </p:cNvSpPr>
           <p:nvPr>
-            <p:ph idx="1" type="body"/>
+            <p:ph type="body" idx="1"/>
           </p:nvPr>
         </p:nvSpPr>
         <p:spPr>
@@ -11016,12 +11247,12 @@
           </a:prstGeom>
         </p:spPr>
         <p:txBody>
-          <a:bodyPr anchorCtr="0" anchor="t" bIns="91425" lIns="91425" spcFirstLastPara="1" rIns="91425" wrap="square" tIns="91425">
+          <a:bodyPr spcFirstLastPara="1" wrap="square" lIns="91425" tIns="91425" rIns="91425" bIns="91425" anchor="t" anchorCtr="0">
             <a:noAutofit/>
           </a:bodyPr>
           <a:lstStyle/>
           <a:p>
-            <a:pPr indent="-342900" lvl="0" marL="457200" rtl="0" algn="l">
+            <a:pPr marL="457200" lvl="0" indent="-342900" algn="l" rtl="0">
               <a:spcBef>
                 <a:spcPts val="0"/>
               </a:spcBef>
@@ -11038,7 +11269,7 @@
             <a:endParaRPr/>
           </a:p>
           <a:p>
-            <a:pPr indent="-342900" lvl="0" marL="457200" rtl="0" algn="l">
+            <a:pPr marL="457200" lvl="0" indent="-342900" algn="l" rtl="0">
               <a:spcBef>
                 <a:spcPts val="0"/>
               </a:spcBef>
@@ -11055,7 +11286,7 @@
             <a:endParaRPr/>
           </a:p>
           <a:p>
-            <a:pPr indent="-342900" lvl="0" marL="457200" rtl="0" algn="l">
+            <a:pPr marL="457200" lvl="0" indent="-342900" algn="l" rtl="0">
               <a:spcBef>
                 <a:spcPts val="0"/>
               </a:spcBef>
@@ -11072,7 +11303,7 @@
             <a:endParaRPr/>
           </a:p>
           <a:p>
-            <a:pPr indent="-342900" lvl="0" marL="457200" rtl="0" algn="l">
+            <a:pPr marL="457200" lvl="0" indent="-342900" algn="l" rtl="0">
               <a:spcBef>
                 <a:spcPts val="0"/>
               </a:spcBef>
@@ -11089,7 +11320,7 @@
             <a:endParaRPr/>
           </a:p>
           <a:p>
-            <a:pPr indent="-342900" lvl="0" marL="457200" rtl="0" algn="l">
+            <a:pPr marL="457200" lvl="0" indent="-342900" algn="l" rtl="0">
               <a:spcBef>
                 <a:spcPts val="0"/>
               </a:spcBef>
@@ -11106,7 +11337,7 @@
             <a:endParaRPr/>
           </a:p>
           <a:p>
-            <a:pPr indent="-342900" lvl="0" marL="457200" rtl="0" algn="l">
+            <a:pPr marL="457200" lvl="0" indent="-342900" algn="l" rtl="0">
               <a:spcBef>
                 <a:spcPts val="0"/>
               </a:spcBef>
@@ -11123,7 +11354,7 @@
             <a:endParaRPr/>
           </a:p>
           <a:p>
-            <a:pPr indent="-342900" lvl="0" marL="457200" rtl="0" algn="l">
+            <a:pPr marL="457200" lvl="0" indent="-342900" algn="l" rtl="0">
               <a:spcBef>
                 <a:spcPts val="0"/>
               </a:spcBef>
@@ -11140,7 +11371,7 @@
             <a:endParaRPr/>
           </a:p>
           <a:p>
-            <a:pPr indent="0" lvl="0" marL="0" rtl="0" algn="l">
+            <a:pPr marL="0" lvl="0" indent="0" algn="l" rtl="0">
               <a:spcBef>
                 <a:spcPts val="1600"/>
               </a:spcBef>
@@ -11177,12 +11408,12 @@
           </a:ln>
         </p:spPr>
         <p:txBody>
-          <a:bodyPr anchorCtr="0" anchor="t" bIns="91425" lIns="91425" spcFirstLastPara="1" rIns="91425" wrap="square" tIns="91425">
+          <a:bodyPr spcFirstLastPara="1" wrap="square" lIns="91425" tIns="91425" rIns="91425" bIns="91425" anchor="t" anchorCtr="0">
             <a:noAutofit/>
           </a:bodyPr>
           <a:lstStyle/>
           <a:p>
-            <a:pPr indent="0" lvl="0" marL="0" rtl="0" algn="l">
+            <a:pPr marL="0" lvl="0" indent="0" algn="l" rtl="0">
               <a:lnSpc>
                 <a:spcPct val="115000"/>
               </a:lnSpc>
@@ -11236,12 +11467,12 @@
           </a:ln>
         </p:spPr>
         <p:txBody>
-          <a:bodyPr anchorCtr="0" anchor="t" bIns="91425" lIns="91425" spcFirstLastPara="1" rIns="91425" wrap="square" tIns="91425">
+          <a:bodyPr spcFirstLastPara="1" wrap="square" lIns="91425" tIns="91425" rIns="91425" bIns="91425" anchor="t" anchorCtr="0">
             <a:noAutofit/>
           </a:bodyPr>
           <a:lstStyle/>
           <a:p>
-            <a:pPr indent="0" lvl="0" marL="0" rtl="0" algn="l">
+            <a:pPr marL="0" lvl="0" indent="0" algn="l" rtl="0">
               <a:spcBef>
                 <a:spcPts val="0"/>
               </a:spcBef>
@@ -11277,11 +11508,11 @@
 </file>
 
 <file path=ppt/slides/slide19.xml><?xml version="1.0" encoding="utf-8"?>
-<p:sld xmlns:a="http://schemas.openxmlformats.org/drawingml/2006/main" xmlns:r="http://schemas.openxmlformats.org/officeDocument/2006/relationships" xmlns:mc="http://schemas.openxmlformats.org/markup-compatibility/2006" xmlns:mv="urn:schemas-microsoft-com:mac:vml" xmlns:p="http://schemas.openxmlformats.org/presentationml/2006/main" xmlns:c="http://schemas.openxmlformats.org/drawingml/2006/chart" xmlns:dgm="http://schemas.openxmlformats.org/drawingml/2006/diagram" xmlns:o="urn:schemas-microsoft-com:office:office" xmlns:v="urn:schemas-microsoft-com:vml" xmlns:pvml="urn:schemas-microsoft-com:office:powerpoint" xmlns:com="http://schemas.openxmlformats.org/drawingml/2006/compatibility" xmlns:p14="http://schemas.microsoft.com/office/powerpoint/2010/main" xmlns:p15="http://schemas.microsoft.com/office/powerpoint/2012/main">
+<p:sld xmlns:a="http://schemas.openxmlformats.org/drawingml/2006/main" xmlns:r="http://schemas.openxmlformats.org/officeDocument/2006/relationships" xmlns:p="http://schemas.openxmlformats.org/presentationml/2006/main">
   <p:cSld>
     <p:spTree>
       <p:nvGrpSpPr>
-        <p:cNvPr id="222" name="Shape 222"/>
+        <p:cNvPr id="1" name="Shape 222"/>
         <p:cNvGrpSpPr/>
         <p:nvPr/>
       </p:nvGrpSpPr>
@@ -11296,7 +11527,9 @@
       <p:sp>
         <p:nvSpPr>
           <p:cNvPr id="223" name="Google Shape;223;p31"/>
-          <p:cNvSpPr txBox="1"/>
+          <p:cNvSpPr txBox="1">
+            <a:spLocks noGrp="1"/>
+          </p:cNvSpPr>
           <p:nvPr>
             <p:ph type="ctrTitle"/>
           </p:nvPr>
@@ -11311,12 +11544,12 @@
           </a:prstGeom>
         </p:spPr>
         <p:txBody>
-          <a:bodyPr anchorCtr="0" anchor="b" bIns="91425" lIns="91425" spcFirstLastPara="1" rIns="91425" wrap="square" tIns="91425">
+          <a:bodyPr spcFirstLastPara="1" wrap="square" lIns="91425" tIns="91425" rIns="91425" bIns="91425" anchor="b" anchorCtr="0">
             <a:noAutofit/>
           </a:bodyPr>
           <a:lstStyle/>
           <a:p>
-            <a:pPr indent="0" lvl="0" marL="0" rtl="0" algn="ctr">
+            <a:pPr marL="0" lvl="0" indent="0" algn="ctr" rtl="0">
               <a:spcBef>
                 <a:spcPts val="0"/>
               </a:spcBef>
@@ -11336,9 +11569,11 @@
       <p:sp>
         <p:nvSpPr>
           <p:cNvPr id="224" name="Google Shape;224;p31"/>
-          <p:cNvSpPr txBox="1"/>
+          <p:cNvSpPr txBox="1">
+            <a:spLocks noGrp="1"/>
+          </p:cNvSpPr>
           <p:nvPr>
-            <p:ph idx="1" type="subTitle"/>
+            <p:ph type="subTitle" idx="1"/>
           </p:nvPr>
         </p:nvSpPr>
         <p:spPr>
@@ -11351,27 +11586,24 @@
           </a:prstGeom>
         </p:spPr>
         <p:txBody>
-          <a:bodyPr anchorCtr="0" anchor="t" bIns="91425" lIns="91425" spcFirstLastPara="1" rIns="91425" wrap="square" tIns="91425">
+          <a:bodyPr spcFirstLastPara="1" wrap="square" lIns="91425" tIns="91425" rIns="91425" bIns="91425" anchor="t" anchorCtr="0">
             <a:noAutofit/>
           </a:bodyPr>
           <a:lstStyle/>
           <a:p>
-            <a:pPr indent="0" lvl="0" marL="0" rtl="0" algn="l">
-              <a:spcBef>
-                <a:spcPts val="0"/>
-              </a:spcBef>
-              <a:spcAft>
-                <a:spcPts val="0"/>
-              </a:spcAft>
-              <a:buNone/>
-            </a:pPr>
-            <a:r>
-              <a:t/>
-            </a:r>
+            <a:pPr marL="0" lvl="0" indent="0" algn="l" rtl="0">
+              <a:spcBef>
+                <a:spcPts val="0"/>
+              </a:spcBef>
+              <a:spcAft>
+                <a:spcPts val="0"/>
+              </a:spcAft>
+              <a:buNone/>
+            </a:pPr>
             <a:endParaRPr/>
           </a:p>
           <a:p>
-            <a:pPr indent="0" lvl="0" marL="0" rtl="0" algn="l">
+            <a:pPr marL="0" lvl="0" indent="0" algn="l" rtl="0">
               <a:spcBef>
                 <a:spcPts val="0"/>
               </a:spcBef>
@@ -11425,11 +11657,11 @@
 </file>
 
 <file path=ppt/slides/slide2.xml><?xml version="1.0" encoding="utf-8"?>
-<p:sld xmlns:a="http://schemas.openxmlformats.org/drawingml/2006/main" xmlns:r="http://schemas.openxmlformats.org/officeDocument/2006/relationships" xmlns:mc="http://schemas.openxmlformats.org/markup-compatibility/2006" xmlns:mv="urn:schemas-microsoft-com:mac:vml" xmlns:p="http://schemas.openxmlformats.org/presentationml/2006/main" xmlns:c="http://schemas.openxmlformats.org/drawingml/2006/chart" xmlns:dgm="http://schemas.openxmlformats.org/drawingml/2006/diagram" xmlns:o="urn:schemas-microsoft-com:office:office" xmlns:v="urn:schemas-microsoft-com:vml" xmlns:pvml="urn:schemas-microsoft-com:office:powerpoint" xmlns:com="http://schemas.openxmlformats.org/drawingml/2006/compatibility" xmlns:p14="http://schemas.microsoft.com/office/powerpoint/2010/main" xmlns:p15="http://schemas.microsoft.com/office/powerpoint/2012/main">
+<p:sld xmlns:a="http://schemas.openxmlformats.org/drawingml/2006/main" xmlns:r="http://schemas.openxmlformats.org/officeDocument/2006/relationships" xmlns:p="http://schemas.openxmlformats.org/presentationml/2006/main">
   <p:cSld>
     <p:spTree>
       <p:nvGrpSpPr>
-        <p:cNvPr id="65" name="Shape 65"/>
+        <p:cNvPr id="1" name="Shape 65"/>
         <p:cNvGrpSpPr/>
         <p:nvPr/>
       </p:nvGrpSpPr>
@@ -11444,14 +11676,16 @@
       <p:sp>
         <p:nvSpPr>
           <p:cNvPr id="66" name="Google Shape;66;p14"/>
-          <p:cNvSpPr txBox="1"/>
+          <p:cNvSpPr txBox="1">
+            <a:spLocks noGrp="1"/>
+          </p:cNvSpPr>
           <p:nvPr>
-            <p:ph idx="4294967295" type="title"/>
+            <p:ph type="title" idx="4294967295"/>
           </p:nvPr>
         </p:nvSpPr>
         <p:spPr>
           <a:xfrm>
-            <a:off x="-2661900" y="2856050"/>
+            <a:off x="208374" y="535490"/>
             <a:ext cx="8520600" cy="572700"/>
           </a:xfrm>
           <a:prstGeom prst="rect">
@@ -11459,25 +11693,33 @@
           </a:prstGeom>
         </p:spPr>
         <p:txBody>
-          <a:bodyPr anchorCtr="0" anchor="t" bIns="91425" lIns="91425" spcFirstLastPara="1" rIns="91425" wrap="square" tIns="91425">
+          <a:bodyPr spcFirstLastPara="1" wrap="square" lIns="91425" tIns="91425" rIns="91425" bIns="91425" anchor="t" anchorCtr="0">
             <a:noAutofit/>
           </a:bodyPr>
           <a:lstStyle/>
           <a:p>
-            <a:pPr indent="0" lvl="0" marL="0" rtl="0" algn="ctr">
-              <a:spcBef>
-                <a:spcPts val="0"/>
-              </a:spcBef>
-              <a:spcAft>
-                <a:spcPts val="0"/>
-              </a:spcAft>
-              <a:buNone/>
-            </a:pPr>
-            <a:r>
-              <a:rPr b="1" lang="en" sz="3600" u="sng"/>
-              <a:t>Our Team</a:t>
-            </a:r>
-            <a:endParaRPr b="1" sz="3600" u="sng"/>
+            <a:pPr marL="0" lvl="0" indent="0" algn="ctr" rtl="0">
+              <a:spcBef>
+                <a:spcPts val="0"/>
+              </a:spcBef>
+              <a:spcAft>
+                <a:spcPts val="0"/>
+              </a:spcAft>
+              <a:buNone/>
+            </a:pPr>
+            <a:r>
+              <a:rPr lang="en" sz="3600" b="1" u="sng" dirty="0"/>
+              <a:t>Team – Te</a:t>
+            </a:r>
+            <a:r>
+              <a:rPr lang="en-US" sz="3600" b="1" u="sng" dirty="0" err="1"/>
+              <a:t>ch</a:t>
+            </a:r>
+            <a:r>
+              <a:rPr lang="en-US" sz="3600" b="1" u="sng" dirty="0"/>
+              <a:t> Dudes</a:t>
+            </a:r>
+            <a:endParaRPr sz="3600" b="1" u="sng" dirty="0"/>
           </a:p>
         </p:txBody>
       </p:sp>
@@ -11557,12 +11799,12 @@
           </a:ln>
         </p:spPr>
         <p:txBody>
-          <a:bodyPr anchorCtr="0" anchor="t" bIns="91425" lIns="91425" spcFirstLastPara="1" rIns="91425" wrap="square" tIns="91425">
+          <a:bodyPr spcFirstLastPara="1" wrap="square" lIns="91425" tIns="91425" rIns="91425" bIns="91425" anchor="t" anchorCtr="0">
             <a:noAutofit/>
           </a:bodyPr>
           <a:lstStyle/>
           <a:p>
-            <a:pPr indent="0" lvl="0" marL="0" rtl="0" algn="l">
+            <a:pPr marL="0" lvl="0" indent="0" algn="l" rtl="0">
               <a:spcBef>
                 <a:spcPts val="0"/>
               </a:spcBef>
@@ -11588,18 +11830,15 @@
             </a:endParaRPr>
           </a:p>
           <a:p>
-            <a:pPr indent="0" lvl="0" marL="0" rtl="0" algn="l">
-              <a:spcBef>
-                <a:spcPts val="0"/>
-              </a:spcBef>
-              <a:spcAft>
-                <a:spcPts val="0"/>
-              </a:spcAft>
-              <a:buNone/>
-            </a:pPr>
-            <a:r>
-              <a:t/>
-            </a:r>
+            <a:pPr marL="0" lvl="0" indent="0" algn="l" rtl="0">
+              <a:spcBef>
+                <a:spcPts val="0"/>
+              </a:spcBef>
+              <a:spcAft>
+                <a:spcPts val="0"/>
+              </a:spcAft>
+              <a:buNone/>
+            </a:pPr>
             <a:endParaRPr>
               <a:latin typeface="Proxima Nova"/>
               <a:ea typeface="Proxima Nova"/>
@@ -11657,12 +11896,12 @@
           </a:ln>
         </p:spPr>
         <p:txBody>
-          <a:bodyPr anchorCtr="0" anchor="t" bIns="91425" lIns="91425" spcFirstLastPara="1" rIns="91425" wrap="square" tIns="91425">
+          <a:bodyPr spcFirstLastPara="1" wrap="square" lIns="91425" tIns="91425" rIns="91425" bIns="91425" anchor="t" anchorCtr="0">
             <a:noAutofit/>
           </a:bodyPr>
           <a:lstStyle/>
           <a:p>
-            <a:pPr indent="0" lvl="0" marL="0" rtl="0" algn="l">
+            <a:pPr marL="0" lvl="0" indent="0" algn="l" rtl="0">
               <a:spcBef>
                 <a:spcPts val="0"/>
               </a:spcBef>
@@ -11678,49 +11917,12 @@
                 <a:cs typeface="Proxima Nova"/>
                 <a:sym typeface="Proxima Nova"/>
               </a:rPr>
-              <a:t>Saicharan Gurudu</a:t>
-            </a:r>
-            <a:r>
-              <a:rPr lang="en">
-                <a:latin typeface="Proxima Nova"/>
-                <a:ea typeface="Proxima Nova"/>
-                <a:cs typeface="Proxima Nova"/>
-                <a:sym typeface="Proxima Nova"/>
-              </a:rPr>
-              <a:t> </a:t>
+              <a:t>Saicharan Gurudu </a:t>
             </a:r>
             <a:endParaRPr/>
           </a:p>
         </p:txBody>
       </p:sp>
-      <p:pic>
-        <p:nvPicPr>
-          <p:cNvPr id="72" name="Google Shape;72;p14"/>
-          <p:cNvPicPr preferRelativeResize="0"/>
-          <p:nvPr/>
-        </p:nvPicPr>
-        <p:blipFill>
-          <a:blip r:embed="rId6">
-            <a:alphaModFix/>
-          </a:blip>
-          <a:stretch>
-            <a:fillRect/>
-          </a:stretch>
-        </p:blipFill>
-        <p:spPr>
-          <a:xfrm>
-            <a:off x="4753375" y="1609875"/>
-            <a:ext cx="1923749" cy="2046849"/>
-          </a:xfrm>
-          <a:prstGeom prst="rect">
-            <a:avLst/>
-          </a:prstGeom>
-          <a:noFill/>
-          <a:ln>
-            <a:noFill/>
-          </a:ln>
-        </p:spPr>
-      </p:pic>
       <p:sp>
         <p:nvSpPr>
           <p:cNvPr id="73" name="Google Shape;73;p14"/>
@@ -11741,12 +11943,12 @@
           </a:ln>
         </p:spPr>
         <p:txBody>
-          <a:bodyPr anchorCtr="0" anchor="t" bIns="91425" lIns="91425" spcFirstLastPara="1" rIns="91425" wrap="square" tIns="91425">
+          <a:bodyPr spcFirstLastPara="1" wrap="square" lIns="91425" tIns="91425" rIns="91425" bIns="91425" anchor="t" anchorCtr="0">
             <a:noAutofit/>
           </a:bodyPr>
           <a:lstStyle/>
           <a:p>
-            <a:pPr indent="0" lvl="0" marL="0" rtl="0" algn="l">
+            <a:pPr marL="0" lvl="0" indent="0" algn="l" rtl="0">
               <a:spcBef>
                 <a:spcPts val="0"/>
               </a:spcBef>
@@ -11780,16 +11982,16 @@
           <p:nvPr/>
         </p:nvPicPr>
         <p:blipFill rotWithShape="1">
-          <a:blip r:embed="rId7">
+          <a:blip r:embed="rId6">
             <a:alphaModFix/>
           </a:blip>
-          <a:srcRect b="4808" l="1350" r="-1349" t="26693"/>
+          <a:srcRect l="1350" t="26693" r="-1349" b="4808"/>
           <a:stretch/>
         </p:blipFill>
         <p:spPr>
           <a:xfrm>
-            <a:off x="6927875" y="1236125"/>
-            <a:ext cx="1833926" cy="2512604"/>
+            <a:off x="6927875" y="1579683"/>
+            <a:ext cx="1904425" cy="2169046"/>
           </a:xfrm>
           <a:prstGeom prst="rect">
             <a:avLst/>
@@ -11820,12 +12022,12 @@
           </a:ln>
         </p:spPr>
         <p:txBody>
-          <a:bodyPr anchorCtr="0" anchor="t" bIns="91425" lIns="91425" spcFirstLastPara="1" rIns="91425" wrap="square" tIns="91425">
+          <a:bodyPr spcFirstLastPara="1" wrap="square" lIns="91425" tIns="91425" rIns="91425" bIns="91425" anchor="t" anchorCtr="0">
             <a:noAutofit/>
           </a:bodyPr>
           <a:lstStyle/>
           <a:p>
-            <a:pPr indent="0" lvl="0" marL="0" rtl="0" algn="l">
+            <a:pPr marL="0" lvl="0" indent="0" algn="l" rtl="0">
               <a:spcBef>
                 <a:spcPts val="0"/>
               </a:spcBef>
@@ -11847,6 +12049,53 @@
           </a:p>
         </p:txBody>
       </p:sp>
+      <p:pic>
+        <p:nvPicPr>
+          <p:cNvPr id="1026" name="Picture 2" descr="https://lh5.googleusercontent.com/X4hDKRFDdTRz3vXrelveoCbUv3hK1FRXE26GUf_ONy-h4dGNn2vx1iSFpkzzF3P8yL7wrvlfhjZ88cr4r5Uwg1bOIzv35R9EqysUwQ0WU4zbuz6reLgmI9sQ3Zjla_xuYU2GFzbAEFo">
+            <a:extLst>
+              <a:ext uri="{FF2B5EF4-FFF2-40B4-BE49-F238E27FC236}">
+                <a16:creationId xmlns:a16="http://schemas.microsoft.com/office/drawing/2014/main" id="{39736346-D6D6-4BEA-8E9C-7458F7C7A522}"/>
+              </a:ext>
+            </a:extLst>
+          </p:cNvPr>
+          <p:cNvPicPr>
+            <a:picLocks noChangeAspect="1" noChangeArrowheads="1"/>
+          </p:cNvPicPr>
+          <p:nvPr/>
+        </p:nvPicPr>
+        <p:blipFill>
+          <a:blip r:embed="rId7">
+            <a:extLst>
+              <a:ext uri="{28A0092B-C50C-407E-A947-70E740481C1C}">
+                <a14:useLocalDpi xmlns:a14="http://schemas.microsoft.com/office/drawing/2010/main" val="0"/>
+              </a:ext>
+            </a:extLst>
+          </a:blip>
+          <a:srcRect/>
+          <a:stretch>
+            <a:fillRect/>
+          </a:stretch>
+        </p:blipFill>
+        <p:spPr bwMode="auto">
+          <a:xfrm>
+            <a:off x="4630729" y="1579683"/>
+            <a:ext cx="2169042" cy="2169042"/>
+          </a:xfrm>
+          <a:prstGeom prst="rect">
+            <a:avLst/>
+          </a:prstGeom>
+          <a:noFill/>
+          <a:extLst>
+            <a:ext uri="{909E8E84-426E-40DD-AFC4-6F175D3DCCD1}">
+              <a14:hiddenFill xmlns:a14="http://schemas.microsoft.com/office/drawing/2010/main">
+                <a:solidFill>
+                  <a:srgbClr val="FFFFFF"/>
+                </a:solidFill>
+              </a14:hiddenFill>
+            </a:ext>
+          </a:extLst>
+        </p:spPr>
+      </p:pic>
     </p:spTree>
   </p:cSld>
   <p:clrMapOvr>
@@ -11856,11 +12105,11 @@
 </file>
 
 <file path=ppt/slides/slide20.xml><?xml version="1.0" encoding="utf-8"?>
-<p:sld xmlns:a="http://schemas.openxmlformats.org/drawingml/2006/main" xmlns:r="http://schemas.openxmlformats.org/officeDocument/2006/relationships" xmlns:mc="http://schemas.openxmlformats.org/markup-compatibility/2006" xmlns:mv="urn:schemas-microsoft-com:mac:vml" xmlns:p="http://schemas.openxmlformats.org/presentationml/2006/main" xmlns:c="http://schemas.openxmlformats.org/drawingml/2006/chart" xmlns:dgm="http://schemas.openxmlformats.org/drawingml/2006/diagram" xmlns:o="urn:schemas-microsoft-com:office:office" xmlns:v="urn:schemas-microsoft-com:vml" xmlns:pvml="urn:schemas-microsoft-com:office:powerpoint" xmlns:com="http://schemas.openxmlformats.org/drawingml/2006/compatibility" xmlns:p14="http://schemas.microsoft.com/office/powerpoint/2010/main" xmlns:p15="http://schemas.microsoft.com/office/powerpoint/2012/main">
+<p:sld xmlns:a="http://schemas.openxmlformats.org/drawingml/2006/main" xmlns:r="http://schemas.openxmlformats.org/officeDocument/2006/relationships" xmlns:p="http://schemas.openxmlformats.org/presentationml/2006/main">
   <p:cSld>
     <p:spTree>
       <p:nvGrpSpPr>
-        <p:cNvPr id="229" name="Shape 229"/>
+        <p:cNvPr id="1" name="Shape 229"/>
         <p:cNvGrpSpPr/>
         <p:nvPr/>
       </p:nvGrpSpPr>
@@ -11875,7 +12124,9 @@
       <p:sp>
         <p:nvSpPr>
           <p:cNvPr id="230" name="Google Shape;230;p32"/>
-          <p:cNvSpPr txBox="1"/>
+          <p:cNvSpPr txBox="1">
+            <a:spLocks noGrp="1"/>
+          </p:cNvSpPr>
           <p:nvPr>
             <p:ph type="title"/>
           </p:nvPr>
@@ -11890,12 +12141,12 @@
           </a:prstGeom>
         </p:spPr>
         <p:txBody>
-          <a:bodyPr anchorCtr="0" anchor="t" bIns="91425" lIns="91425" spcFirstLastPara="1" rIns="91425" wrap="square" tIns="91425">
+          <a:bodyPr spcFirstLastPara="1" wrap="square" lIns="91425" tIns="91425" rIns="91425" bIns="91425" anchor="t" anchorCtr="0">
             <a:noAutofit/>
           </a:bodyPr>
           <a:lstStyle/>
           <a:p>
-            <a:pPr indent="0" lvl="0" marL="0" rtl="0" algn="l">
+            <a:pPr marL="0" lvl="0" indent="0" algn="l" rtl="0">
               <a:spcBef>
                 <a:spcPts val="0"/>
               </a:spcBef>
@@ -11915,9 +12166,11 @@
       <p:sp>
         <p:nvSpPr>
           <p:cNvPr id="231" name="Google Shape;231;p32"/>
-          <p:cNvSpPr txBox="1"/>
+          <p:cNvSpPr txBox="1">
+            <a:spLocks noGrp="1"/>
+          </p:cNvSpPr>
           <p:nvPr>
-            <p:ph idx="1" type="body"/>
+            <p:ph type="body" idx="1"/>
           </p:nvPr>
         </p:nvSpPr>
         <p:spPr>
@@ -11930,12 +12183,12 @@
           </a:prstGeom>
         </p:spPr>
         <p:txBody>
-          <a:bodyPr anchorCtr="0" anchor="t" bIns="91425" lIns="91425" spcFirstLastPara="1" rIns="91425" wrap="square" tIns="91425">
+          <a:bodyPr spcFirstLastPara="1" wrap="square" lIns="91425" tIns="91425" rIns="91425" bIns="91425" anchor="t" anchorCtr="0">
             <a:noAutofit/>
           </a:bodyPr>
           <a:lstStyle/>
           <a:p>
-            <a:pPr indent="0" lvl="0" marL="0" rtl="0" algn="l">
+            <a:pPr marL="0" lvl="0" indent="0" algn="l" rtl="0">
               <a:spcBef>
                 <a:spcPts val="0"/>
               </a:spcBef>
@@ -11956,7 +12209,7 @@
             <a:endParaRPr sz="1600"/>
           </a:p>
           <a:p>
-            <a:pPr indent="0" lvl="0" marL="0" rtl="0" algn="l">
+            <a:pPr marL="0" lvl="0" indent="0" algn="l" rtl="0">
               <a:spcBef>
                 <a:spcPts val="1600"/>
               </a:spcBef>
@@ -11977,7 +12230,7 @@
             <a:endParaRPr sz="1600"/>
           </a:p>
           <a:p>
-            <a:pPr indent="0" lvl="0" marL="0" rtl="0" algn="l">
+            <a:pPr marL="0" lvl="0" indent="0" algn="l" rtl="0">
               <a:spcBef>
                 <a:spcPts val="1600"/>
               </a:spcBef>
@@ -11998,7 +12251,7 @@
             <a:endParaRPr sz="1600"/>
           </a:p>
           <a:p>
-            <a:pPr indent="0" lvl="0" marL="0" rtl="0" algn="l">
+            <a:pPr marL="0" lvl="0" indent="0" algn="l" rtl="0">
               <a:spcBef>
                 <a:spcPts val="1600"/>
               </a:spcBef>
@@ -12019,7 +12272,7 @@
             <a:endParaRPr sz="1600"/>
           </a:p>
           <a:p>
-            <a:pPr indent="0" lvl="0" marL="0" rtl="0" algn="l">
+            <a:pPr marL="0" lvl="0" indent="0" algn="l" rtl="0">
               <a:spcBef>
                 <a:spcPts val="1600"/>
               </a:spcBef>
@@ -12040,7 +12293,7 @@
             <a:endParaRPr sz="1600"/>
           </a:p>
           <a:p>
-            <a:pPr indent="0" lvl="0" marL="0" rtl="0" algn="l">
+            <a:pPr marL="0" lvl="0" indent="0" algn="l" rtl="0">
               <a:spcBef>
                 <a:spcPts val="1600"/>
               </a:spcBef>
@@ -12049,13 +12302,10 @@
               </a:spcAft>
               <a:buNone/>
             </a:pPr>
-            <a:r>
-              <a:t/>
-            </a:r>
             <a:endParaRPr sz="1600"/>
           </a:p>
           <a:p>
-            <a:pPr indent="0" lvl="0" marL="0" rtl="0" algn="l">
+            <a:pPr marL="0" lvl="0" indent="0" algn="l" rtl="0">
               <a:spcBef>
                 <a:spcPts val="1600"/>
               </a:spcBef>
@@ -12069,9 +12319,6 @@
               <a:buFont typeface="Arial"/>
               <a:buNone/>
             </a:pPr>
-            <a:r>
-              <a:t/>
-            </a:r>
             <a:endParaRPr sz="1600"/>
           </a:p>
         </p:txBody>
@@ -12085,11 +12332,11 @@
 </file>
 
 <file path=ppt/slides/slide21.xml><?xml version="1.0" encoding="utf-8"?>
-<p:sld xmlns:a="http://schemas.openxmlformats.org/drawingml/2006/main" xmlns:r="http://schemas.openxmlformats.org/officeDocument/2006/relationships" xmlns:mc="http://schemas.openxmlformats.org/markup-compatibility/2006" xmlns:mv="urn:schemas-microsoft-com:mac:vml" xmlns:p="http://schemas.openxmlformats.org/presentationml/2006/main" xmlns:c="http://schemas.openxmlformats.org/drawingml/2006/chart" xmlns:dgm="http://schemas.openxmlformats.org/drawingml/2006/diagram" xmlns:o="urn:schemas-microsoft-com:office:office" xmlns:v="urn:schemas-microsoft-com:vml" xmlns:pvml="urn:schemas-microsoft-com:office:powerpoint" xmlns:com="http://schemas.openxmlformats.org/drawingml/2006/compatibility" xmlns:p14="http://schemas.microsoft.com/office/powerpoint/2010/main" xmlns:p15="http://schemas.microsoft.com/office/powerpoint/2012/main">
+<p:sld xmlns:a="http://schemas.openxmlformats.org/drawingml/2006/main" xmlns:r="http://schemas.openxmlformats.org/officeDocument/2006/relationships" xmlns:p="http://schemas.openxmlformats.org/presentationml/2006/main">
   <p:cSld>
     <p:spTree>
       <p:nvGrpSpPr>
-        <p:cNvPr id="235" name="Shape 235"/>
+        <p:cNvPr id="1" name="Shape 235"/>
         <p:cNvGrpSpPr/>
         <p:nvPr/>
       </p:nvGrpSpPr>
@@ -12104,7 +12351,9 @@
       <p:sp>
         <p:nvSpPr>
           <p:cNvPr id="236" name="Google Shape;236;p33"/>
-          <p:cNvSpPr txBox="1"/>
+          <p:cNvSpPr txBox="1">
+            <a:spLocks noGrp="1"/>
+          </p:cNvSpPr>
           <p:nvPr>
             <p:ph type="ctrTitle"/>
           </p:nvPr>
@@ -12119,12 +12368,12 @@
           </a:prstGeom>
         </p:spPr>
         <p:txBody>
-          <a:bodyPr anchorCtr="0" anchor="b" bIns="91425" lIns="91425" spcFirstLastPara="1" rIns="91425" wrap="square" tIns="91425">
+          <a:bodyPr spcFirstLastPara="1" wrap="square" lIns="91425" tIns="91425" rIns="91425" bIns="91425" anchor="b" anchorCtr="0">
             <a:noAutofit/>
           </a:bodyPr>
           <a:lstStyle/>
           <a:p>
-            <a:pPr indent="0" lvl="0" marL="0" rtl="0" algn="ctr">
+            <a:pPr marL="0" lvl="0" indent="0" algn="ctr" rtl="0">
               <a:spcBef>
                 <a:spcPts val="0"/>
               </a:spcBef>
@@ -12144,9 +12393,11 @@
       <p:sp>
         <p:nvSpPr>
           <p:cNvPr id="237" name="Google Shape;237;p33"/>
-          <p:cNvSpPr txBox="1"/>
+          <p:cNvSpPr txBox="1">
+            <a:spLocks noGrp="1"/>
+          </p:cNvSpPr>
           <p:nvPr>
-            <p:ph idx="1" type="subTitle"/>
+            <p:ph type="subTitle" idx="1"/>
           </p:nvPr>
         </p:nvSpPr>
         <p:spPr>
@@ -12159,23 +12410,20 @@
           </a:prstGeom>
         </p:spPr>
         <p:txBody>
-          <a:bodyPr anchorCtr="0" anchor="t" bIns="91425" lIns="91425" spcFirstLastPara="1" rIns="91425" wrap="square" tIns="91425">
+          <a:bodyPr spcFirstLastPara="1" wrap="square" lIns="91425" tIns="91425" rIns="91425" bIns="91425" anchor="t" anchorCtr="0">
             <a:noAutofit/>
           </a:bodyPr>
           <a:lstStyle/>
           <a:p>
-            <a:pPr indent="0" lvl="0" marL="0" rtl="0" algn="l">
-              <a:spcBef>
-                <a:spcPts val="0"/>
-              </a:spcBef>
-              <a:spcAft>
-                <a:spcPts val="0"/>
-              </a:spcAft>
-              <a:buNone/>
-            </a:pPr>
-            <a:r>
-              <a:t/>
-            </a:r>
+            <a:pPr marL="0" lvl="0" indent="0" algn="l" rtl="0">
+              <a:spcBef>
+                <a:spcPts val="0"/>
+              </a:spcBef>
+              <a:spcAft>
+                <a:spcPts val="0"/>
+              </a:spcAft>
+              <a:buNone/>
+            </a:pPr>
             <a:endParaRPr/>
           </a:p>
         </p:txBody>
@@ -12217,11 +12465,11 @@
 </file>
 
 <file path=ppt/slides/slide3.xml><?xml version="1.0" encoding="utf-8"?>
-<p:sld xmlns:a="http://schemas.openxmlformats.org/drawingml/2006/main" xmlns:r="http://schemas.openxmlformats.org/officeDocument/2006/relationships" xmlns:mc="http://schemas.openxmlformats.org/markup-compatibility/2006" xmlns:mv="urn:schemas-microsoft-com:mac:vml" xmlns:p="http://schemas.openxmlformats.org/presentationml/2006/main" xmlns:c="http://schemas.openxmlformats.org/drawingml/2006/chart" xmlns:dgm="http://schemas.openxmlformats.org/drawingml/2006/diagram" xmlns:o="urn:schemas-microsoft-com:office:office" xmlns:v="urn:schemas-microsoft-com:vml" xmlns:pvml="urn:schemas-microsoft-com:office:powerpoint" xmlns:com="http://schemas.openxmlformats.org/drawingml/2006/compatibility" xmlns:p14="http://schemas.microsoft.com/office/powerpoint/2010/main" xmlns:p15="http://schemas.microsoft.com/office/powerpoint/2012/main">
+<p:sld xmlns:a="http://schemas.openxmlformats.org/drawingml/2006/main" xmlns:r="http://schemas.openxmlformats.org/officeDocument/2006/relationships" xmlns:p="http://schemas.openxmlformats.org/presentationml/2006/main">
   <p:cSld>
     <p:spTree>
       <p:nvGrpSpPr>
-        <p:cNvPr id="79" name="Shape 79"/>
+        <p:cNvPr id="1" name="Shape 79"/>
         <p:cNvGrpSpPr/>
         <p:nvPr/>
       </p:nvGrpSpPr>
@@ -12236,7 +12484,9 @@
       <p:sp>
         <p:nvSpPr>
           <p:cNvPr id="80" name="Google Shape;80;p15"/>
-          <p:cNvSpPr txBox="1"/>
+          <p:cNvSpPr txBox="1">
+            <a:spLocks noGrp="1"/>
+          </p:cNvSpPr>
           <p:nvPr>
             <p:ph type="title"/>
           </p:nvPr>
@@ -12251,22 +12501,22 @@
           </a:prstGeom>
         </p:spPr>
         <p:txBody>
-          <a:bodyPr anchorCtr="0" anchor="t" bIns="91425" lIns="91425" spcFirstLastPara="1" rIns="91425" wrap="square" tIns="91425">
+          <a:bodyPr spcFirstLastPara="1" wrap="square" lIns="91425" tIns="91425" rIns="91425" bIns="91425" anchor="t" anchorCtr="0">
             <a:noAutofit/>
           </a:bodyPr>
           <a:lstStyle/>
           <a:p>
-            <a:pPr indent="0" lvl="0" marL="0" rtl="0" algn="l">
-              <a:spcBef>
-                <a:spcPts val="0"/>
-              </a:spcBef>
-              <a:spcAft>
-                <a:spcPts val="0"/>
-              </a:spcAft>
-              <a:buNone/>
-            </a:pPr>
-            <a:r>
-              <a:rPr b="1" lang="en" u="sng"/>
+            <a:pPr marL="0" lvl="0" indent="0" algn="l" rtl="0">
+              <a:spcBef>
+                <a:spcPts val="0"/>
+              </a:spcBef>
+              <a:spcAft>
+                <a:spcPts val="0"/>
+              </a:spcAft>
+              <a:buNone/>
+            </a:pPr>
+            <a:r>
+              <a:rPr lang="en" b="1" u="sng"/>
               <a:t>Contents:</a:t>
             </a:r>
             <a:endParaRPr b="1" u="sng"/>
@@ -12276,9 +12526,11 @@
       <p:sp>
         <p:nvSpPr>
           <p:cNvPr id="81" name="Google Shape;81;p15"/>
-          <p:cNvSpPr txBox="1"/>
+          <p:cNvSpPr txBox="1">
+            <a:spLocks noGrp="1"/>
+          </p:cNvSpPr>
           <p:nvPr>
-            <p:ph idx="1" type="body"/>
+            <p:ph type="body" idx="1"/>
           </p:nvPr>
         </p:nvSpPr>
         <p:spPr>
@@ -12291,12 +12543,12 @@
           </a:prstGeom>
         </p:spPr>
         <p:txBody>
-          <a:bodyPr anchorCtr="0" anchor="t" bIns="91425" lIns="91425" spcFirstLastPara="1" rIns="91425" wrap="square" tIns="91425">
+          <a:bodyPr spcFirstLastPara="1" wrap="square" lIns="91425" tIns="91425" rIns="91425" bIns="91425" anchor="t" anchorCtr="0">
             <a:noAutofit/>
           </a:bodyPr>
           <a:lstStyle/>
           <a:p>
-            <a:pPr indent="-342900" lvl="0" marL="457200" rtl="0" algn="l">
+            <a:pPr marL="457200" lvl="0" indent="-342900" algn="l" rtl="0">
               <a:lnSpc>
                 <a:spcPct val="150000"/>
               </a:lnSpc>
@@ -12310,13 +12562,13 @@
               <a:buChar char="➢"/>
             </a:pPr>
             <a:r>
-              <a:rPr b="1" lang="en"/>
+              <a:rPr lang="en" b="1"/>
               <a:t>What is Selenium?</a:t>
             </a:r>
             <a:endParaRPr b="1"/>
           </a:p>
           <a:p>
-            <a:pPr indent="-342900" lvl="0" marL="457200" rtl="0" algn="l">
+            <a:pPr marL="457200" lvl="0" indent="-342900" algn="l" rtl="0">
               <a:lnSpc>
                 <a:spcPct val="150000"/>
               </a:lnSpc>
@@ -12330,13 +12582,13 @@
               <a:buChar char="➢"/>
             </a:pPr>
             <a:r>
-              <a:rPr b="1" lang="en"/>
+              <a:rPr lang="en" b="1"/>
               <a:t>What is Automation testing?</a:t>
             </a:r>
             <a:endParaRPr b="1"/>
           </a:p>
           <a:p>
-            <a:pPr indent="-342900" lvl="0" marL="457200" rtl="0" algn="l">
+            <a:pPr marL="457200" lvl="0" indent="-342900" algn="l" rtl="0">
               <a:lnSpc>
                 <a:spcPct val="150000"/>
               </a:lnSpc>
@@ -12350,13 +12602,13 @@
               <a:buChar char="➢"/>
             </a:pPr>
             <a:r>
-              <a:rPr b="1" lang="en"/>
+              <a:rPr lang="en" b="1"/>
               <a:t>Challenges with Manual Testing</a:t>
             </a:r>
             <a:endParaRPr b="1"/>
           </a:p>
           <a:p>
-            <a:pPr indent="-342900" lvl="0" marL="457200" rtl="0" algn="l">
+            <a:pPr marL="457200" lvl="0" indent="-342900" algn="l" rtl="0">
               <a:lnSpc>
                 <a:spcPct val="150000"/>
               </a:lnSpc>
@@ -12370,13 +12622,13 @@
               <a:buChar char="➢"/>
             </a:pPr>
             <a:r>
-              <a:rPr b="1" lang="en"/>
+              <a:rPr lang="en" b="1"/>
               <a:t>Features of Selenium</a:t>
             </a:r>
             <a:endParaRPr b="1"/>
           </a:p>
           <a:p>
-            <a:pPr indent="-342900" lvl="0" marL="457200" rtl="0" algn="l">
+            <a:pPr marL="457200" lvl="0" indent="-342900" algn="l" rtl="0">
               <a:lnSpc>
                 <a:spcPct val="150000"/>
               </a:lnSpc>
@@ -12390,13 +12642,13 @@
               <a:buChar char="➢"/>
             </a:pPr>
             <a:r>
-              <a:rPr b="1" lang="en"/>
+              <a:rPr lang="en" b="1"/>
               <a:t>Selenium RC, IDE, GRID, WEB DRIVER</a:t>
             </a:r>
             <a:endParaRPr b="1"/>
           </a:p>
           <a:p>
-            <a:pPr indent="-342900" lvl="0" marL="457200" rtl="0" algn="l">
+            <a:pPr marL="457200" lvl="0" indent="-342900" algn="l" rtl="0">
               <a:lnSpc>
                 <a:spcPct val="150000"/>
               </a:lnSpc>
@@ -12410,13 +12662,13 @@
               <a:buChar char="➢"/>
             </a:pPr>
             <a:r>
-              <a:rPr b="1" lang="en"/>
+              <a:rPr lang="en" b="1"/>
               <a:t>Continuous Integration</a:t>
             </a:r>
             <a:endParaRPr b="1"/>
           </a:p>
           <a:p>
-            <a:pPr indent="-342900" lvl="0" marL="457200" rtl="0" algn="l">
+            <a:pPr marL="457200" lvl="0" indent="-342900" algn="l" rtl="0">
               <a:lnSpc>
                 <a:spcPct val="150000"/>
               </a:lnSpc>
@@ -12430,13 +12682,13 @@
               <a:buChar char="➢"/>
             </a:pPr>
             <a:r>
-              <a:rPr b="1" lang="en"/>
+              <a:rPr lang="en" b="1"/>
               <a:t>Hands-On demo</a:t>
             </a:r>
             <a:endParaRPr b="1"/>
           </a:p>
           <a:p>
-            <a:pPr indent="0" lvl="0" marL="0" rtl="0" algn="l">
+            <a:pPr marL="0" lvl="0" indent="0" algn="l" rtl="0">
               <a:spcBef>
                 <a:spcPts val="1600"/>
               </a:spcBef>
@@ -12445,13 +12697,10 @@
               </a:spcAft>
               <a:buNone/>
             </a:pPr>
-            <a:r>
-              <a:t/>
-            </a:r>
             <a:endParaRPr/>
           </a:p>
           <a:p>
-            <a:pPr indent="0" lvl="0" marL="0" rtl="0" algn="l">
+            <a:pPr marL="0" lvl="0" indent="0" algn="l" rtl="0">
               <a:spcBef>
                 <a:spcPts val="1600"/>
               </a:spcBef>
@@ -12460,9 +12709,6 @@
               </a:spcAft>
               <a:buNone/>
             </a:pPr>
-            <a:r>
-              <a:t/>
-            </a:r>
             <a:endParaRPr/>
           </a:p>
         </p:txBody>
@@ -12504,11 +12750,11 @@
 </file>
 
 <file path=ppt/slides/slide4.xml><?xml version="1.0" encoding="utf-8"?>
-<p:sld xmlns:a="http://schemas.openxmlformats.org/drawingml/2006/main" xmlns:r="http://schemas.openxmlformats.org/officeDocument/2006/relationships" xmlns:mc="http://schemas.openxmlformats.org/markup-compatibility/2006" xmlns:mv="urn:schemas-microsoft-com:mac:vml" xmlns:p="http://schemas.openxmlformats.org/presentationml/2006/main" xmlns:c="http://schemas.openxmlformats.org/drawingml/2006/chart" xmlns:dgm="http://schemas.openxmlformats.org/drawingml/2006/diagram" xmlns:o="urn:schemas-microsoft-com:office:office" xmlns:v="urn:schemas-microsoft-com:vml" xmlns:pvml="urn:schemas-microsoft-com:office:powerpoint" xmlns:com="http://schemas.openxmlformats.org/drawingml/2006/compatibility" xmlns:p14="http://schemas.microsoft.com/office/powerpoint/2010/main" xmlns:p15="http://schemas.microsoft.com/office/powerpoint/2012/main">
+<p:sld xmlns:a="http://schemas.openxmlformats.org/drawingml/2006/main" xmlns:r="http://schemas.openxmlformats.org/officeDocument/2006/relationships" xmlns:p="http://schemas.openxmlformats.org/presentationml/2006/main">
   <p:cSld>
     <p:spTree>
       <p:nvGrpSpPr>
-        <p:cNvPr id="86" name="Shape 86"/>
+        <p:cNvPr id="1" name="Shape 86"/>
         <p:cNvGrpSpPr/>
         <p:nvPr/>
       </p:nvGrpSpPr>
@@ -12523,7 +12769,9 @@
       <p:sp>
         <p:nvSpPr>
           <p:cNvPr id="87" name="Google Shape;87;p16"/>
-          <p:cNvSpPr txBox="1"/>
+          <p:cNvSpPr txBox="1">
+            <a:spLocks noGrp="1"/>
+          </p:cNvSpPr>
           <p:nvPr>
             <p:ph type="title"/>
           </p:nvPr>
@@ -12538,12 +12786,12 @@
           </a:prstGeom>
         </p:spPr>
         <p:txBody>
-          <a:bodyPr anchorCtr="0" anchor="t" bIns="91425" lIns="91425" spcFirstLastPara="1" rIns="91425" wrap="square" tIns="91425">
+          <a:bodyPr spcFirstLastPara="1" wrap="square" lIns="91425" tIns="91425" rIns="91425" bIns="91425" anchor="t" anchorCtr="0">
             <a:noAutofit/>
           </a:bodyPr>
           <a:lstStyle/>
           <a:p>
-            <a:pPr indent="0" lvl="0" marL="0" rtl="0" algn="l">
+            <a:pPr marL="0" lvl="0" indent="0" algn="l" rtl="0">
               <a:spcBef>
                 <a:spcPts val="0"/>
               </a:spcBef>
@@ -12563,9 +12811,11 @@
       <p:sp>
         <p:nvSpPr>
           <p:cNvPr id="88" name="Google Shape;88;p16"/>
-          <p:cNvSpPr txBox="1"/>
+          <p:cNvSpPr txBox="1">
+            <a:spLocks noGrp="1"/>
+          </p:cNvSpPr>
           <p:nvPr>
-            <p:ph idx="1" type="body"/>
+            <p:ph type="body" idx="1"/>
           </p:nvPr>
         </p:nvSpPr>
         <p:spPr>
@@ -12578,12 +12828,12 @@
           </a:prstGeom>
         </p:spPr>
         <p:txBody>
-          <a:bodyPr anchorCtr="0" anchor="t" bIns="91425" lIns="91425" spcFirstLastPara="1" rIns="91425" wrap="square" tIns="91425">
+          <a:bodyPr spcFirstLastPara="1" wrap="square" lIns="91425" tIns="91425" rIns="91425" bIns="91425" anchor="t" anchorCtr="0">
             <a:noAutofit/>
           </a:bodyPr>
           <a:lstStyle/>
           <a:p>
-            <a:pPr indent="-342900" lvl="0" marL="457200" rtl="0" algn="l">
+            <a:pPr marL="457200" lvl="0" indent="-342900" algn="l" rtl="0">
               <a:spcBef>
                 <a:spcPts val="0"/>
               </a:spcBef>
@@ -12595,16 +12845,12 @@
             </a:pPr>
             <a:r>
               <a:rPr lang="en"/>
-              <a:t>T</a:t>
-            </a:r>
-            <a:r>
-              <a:rPr lang="en"/>
-              <a:t>ool which is used for automating the tests carried out on web browsers</a:t>
+              <a:t>Tool which is used for automating the tests carried out on web browsers</a:t>
             </a:r>
             <a:endParaRPr/>
           </a:p>
           <a:p>
-            <a:pPr indent="-342900" lvl="0" marL="457200" rtl="0" algn="l">
+            <a:pPr marL="457200" lvl="0" indent="-342900" algn="l" rtl="0">
               <a:spcBef>
                 <a:spcPts val="0"/>
               </a:spcBef>
@@ -12621,7 +12867,7 @@
             <a:endParaRPr/>
           </a:p>
           <a:p>
-            <a:pPr indent="-342900" lvl="0" marL="457200" rtl="0" algn="l">
+            <a:pPr marL="457200" lvl="0" indent="-342900" algn="l" rtl="0">
               <a:spcBef>
                 <a:spcPts val="0"/>
               </a:spcBef>
@@ -12638,7 +12884,7 @@
             <a:endParaRPr/>
           </a:p>
           <a:p>
-            <a:pPr indent="-342900" lvl="0" marL="457200" rtl="0" algn="l">
+            <a:pPr marL="457200" lvl="0" indent="-342900" algn="l" rtl="0">
               <a:spcBef>
                 <a:spcPts val="0"/>
               </a:spcBef>
@@ -12655,7 +12901,7 @@
             <a:endParaRPr/>
           </a:p>
           <a:p>
-            <a:pPr indent="-342900" lvl="0" marL="457200" rtl="0" algn="l">
+            <a:pPr marL="457200" lvl="0" indent="-342900" algn="l" rtl="0">
               <a:spcBef>
                 <a:spcPts val="0"/>
               </a:spcBef>
@@ -12672,7 +12918,7 @@
             <a:endParaRPr/>
           </a:p>
           <a:p>
-            <a:pPr indent="-342900" lvl="0" marL="457200" rtl="0" algn="l">
+            <a:pPr marL="457200" lvl="0" indent="-342900" algn="l" rtl="0">
               <a:spcBef>
                 <a:spcPts val="0"/>
               </a:spcBef>
@@ -12740,23 +12986,20 @@
           </a:ln>
         </p:spPr>
         <p:txBody>
-          <a:bodyPr anchorCtr="0" anchor="t" bIns="91425" lIns="91425" spcFirstLastPara="1" rIns="91425" wrap="square" tIns="91425">
+          <a:bodyPr spcFirstLastPara="1" wrap="square" lIns="91425" tIns="91425" rIns="91425" bIns="91425" anchor="t" anchorCtr="0">
             <a:noAutofit/>
           </a:bodyPr>
           <a:lstStyle/>
           <a:p>
-            <a:pPr indent="0" lvl="0" marL="0" rtl="0" algn="l">
-              <a:spcBef>
-                <a:spcPts val="0"/>
-              </a:spcBef>
-              <a:spcAft>
-                <a:spcPts val="0"/>
-              </a:spcAft>
-              <a:buNone/>
-            </a:pPr>
-            <a:r>
-              <a:t/>
-            </a:r>
+            <a:pPr marL="0" lvl="0" indent="0" algn="l" rtl="0">
+              <a:spcBef>
+                <a:spcPts val="0"/>
+              </a:spcBef>
+              <a:spcAft>
+                <a:spcPts val="0"/>
+              </a:spcAft>
+              <a:buNone/>
+            </a:pPr>
             <a:endParaRPr sz="1200">
               <a:latin typeface="Proxima Nova"/>
               <a:ea typeface="Proxima Nova"/>
@@ -12786,12 +13029,12 @@
           </a:ln>
         </p:spPr>
         <p:txBody>
-          <a:bodyPr anchorCtr="0" anchor="t" bIns="91425" lIns="91425" spcFirstLastPara="1" rIns="91425" wrap="square" tIns="91425">
+          <a:bodyPr spcFirstLastPara="1" wrap="square" lIns="91425" tIns="91425" rIns="91425" bIns="91425" anchor="t" anchorCtr="0">
             <a:noAutofit/>
           </a:bodyPr>
           <a:lstStyle/>
           <a:p>
-            <a:pPr indent="0" lvl="0" marL="0" rtl="0" algn="l">
+            <a:pPr marL="0" lvl="0" indent="0" algn="l" rtl="0">
               <a:lnSpc>
                 <a:spcPct val="115000"/>
               </a:lnSpc>
@@ -12812,7 +13055,7 @@
                 <a:ea typeface="Times New Roman"/>
                 <a:cs typeface="Times New Roman"/>
                 <a:sym typeface="Times New Roman"/>
-                <a:hlinkClick r:id="rId5"/>
+                <a:hlinkClick r:id="rId4"/>
               </a:rPr>
               <a:t>(Source:</a:t>
             </a:r>
@@ -12821,7 +13064,7 @@
                 <a:solidFill>
                   <a:schemeClr val="accent5"/>
                 </a:solidFill>
-                <a:hlinkClick r:id="rId6"/>
+                <a:hlinkClick r:id="rId4"/>
               </a:rPr>
               <a:t>https://www.edureka.co/blog/what-is-selenium/#SeleniumQTPRFT</a:t>
             </a:r>
@@ -12834,7 +13077,7 @@
                 <a:ea typeface="Times New Roman"/>
                 <a:cs typeface="Times New Roman"/>
                 <a:sym typeface="Times New Roman"/>
-                <a:hlinkClick r:id="rId7"/>
+                <a:hlinkClick r:id="rId4"/>
               </a:rPr>
               <a:t>)</a:t>
             </a:r>
@@ -12867,12 +13110,12 @@
           </a:ln>
         </p:spPr>
         <p:txBody>
-          <a:bodyPr anchorCtr="0" anchor="t" bIns="91425" lIns="91425" spcFirstLastPara="1" rIns="91425" wrap="square" tIns="91425">
+          <a:bodyPr spcFirstLastPara="1" wrap="square" lIns="91425" tIns="91425" rIns="91425" bIns="91425" anchor="t" anchorCtr="0">
             <a:noAutofit/>
           </a:bodyPr>
           <a:lstStyle/>
           <a:p>
-            <a:pPr indent="0" lvl="0" marL="0" rtl="0" algn="l">
+            <a:pPr marL="0" lvl="0" indent="0" algn="l" rtl="0">
               <a:spcBef>
                 <a:spcPts val="0"/>
               </a:spcBef>
@@ -12908,11 +13151,11 @@
 </file>
 
 <file path=ppt/slides/slide5.xml><?xml version="1.0" encoding="utf-8"?>
-<p:sld xmlns:a="http://schemas.openxmlformats.org/drawingml/2006/main" xmlns:r="http://schemas.openxmlformats.org/officeDocument/2006/relationships" xmlns:mc="http://schemas.openxmlformats.org/markup-compatibility/2006" xmlns:mv="urn:schemas-microsoft-com:mac:vml" xmlns:p="http://schemas.openxmlformats.org/presentationml/2006/main" xmlns:c="http://schemas.openxmlformats.org/drawingml/2006/chart" xmlns:dgm="http://schemas.openxmlformats.org/drawingml/2006/diagram" xmlns:o="urn:schemas-microsoft-com:office:office" xmlns:v="urn:schemas-microsoft-com:vml" xmlns:pvml="urn:schemas-microsoft-com:office:powerpoint" xmlns:com="http://schemas.openxmlformats.org/drawingml/2006/compatibility" xmlns:p14="http://schemas.microsoft.com/office/powerpoint/2010/main" xmlns:p15="http://schemas.microsoft.com/office/powerpoint/2012/main">
+<p:sld xmlns:a="http://schemas.openxmlformats.org/drawingml/2006/main" xmlns:r="http://schemas.openxmlformats.org/officeDocument/2006/relationships" xmlns:p="http://schemas.openxmlformats.org/presentationml/2006/main">
   <p:cSld>
     <p:spTree>
       <p:nvGrpSpPr>
-        <p:cNvPr id="96" name="Shape 96"/>
+        <p:cNvPr id="1" name="Shape 96"/>
         <p:cNvGrpSpPr/>
         <p:nvPr/>
       </p:nvGrpSpPr>
@@ -12927,7 +13170,9 @@
       <p:sp>
         <p:nvSpPr>
           <p:cNvPr id="97" name="Google Shape;97;p17"/>
-          <p:cNvSpPr txBox="1"/>
+          <p:cNvSpPr txBox="1">
+            <a:spLocks noGrp="1"/>
+          </p:cNvSpPr>
           <p:nvPr>
             <p:ph type="title"/>
           </p:nvPr>
@@ -12942,12 +13187,12 @@
           </a:prstGeom>
         </p:spPr>
         <p:txBody>
-          <a:bodyPr anchorCtr="0" anchor="t" bIns="91425" lIns="91425" spcFirstLastPara="1" rIns="91425" wrap="square" tIns="91425">
+          <a:bodyPr spcFirstLastPara="1" wrap="square" lIns="91425" tIns="91425" rIns="91425" bIns="91425" anchor="t" anchorCtr="0">
             <a:noAutofit/>
           </a:bodyPr>
           <a:lstStyle/>
           <a:p>
-            <a:pPr indent="0" lvl="0" marL="0" rtl="0" algn="l">
+            <a:pPr marL="0" lvl="0" indent="0" algn="l" rtl="0">
               <a:spcBef>
                 <a:spcPts val="0"/>
               </a:spcBef>
@@ -12967,9 +13212,11 @@
       <p:sp>
         <p:nvSpPr>
           <p:cNvPr id="98" name="Google Shape;98;p17"/>
-          <p:cNvSpPr txBox="1"/>
+          <p:cNvSpPr txBox="1">
+            <a:spLocks noGrp="1"/>
+          </p:cNvSpPr>
           <p:nvPr>
-            <p:ph idx="1" type="body"/>
+            <p:ph type="body" idx="1"/>
           </p:nvPr>
         </p:nvSpPr>
         <p:spPr>
@@ -12982,12 +13229,12 @@
           </a:prstGeom>
         </p:spPr>
         <p:txBody>
-          <a:bodyPr anchorCtr="0" anchor="t" bIns="91425" lIns="91425" spcFirstLastPara="1" rIns="91425" wrap="square" tIns="91425">
+          <a:bodyPr spcFirstLastPara="1" wrap="square" lIns="91425" tIns="91425" rIns="91425" bIns="91425" anchor="t" anchorCtr="0">
             <a:noAutofit/>
           </a:bodyPr>
           <a:lstStyle/>
           <a:p>
-            <a:pPr indent="-342900" lvl="0" marL="457200" rtl="0" algn="l">
+            <a:pPr marL="457200" lvl="0" indent="-342900" algn="l" rtl="0">
               <a:spcBef>
                 <a:spcPts val="0"/>
               </a:spcBef>
@@ -13004,7 +13251,7 @@
             <a:endParaRPr/>
           </a:p>
           <a:p>
-            <a:pPr indent="-342900" lvl="0" marL="457200" rtl="0" algn="l">
+            <a:pPr marL="457200" lvl="0" indent="-342900" algn="l" rtl="0">
               <a:spcBef>
                 <a:spcPts val="0"/>
               </a:spcBef>
@@ -13021,7 +13268,7 @@
             <a:endParaRPr/>
           </a:p>
           <a:p>
-            <a:pPr indent="-342900" lvl="0" marL="457200" rtl="0" algn="l">
+            <a:pPr marL="457200" lvl="0" indent="-342900" algn="l" rtl="0">
               <a:spcBef>
                 <a:spcPts val="0"/>
               </a:spcBef>
@@ -13038,7 +13285,7 @@
             <a:endParaRPr/>
           </a:p>
           <a:p>
-            <a:pPr indent="-342900" lvl="0" marL="457200" rtl="0" algn="l">
+            <a:pPr marL="457200" lvl="0" indent="-342900" algn="l" rtl="0">
               <a:spcBef>
                 <a:spcPts val="0"/>
               </a:spcBef>
@@ -13055,7 +13302,7 @@
             <a:endParaRPr/>
           </a:p>
           <a:p>
-            <a:pPr indent="-342900" lvl="0" marL="457200" rtl="0" algn="l">
+            <a:pPr marL="457200" lvl="0" indent="-342900" algn="l" rtl="0">
               <a:spcBef>
                 <a:spcPts val="0"/>
               </a:spcBef>
@@ -13093,12 +13340,12 @@
           </a:ln>
         </p:spPr>
         <p:txBody>
-          <a:bodyPr anchorCtr="0" anchor="t" bIns="91425" lIns="91425" spcFirstLastPara="1" rIns="91425" wrap="square" tIns="91425">
+          <a:bodyPr spcFirstLastPara="1" wrap="square" lIns="91425" tIns="91425" rIns="91425" bIns="91425" anchor="t" anchorCtr="0">
             <a:noAutofit/>
           </a:bodyPr>
           <a:lstStyle/>
           <a:p>
-            <a:pPr indent="0" lvl="0" marL="0" rtl="0" algn="l">
+            <a:pPr marL="0" lvl="0" indent="0" algn="l" rtl="0">
               <a:lnSpc>
                 <a:spcPct val="115000"/>
               </a:lnSpc>
@@ -13128,7 +13375,7 @@
                 <a:solidFill>
                   <a:schemeClr val="hlink"/>
                 </a:solidFill>
-                <a:hlinkClick r:id="rId4"/>
+                <a:hlinkClick r:id="rId3"/>
               </a:rPr>
               <a:t>https://www.test-institute.org/Automated_Software_Testing.php</a:t>
             </a:r>
@@ -13141,7 +13388,7 @@
                 <a:ea typeface="Times New Roman"/>
                 <a:cs typeface="Times New Roman"/>
                 <a:sym typeface="Times New Roman"/>
-                <a:hlinkClick r:id="rId5"/>
+                <a:hlinkClick r:id="rId3"/>
               </a:rPr>
               <a:t>)</a:t>
             </a:r>
@@ -13161,7 +13408,7 @@
           <p:nvPr/>
         </p:nvPicPr>
         <p:blipFill>
-          <a:blip r:embed="rId6">
+          <a:blip r:embed="rId4">
             <a:alphaModFix/>
           </a:blip>
           <a:stretch>
@@ -13202,12 +13449,12 @@
           </a:ln>
         </p:spPr>
         <p:txBody>
-          <a:bodyPr anchorCtr="0" anchor="t" bIns="91425" lIns="91425" spcFirstLastPara="1" rIns="91425" wrap="square" tIns="91425">
+          <a:bodyPr spcFirstLastPara="1" wrap="square" lIns="91425" tIns="91425" rIns="91425" bIns="91425" anchor="t" anchorCtr="0">
             <a:noAutofit/>
           </a:bodyPr>
           <a:lstStyle/>
           <a:p>
-            <a:pPr indent="0" lvl="0" marL="0" rtl="0" algn="l">
+            <a:pPr marL="0" lvl="0" indent="0" algn="l" rtl="0">
               <a:spcBef>
                 <a:spcPts val="0"/>
               </a:spcBef>
@@ -13238,11 +13485,11 @@
 </file>
 
 <file path=ppt/slides/slide6.xml><?xml version="1.0" encoding="utf-8"?>
-<p:sld xmlns:a="http://schemas.openxmlformats.org/drawingml/2006/main" xmlns:r="http://schemas.openxmlformats.org/officeDocument/2006/relationships" xmlns:mc="http://schemas.openxmlformats.org/markup-compatibility/2006" xmlns:mv="urn:schemas-microsoft-com:mac:vml" xmlns:p="http://schemas.openxmlformats.org/presentationml/2006/main" xmlns:c="http://schemas.openxmlformats.org/drawingml/2006/chart" xmlns:dgm="http://schemas.openxmlformats.org/drawingml/2006/diagram" xmlns:o="urn:schemas-microsoft-com:office:office" xmlns:v="urn:schemas-microsoft-com:vml" xmlns:pvml="urn:schemas-microsoft-com:office:powerpoint" xmlns:com="http://schemas.openxmlformats.org/drawingml/2006/compatibility" xmlns:p14="http://schemas.microsoft.com/office/powerpoint/2010/main" xmlns:p15="http://schemas.microsoft.com/office/powerpoint/2012/main">
+<p:sld xmlns:a="http://schemas.openxmlformats.org/drawingml/2006/main" xmlns:r="http://schemas.openxmlformats.org/officeDocument/2006/relationships" xmlns:p="http://schemas.openxmlformats.org/presentationml/2006/main">
   <p:cSld>
     <p:spTree>
       <p:nvGrpSpPr>
-        <p:cNvPr id="105" name="Shape 105"/>
+        <p:cNvPr id="1" name="Shape 105"/>
         <p:cNvGrpSpPr/>
         <p:nvPr/>
       </p:nvGrpSpPr>
@@ -13302,12 +13549,12 @@
           </a:ln>
         </p:spPr>
         <p:txBody>
-          <a:bodyPr anchorCtr="0" anchor="t" bIns="91425" lIns="91425" spcFirstLastPara="1" rIns="91425" wrap="square" tIns="91425">
+          <a:bodyPr spcFirstLastPara="1" wrap="square" lIns="91425" tIns="91425" rIns="91425" bIns="91425" anchor="t" anchorCtr="0">
             <a:noAutofit/>
           </a:bodyPr>
           <a:lstStyle/>
           <a:p>
-            <a:pPr indent="0" lvl="0" marL="0" rtl="0" algn="l">
+            <a:pPr marL="0" lvl="0" indent="0" algn="l" rtl="0">
               <a:lnSpc>
                 <a:spcPct val="115000"/>
               </a:lnSpc>
@@ -13337,7 +13584,7 @@
                 <a:solidFill>
                   <a:schemeClr val="hlink"/>
                 </a:solidFill>
-                <a:hlinkClick r:id="rId5"/>
+                <a:hlinkClick r:id="rId4"/>
               </a:rPr>
               <a:t>https://www.test-institute.org/Automated_Software_Testing.php</a:t>
             </a:r>
@@ -13350,7 +13597,7 @@
                 <a:ea typeface="Times New Roman"/>
                 <a:cs typeface="Times New Roman"/>
                 <a:sym typeface="Times New Roman"/>
-                <a:hlinkClick r:id="rId6"/>
+                <a:hlinkClick r:id="rId4"/>
               </a:rPr>
               <a:t>)</a:t>
             </a:r>
@@ -13370,7 +13617,7 @@
           <p:nvPr/>
         </p:nvPicPr>
         <p:blipFill>
-          <a:blip r:embed="rId7">
+          <a:blip r:embed="rId5">
             <a:alphaModFix/>
           </a:blip>
           <a:stretch>
@@ -13411,12 +13658,12 @@
           </a:ln>
         </p:spPr>
         <p:txBody>
-          <a:bodyPr anchorCtr="0" anchor="t" bIns="91425" lIns="91425" spcFirstLastPara="1" rIns="91425" wrap="square" tIns="91425">
+          <a:bodyPr spcFirstLastPara="1" wrap="square" lIns="91425" tIns="91425" rIns="91425" bIns="91425" anchor="t" anchorCtr="0">
             <a:noAutofit/>
           </a:bodyPr>
           <a:lstStyle/>
           <a:p>
-            <a:pPr indent="0" lvl="0" marL="0" rtl="0" algn="l">
+            <a:pPr marL="0" lvl="0" indent="0" algn="l" rtl="0">
               <a:spcBef>
                 <a:spcPts val="0"/>
               </a:spcBef>
@@ -13447,11 +13694,11 @@
 </file>
 
 <file path=ppt/slides/slide7.xml><?xml version="1.0" encoding="utf-8"?>
-<p:sld xmlns:a="http://schemas.openxmlformats.org/drawingml/2006/main" xmlns:r="http://schemas.openxmlformats.org/officeDocument/2006/relationships" xmlns:mc="http://schemas.openxmlformats.org/markup-compatibility/2006" xmlns:mv="urn:schemas-microsoft-com:mac:vml" xmlns:p="http://schemas.openxmlformats.org/presentationml/2006/main" xmlns:c="http://schemas.openxmlformats.org/drawingml/2006/chart" xmlns:dgm="http://schemas.openxmlformats.org/drawingml/2006/diagram" xmlns:o="urn:schemas-microsoft-com:office:office" xmlns:v="urn:schemas-microsoft-com:vml" xmlns:pvml="urn:schemas-microsoft-com:office:powerpoint" xmlns:com="http://schemas.openxmlformats.org/drawingml/2006/compatibility" xmlns:p14="http://schemas.microsoft.com/office/powerpoint/2010/main" xmlns:p15="http://schemas.microsoft.com/office/powerpoint/2012/main">
+<p:sld xmlns:a="http://schemas.openxmlformats.org/drawingml/2006/main" xmlns:r="http://schemas.openxmlformats.org/officeDocument/2006/relationships" xmlns:p="http://schemas.openxmlformats.org/presentationml/2006/main">
   <p:cSld>
     <p:spTree>
       <p:nvGrpSpPr>
-        <p:cNvPr id="113" name="Shape 113"/>
+        <p:cNvPr id="1" name="Shape 113"/>
         <p:cNvGrpSpPr/>
         <p:nvPr/>
       </p:nvGrpSpPr>
@@ -13466,7 +13713,9 @@
       <p:sp>
         <p:nvSpPr>
           <p:cNvPr id="114" name="Google Shape;114;p19"/>
-          <p:cNvSpPr txBox="1"/>
+          <p:cNvSpPr txBox="1">
+            <a:spLocks noGrp="1"/>
+          </p:cNvSpPr>
           <p:nvPr>
             <p:ph type="title"/>
           </p:nvPr>
@@ -13481,12 +13730,12 @@
           </a:prstGeom>
         </p:spPr>
         <p:txBody>
-          <a:bodyPr anchorCtr="0" anchor="t" bIns="91425" lIns="91425" spcFirstLastPara="1" rIns="91425" wrap="square" tIns="91425">
+          <a:bodyPr spcFirstLastPara="1" wrap="square" lIns="91425" tIns="91425" rIns="91425" bIns="91425" anchor="t" anchorCtr="0">
             <a:noAutofit/>
           </a:bodyPr>
           <a:lstStyle/>
           <a:p>
-            <a:pPr indent="0" lvl="0" marL="0" rtl="0" algn="l">
+            <a:pPr marL="0" lvl="0" indent="0" algn="l" rtl="0">
               <a:spcBef>
                 <a:spcPts val="0"/>
               </a:spcBef>
@@ -13506,9 +13755,11 @@
       <p:sp>
         <p:nvSpPr>
           <p:cNvPr id="115" name="Google Shape;115;p19"/>
-          <p:cNvSpPr txBox="1"/>
+          <p:cNvSpPr txBox="1">
+            <a:spLocks noGrp="1"/>
+          </p:cNvSpPr>
           <p:nvPr>
-            <p:ph idx="1" type="body"/>
+            <p:ph type="body" idx="1"/>
           </p:nvPr>
         </p:nvSpPr>
         <p:spPr>
@@ -13521,12 +13772,12 @@
           </a:prstGeom>
         </p:spPr>
         <p:txBody>
-          <a:bodyPr anchorCtr="0" anchor="t" bIns="91425" lIns="91425" spcFirstLastPara="1" rIns="91425" wrap="square" tIns="91425">
+          <a:bodyPr spcFirstLastPara="1" wrap="square" lIns="91425" tIns="91425" rIns="91425" bIns="91425" anchor="t" anchorCtr="0">
             <a:noAutofit/>
           </a:bodyPr>
           <a:lstStyle/>
           <a:p>
-            <a:pPr indent="-342900" lvl="0" marL="457200" rtl="0" algn="l">
+            <a:pPr marL="457200" lvl="0" indent="-342900" algn="l" rtl="0">
               <a:spcBef>
                 <a:spcPts val="0"/>
               </a:spcBef>
@@ -13543,7 +13794,7 @@
             <a:endParaRPr/>
           </a:p>
           <a:p>
-            <a:pPr indent="-342900" lvl="0" marL="457200" rtl="0" algn="l">
+            <a:pPr marL="457200" lvl="0" indent="-342900" algn="l" rtl="0">
               <a:spcBef>
                 <a:spcPts val="0"/>
               </a:spcBef>
@@ -13560,7 +13811,7 @@
             <a:endParaRPr/>
           </a:p>
           <a:p>
-            <a:pPr indent="-342900" lvl="0" marL="457200" rtl="0" algn="l">
+            <a:pPr marL="457200" lvl="0" indent="-342900" algn="l" rtl="0">
               <a:spcBef>
                 <a:spcPts val="0"/>
               </a:spcBef>
@@ -13572,16 +13823,12 @@
             </a:pPr>
             <a:r>
               <a:rPr lang="en"/>
-              <a:t>T</a:t>
-            </a:r>
-            <a:r>
-              <a:rPr lang="en"/>
-              <a:t>he success/ failure rate of every transaction should be recorded using different datasets</a:t>
+              <a:t>The success/ failure rate of every transaction should be recorded using different datasets</a:t>
             </a:r>
             <a:endParaRPr/>
           </a:p>
           <a:p>
-            <a:pPr indent="-342900" lvl="0" marL="457200" rtl="0" algn="l">
+            <a:pPr marL="457200" lvl="0" indent="-342900" algn="l" rtl="0">
               <a:spcBef>
                 <a:spcPts val="0"/>
               </a:spcBef>
@@ -13598,7 +13845,7 @@
             <a:endParaRPr/>
           </a:p>
           <a:p>
-            <a:pPr indent="-342900" lvl="0" marL="457200" rtl="0" algn="l">
+            <a:pPr marL="457200" lvl="0" indent="-342900" algn="l" rtl="0">
               <a:spcBef>
                 <a:spcPts val="0"/>
               </a:spcBef>
@@ -13636,12 +13883,12 @@
           </a:ln>
         </p:spPr>
         <p:txBody>
-          <a:bodyPr anchorCtr="0" anchor="t" bIns="91425" lIns="91425" spcFirstLastPara="1" rIns="91425" wrap="square" tIns="91425">
+          <a:bodyPr spcFirstLastPara="1" wrap="square" lIns="91425" tIns="91425" rIns="91425" bIns="91425" anchor="t" anchorCtr="0">
             <a:noAutofit/>
           </a:bodyPr>
           <a:lstStyle/>
           <a:p>
-            <a:pPr indent="0" lvl="0" marL="0" rtl="0" algn="l">
+            <a:pPr marL="0" lvl="0" indent="0" algn="l" rtl="0">
               <a:lnSpc>
                 <a:spcPct val="115000"/>
               </a:lnSpc>
@@ -13723,12 +13970,12 @@
           </a:ln>
         </p:spPr>
         <p:txBody>
-          <a:bodyPr anchorCtr="0" anchor="t" bIns="91425" lIns="91425" spcFirstLastPara="1" rIns="91425" wrap="square" tIns="91425">
+          <a:bodyPr spcFirstLastPara="1" wrap="square" lIns="91425" tIns="91425" rIns="91425" bIns="91425" anchor="t" anchorCtr="0">
             <a:noAutofit/>
           </a:bodyPr>
           <a:lstStyle/>
           <a:p>
-            <a:pPr indent="0" lvl="0" marL="0" rtl="0" algn="l">
+            <a:pPr marL="0" lvl="0" indent="0" algn="l" rtl="0">
               <a:spcBef>
                 <a:spcPts val="0"/>
               </a:spcBef>
@@ -13759,11 +14006,11 @@
 </file>
 
 <file path=ppt/slides/slide8.xml><?xml version="1.0" encoding="utf-8"?>
-<p:sld xmlns:a="http://schemas.openxmlformats.org/drawingml/2006/main" xmlns:r="http://schemas.openxmlformats.org/officeDocument/2006/relationships" xmlns:mc="http://schemas.openxmlformats.org/markup-compatibility/2006" xmlns:mv="urn:schemas-microsoft-com:mac:vml" xmlns:p="http://schemas.openxmlformats.org/presentationml/2006/main" xmlns:c="http://schemas.openxmlformats.org/drawingml/2006/chart" xmlns:dgm="http://schemas.openxmlformats.org/drawingml/2006/diagram" xmlns:o="urn:schemas-microsoft-com:office:office" xmlns:v="urn:schemas-microsoft-com:vml" xmlns:pvml="urn:schemas-microsoft-com:office:powerpoint" xmlns:com="http://schemas.openxmlformats.org/drawingml/2006/compatibility" xmlns:p14="http://schemas.microsoft.com/office/powerpoint/2010/main" xmlns:p15="http://schemas.microsoft.com/office/powerpoint/2012/main">
+<p:sld xmlns:a="http://schemas.openxmlformats.org/drawingml/2006/main" xmlns:r="http://schemas.openxmlformats.org/officeDocument/2006/relationships" xmlns:p="http://schemas.openxmlformats.org/presentationml/2006/main">
   <p:cSld>
     <p:spTree>
       <p:nvGrpSpPr>
-        <p:cNvPr id="122" name="Shape 122"/>
+        <p:cNvPr id="1" name="Shape 122"/>
         <p:cNvGrpSpPr/>
         <p:nvPr/>
       </p:nvGrpSpPr>
@@ -13823,12 +14070,12 @@
           </a:ln>
         </p:spPr>
         <p:txBody>
-          <a:bodyPr anchorCtr="0" anchor="t" bIns="91425" lIns="91425" spcFirstLastPara="1" rIns="91425" wrap="square" tIns="91425">
+          <a:bodyPr spcFirstLastPara="1" wrap="square" lIns="91425" tIns="91425" rIns="91425" bIns="91425" anchor="t" anchorCtr="0">
             <a:noAutofit/>
           </a:bodyPr>
           <a:lstStyle/>
           <a:p>
-            <a:pPr indent="0" lvl="0" marL="0" rtl="0" algn="l">
+            <a:pPr marL="0" lvl="0" indent="0" algn="l" rtl="0">
               <a:spcBef>
                 <a:spcPts val="0"/>
               </a:spcBef>
@@ -13842,9 +14089,6 @@
               <a:buFont typeface="Arial"/>
               <a:buNone/>
             </a:pPr>
-            <a:r>
-              <a:t/>
-            </a:r>
             <a:endParaRPr>
               <a:latin typeface="Proxima Nova"/>
               <a:ea typeface="Proxima Nova"/>
@@ -13874,12 +14118,12 @@
           </a:ln>
         </p:spPr>
         <p:txBody>
-          <a:bodyPr anchorCtr="0" anchor="t" bIns="91425" lIns="91425" spcFirstLastPara="1" rIns="91425" wrap="square" tIns="91425">
+          <a:bodyPr spcFirstLastPara="1" wrap="square" lIns="91425" tIns="91425" rIns="91425" bIns="91425" anchor="t" anchorCtr="0">
             <a:noAutofit/>
           </a:bodyPr>
           <a:lstStyle/>
           <a:p>
-            <a:pPr indent="0" lvl="0" marL="0" rtl="0" algn="l">
+            <a:pPr marL="0" lvl="0" indent="0" algn="l" rtl="0">
               <a:lnSpc>
                 <a:spcPct val="115000"/>
               </a:lnSpc>
@@ -13961,12 +14205,12 @@
           </a:ln>
         </p:spPr>
         <p:txBody>
-          <a:bodyPr anchorCtr="0" anchor="t" bIns="91425" lIns="91425" spcFirstLastPara="1" rIns="91425" wrap="square" tIns="91425">
+          <a:bodyPr spcFirstLastPara="1" wrap="square" lIns="91425" tIns="91425" rIns="91425" bIns="91425" anchor="t" anchorCtr="0">
             <a:noAutofit/>
           </a:bodyPr>
           <a:lstStyle/>
           <a:p>
-            <a:pPr indent="0" lvl="0" marL="0" rtl="0" algn="l">
+            <a:pPr marL="0" lvl="0" indent="0" algn="l" rtl="0">
               <a:spcBef>
                 <a:spcPts val="0"/>
               </a:spcBef>
@@ -13997,11 +14241,11 @@
 </file>
 
 <file path=ppt/slides/slide9.xml><?xml version="1.0" encoding="utf-8"?>
-<p:sld xmlns:a="http://schemas.openxmlformats.org/drawingml/2006/main" xmlns:r="http://schemas.openxmlformats.org/officeDocument/2006/relationships" xmlns:mc="http://schemas.openxmlformats.org/markup-compatibility/2006" xmlns:mv="urn:schemas-microsoft-com:mac:vml" xmlns:p="http://schemas.openxmlformats.org/presentationml/2006/main" xmlns:c="http://schemas.openxmlformats.org/drawingml/2006/chart" xmlns:dgm="http://schemas.openxmlformats.org/drawingml/2006/diagram" xmlns:o="urn:schemas-microsoft-com:office:office" xmlns:v="urn:schemas-microsoft-com:vml" xmlns:pvml="urn:schemas-microsoft-com:office:powerpoint" xmlns:com="http://schemas.openxmlformats.org/drawingml/2006/compatibility" xmlns:p14="http://schemas.microsoft.com/office/powerpoint/2010/main" xmlns:p15="http://schemas.microsoft.com/office/powerpoint/2012/main">
+<p:sld xmlns:a="http://schemas.openxmlformats.org/drawingml/2006/main" xmlns:r="http://schemas.openxmlformats.org/officeDocument/2006/relationships" xmlns:p="http://schemas.openxmlformats.org/presentationml/2006/main">
   <p:cSld>
     <p:spTree>
       <p:nvGrpSpPr>
-        <p:cNvPr id="131" name="Shape 131"/>
+        <p:cNvPr id="1" name="Shape 131"/>
         <p:cNvGrpSpPr/>
         <p:nvPr/>
       </p:nvGrpSpPr>
@@ -14016,9 +14260,11 @@
       <p:sp>
         <p:nvSpPr>
           <p:cNvPr id="132" name="Google Shape;132;p21"/>
-          <p:cNvSpPr txBox="1"/>
+          <p:cNvSpPr txBox="1">
+            <a:spLocks noGrp="1"/>
+          </p:cNvSpPr>
           <p:nvPr>
-            <p:ph idx="4294967295" type="title"/>
+            <p:ph type="title" idx="4294967295"/>
           </p:nvPr>
         </p:nvSpPr>
         <p:spPr>
@@ -14031,12 +14277,12 @@
           </a:prstGeom>
         </p:spPr>
         <p:txBody>
-          <a:bodyPr anchorCtr="0" anchor="t" bIns="91425" lIns="91425" spcFirstLastPara="1" rIns="91425" wrap="square" tIns="91425">
+          <a:bodyPr spcFirstLastPara="1" wrap="square" lIns="91425" tIns="91425" rIns="91425" bIns="91425" anchor="t" anchorCtr="0">
             <a:noAutofit/>
           </a:bodyPr>
           <a:lstStyle/>
           <a:p>
-            <a:pPr indent="0" lvl="0" marL="0" rtl="0" algn="l">
+            <a:pPr marL="0" lvl="0" indent="0" algn="l" rtl="0">
               <a:spcBef>
                 <a:spcPts val="0"/>
               </a:spcBef>
@@ -14056,9 +14302,11 @@
       <p:sp>
         <p:nvSpPr>
           <p:cNvPr id="133" name="Google Shape;133;p21"/>
-          <p:cNvSpPr txBox="1"/>
+          <p:cNvSpPr txBox="1">
+            <a:spLocks noGrp="1"/>
+          </p:cNvSpPr>
           <p:nvPr>
-            <p:ph idx="4294967295" type="body"/>
+            <p:ph type="body" idx="4294967295"/>
           </p:nvPr>
         </p:nvSpPr>
         <p:spPr>
@@ -14071,12 +14319,12 @@
           </a:prstGeom>
         </p:spPr>
         <p:txBody>
-          <a:bodyPr anchorCtr="0" anchor="t" bIns="91425" lIns="91425" spcFirstLastPara="1" rIns="91425" wrap="square" tIns="91425">
+          <a:bodyPr spcFirstLastPara="1" wrap="square" lIns="91425" tIns="91425" rIns="91425" bIns="91425" anchor="t" anchorCtr="0">
             <a:noAutofit/>
           </a:bodyPr>
           <a:lstStyle/>
           <a:p>
-            <a:pPr indent="-342900" lvl="0" marL="457200" rtl="0" algn="l">
+            <a:pPr marL="457200" lvl="0" indent="-342900" algn="l" rtl="0">
               <a:spcBef>
                 <a:spcPts val="0"/>
               </a:spcBef>
@@ -14093,7 +14341,7 @@
             <a:endParaRPr/>
           </a:p>
           <a:p>
-            <a:pPr indent="0" lvl="0" marL="0" rtl="0" algn="l">
+            <a:pPr marL="0" lvl="0" indent="0" algn="l" rtl="0">
               <a:spcBef>
                 <a:spcPts val="1600"/>
               </a:spcBef>
@@ -14102,13 +14350,10 @@
               </a:spcAft>
               <a:buNone/>
             </a:pPr>
-            <a:r>
-              <a:t/>
-            </a:r>
             <a:endParaRPr/>
           </a:p>
           <a:p>
-            <a:pPr indent="0" lvl="0" marL="0" rtl="0" algn="l">
+            <a:pPr marL="0" lvl="0" indent="0" algn="l" rtl="0">
               <a:spcBef>
                 <a:spcPts val="1600"/>
               </a:spcBef>
@@ -14117,9 +14362,6 @@
               </a:spcAft>
               <a:buNone/>
             </a:pPr>
-            <a:r>
-              <a:t/>
-            </a:r>
             <a:endParaRPr/>
           </a:p>
         </p:txBody>
@@ -14144,12 +14386,12 @@
           </a:ln>
         </p:spPr>
         <p:txBody>
-          <a:bodyPr anchorCtr="0" anchor="t" bIns="91425" lIns="91425" spcFirstLastPara="1" rIns="91425" wrap="square" tIns="91425">
+          <a:bodyPr spcFirstLastPara="1" wrap="square" lIns="91425" tIns="91425" rIns="91425" bIns="91425" anchor="t" anchorCtr="0">
             <a:noAutofit/>
           </a:bodyPr>
           <a:lstStyle/>
           <a:p>
-            <a:pPr indent="-342900" lvl="0" marL="457200" rtl="0" algn="l">
+            <a:pPr marL="457200" lvl="0" indent="-342900" algn="l" rtl="0">
               <a:lnSpc>
                 <a:spcPct val="115000"/>
               </a:lnSpc>
@@ -14189,7 +14431,7 @@
             </a:endParaRPr>
           </a:p>
           <a:p>
-            <a:pPr indent="-342900" lvl="0" marL="457200" rtl="0" algn="l">
+            <a:pPr marL="457200" lvl="0" indent="-342900" algn="l" rtl="0">
               <a:lnSpc>
                 <a:spcPct val="115000"/>
               </a:lnSpc>
@@ -14229,7 +14471,7 @@
             </a:endParaRPr>
           </a:p>
           <a:p>
-            <a:pPr indent="-342900" lvl="0" marL="457200" rtl="0" algn="l">
+            <a:pPr marL="457200" lvl="0" indent="-342900" algn="l" rtl="0">
               <a:lnSpc>
                 <a:spcPct val="115000"/>
               </a:lnSpc>
@@ -14269,7 +14511,7 @@
             </a:endParaRPr>
           </a:p>
           <a:p>
-            <a:pPr indent="-342900" lvl="0" marL="457200" rtl="0" algn="l">
+            <a:pPr marL="457200" lvl="0" indent="-342900" algn="l" rtl="0">
               <a:lnSpc>
                 <a:spcPct val="115000"/>
               </a:lnSpc>
@@ -14309,7 +14551,7 @@
             </a:endParaRPr>
           </a:p>
           <a:p>
-            <a:pPr indent="-342900" lvl="0" marL="457200" rtl="0" algn="l">
+            <a:pPr marL="457200" lvl="0" indent="-342900" algn="l" rtl="0">
               <a:lnSpc>
                 <a:spcPct val="115000"/>
               </a:lnSpc>
@@ -14349,7 +14591,7 @@
             </a:endParaRPr>
           </a:p>
           <a:p>
-            <a:pPr indent="-342900" lvl="0" marL="457200" rtl="0" algn="l">
+            <a:pPr marL="457200" lvl="0" indent="-342900" algn="l" rtl="0">
               <a:lnSpc>
                 <a:spcPct val="115000"/>
               </a:lnSpc>
@@ -14389,7 +14631,7 @@
             </a:endParaRPr>
           </a:p>
           <a:p>
-            <a:pPr indent="-342900" lvl="0" marL="457200" rtl="0" algn="l">
+            <a:pPr marL="457200" lvl="0" indent="-342900" algn="l" rtl="0">
               <a:lnSpc>
                 <a:spcPct val="115000"/>
               </a:lnSpc>
@@ -14429,7 +14671,7 @@
             </a:endParaRPr>
           </a:p>
           <a:p>
-            <a:pPr indent="-342900" lvl="0" marL="457200" rtl="0" algn="l">
+            <a:pPr marL="457200" lvl="0" indent="-342900" algn="l" rtl="0">
               <a:lnSpc>
                 <a:spcPct val="115000"/>
               </a:lnSpc>
@@ -14469,7 +14711,7 @@
             </a:endParaRPr>
           </a:p>
           <a:p>
-            <a:pPr indent="0" lvl="0" marL="0" rtl="0" algn="l">
+            <a:pPr marL="0" lvl="0" indent="0" algn="l" rtl="0">
               <a:lnSpc>
                 <a:spcPct val="115000"/>
               </a:lnSpc>
@@ -14486,9 +14728,6 @@
               <a:buFont typeface="Arial"/>
               <a:buNone/>
             </a:pPr>
-            <a:r>
-              <a:t/>
-            </a:r>
             <a:endParaRPr sz="1800">
               <a:solidFill>
                 <a:schemeClr val="accent3"/>
@@ -14500,7 +14739,7 @@
             </a:endParaRPr>
           </a:p>
           <a:p>
-            <a:pPr indent="0" lvl="0" marL="0" rtl="0" algn="l">
+            <a:pPr marL="0" lvl="0" indent="0" algn="l" rtl="0">
               <a:spcBef>
                 <a:spcPts val="1600"/>
               </a:spcBef>
@@ -14509,9 +14748,6 @@
               </a:spcAft>
               <a:buNone/>
             </a:pPr>
-            <a:r>
-              <a:t/>
-            </a:r>
             <a:endParaRPr>
               <a:latin typeface="Proxima Nova"/>
               <a:ea typeface="Proxima Nova"/>
@@ -14541,12 +14777,12 @@
           </a:ln>
         </p:spPr>
         <p:txBody>
-          <a:bodyPr anchorCtr="0" anchor="t" bIns="91425" lIns="91425" spcFirstLastPara="1" rIns="91425" wrap="square" tIns="91425">
+          <a:bodyPr spcFirstLastPara="1" wrap="square" lIns="91425" tIns="91425" rIns="91425" bIns="91425" anchor="t" anchorCtr="0">
             <a:noAutofit/>
           </a:bodyPr>
           <a:lstStyle/>
           <a:p>
-            <a:pPr indent="-342900" lvl="0" marL="457200" rtl="0" algn="l">
+            <a:pPr marL="457200" lvl="0" indent="-342900" algn="l" rtl="0">
               <a:lnSpc>
                 <a:spcPct val="115000"/>
               </a:lnSpc>
@@ -14586,7 +14822,7 @@
             </a:endParaRPr>
           </a:p>
           <a:p>
-            <a:pPr indent="-342900" lvl="0" marL="457200" rtl="0" algn="l">
+            <a:pPr marL="457200" lvl="0" indent="-342900" algn="l" rtl="0">
               <a:lnSpc>
                 <a:spcPct val="115000"/>
               </a:lnSpc>
@@ -14626,7 +14862,7 @@
             </a:endParaRPr>
           </a:p>
           <a:p>
-            <a:pPr indent="-342900" lvl="0" marL="457200" rtl="0" algn="l">
+            <a:pPr marL="457200" lvl="0" indent="-342900" algn="l" rtl="0">
               <a:lnSpc>
                 <a:spcPct val="115000"/>
               </a:lnSpc>
@@ -14666,7 +14902,7 @@
             </a:endParaRPr>
           </a:p>
           <a:p>
-            <a:pPr indent="-342900" lvl="0" marL="457200" rtl="0" algn="l">
+            <a:pPr marL="457200" lvl="0" indent="-342900" algn="l" rtl="0">
               <a:lnSpc>
                 <a:spcPct val="115000"/>
               </a:lnSpc>
@@ -14706,7 +14942,7 @@
             </a:endParaRPr>
           </a:p>
           <a:p>
-            <a:pPr indent="-342900" lvl="0" marL="457200" rtl="0" algn="l">
+            <a:pPr marL="457200" lvl="0" indent="-342900" algn="l" rtl="0">
               <a:lnSpc>
                 <a:spcPct val="115000"/>
               </a:lnSpc>
@@ -14746,7 +14982,7 @@
             </a:endParaRPr>
           </a:p>
           <a:p>
-            <a:pPr indent="-342900" lvl="0" marL="457200" rtl="0" algn="l">
+            <a:pPr marL="457200" lvl="0" indent="-342900" algn="l" rtl="0">
               <a:lnSpc>
                 <a:spcPct val="115000"/>
               </a:lnSpc>
@@ -14799,14 +15035,14 @@
             <a:avLst/>
           </a:prstGeom>
           <a:noFill/>
-          <a:ln cap="flat" cmpd="sng" w="9525">
+          <a:ln w="9525" cap="flat" cmpd="sng">
             <a:solidFill>
               <a:schemeClr val="dk2"/>
             </a:solidFill>
             <a:prstDash val="solid"/>
             <a:round/>
-            <a:headEnd len="med" w="med" type="none"/>
-            <a:tailEnd len="med" w="med" type="none"/>
+            <a:headEnd type="none" w="med" len="med"/>
+            <a:tailEnd type="none" w="med" len="med"/>
           </a:ln>
         </p:spPr>
       </p:cxnSp>
@@ -14858,12 +15094,12 @@
           </a:ln>
         </p:spPr>
         <p:txBody>
-          <a:bodyPr anchorCtr="0" anchor="t" bIns="91425" lIns="91425" spcFirstLastPara="1" rIns="91425" wrap="square" tIns="91425">
+          <a:bodyPr spcFirstLastPara="1" wrap="square" lIns="91425" tIns="91425" rIns="91425" bIns="91425" anchor="t" anchorCtr="0">
             <a:noAutofit/>
           </a:bodyPr>
           <a:lstStyle/>
           <a:p>
-            <a:pPr indent="0" lvl="0" marL="0" rtl="0" algn="l">
+            <a:pPr marL="0" lvl="0" indent="0" algn="l" rtl="0">
               <a:lnSpc>
                 <a:spcPct val="115000"/>
               </a:lnSpc>
@@ -14950,12 +15186,12 @@
           </a:ln>
         </p:spPr>
         <p:txBody>
-          <a:bodyPr anchorCtr="0" anchor="t" bIns="91425" lIns="91425" spcFirstLastPara="1" rIns="91425" wrap="square" tIns="91425">
+          <a:bodyPr spcFirstLastPara="1" wrap="square" lIns="91425" tIns="91425" rIns="91425" bIns="91425" anchor="t" anchorCtr="0">
             <a:noAutofit/>
           </a:bodyPr>
           <a:lstStyle/>
           <a:p>
-            <a:pPr indent="0" lvl="0" marL="0" rtl="0" algn="l">
+            <a:pPr marL="0" lvl="0" indent="0" algn="l" rtl="0">
               <a:spcBef>
                 <a:spcPts val="0"/>
               </a:spcBef>
@@ -14986,7 +15222,288 @@
 </file>
 
 <file path=ppt/theme/theme1.xml><?xml version="1.0" encoding="utf-8"?>
-<a:theme xmlns:a="http://schemas.openxmlformats.org/drawingml/2006/main" xmlns:r="http://schemas.openxmlformats.org/officeDocument/2006/relationships">
+<a:theme xmlns:a="http://schemas.openxmlformats.org/drawingml/2006/main" name="Spearmint">
+  <a:themeElements>
+    <a:clrScheme name="Spearmint">
+      <a:dk1>
+        <a:srgbClr val="202729"/>
+      </a:dk1>
+      <a:lt1>
+        <a:srgbClr val="FFFFFF"/>
+      </a:lt1>
+      <a:dk2>
+        <a:srgbClr val="4BA173"/>
+      </a:dk2>
+      <a:lt2>
+        <a:srgbClr val="63D297"/>
+      </a:lt2>
+      <a:accent1>
+        <a:srgbClr val="353744"/>
+      </a:accent1>
+      <a:accent2>
+        <a:srgbClr val="424242"/>
+      </a:accent2>
+      <a:accent3>
+        <a:srgbClr val="616161"/>
+      </a:accent3>
+      <a:accent4>
+        <a:srgbClr val="999999"/>
+      </a:accent4>
+      <a:accent5>
+        <a:srgbClr val="FF5252"/>
+      </a:accent5>
+      <a:accent6>
+        <a:srgbClr val="FFF176"/>
+      </a:accent6>
+      <a:hlink>
+        <a:srgbClr val="FF5252"/>
+      </a:hlink>
+      <a:folHlink>
+        <a:srgbClr val="FF5252"/>
+      </a:folHlink>
+    </a:clrScheme>
+    <a:fontScheme name="Office">
+      <a:majorFont>
+        <a:latin typeface="Arial"/>
+        <a:ea typeface=""/>
+        <a:cs typeface=""/>
+        <a:font script="Jpan" typeface="ＭＳ Ｐゴシック"/>
+        <a:font script="Hang" typeface="맑은 고딕"/>
+        <a:font script="Hans" typeface="宋体"/>
+        <a:font script="Hant" typeface="新細明體"/>
+        <a:font script="Arab" typeface="Times New Roman"/>
+        <a:font script="Hebr" typeface="Times New Roman"/>
+        <a:font script="Thai" typeface="Angsana New"/>
+        <a:font script="Ethi" typeface="Nyala"/>
+        <a:font script="Beng" typeface="Vrinda"/>
+        <a:font script="Gujr" typeface="Shruti"/>
+        <a:font script="Khmr" typeface="MoolBoran"/>
+        <a:font script="Knda" typeface="Tunga"/>
+        <a:font script="Guru" typeface="Raavi"/>
+        <a:font script="Cans" typeface="Euphemia"/>
+        <a:font script="Cher" typeface="Plantagenet Cherokee"/>
+        <a:font script="Yiii" typeface="Microsoft Yi Baiti"/>
+        <a:font script="Tibt" typeface="Microsoft Himalaya"/>
+        <a:font script="Thaa" typeface="MV Boli"/>
+        <a:font script="Deva" typeface="Mangal"/>
+        <a:font script="Telu" typeface="Gautami"/>
+        <a:font script="Taml" typeface="Latha"/>
+        <a:font script="Syrc" typeface="Estrangelo Edessa"/>
+        <a:font script="Orya" typeface="Kalinga"/>
+        <a:font script="Mlym" typeface="Kartika"/>
+        <a:font script="Laoo" typeface="DokChampa"/>
+        <a:font script="Sinh" typeface="Iskoola Pota"/>
+        <a:font script="Mong" typeface="Mongolian Baiti"/>
+        <a:font script="Viet" typeface="Times New Roman"/>
+        <a:font script="Uigh" typeface="Microsoft Uighur"/>
+        <a:font script="Geor" typeface="Sylfaen"/>
+      </a:majorFont>
+      <a:minorFont>
+        <a:latin typeface="Arial"/>
+        <a:ea typeface=""/>
+        <a:cs typeface=""/>
+        <a:font script="Jpan" typeface="ＭＳ Ｐゴシック"/>
+        <a:font script="Hang" typeface="맑은 고딕"/>
+        <a:font script="Hans" typeface="宋体"/>
+        <a:font script="Hant" typeface="新細明體"/>
+        <a:font script="Arab" typeface="Arial"/>
+        <a:font script="Hebr" typeface="Arial"/>
+        <a:font script="Thai" typeface="Cordia New"/>
+        <a:font script="Ethi" typeface="Nyala"/>
+        <a:font script="Beng" typeface="Vrinda"/>
+        <a:font script="Gujr" typeface="Shruti"/>
+        <a:font script="Khmr" typeface="DaunPenh"/>
+        <a:font script="Knda" typeface="Tunga"/>
+        <a:font script="Guru" typeface="Raavi"/>
+        <a:font script="Cans" typeface="Euphemia"/>
+        <a:font script="Cher" typeface="Plantagenet Cherokee"/>
+        <a:font script="Yiii" typeface="Microsoft Yi Baiti"/>
+        <a:font script="Tibt" typeface="Microsoft Himalaya"/>
+        <a:font script="Thaa" typeface="MV Boli"/>
+        <a:font script="Deva" typeface="Mangal"/>
+        <a:font script="Telu" typeface="Gautami"/>
+        <a:font script="Taml" typeface="Latha"/>
+        <a:font script="Syrc" typeface="Estrangelo Edessa"/>
+        <a:font script="Orya" typeface="Kalinga"/>
+        <a:font script="Mlym" typeface="Kartika"/>
+        <a:font script="Laoo" typeface="DokChampa"/>
+        <a:font script="Sinh" typeface="Iskoola Pota"/>
+        <a:font script="Mong" typeface="Mongolian Baiti"/>
+        <a:font script="Viet" typeface="Arial"/>
+        <a:font script="Uigh" typeface="Microsoft Uighur"/>
+        <a:font script="Geor" typeface="Sylfaen"/>
+      </a:minorFont>
+    </a:fontScheme>
+    <a:fmtScheme name="Office">
+      <a:fillStyleLst>
+        <a:solidFill>
+          <a:schemeClr val="phClr"/>
+        </a:solidFill>
+        <a:gradFill rotWithShape="1">
+          <a:gsLst>
+            <a:gs pos="0">
+              <a:schemeClr val="phClr">
+                <a:tint val="50000"/>
+                <a:satMod val="300000"/>
+              </a:schemeClr>
+            </a:gs>
+            <a:gs pos="35000">
+              <a:schemeClr val="phClr">
+                <a:tint val="37000"/>
+                <a:satMod val="300000"/>
+              </a:schemeClr>
+            </a:gs>
+            <a:gs pos="100000">
+              <a:schemeClr val="phClr">
+                <a:tint val="15000"/>
+                <a:satMod val="350000"/>
+              </a:schemeClr>
+            </a:gs>
+          </a:gsLst>
+          <a:lin ang="16200000" scaled="1"/>
+        </a:gradFill>
+        <a:gradFill rotWithShape="1">
+          <a:gsLst>
+            <a:gs pos="0">
+              <a:schemeClr val="phClr">
+                <a:tint val="100000"/>
+                <a:shade val="100000"/>
+                <a:satMod val="130000"/>
+              </a:schemeClr>
+            </a:gs>
+            <a:gs pos="100000">
+              <a:schemeClr val="phClr">
+                <a:tint val="50000"/>
+                <a:shade val="100000"/>
+                <a:satMod val="350000"/>
+              </a:schemeClr>
+            </a:gs>
+          </a:gsLst>
+          <a:lin ang="16200000" scaled="0"/>
+        </a:gradFill>
+      </a:fillStyleLst>
+      <a:lnStyleLst>
+        <a:ln w="9525" cap="flat" cmpd="sng" algn="ctr">
+          <a:solidFill>
+            <a:schemeClr val="phClr">
+              <a:shade val="95000"/>
+              <a:satMod val="105000"/>
+            </a:schemeClr>
+          </a:solidFill>
+          <a:prstDash val="solid"/>
+        </a:ln>
+        <a:ln w="25400" cap="flat" cmpd="sng" algn="ctr">
+          <a:solidFill>
+            <a:schemeClr val="phClr"/>
+          </a:solidFill>
+          <a:prstDash val="solid"/>
+        </a:ln>
+        <a:ln w="38100" cap="flat" cmpd="sng" algn="ctr">
+          <a:solidFill>
+            <a:schemeClr val="phClr"/>
+          </a:solidFill>
+          <a:prstDash val="solid"/>
+        </a:ln>
+      </a:lnStyleLst>
+      <a:effectStyleLst>
+        <a:effectStyle>
+          <a:effectLst>
+            <a:outerShdw blurRad="40000" dist="20000" dir="5400000" rotWithShape="0">
+              <a:srgbClr val="000000">
+                <a:alpha val="38000"/>
+              </a:srgbClr>
+            </a:outerShdw>
+          </a:effectLst>
+        </a:effectStyle>
+        <a:effectStyle>
+          <a:effectLst>
+            <a:outerShdw blurRad="40000" dist="23000" dir="5400000" rotWithShape="0">
+              <a:srgbClr val="000000">
+                <a:alpha val="35000"/>
+              </a:srgbClr>
+            </a:outerShdw>
+          </a:effectLst>
+        </a:effectStyle>
+        <a:effectStyle>
+          <a:effectLst>
+            <a:outerShdw blurRad="40000" dist="23000" dir="5400000" rotWithShape="0">
+              <a:srgbClr val="000000">
+                <a:alpha val="35000"/>
+              </a:srgbClr>
+            </a:outerShdw>
+          </a:effectLst>
+          <a:scene3d>
+            <a:camera prst="orthographicFront">
+              <a:rot lat="0" lon="0" rev="0"/>
+            </a:camera>
+            <a:lightRig rig="threePt" dir="t">
+              <a:rot lat="0" lon="0" rev="1200000"/>
+            </a:lightRig>
+          </a:scene3d>
+          <a:sp3d>
+            <a:bevelT w="63500" h="25400"/>
+          </a:sp3d>
+        </a:effectStyle>
+      </a:effectStyleLst>
+      <a:bgFillStyleLst>
+        <a:solidFill>
+          <a:schemeClr val="phClr"/>
+        </a:solidFill>
+        <a:gradFill rotWithShape="1">
+          <a:gsLst>
+            <a:gs pos="0">
+              <a:schemeClr val="phClr">
+                <a:tint val="40000"/>
+                <a:satMod val="350000"/>
+              </a:schemeClr>
+            </a:gs>
+            <a:gs pos="40000">
+              <a:schemeClr val="phClr">
+                <a:tint val="45000"/>
+                <a:shade val="99000"/>
+                <a:satMod val="350000"/>
+              </a:schemeClr>
+            </a:gs>
+            <a:gs pos="100000">
+              <a:schemeClr val="phClr">
+                <a:shade val="20000"/>
+                <a:satMod val="255000"/>
+              </a:schemeClr>
+            </a:gs>
+          </a:gsLst>
+          <a:path path="circle">
+            <a:fillToRect l="50000" t="-80000" r="50000" b="180000"/>
+          </a:path>
+        </a:gradFill>
+        <a:gradFill rotWithShape="1">
+          <a:gsLst>
+            <a:gs pos="0">
+              <a:schemeClr val="phClr">
+                <a:tint val="80000"/>
+                <a:satMod val="300000"/>
+              </a:schemeClr>
+            </a:gs>
+            <a:gs pos="100000">
+              <a:schemeClr val="phClr">
+                <a:shade val="30000"/>
+                <a:satMod val="200000"/>
+              </a:schemeClr>
+            </a:gs>
+          </a:gsLst>
+          <a:path path="circle">
+            <a:fillToRect l="50000" t="50000" r="50000" b="50000"/>
+          </a:path>
+        </a:gradFill>
+      </a:bgFillStyleLst>
+    </a:fmtScheme>
+  </a:themeElements>
+  <a:objectDefaults/>
+  <a:extraClrSchemeLst/>
+</a:theme>
+</file>
+
+<file path=ppt/theme/theme2.xml><?xml version="1.0" encoding="utf-8"?>
+<a:theme xmlns:a="http://schemas.openxmlformats.org/drawingml/2006/main">
   <a:themeElements>
     <a:clrScheme name="Default">
       <a:dk1>
@@ -15261,284 +15778,7 @@
       </a:bgFillStyleLst>
     </a:fmtScheme>
   </a:themeElements>
-</a:theme>
-</file>
-
-<file path=ppt/theme/theme2.xml><?xml version="1.0" encoding="utf-8"?>
-<a:theme xmlns:a="http://schemas.openxmlformats.org/drawingml/2006/main" xmlns:r="http://schemas.openxmlformats.org/officeDocument/2006/relationships" name="Spearmint">
-  <a:themeElements>
-    <a:clrScheme name="Spearmint">
-      <a:dk1>
-        <a:srgbClr val="202729"/>
-      </a:dk1>
-      <a:lt1>
-        <a:srgbClr val="FFFFFF"/>
-      </a:lt1>
-      <a:dk2>
-        <a:srgbClr val="4BA173"/>
-      </a:dk2>
-      <a:lt2>
-        <a:srgbClr val="63D297"/>
-      </a:lt2>
-      <a:accent1>
-        <a:srgbClr val="353744"/>
-      </a:accent1>
-      <a:accent2>
-        <a:srgbClr val="424242"/>
-      </a:accent2>
-      <a:accent3>
-        <a:srgbClr val="616161"/>
-      </a:accent3>
-      <a:accent4>
-        <a:srgbClr val="999999"/>
-      </a:accent4>
-      <a:accent5>
-        <a:srgbClr val="FF5252"/>
-      </a:accent5>
-      <a:accent6>
-        <a:srgbClr val="FFF176"/>
-      </a:accent6>
-      <a:hlink>
-        <a:srgbClr val="FF5252"/>
-      </a:hlink>
-      <a:folHlink>
-        <a:srgbClr val="FF5252"/>
-      </a:folHlink>
-    </a:clrScheme>
-    <a:fontScheme name="Office">
-      <a:majorFont>
-        <a:latin typeface="Arial"/>
-        <a:ea typeface=""/>
-        <a:cs typeface=""/>
-        <a:font script="Jpan" typeface="ＭＳ Ｐゴシック"/>
-        <a:font script="Hang" typeface="맑은 고딕"/>
-        <a:font script="Hans" typeface="宋体"/>
-        <a:font script="Hant" typeface="新細明體"/>
-        <a:font script="Arab" typeface="Times New Roman"/>
-        <a:font script="Hebr" typeface="Times New Roman"/>
-        <a:font script="Thai" typeface="Angsana New"/>
-        <a:font script="Ethi" typeface="Nyala"/>
-        <a:font script="Beng" typeface="Vrinda"/>
-        <a:font script="Gujr" typeface="Shruti"/>
-        <a:font script="Khmr" typeface="MoolBoran"/>
-        <a:font script="Knda" typeface="Tunga"/>
-        <a:font script="Guru" typeface="Raavi"/>
-        <a:font script="Cans" typeface="Euphemia"/>
-        <a:font script="Cher" typeface="Plantagenet Cherokee"/>
-        <a:font script="Yiii" typeface="Microsoft Yi Baiti"/>
-        <a:font script="Tibt" typeface="Microsoft Himalaya"/>
-        <a:font script="Thaa" typeface="MV Boli"/>
-        <a:font script="Deva" typeface="Mangal"/>
-        <a:font script="Telu" typeface="Gautami"/>
-        <a:font script="Taml" typeface="Latha"/>
-        <a:font script="Syrc" typeface="Estrangelo Edessa"/>
-        <a:font script="Orya" typeface="Kalinga"/>
-        <a:font script="Mlym" typeface="Kartika"/>
-        <a:font script="Laoo" typeface="DokChampa"/>
-        <a:font script="Sinh" typeface="Iskoola Pota"/>
-        <a:font script="Mong" typeface="Mongolian Baiti"/>
-        <a:font script="Viet" typeface="Times New Roman"/>
-        <a:font script="Uigh" typeface="Microsoft Uighur"/>
-        <a:font script="Geor" typeface="Sylfaen"/>
-      </a:majorFont>
-      <a:minorFont>
-        <a:latin typeface="Arial"/>
-        <a:ea typeface=""/>
-        <a:cs typeface=""/>
-        <a:font script="Jpan" typeface="ＭＳ Ｐゴシック"/>
-        <a:font script="Hang" typeface="맑은 고딕"/>
-        <a:font script="Hans" typeface="宋体"/>
-        <a:font script="Hant" typeface="新細明體"/>
-        <a:font script="Arab" typeface="Arial"/>
-        <a:font script="Hebr" typeface="Arial"/>
-        <a:font script="Thai" typeface="Cordia New"/>
-        <a:font script="Ethi" typeface="Nyala"/>
-        <a:font script="Beng" typeface="Vrinda"/>
-        <a:font script="Gujr" typeface="Shruti"/>
-        <a:font script="Khmr" typeface="DaunPenh"/>
-        <a:font script="Knda" typeface="Tunga"/>
-        <a:font script="Guru" typeface="Raavi"/>
-        <a:font script="Cans" typeface="Euphemia"/>
-        <a:font script="Cher" typeface="Plantagenet Cherokee"/>
-        <a:font script="Yiii" typeface="Microsoft Yi Baiti"/>
-        <a:font script="Tibt" typeface="Microsoft Himalaya"/>
-        <a:font script="Thaa" typeface="MV Boli"/>
-        <a:font script="Deva" typeface="Mangal"/>
-        <a:font script="Telu" typeface="Gautami"/>
-        <a:font script="Taml" typeface="Latha"/>
-        <a:font script="Syrc" typeface="Estrangelo Edessa"/>
-        <a:font script="Orya" typeface="Kalinga"/>
-        <a:font script="Mlym" typeface="Kartika"/>
-        <a:font script="Laoo" typeface="DokChampa"/>
-        <a:font script="Sinh" typeface="Iskoola Pota"/>
-        <a:font script="Mong" typeface="Mongolian Baiti"/>
-        <a:font script="Viet" typeface="Arial"/>
-        <a:font script="Uigh" typeface="Microsoft Uighur"/>
-        <a:font script="Geor" typeface="Sylfaen"/>
-      </a:minorFont>
-    </a:fontScheme>
-    <a:fmtScheme name="Office">
-      <a:fillStyleLst>
-        <a:solidFill>
-          <a:schemeClr val="phClr"/>
-        </a:solidFill>
-        <a:gradFill rotWithShape="1">
-          <a:gsLst>
-            <a:gs pos="0">
-              <a:schemeClr val="phClr">
-                <a:tint val="50000"/>
-                <a:satMod val="300000"/>
-              </a:schemeClr>
-            </a:gs>
-            <a:gs pos="35000">
-              <a:schemeClr val="phClr">
-                <a:tint val="37000"/>
-                <a:satMod val="300000"/>
-              </a:schemeClr>
-            </a:gs>
-            <a:gs pos="100000">
-              <a:schemeClr val="phClr">
-                <a:tint val="15000"/>
-                <a:satMod val="350000"/>
-              </a:schemeClr>
-            </a:gs>
-          </a:gsLst>
-          <a:lin ang="16200000" scaled="1"/>
-        </a:gradFill>
-        <a:gradFill rotWithShape="1">
-          <a:gsLst>
-            <a:gs pos="0">
-              <a:schemeClr val="phClr">
-                <a:tint val="100000"/>
-                <a:shade val="100000"/>
-                <a:satMod val="130000"/>
-              </a:schemeClr>
-            </a:gs>
-            <a:gs pos="100000">
-              <a:schemeClr val="phClr">
-                <a:tint val="50000"/>
-                <a:shade val="100000"/>
-                <a:satMod val="350000"/>
-              </a:schemeClr>
-            </a:gs>
-          </a:gsLst>
-          <a:lin ang="16200000" scaled="0"/>
-        </a:gradFill>
-      </a:fillStyleLst>
-      <a:lnStyleLst>
-        <a:ln w="9525" cap="flat" cmpd="sng" algn="ctr">
-          <a:solidFill>
-            <a:schemeClr val="phClr">
-              <a:shade val="95000"/>
-              <a:satMod val="105000"/>
-            </a:schemeClr>
-          </a:solidFill>
-          <a:prstDash val="solid"/>
-        </a:ln>
-        <a:ln w="25400" cap="flat" cmpd="sng" algn="ctr">
-          <a:solidFill>
-            <a:schemeClr val="phClr"/>
-          </a:solidFill>
-          <a:prstDash val="solid"/>
-        </a:ln>
-        <a:ln w="38100" cap="flat" cmpd="sng" algn="ctr">
-          <a:solidFill>
-            <a:schemeClr val="phClr"/>
-          </a:solidFill>
-          <a:prstDash val="solid"/>
-        </a:ln>
-      </a:lnStyleLst>
-      <a:effectStyleLst>
-        <a:effectStyle>
-          <a:effectLst>
-            <a:outerShdw blurRad="40000" dist="20000" dir="5400000" rotWithShape="0">
-              <a:srgbClr val="000000">
-                <a:alpha val="38000"/>
-              </a:srgbClr>
-            </a:outerShdw>
-          </a:effectLst>
-        </a:effectStyle>
-        <a:effectStyle>
-          <a:effectLst>
-            <a:outerShdw blurRad="40000" dist="23000" dir="5400000" rotWithShape="0">
-              <a:srgbClr val="000000">
-                <a:alpha val="35000"/>
-              </a:srgbClr>
-            </a:outerShdw>
-          </a:effectLst>
-        </a:effectStyle>
-        <a:effectStyle>
-          <a:effectLst>
-            <a:outerShdw blurRad="40000" dist="23000" dir="5400000" rotWithShape="0">
-              <a:srgbClr val="000000">
-                <a:alpha val="35000"/>
-              </a:srgbClr>
-            </a:outerShdw>
-          </a:effectLst>
-          <a:scene3d>
-            <a:camera prst="orthographicFront">
-              <a:rot lat="0" lon="0" rev="0"/>
-            </a:camera>
-            <a:lightRig rig="threePt" dir="t">
-              <a:rot lat="0" lon="0" rev="1200000"/>
-            </a:lightRig>
-          </a:scene3d>
-          <a:sp3d>
-            <a:bevelT w="63500" h="25400"/>
-          </a:sp3d>
-        </a:effectStyle>
-      </a:effectStyleLst>
-      <a:bgFillStyleLst>
-        <a:solidFill>
-          <a:schemeClr val="phClr"/>
-        </a:solidFill>
-        <a:gradFill rotWithShape="1">
-          <a:gsLst>
-            <a:gs pos="0">
-              <a:schemeClr val="phClr">
-                <a:tint val="40000"/>
-                <a:satMod val="350000"/>
-              </a:schemeClr>
-            </a:gs>
-            <a:gs pos="40000">
-              <a:schemeClr val="phClr">
-                <a:tint val="45000"/>
-                <a:shade val="99000"/>
-                <a:satMod val="350000"/>
-              </a:schemeClr>
-            </a:gs>
-            <a:gs pos="100000">
-              <a:schemeClr val="phClr">
-                <a:shade val="20000"/>
-                <a:satMod val="255000"/>
-              </a:schemeClr>
-            </a:gs>
-          </a:gsLst>
-          <a:path path="circle">
-            <a:fillToRect l="50000" t="-80000" r="50000" b="180000"/>
-          </a:path>
-        </a:gradFill>
-        <a:gradFill rotWithShape="1">
-          <a:gsLst>
-            <a:gs pos="0">
-              <a:schemeClr val="phClr">
-                <a:tint val="80000"/>
-                <a:satMod val="300000"/>
-              </a:schemeClr>
-            </a:gs>
-            <a:gs pos="100000">
-              <a:schemeClr val="phClr">
-                <a:shade val="30000"/>
-                <a:satMod val="200000"/>
-              </a:schemeClr>
-            </a:gs>
-          </a:gsLst>
-          <a:path path="circle">
-            <a:fillToRect l="50000" t="50000" r="50000" b="50000"/>
-          </a:path>
-        </a:gradFill>
-      </a:bgFillStyleLst>
-    </a:fmtScheme>
-  </a:themeElements>
+  <a:objectDefaults/>
+  <a:extraClrSchemeLst/>
 </a:theme>
 </file>